--- a/2023-07-27 ABP Community Talks 2023.5/ABP Mobile Options.pptx
+++ b/2023-07-27 ABP Community Talks 2023.5/ABP Mobile Options.pptx
@@ -11,9 +11,9 @@
     <p:sldId id="259" r:id="rId5"/>
     <p:sldId id="260" r:id="rId6"/>
     <p:sldId id="266" r:id="rId7"/>
-    <p:sldId id="263" r:id="rId8"/>
-    <p:sldId id="261" r:id="rId9"/>
-    <p:sldId id="264" r:id="rId10"/>
+    <p:sldId id="261" r:id="rId8"/>
+    <p:sldId id="264" r:id="rId9"/>
+    <p:sldId id="263" r:id="rId10"/>
     <p:sldId id="265" r:id="rId11"/>
   </p:sldIdLst>
   <p:sldSz cx="12192000" cy="6858000"/>
@@ -4604,11 +4604,28 @@
             <p:ph type="title"/>
           </p:nvPr>
         </p:nvSpPr>
-        <p:spPr/>
-        <p:txBody>
-          <a:bodyPr/>
-          <a:lstStyle/>
-          <a:p>
+        <p:spPr>
+          <a:xfrm>
+            <a:off x="461913" y="365126"/>
+            <a:ext cx="10891887" cy="1014222"/>
+          </a:xfrm>
+        </p:spPr>
+        <p:txBody>
+          <a:bodyPr>
+            <a:normAutofit fontScale="90000"/>
+          </a:bodyPr>
+          <a:lstStyle/>
+          <a:p>
+            <a:r>
+              <a:rPr lang="tr-TR" dirty="0">
+                <a:solidFill>
+                  <a:srgbClr val="292D33"/>
+                </a:solidFill>
+                <a:latin typeface="Euclid Circular B" panose="020B0504000000000000" pitchFamily="34" charset="0"/>
+                <a:ea typeface="Euclid Circular B" panose="020B0504000000000000" pitchFamily="34" charset="0"/>
+              </a:rPr>
+              <a:t>Video Series: </a:t>
+            </a:r>
             <a:r>
               <a:rPr lang="tr-TR" b="1" dirty="0">
                 <a:solidFill>
@@ -4617,9 +4634,28 @@
                 <a:latin typeface="Euclid Circular B" panose="020B0504000000000000" pitchFamily="34" charset="0"/>
                 <a:ea typeface="Euclid Circular B" panose="020B0504000000000000" pitchFamily="34" charset="0"/>
               </a:rPr>
-              <a:t>ABP Community Stats</a:t>
-            </a:r>
-            <a:endParaRPr lang="en-US" b="1" dirty="0">
+              <a:t>ABP Framework Essentials</a:t>
+            </a:r>
+            <a:br>
+              <a:rPr lang="tr-TR" b="1" dirty="0">
+                <a:solidFill>
+                  <a:srgbClr val="292D33"/>
+                </a:solidFill>
+                <a:latin typeface="Euclid Circular B" panose="020B0504000000000000" pitchFamily="34" charset="0"/>
+                <a:ea typeface="Euclid Circular B" panose="020B0504000000000000" pitchFamily="34" charset="0"/>
+              </a:rPr>
+            </a:br>
+            <a:r>
+              <a:rPr lang="tr-TR" sz="2700" dirty="0">
+                <a:solidFill>
+                  <a:srgbClr val="292D33"/>
+                </a:solidFill>
+                <a:latin typeface="Euclid Circular B" panose="020B0504000000000000" pitchFamily="34" charset="0"/>
+                <a:ea typeface="Euclid Circular B" panose="020B0504000000000000" pitchFamily="34" charset="0"/>
+              </a:rPr>
+              <a:t>7 videos / 100 minutes of content</a:t>
+            </a:r>
+            <a:endParaRPr lang="en-US" dirty="0">
               <a:solidFill>
                 <a:srgbClr val="292D33"/>
               </a:solidFill>
@@ -4629,136 +4665,42 @@
           </a:p>
         </p:txBody>
       </p:sp>
-      <p:sp>
-        <p:nvSpPr>
-          <p:cNvPr id="3" name="Content Placeholder 2">
-            <a:extLst>
-              <a:ext uri="{FF2B5EF4-FFF2-40B4-BE49-F238E27FC236}">
-                <a16:creationId xmlns:a16="http://schemas.microsoft.com/office/drawing/2014/main" id="{891C7693-D3DF-4635-96F4-97F3B4136FDF}"/>
-              </a:ext>
-            </a:extLst>
-          </p:cNvPr>
-          <p:cNvSpPr>
-            <a:spLocks noGrp="1"/>
-          </p:cNvSpPr>
-          <p:nvPr>
-            <p:ph idx="1"/>
-          </p:nvPr>
-        </p:nvSpPr>
+      <p:pic>
+        <p:nvPicPr>
+          <p:cNvPr id="7" name="Picture 6">
+            <a:extLst>
+              <a:ext uri="{FF2B5EF4-FFF2-40B4-BE49-F238E27FC236}">
+                <a16:creationId xmlns:a16="http://schemas.microsoft.com/office/drawing/2014/main" id="{631E8F1F-5DE5-D84C-2A5D-6E18BB9541B0}"/>
+              </a:ext>
+            </a:extLst>
+          </p:cNvPr>
+          <p:cNvPicPr>
+            <a:picLocks noChangeAspect="1"/>
+          </p:cNvPicPr>
+          <p:nvPr/>
+        </p:nvPicPr>
+        <p:blipFill>
+          <a:blip r:embed="rId3"/>
+          <a:stretch>
+            <a:fillRect/>
+          </a:stretch>
+        </p:blipFill>
         <p:spPr>
           <a:xfrm>
-            <a:off x="838200" y="1825625"/>
-            <a:ext cx="3256722" cy="4351338"/>
+            <a:off x="461913" y="1379347"/>
+            <a:ext cx="11547835" cy="4722021"/>
           </a:xfrm>
+          <a:prstGeom prst="rect">
+            <a:avLst/>
+          </a:prstGeom>
         </p:spPr>
-        <p:txBody>
-          <a:bodyPr>
-            <a:normAutofit/>
-          </a:bodyPr>
-          <a:lstStyle/>
-          <a:p>
-            <a:r>
-              <a:rPr lang="tr-TR" sz="2400" b="1" dirty="0">
-                <a:latin typeface="Euclid Circular B" panose="020B0504000000000000" pitchFamily="34" charset="0"/>
-                <a:ea typeface="Euclid Circular B" panose="020B0504000000000000" pitchFamily="34" charset="0"/>
-              </a:rPr>
-              <a:t>163 </a:t>
-            </a:r>
-            <a:r>
-              <a:rPr lang="tr-TR" sz="2400" dirty="0">
-                <a:latin typeface="Euclid Circular B" panose="020B0504000000000000" pitchFamily="34" charset="0"/>
-                <a:ea typeface="Euclid Circular B" panose="020B0504000000000000" pitchFamily="34" charset="0"/>
-              </a:rPr>
-              <a:t>Text Articles</a:t>
-            </a:r>
-          </a:p>
-          <a:p>
-            <a:r>
-              <a:rPr lang="tr-TR" sz="2400" b="1" dirty="0">
-                <a:latin typeface="Euclid Circular B" panose="020B0504000000000000" pitchFamily="34" charset="0"/>
-                <a:ea typeface="Euclid Circular B" panose="020B0504000000000000" pitchFamily="34" charset="0"/>
-              </a:rPr>
-              <a:t>96 </a:t>
-            </a:r>
-            <a:r>
-              <a:rPr lang="tr-TR" sz="2400" dirty="0">
-                <a:latin typeface="Euclid Circular B" panose="020B0504000000000000" pitchFamily="34" charset="0"/>
-                <a:ea typeface="Euclid Circular B" panose="020B0504000000000000" pitchFamily="34" charset="0"/>
-              </a:rPr>
-              <a:t>Video Posts</a:t>
-            </a:r>
-          </a:p>
-          <a:p>
-            <a:r>
-              <a:rPr lang="tr-TR" sz="2400" dirty="0">
-                <a:latin typeface="Euclid Circular B" panose="020B0504000000000000" pitchFamily="34" charset="0"/>
-                <a:ea typeface="Euclid Circular B" panose="020B0504000000000000" pitchFamily="34" charset="0"/>
-              </a:rPr>
-              <a:t>By </a:t>
-            </a:r>
-            <a:r>
-              <a:rPr lang="tr-TR" sz="2400" b="1" dirty="0">
-                <a:latin typeface="Euclid Circular B" panose="020B0504000000000000" pitchFamily="34" charset="0"/>
-                <a:ea typeface="Euclid Circular B" panose="020B0504000000000000" pitchFamily="34" charset="0"/>
-              </a:rPr>
-              <a:t>XXX</a:t>
-            </a:r>
-            <a:r>
-              <a:rPr lang="tr-TR" sz="2400" dirty="0">
-                <a:latin typeface="Euclid Circular B" panose="020B0504000000000000" pitchFamily="34" charset="0"/>
-                <a:ea typeface="Euclid Circular B" panose="020B0504000000000000" pitchFamily="34" charset="0"/>
-              </a:rPr>
-              <a:t> Authors</a:t>
-            </a:r>
-          </a:p>
-          <a:p>
-            <a:r>
-              <a:rPr lang="tr-TR" sz="2400" dirty="0">
-                <a:latin typeface="Euclid Circular B" panose="020B0504000000000000" pitchFamily="34" charset="0"/>
-                <a:ea typeface="Euclid Circular B" panose="020B0504000000000000" pitchFamily="34" charset="0"/>
-              </a:rPr>
-              <a:t>In </a:t>
-            </a:r>
-            <a:r>
-              <a:rPr lang="tr-TR" sz="2400" b="1" dirty="0">
-                <a:latin typeface="Euclid Circular B" panose="020B0504000000000000" pitchFamily="34" charset="0"/>
-                <a:ea typeface="Euclid Circular B" panose="020B0504000000000000" pitchFamily="34" charset="0"/>
-              </a:rPr>
-              <a:t>3</a:t>
-            </a:r>
-            <a:r>
-              <a:rPr lang="tr-TR" sz="2400" dirty="0">
-                <a:latin typeface="Euclid Circular B" panose="020B0504000000000000" pitchFamily="34" charset="0"/>
-                <a:ea typeface="Euclid Circular B" panose="020B0504000000000000" pitchFamily="34" charset="0"/>
-              </a:rPr>
-              <a:t> Languages</a:t>
-            </a:r>
-            <a:br>
-              <a:rPr lang="tr-TR" sz="2400" dirty="0">
-                <a:latin typeface="Euclid Circular B" panose="020B0504000000000000" pitchFamily="34" charset="0"/>
-                <a:ea typeface="Euclid Circular B" panose="020B0504000000000000" pitchFamily="34" charset="0"/>
-              </a:rPr>
-            </a:br>
-            <a:r>
-              <a:rPr lang="tr-TR" sz="1800" dirty="0">
-                <a:latin typeface="Euclid Circular B" panose="020B0504000000000000" pitchFamily="34" charset="0"/>
-                <a:ea typeface="Euclid Circular B" panose="020B0504000000000000" pitchFamily="34" charset="0"/>
-              </a:rPr>
-              <a:t>(English, Chinese, Turkish)</a:t>
-            </a:r>
-            <a:endParaRPr lang="en-US" sz="1800" dirty="0">
-              <a:latin typeface="Euclid Circular B" panose="020B0504000000000000" pitchFamily="34" charset="0"/>
-              <a:ea typeface="Euclid Circular B" panose="020B0504000000000000" pitchFamily="34" charset="0"/>
-            </a:endParaRPr>
-          </a:p>
-        </p:txBody>
-      </p:sp>
-      <p:sp>
-        <p:nvSpPr>
-          <p:cNvPr id="7" name="TextBox 6">
-            <a:extLst>
-              <a:ext uri="{FF2B5EF4-FFF2-40B4-BE49-F238E27FC236}">
-                <a16:creationId xmlns:a16="http://schemas.microsoft.com/office/drawing/2014/main" id="{F06AA427-71C1-DF20-48F9-7E857E95CF05}"/>
+      </p:pic>
+      <p:sp>
+        <p:nvSpPr>
+          <p:cNvPr id="9" name="TextBox 8">
+            <a:extLst>
+              <a:ext uri="{FF2B5EF4-FFF2-40B4-BE49-F238E27FC236}">
+                <a16:creationId xmlns:a16="http://schemas.microsoft.com/office/drawing/2014/main" id="{BBB315E3-EE0C-4522-4953-B8EDE42968C3}"/>
               </a:ext>
             </a:extLst>
           </p:cNvPr>
@@ -4767,8 +4709,8 @@
         </p:nvSpPr>
         <p:spPr>
           <a:xfrm>
-            <a:off x="4282316" y="1690688"/>
-            <a:ext cx="7629525" cy="523220"/>
+            <a:off x="461913" y="6231265"/>
+            <a:ext cx="9978150" cy="523220"/>
           </a:xfrm>
           <a:prstGeom prst="rect">
             <a:avLst/>
@@ -4783,9 +4725,9 @@
           <a:p>
             <a:r>
               <a:rPr lang="en-US" sz="2800" b="1" dirty="0">
-                <a:hlinkClick r:id="rId3"/>
-              </a:rPr>
-              <a:t>https://community.abp.io/posts/submit</a:t>
+                <a:hlinkClick r:id="rId4"/>
+              </a:rPr>
+              <a:t>https://www.youtube.com/@Volosoft</a:t>
             </a:r>
             <a:r>
               <a:rPr lang="tr-TR" sz="2800" b="1" dirty="0"/>
@@ -4795,40 +4737,10 @@
           </a:p>
         </p:txBody>
       </p:sp>
-      <p:pic>
-        <p:nvPicPr>
-          <p:cNvPr id="9" name="Picture 8">
-            <a:extLst>
-              <a:ext uri="{FF2B5EF4-FFF2-40B4-BE49-F238E27FC236}">
-                <a16:creationId xmlns:a16="http://schemas.microsoft.com/office/drawing/2014/main" id="{53B021E3-E761-18AF-27F5-7F13A2FD7441}"/>
-              </a:ext>
-            </a:extLst>
-          </p:cNvPr>
-          <p:cNvPicPr>
-            <a:picLocks noChangeAspect="1"/>
-          </p:cNvPicPr>
-          <p:nvPr/>
-        </p:nvPicPr>
-        <p:blipFill>
-          <a:blip r:embed="rId4"/>
-          <a:stretch>
-            <a:fillRect/>
-          </a:stretch>
-        </p:blipFill>
-        <p:spPr>
-          <a:xfrm>
-            <a:off x="4282315" y="2269705"/>
-            <a:ext cx="7629525" cy="2914650"/>
-          </a:xfrm>
-          <a:prstGeom prst="rect">
-            <a:avLst/>
-          </a:prstGeom>
-        </p:spPr>
-      </p:pic>
     </p:spTree>
     <p:extLst>
       <p:ext uri="{BB962C8B-B14F-4D97-AF65-F5344CB8AC3E}">
-        <p14:creationId xmlns:p14="http://schemas.microsoft.com/office/powerpoint/2010/main" val="2310139583"/>
+        <p14:creationId xmlns:p14="http://schemas.microsoft.com/office/powerpoint/2010/main" val="923482390"/>
       </p:ext>
     </p:extLst>
   </p:cSld>
@@ -4885,28 +4797,11 @@
             <p:ph type="title"/>
           </p:nvPr>
         </p:nvSpPr>
-        <p:spPr>
-          <a:xfrm>
-            <a:off x="461913" y="365126"/>
-            <a:ext cx="10891887" cy="1014222"/>
-          </a:xfrm>
-        </p:spPr>
-        <p:txBody>
-          <a:bodyPr>
-            <a:normAutofit fontScale="90000"/>
-          </a:bodyPr>
-          <a:lstStyle/>
-          <a:p>
-            <a:r>
-              <a:rPr lang="tr-TR" dirty="0">
-                <a:solidFill>
-                  <a:srgbClr val="292D33"/>
-                </a:solidFill>
-                <a:latin typeface="Euclid Circular B" panose="020B0504000000000000" pitchFamily="34" charset="0"/>
-                <a:ea typeface="Euclid Circular B" panose="020B0504000000000000" pitchFamily="34" charset="0"/>
-              </a:rPr>
-              <a:t>Video Series: </a:t>
-            </a:r>
+        <p:spPr/>
+        <p:txBody>
+          <a:bodyPr/>
+          <a:lstStyle/>
+          <a:p>
             <a:r>
               <a:rPr lang="tr-TR" b="1" dirty="0">
                 <a:solidFill>
@@ -4915,7 +4810,7 @@
                 <a:latin typeface="Euclid Circular B" panose="020B0504000000000000" pitchFamily="34" charset="0"/>
                 <a:ea typeface="Euclid Circular B" panose="020B0504000000000000" pitchFamily="34" charset="0"/>
               </a:rPr>
-              <a:t>ABP Framework Essentials</a:t>
+              <a:t>Latest Posts</a:t>
             </a:r>
             <a:br>
               <a:rPr lang="tr-TR" b="1" dirty="0">
@@ -4927,16 +4822,38 @@
               </a:rPr>
             </a:br>
             <a:r>
-              <a:rPr lang="tr-TR" sz="2700" dirty="0">
+              <a:rPr lang="tr-TR" sz="2800" dirty="0">
                 <a:solidFill>
                   <a:srgbClr val="292D33"/>
                 </a:solidFill>
                 <a:latin typeface="Euclid Circular B" panose="020B0504000000000000" pitchFamily="34" charset="0"/>
                 <a:ea typeface="Euclid Circular B" panose="020B0504000000000000" pitchFamily="34" charset="0"/>
-              </a:rPr>
-              <a:t>7 videos / 100 minutes of content</a:t>
-            </a:r>
-            <a:endParaRPr lang="en-US" dirty="0">
+                <a:hlinkClick r:id="rId3"/>
+              </a:rPr>
+              <a:t>https://</a:t>
+            </a:r>
+            <a:r>
+              <a:rPr lang="tr-TR" sz="2800" b="1" dirty="0">
+                <a:solidFill>
+                  <a:srgbClr val="292D33"/>
+                </a:solidFill>
+                <a:latin typeface="Euclid Circular B" panose="020B0504000000000000" pitchFamily="34" charset="0"/>
+                <a:ea typeface="Euclid Circular B" panose="020B0504000000000000" pitchFamily="34" charset="0"/>
+                <a:hlinkClick r:id="rId3"/>
+              </a:rPr>
+              <a:t>community.abp.io</a:t>
+            </a:r>
+            <a:r>
+              <a:rPr lang="tr-TR" sz="2800" b="1" dirty="0">
+                <a:solidFill>
+                  <a:srgbClr val="292D33"/>
+                </a:solidFill>
+                <a:latin typeface="Euclid Circular B" panose="020B0504000000000000" pitchFamily="34" charset="0"/>
+                <a:ea typeface="Euclid Circular B" panose="020B0504000000000000" pitchFamily="34" charset="0"/>
+              </a:rPr>
+              <a:t> </a:t>
+            </a:r>
+            <a:endParaRPr lang="en-US" b="1" dirty="0">
               <a:solidFill>
                 <a:srgbClr val="292D33"/>
               </a:solidFill>
@@ -4951,7 +4868,7 @@
           <p:cNvPr id="7" name="Picture 6">
             <a:extLst>
               <a:ext uri="{FF2B5EF4-FFF2-40B4-BE49-F238E27FC236}">
-                <a16:creationId xmlns:a16="http://schemas.microsoft.com/office/drawing/2014/main" id="{631E8F1F-5DE5-D84C-2A5D-6E18BB9541B0}"/>
+                <a16:creationId xmlns:a16="http://schemas.microsoft.com/office/drawing/2014/main" id="{BE4B8B42-27E0-C626-629E-5347DCBA867F}"/>
               </a:ext>
             </a:extLst>
           </p:cNvPr>
@@ -4961,67 +4878,115 @@
           <p:nvPr/>
         </p:nvPicPr>
         <p:blipFill>
-          <a:blip r:embed="rId3"/>
+          <a:blip r:embed="rId4"/>
           <a:stretch>
             <a:fillRect/>
           </a:stretch>
         </p:blipFill>
         <p:spPr>
           <a:xfrm>
-            <a:off x="461913" y="1379347"/>
-            <a:ext cx="11547835" cy="4722021"/>
+            <a:off x="1688990" y="2438110"/>
+            <a:ext cx="4258586" cy="1200822"/>
           </a:xfrm>
           <a:prstGeom prst="rect">
             <a:avLst/>
           </a:prstGeom>
         </p:spPr>
       </p:pic>
-      <p:sp>
-        <p:nvSpPr>
-          <p:cNvPr id="9" name="TextBox 8">
-            <a:extLst>
-              <a:ext uri="{FF2B5EF4-FFF2-40B4-BE49-F238E27FC236}">
-                <a16:creationId xmlns:a16="http://schemas.microsoft.com/office/drawing/2014/main" id="{BBB315E3-EE0C-4522-4953-B8EDE42968C3}"/>
-              </a:ext>
-            </a:extLst>
-          </p:cNvPr>
-          <p:cNvSpPr txBox="1"/>
+      <p:pic>
+        <p:nvPicPr>
+          <p:cNvPr id="9" name="Picture 8">
+            <a:extLst>
+              <a:ext uri="{FF2B5EF4-FFF2-40B4-BE49-F238E27FC236}">
+                <a16:creationId xmlns:a16="http://schemas.microsoft.com/office/drawing/2014/main" id="{D82EFCB4-494D-F311-9912-18816C8CC493}"/>
+              </a:ext>
+            </a:extLst>
+          </p:cNvPr>
+          <p:cNvPicPr>
+            <a:picLocks noChangeAspect="1"/>
+          </p:cNvPicPr>
           <p:nvPr/>
-        </p:nvSpPr>
+        </p:nvPicPr>
+        <p:blipFill>
+          <a:blip r:embed="rId5"/>
+          <a:stretch>
+            <a:fillRect/>
+          </a:stretch>
+        </p:blipFill>
         <p:spPr>
           <a:xfrm>
-            <a:off x="461913" y="6231265"/>
-            <a:ext cx="9978150" cy="523220"/>
+            <a:off x="6238544" y="2438110"/>
+            <a:ext cx="4258586" cy="1012787"/>
           </a:xfrm>
           <a:prstGeom prst="rect">
             <a:avLst/>
           </a:prstGeom>
-          <a:noFill/>
         </p:spPr>
-        <p:txBody>
-          <a:bodyPr wrap="square">
-            <a:spAutoFit/>
-          </a:bodyPr>
-          <a:lstStyle/>
-          <a:p>
-            <a:r>
-              <a:rPr lang="en-US" sz="2800" b="1" dirty="0">
-                <a:hlinkClick r:id="rId4"/>
-              </a:rPr>
-              <a:t>https://www.youtube.com/@Volosoft</a:t>
-            </a:r>
-            <a:r>
-              <a:rPr lang="tr-TR" sz="2800" b="1" dirty="0"/>
-              <a:t> </a:t>
-            </a:r>
-            <a:endParaRPr lang="en-US" sz="2800" b="1" dirty="0"/>
-          </a:p>
-        </p:txBody>
-      </p:sp>
+      </p:pic>
+      <p:pic>
+        <p:nvPicPr>
+          <p:cNvPr id="11" name="Picture 10">
+            <a:extLst>
+              <a:ext uri="{FF2B5EF4-FFF2-40B4-BE49-F238E27FC236}">
+                <a16:creationId xmlns:a16="http://schemas.microsoft.com/office/drawing/2014/main" id="{8C69ADAE-2CAD-D4FF-6AD9-E222B093EEA9}"/>
+              </a:ext>
+            </a:extLst>
+          </p:cNvPr>
+          <p:cNvPicPr>
+            <a:picLocks noChangeAspect="1"/>
+          </p:cNvPicPr>
+          <p:nvPr/>
+        </p:nvPicPr>
+        <p:blipFill>
+          <a:blip r:embed="rId6"/>
+          <a:stretch>
+            <a:fillRect/>
+          </a:stretch>
+        </p:blipFill>
+        <p:spPr>
+          <a:xfrm>
+            <a:off x="1688990" y="3908285"/>
+            <a:ext cx="4258586" cy="953321"/>
+          </a:xfrm>
+          <a:prstGeom prst="rect">
+            <a:avLst/>
+          </a:prstGeom>
+        </p:spPr>
+      </p:pic>
+      <p:pic>
+        <p:nvPicPr>
+          <p:cNvPr id="15" name="Picture 14">
+            <a:extLst>
+              <a:ext uri="{FF2B5EF4-FFF2-40B4-BE49-F238E27FC236}">
+                <a16:creationId xmlns:a16="http://schemas.microsoft.com/office/drawing/2014/main" id="{80B4F6CA-27D8-5043-CCA9-A01430D83025}"/>
+              </a:ext>
+            </a:extLst>
+          </p:cNvPr>
+          <p:cNvPicPr>
+            <a:picLocks noChangeAspect="1"/>
+          </p:cNvPicPr>
+          <p:nvPr/>
+        </p:nvPicPr>
+        <p:blipFill>
+          <a:blip r:embed="rId7"/>
+          <a:stretch>
+            <a:fillRect/>
+          </a:stretch>
+        </p:blipFill>
+        <p:spPr>
+          <a:xfrm>
+            <a:off x="6238544" y="3638932"/>
+            <a:ext cx="4258586" cy="1213202"/>
+          </a:xfrm>
+          <a:prstGeom prst="rect">
+            <a:avLst/>
+          </a:prstGeom>
+        </p:spPr>
+      </p:pic>
     </p:spTree>
     <p:extLst>
       <p:ext uri="{BB962C8B-B14F-4D97-AF65-F5344CB8AC3E}">
-        <p14:creationId xmlns:p14="http://schemas.microsoft.com/office/powerpoint/2010/main" val="923482390"/>
+        <p14:creationId xmlns:p14="http://schemas.microsoft.com/office/powerpoint/2010/main" val="565921230"/>
       </p:ext>
     </p:extLst>
   </p:cSld>
@@ -5084,15 +5049,22 @@
           <a:lstStyle/>
           <a:p>
             <a:r>
-              <a:rPr lang="en-US" b="1" dirty="0">
+              <a:rPr lang="tr-TR" b="1" dirty="0">
                 <a:solidFill>
                   <a:srgbClr val="292D33"/>
                 </a:solidFill>
                 <a:latin typeface="Euclid Circular B" panose="020B0504000000000000" pitchFamily="34" charset="0"/>
                 <a:ea typeface="Euclid Circular B" panose="020B0504000000000000" pitchFamily="34" charset="0"/>
               </a:rPr>
-              <a:t>Topic title</a:t>
-            </a:r>
+              <a:t>ABP Community Stats</a:t>
+            </a:r>
+            <a:endParaRPr lang="en-US" b="1" dirty="0">
+              <a:solidFill>
+                <a:srgbClr val="292D33"/>
+              </a:solidFill>
+              <a:latin typeface="Euclid Circular B" panose="020B0504000000000000" pitchFamily="34" charset="0"/>
+              <a:ea typeface="Euclid Circular B" panose="020B0504000000000000" pitchFamily="34" charset="0"/>
+            </a:endParaRPr>
           </a:p>
         </p:txBody>
       </p:sp>
@@ -5112,25 +5084,190 @@
             <p:ph idx="1"/>
           </p:nvPr>
         </p:nvSpPr>
-        <p:spPr/>
-        <p:txBody>
-          <a:bodyPr/>
-          <a:lstStyle/>
-          <a:p>
-            <a:r>
-              <a:rPr lang="en-US" dirty="0">
-                <a:latin typeface="Euclid Circular B" panose="020B0504000000000000" pitchFamily="34" charset="0"/>
-                <a:ea typeface="Euclid Circular B" panose="020B0504000000000000" pitchFamily="34" charset="0"/>
-              </a:rPr>
-              <a:t>Content</a:t>
-            </a:r>
-          </a:p>
-        </p:txBody>
-      </p:sp>
+        <p:spPr>
+          <a:xfrm>
+            <a:off x="838200" y="1825625"/>
+            <a:ext cx="3256722" cy="4351338"/>
+          </a:xfrm>
+        </p:spPr>
+        <p:txBody>
+          <a:bodyPr>
+            <a:normAutofit/>
+          </a:bodyPr>
+          <a:lstStyle/>
+          <a:p>
+            <a:r>
+              <a:rPr lang="tr-TR" sz="2400" b="1" dirty="0">
+                <a:latin typeface="Euclid Circular B" panose="020B0504000000000000" pitchFamily="34" charset="0"/>
+                <a:ea typeface="Euclid Circular B" panose="020B0504000000000000" pitchFamily="34" charset="0"/>
+              </a:rPr>
+              <a:t>163 </a:t>
+            </a:r>
+            <a:r>
+              <a:rPr lang="tr-TR" sz="2400" dirty="0">
+                <a:latin typeface="Euclid Circular B" panose="020B0504000000000000" pitchFamily="34" charset="0"/>
+                <a:ea typeface="Euclid Circular B" panose="020B0504000000000000" pitchFamily="34" charset="0"/>
+              </a:rPr>
+              <a:t>Text Articles</a:t>
+            </a:r>
+          </a:p>
+          <a:p>
+            <a:r>
+              <a:rPr lang="tr-TR" sz="2400" b="1" dirty="0">
+                <a:latin typeface="Euclid Circular B" panose="020B0504000000000000" pitchFamily="34" charset="0"/>
+                <a:ea typeface="Euclid Circular B" panose="020B0504000000000000" pitchFamily="34" charset="0"/>
+              </a:rPr>
+              <a:t>96 </a:t>
+            </a:r>
+            <a:r>
+              <a:rPr lang="tr-TR" sz="2400" dirty="0">
+                <a:latin typeface="Euclid Circular B" panose="020B0504000000000000" pitchFamily="34" charset="0"/>
+                <a:ea typeface="Euclid Circular B" panose="020B0504000000000000" pitchFamily="34" charset="0"/>
+              </a:rPr>
+              <a:t>Video Posts</a:t>
+            </a:r>
+          </a:p>
+          <a:p>
+            <a:r>
+              <a:rPr lang="tr-TR" sz="2400" dirty="0">
+                <a:latin typeface="Euclid Circular B" panose="020B0504000000000000" pitchFamily="34" charset="0"/>
+                <a:ea typeface="Euclid Circular B" panose="020B0504000000000000" pitchFamily="34" charset="0"/>
+              </a:rPr>
+              <a:t>By </a:t>
+            </a:r>
+            <a:r>
+              <a:rPr lang="tr-TR" sz="2400" b="1" dirty="0">
+                <a:latin typeface="Euclid Circular B" panose="020B0504000000000000" pitchFamily="34" charset="0"/>
+                <a:ea typeface="Euclid Circular B" panose="020B0504000000000000" pitchFamily="34" charset="0"/>
+              </a:rPr>
+              <a:t>XXX</a:t>
+            </a:r>
+            <a:r>
+              <a:rPr lang="tr-TR" sz="2400" dirty="0">
+                <a:latin typeface="Euclid Circular B" panose="020B0504000000000000" pitchFamily="34" charset="0"/>
+                <a:ea typeface="Euclid Circular B" panose="020B0504000000000000" pitchFamily="34" charset="0"/>
+              </a:rPr>
+              <a:t> Authors</a:t>
+            </a:r>
+          </a:p>
+          <a:p>
+            <a:r>
+              <a:rPr lang="tr-TR" sz="2400" dirty="0">
+                <a:latin typeface="Euclid Circular B" panose="020B0504000000000000" pitchFamily="34" charset="0"/>
+                <a:ea typeface="Euclid Circular B" panose="020B0504000000000000" pitchFamily="34" charset="0"/>
+              </a:rPr>
+              <a:t>In </a:t>
+            </a:r>
+            <a:r>
+              <a:rPr lang="tr-TR" sz="2400" b="1" dirty="0">
+                <a:latin typeface="Euclid Circular B" panose="020B0504000000000000" pitchFamily="34" charset="0"/>
+                <a:ea typeface="Euclid Circular B" panose="020B0504000000000000" pitchFamily="34" charset="0"/>
+              </a:rPr>
+              <a:t>3</a:t>
+            </a:r>
+            <a:r>
+              <a:rPr lang="tr-TR" sz="2400" dirty="0">
+                <a:latin typeface="Euclid Circular B" panose="020B0504000000000000" pitchFamily="34" charset="0"/>
+                <a:ea typeface="Euclid Circular B" panose="020B0504000000000000" pitchFamily="34" charset="0"/>
+              </a:rPr>
+              <a:t> Languages</a:t>
+            </a:r>
+            <a:br>
+              <a:rPr lang="tr-TR" sz="2400" dirty="0">
+                <a:latin typeface="Euclid Circular B" panose="020B0504000000000000" pitchFamily="34" charset="0"/>
+                <a:ea typeface="Euclid Circular B" panose="020B0504000000000000" pitchFamily="34" charset="0"/>
+              </a:rPr>
+            </a:br>
+            <a:r>
+              <a:rPr lang="tr-TR" sz="1800" dirty="0">
+                <a:latin typeface="Euclid Circular B" panose="020B0504000000000000" pitchFamily="34" charset="0"/>
+                <a:ea typeface="Euclid Circular B" panose="020B0504000000000000" pitchFamily="34" charset="0"/>
+              </a:rPr>
+              <a:t>(English, Chinese, Turkish)</a:t>
+            </a:r>
+            <a:endParaRPr lang="en-US" sz="1800" dirty="0">
+              <a:latin typeface="Euclid Circular B" panose="020B0504000000000000" pitchFamily="34" charset="0"/>
+              <a:ea typeface="Euclid Circular B" panose="020B0504000000000000" pitchFamily="34" charset="0"/>
+            </a:endParaRPr>
+          </a:p>
+        </p:txBody>
+      </p:sp>
+      <p:sp>
+        <p:nvSpPr>
+          <p:cNvPr id="7" name="TextBox 6">
+            <a:extLst>
+              <a:ext uri="{FF2B5EF4-FFF2-40B4-BE49-F238E27FC236}">
+                <a16:creationId xmlns:a16="http://schemas.microsoft.com/office/drawing/2014/main" id="{F06AA427-71C1-DF20-48F9-7E857E95CF05}"/>
+              </a:ext>
+            </a:extLst>
+          </p:cNvPr>
+          <p:cNvSpPr txBox="1"/>
+          <p:nvPr/>
+        </p:nvSpPr>
+        <p:spPr>
+          <a:xfrm>
+            <a:off x="4282316" y="1690688"/>
+            <a:ext cx="7629525" cy="523220"/>
+          </a:xfrm>
+          <a:prstGeom prst="rect">
+            <a:avLst/>
+          </a:prstGeom>
+          <a:noFill/>
+        </p:spPr>
+        <p:txBody>
+          <a:bodyPr wrap="square">
+            <a:spAutoFit/>
+          </a:bodyPr>
+          <a:lstStyle/>
+          <a:p>
+            <a:r>
+              <a:rPr lang="en-US" sz="2800" b="1" dirty="0">
+                <a:hlinkClick r:id="rId3"/>
+              </a:rPr>
+              <a:t>https://community.abp.io/posts/submit</a:t>
+            </a:r>
+            <a:r>
+              <a:rPr lang="tr-TR" sz="2800" b="1" dirty="0"/>
+              <a:t> </a:t>
+            </a:r>
+            <a:endParaRPr lang="en-US" sz="2800" b="1" dirty="0"/>
+          </a:p>
+        </p:txBody>
+      </p:sp>
+      <p:pic>
+        <p:nvPicPr>
+          <p:cNvPr id="9" name="Picture 8">
+            <a:extLst>
+              <a:ext uri="{FF2B5EF4-FFF2-40B4-BE49-F238E27FC236}">
+                <a16:creationId xmlns:a16="http://schemas.microsoft.com/office/drawing/2014/main" id="{53B021E3-E761-18AF-27F5-7F13A2FD7441}"/>
+              </a:ext>
+            </a:extLst>
+          </p:cNvPr>
+          <p:cNvPicPr>
+            <a:picLocks noChangeAspect="1"/>
+          </p:cNvPicPr>
+          <p:nvPr/>
+        </p:nvPicPr>
+        <p:blipFill>
+          <a:blip r:embed="rId4"/>
+          <a:stretch>
+            <a:fillRect/>
+          </a:stretch>
+        </p:blipFill>
+        <p:spPr>
+          <a:xfrm>
+            <a:off x="4282315" y="2269705"/>
+            <a:ext cx="7629525" cy="2914650"/>
+          </a:xfrm>
+          <a:prstGeom prst="rect">
+            <a:avLst/>
+          </a:prstGeom>
+        </p:spPr>
+      </p:pic>
     </p:spTree>
     <p:extLst>
       <p:ext uri="{BB962C8B-B14F-4D97-AF65-F5344CB8AC3E}">
-        <p14:creationId xmlns:p14="http://schemas.microsoft.com/office/powerpoint/2010/main" val="565921230"/>
+        <p14:creationId xmlns:p14="http://schemas.microsoft.com/office/powerpoint/2010/main" val="2310139583"/>
       </p:ext>
     </p:extLst>
   </p:cSld>

--- a/2023-07-27 ABP Community Talks 2023.5/ABP Mobile Options.pptx
+++ b/2023-07-27 ABP Community Talks 2023.5/ABP Mobile Options.pptx
@@ -15,6 +15,13 @@
     <p:sldId id="264" r:id="rId9"/>
     <p:sldId id="263" r:id="rId10"/>
     <p:sldId id="265" r:id="rId11"/>
+    <p:sldId id="267" r:id="rId12"/>
+    <p:sldId id="268" r:id="rId13"/>
+    <p:sldId id="269" r:id="rId14"/>
+    <p:sldId id="270" r:id="rId15"/>
+    <p:sldId id="271" r:id="rId16"/>
+    <p:sldId id="272" r:id="rId17"/>
+    <p:sldId id="273" r:id="rId18"/>
   </p:sldIdLst>
   <p:sldSz cx="12192000" cy="6858000"/>
   <p:notesSz cx="6858000" cy="9144000"/>
@@ -3538,6 +3545,769 @@
 </p:sld>
 </file>
 
+<file path=ppt/slides/slide11.xml><?xml version="1.0" encoding="utf-8"?>
+<p:sld xmlns:a="http://schemas.openxmlformats.org/drawingml/2006/main" xmlns:r="http://schemas.openxmlformats.org/officeDocument/2006/relationships" xmlns:p="http://schemas.openxmlformats.org/presentationml/2006/main">
+  <p:cSld>
+    <p:bg>
+      <p:bgPr>
+        <a:blipFill dpi="0" rotWithShape="1">
+          <a:blip r:embed="rId2">
+            <a:lum/>
+          </a:blip>
+          <a:srcRect/>
+          <a:stretch>
+            <a:fillRect/>
+          </a:stretch>
+        </a:blipFill>
+        <a:effectLst/>
+      </p:bgPr>
+    </p:bg>
+    <p:spTree>
+      <p:nvGrpSpPr>
+        <p:cNvPr id="1" name=""/>
+        <p:cNvGrpSpPr/>
+        <p:nvPr/>
+      </p:nvGrpSpPr>
+      <p:grpSpPr>
+        <a:xfrm>
+          <a:off x="0" y="0"/>
+          <a:ext cx="0" cy="0"/>
+          <a:chOff x="0" y="0"/>
+          <a:chExt cx="0" cy="0"/>
+        </a:xfrm>
+      </p:grpSpPr>
+      <p:sp>
+        <p:nvSpPr>
+          <p:cNvPr id="2" name="Title 1">
+            <a:extLst>
+              <a:ext uri="{FF2B5EF4-FFF2-40B4-BE49-F238E27FC236}">
+                <a16:creationId xmlns:a16="http://schemas.microsoft.com/office/drawing/2014/main" id="{55E11F08-6CA0-48F1-AD67-97430DDA07F0}"/>
+              </a:ext>
+            </a:extLst>
+          </p:cNvPr>
+          <p:cNvSpPr>
+            <a:spLocks noGrp="1"/>
+          </p:cNvSpPr>
+          <p:nvPr>
+            <p:ph type="title"/>
+          </p:nvPr>
+        </p:nvSpPr>
+        <p:spPr/>
+        <p:txBody>
+          <a:bodyPr/>
+          <a:lstStyle/>
+          <a:p>
+            <a:r>
+              <a:rPr lang="en-US" b="1" dirty="0">
+                <a:solidFill>
+                  <a:srgbClr val="292D33"/>
+                </a:solidFill>
+                <a:latin typeface="Euclid Circular B" panose="020B0504000000000000" pitchFamily="34" charset="0"/>
+                <a:ea typeface="Euclid Circular B" panose="020B0504000000000000" pitchFamily="34" charset="0"/>
+              </a:rPr>
+              <a:t>Topic title</a:t>
+            </a:r>
+          </a:p>
+        </p:txBody>
+      </p:sp>
+      <p:sp>
+        <p:nvSpPr>
+          <p:cNvPr id="3" name="Content Placeholder 2">
+            <a:extLst>
+              <a:ext uri="{FF2B5EF4-FFF2-40B4-BE49-F238E27FC236}">
+                <a16:creationId xmlns:a16="http://schemas.microsoft.com/office/drawing/2014/main" id="{891C7693-D3DF-4635-96F4-97F3B4136FDF}"/>
+              </a:ext>
+            </a:extLst>
+          </p:cNvPr>
+          <p:cNvSpPr>
+            <a:spLocks noGrp="1"/>
+          </p:cNvSpPr>
+          <p:nvPr>
+            <p:ph idx="1"/>
+          </p:nvPr>
+        </p:nvSpPr>
+        <p:spPr/>
+        <p:txBody>
+          <a:bodyPr/>
+          <a:lstStyle/>
+          <a:p>
+            <a:r>
+              <a:rPr lang="en-US" dirty="0">
+                <a:latin typeface="Euclid Circular B" panose="020B0504000000000000" pitchFamily="34" charset="0"/>
+                <a:ea typeface="Euclid Circular B" panose="020B0504000000000000" pitchFamily="34" charset="0"/>
+              </a:rPr>
+              <a:t>Content</a:t>
+            </a:r>
+          </a:p>
+        </p:txBody>
+      </p:sp>
+    </p:spTree>
+    <p:extLst>
+      <p:ext uri="{BB962C8B-B14F-4D97-AF65-F5344CB8AC3E}">
+        <p14:creationId xmlns:p14="http://schemas.microsoft.com/office/powerpoint/2010/main" val="3902832772"/>
+      </p:ext>
+    </p:extLst>
+  </p:cSld>
+  <p:clrMapOvr>
+    <a:masterClrMapping/>
+  </p:clrMapOvr>
+</p:sld>
+</file>
+
+<file path=ppt/slides/slide12.xml><?xml version="1.0" encoding="utf-8"?>
+<p:sld xmlns:a="http://schemas.openxmlformats.org/drawingml/2006/main" xmlns:r="http://schemas.openxmlformats.org/officeDocument/2006/relationships" xmlns:p="http://schemas.openxmlformats.org/presentationml/2006/main">
+  <p:cSld>
+    <p:bg>
+      <p:bgPr>
+        <a:blipFill dpi="0" rotWithShape="1">
+          <a:blip r:embed="rId2">
+            <a:lum/>
+          </a:blip>
+          <a:srcRect/>
+          <a:stretch>
+            <a:fillRect/>
+          </a:stretch>
+        </a:blipFill>
+        <a:effectLst/>
+      </p:bgPr>
+    </p:bg>
+    <p:spTree>
+      <p:nvGrpSpPr>
+        <p:cNvPr id="1" name=""/>
+        <p:cNvGrpSpPr/>
+        <p:nvPr/>
+      </p:nvGrpSpPr>
+      <p:grpSpPr>
+        <a:xfrm>
+          <a:off x="0" y="0"/>
+          <a:ext cx="0" cy="0"/>
+          <a:chOff x="0" y="0"/>
+          <a:chExt cx="0" cy="0"/>
+        </a:xfrm>
+      </p:grpSpPr>
+      <p:sp>
+        <p:nvSpPr>
+          <p:cNvPr id="2" name="Title 1">
+            <a:extLst>
+              <a:ext uri="{FF2B5EF4-FFF2-40B4-BE49-F238E27FC236}">
+                <a16:creationId xmlns:a16="http://schemas.microsoft.com/office/drawing/2014/main" id="{55E11F08-6CA0-48F1-AD67-97430DDA07F0}"/>
+              </a:ext>
+            </a:extLst>
+          </p:cNvPr>
+          <p:cNvSpPr>
+            <a:spLocks noGrp="1"/>
+          </p:cNvSpPr>
+          <p:nvPr>
+            <p:ph type="title"/>
+          </p:nvPr>
+        </p:nvSpPr>
+        <p:spPr/>
+        <p:txBody>
+          <a:bodyPr/>
+          <a:lstStyle/>
+          <a:p>
+            <a:r>
+              <a:rPr lang="en-US" b="1" dirty="0">
+                <a:solidFill>
+                  <a:srgbClr val="292D33"/>
+                </a:solidFill>
+                <a:latin typeface="Euclid Circular B" panose="020B0504000000000000" pitchFamily="34" charset="0"/>
+                <a:ea typeface="Euclid Circular B" panose="020B0504000000000000" pitchFamily="34" charset="0"/>
+              </a:rPr>
+              <a:t>Topic title</a:t>
+            </a:r>
+          </a:p>
+        </p:txBody>
+      </p:sp>
+      <p:sp>
+        <p:nvSpPr>
+          <p:cNvPr id="3" name="Content Placeholder 2">
+            <a:extLst>
+              <a:ext uri="{FF2B5EF4-FFF2-40B4-BE49-F238E27FC236}">
+                <a16:creationId xmlns:a16="http://schemas.microsoft.com/office/drawing/2014/main" id="{891C7693-D3DF-4635-96F4-97F3B4136FDF}"/>
+              </a:ext>
+            </a:extLst>
+          </p:cNvPr>
+          <p:cNvSpPr>
+            <a:spLocks noGrp="1"/>
+          </p:cNvSpPr>
+          <p:nvPr>
+            <p:ph idx="1"/>
+          </p:nvPr>
+        </p:nvSpPr>
+        <p:spPr/>
+        <p:txBody>
+          <a:bodyPr/>
+          <a:lstStyle/>
+          <a:p>
+            <a:r>
+              <a:rPr lang="en-US" dirty="0">
+                <a:latin typeface="Euclid Circular B" panose="020B0504000000000000" pitchFamily="34" charset="0"/>
+                <a:ea typeface="Euclid Circular B" panose="020B0504000000000000" pitchFamily="34" charset="0"/>
+              </a:rPr>
+              <a:t>Content</a:t>
+            </a:r>
+          </a:p>
+        </p:txBody>
+      </p:sp>
+    </p:spTree>
+    <p:extLst>
+      <p:ext uri="{BB962C8B-B14F-4D97-AF65-F5344CB8AC3E}">
+        <p14:creationId xmlns:p14="http://schemas.microsoft.com/office/powerpoint/2010/main" val="1120972184"/>
+      </p:ext>
+    </p:extLst>
+  </p:cSld>
+  <p:clrMapOvr>
+    <a:masterClrMapping/>
+  </p:clrMapOvr>
+</p:sld>
+</file>
+
+<file path=ppt/slides/slide13.xml><?xml version="1.0" encoding="utf-8"?>
+<p:sld xmlns:a="http://schemas.openxmlformats.org/drawingml/2006/main" xmlns:r="http://schemas.openxmlformats.org/officeDocument/2006/relationships" xmlns:p="http://schemas.openxmlformats.org/presentationml/2006/main">
+  <p:cSld>
+    <p:bg>
+      <p:bgPr>
+        <a:blipFill dpi="0" rotWithShape="1">
+          <a:blip r:embed="rId2">
+            <a:lum/>
+          </a:blip>
+          <a:srcRect/>
+          <a:stretch>
+            <a:fillRect/>
+          </a:stretch>
+        </a:blipFill>
+        <a:effectLst/>
+      </p:bgPr>
+    </p:bg>
+    <p:spTree>
+      <p:nvGrpSpPr>
+        <p:cNvPr id="1" name=""/>
+        <p:cNvGrpSpPr/>
+        <p:nvPr/>
+      </p:nvGrpSpPr>
+      <p:grpSpPr>
+        <a:xfrm>
+          <a:off x="0" y="0"/>
+          <a:ext cx="0" cy="0"/>
+          <a:chOff x="0" y="0"/>
+          <a:chExt cx="0" cy="0"/>
+        </a:xfrm>
+      </p:grpSpPr>
+      <p:sp>
+        <p:nvSpPr>
+          <p:cNvPr id="2" name="Title 1">
+            <a:extLst>
+              <a:ext uri="{FF2B5EF4-FFF2-40B4-BE49-F238E27FC236}">
+                <a16:creationId xmlns:a16="http://schemas.microsoft.com/office/drawing/2014/main" id="{55E11F08-6CA0-48F1-AD67-97430DDA07F0}"/>
+              </a:ext>
+            </a:extLst>
+          </p:cNvPr>
+          <p:cNvSpPr>
+            <a:spLocks noGrp="1"/>
+          </p:cNvSpPr>
+          <p:nvPr>
+            <p:ph type="title"/>
+          </p:nvPr>
+        </p:nvSpPr>
+        <p:spPr/>
+        <p:txBody>
+          <a:bodyPr/>
+          <a:lstStyle/>
+          <a:p>
+            <a:r>
+              <a:rPr lang="en-US" b="1" dirty="0">
+                <a:solidFill>
+                  <a:srgbClr val="292D33"/>
+                </a:solidFill>
+                <a:latin typeface="Euclid Circular B" panose="020B0504000000000000" pitchFamily="34" charset="0"/>
+                <a:ea typeface="Euclid Circular B" panose="020B0504000000000000" pitchFamily="34" charset="0"/>
+              </a:rPr>
+              <a:t>Topic title</a:t>
+            </a:r>
+          </a:p>
+        </p:txBody>
+      </p:sp>
+      <p:sp>
+        <p:nvSpPr>
+          <p:cNvPr id="3" name="Content Placeholder 2">
+            <a:extLst>
+              <a:ext uri="{FF2B5EF4-FFF2-40B4-BE49-F238E27FC236}">
+                <a16:creationId xmlns:a16="http://schemas.microsoft.com/office/drawing/2014/main" id="{891C7693-D3DF-4635-96F4-97F3B4136FDF}"/>
+              </a:ext>
+            </a:extLst>
+          </p:cNvPr>
+          <p:cNvSpPr>
+            <a:spLocks noGrp="1"/>
+          </p:cNvSpPr>
+          <p:nvPr>
+            <p:ph idx="1"/>
+          </p:nvPr>
+        </p:nvSpPr>
+        <p:spPr/>
+        <p:txBody>
+          <a:bodyPr/>
+          <a:lstStyle/>
+          <a:p>
+            <a:r>
+              <a:rPr lang="en-US" dirty="0">
+                <a:latin typeface="Euclid Circular B" panose="020B0504000000000000" pitchFamily="34" charset="0"/>
+                <a:ea typeface="Euclid Circular B" panose="020B0504000000000000" pitchFamily="34" charset="0"/>
+              </a:rPr>
+              <a:t>Content</a:t>
+            </a:r>
+          </a:p>
+        </p:txBody>
+      </p:sp>
+    </p:spTree>
+    <p:extLst>
+      <p:ext uri="{BB962C8B-B14F-4D97-AF65-F5344CB8AC3E}">
+        <p14:creationId xmlns:p14="http://schemas.microsoft.com/office/powerpoint/2010/main" val="1546911090"/>
+      </p:ext>
+    </p:extLst>
+  </p:cSld>
+  <p:clrMapOvr>
+    <a:masterClrMapping/>
+  </p:clrMapOvr>
+</p:sld>
+</file>
+
+<file path=ppt/slides/slide14.xml><?xml version="1.0" encoding="utf-8"?>
+<p:sld xmlns:a="http://schemas.openxmlformats.org/drawingml/2006/main" xmlns:r="http://schemas.openxmlformats.org/officeDocument/2006/relationships" xmlns:p="http://schemas.openxmlformats.org/presentationml/2006/main">
+  <p:cSld>
+    <p:bg>
+      <p:bgPr>
+        <a:blipFill dpi="0" rotWithShape="1">
+          <a:blip r:embed="rId2">
+            <a:lum/>
+          </a:blip>
+          <a:srcRect/>
+          <a:stretch>
+            <a:fillRect/>
+          </a:stretch>
+        </a:blipFill>
+        <a:effectLst/>
+      </p:bgPr>
+    </p:bg>
+    <p:spTree>
+      <p:nvGrpSpPr>
+        <p:cNvPr id="1" name=""/>
+        <p:cNvGrpSpPr/>
+        <p:nvPr/>
+      </p:nvGrpSpPr>
+      <p:grpSpPr>
+        <a:xfrm>
+          <a:off x="0" y="0"/>
+          <a:ext cx="0" cy="0"/>
+          <a:chOff x="0" y="0"/>
+          <a:chExt cx="0" cy="0"/>
+        </a:xfrm>
+      </p:grpSpPr>
+      <p:sp>
+        <p:nvSpPr>
+          <p:cNvPr id="2" name="Title 1">
+            <a:extLst>
+              <a:ext uri="{FF2B5EF4-FFF2-40B4-BE49-F238E27FC236}">
+                <a16:creationId xmlns:a16="http://schemas.microsoft.com/office/drawing/2014/main" id="{55E11F08-6CA0-48F1-AD67-97430DDA07F0}"/>
+              </a:ext>
+            </a:extLst>
+          </p:cNvPr>
+          <p:cNvSpPr>
+            <a:spLocks noGrp="1"/>
+          </p:cNvSpPr>
+          <p:nvPr>
+            <p:ph type="title"/>
+          </p:nvPr>
+        </p:nvSpPr>
+        <p:spPr/>
+        <p:txBody>
+          <a:bodyPr/>
+          <a:lstStyle/>
+          <a:p>
+            <a:r>
+              <a:rPr lang="en-US" b="1" dirty="0">
+                <a:solidFill>
+                  <a:srgbClr val="292D33"/>
+                </a:solidFill>
+                <a:latin typeface="Euclid Circular B" panose="020B0504000000000000" pitchFamily="34" charset="0"/>
+                <a:ea typeface="Euclid Circular B" panose="020B0504000000000000" pitchFamily="34" charset="0"/>
+              </a:rPr>
+              <a:t>Topic title</a:t>
+            </a:r>
+          </a:p>
+        </p:txBody>
+      </p:sp>
+      <p:sp>
+        <p:nvSpPr>
+          <p:cNvPr id="3" name="Content Placeholder 2">
+            <a:extLst>
+              <a:ext uri="{FF2B5EF4-FFF2-40B4-BE49-F238E27FC236}">
+                <a16:creationId xmlns:a16="http://schemas.microsoft.com/office/drawing/2014/main" id="{891C7693-D3DF-4635-96F4-97F3B4136FDF}"/>
+              </a:ext>
+            </a:extLst>
+          </p:cNvPr>
+          <p:cNvSpPr>
+            <a:spLocks noGrp="1"/>
+          </p:cNvSpPr>
+          <p:nvPr>
+            <p:ph idx="1"/>
+          </p:nvPr>
+        </p:nvSpPr>
+        <p:spPr/>
+        <p:txBody>
+          <a:bodyPr/>
+          <a:lstStyle/>
+          <a:p>
+            <a:r>
+              <a:rPr lang="en-US" dirty="0">
+                <a:latin typeface="Euclid Circular B" panose="020B0504000000000000" pitchFamily="34" charset="0"/>
+                <a:ea typeface="Euclid Circular B" panose="020B0504000000000000" pitchFamily="34" charset="0"/>
+              </a:rPr>
+              <a:t>Content</a:t>
+            </a:r>
+          </a:p>
+        </p:txBody>
+      </p:sp>
+    </p:spTree>
+    <p:extLst>
+      <p:ext uri="{BB962C8B-B14F-4D97-AF65-F5344CB8AC3E}">
+        <p14:creationId xmlns:p14="http://schemas.microsoft.com/office/powerpoint/2010/main" val="3898245033"/>
+      </p:ext>
+    </p:extLst>
+  </p:cSld>
+  <p:clrMapOvr>
+    <a:masterClrMapping/>
+  </p:clrMapOvr>
+</p:sld>
+</file>
+
+<file path=ppt/slides/slide15.xml><?xml version="1.0" encoding="utf-8"?>
+<p:sld xmlns:a="http://schemas.openxmlformats.org/drawingml/2006/main" xmlns:r="http://schemas.openxmlformats.org/officeDocument/2006/relationships" xmlns:p="http://schemas.openxmlformats.org/presentationml/2006/main">
+  <p:cSld>
+    <p:bg>
+      <p:bgPr>
+        <a:blipFill dpi="0" rotWithShape="1">
+          <a:blip r:embed="rId2">
+            <a:lum/>
+          </a:blip>
+          <a:srcRect/>
+          <a:stretch>
+            <a:fillRect/>
+          </a:stretch>
+        </a:blipFill>
+        <a:effectLst/>
+      </p:bgPr>
+    </p:bg>
+    <p:spTree>
+      <p:nvGrpSpPr>
+        <p:cNvPr id="1" name=""/>
+        <p:cNvGrpSpPr/>
+        <p:nvPr/>
+      </p:nvGrpSpPr>
+      <p:grpSpPr>
+        <a:xfrm>
+          <a:off x="0" y="0"/>
+          <a:ext cx="0" cy="0"/>
+          <a:chOff x="0" y="0"/>
+          <a:chExt cx="0" cy="0"/>
+        </a:xfrm>
+      </p:grpSpPr>
+      <p:sp>
+        <p:nvSpPr>
+          <p:cNvPr id="2" name="Title 1">
+            <a:extLst>
+              <a:ext uri="{FF2B5EF4-FFF2-40B4-BE49-F238E27FC236}">
+                <a16:creationId xmlns:a16="http://schemas.microsoft.com/office/drawing/2014/main" id="{55E11F08-6CA0-48F1-AD67-97430DDA07F0}"/>
+              </a:ext>
+            </a:extLst>
+          </p:cNvPr>
+          <p:cNvSpPr>
+            <a:spLocks noGrp="1"/>
+          </p:cNvSpPr>
+          <p:nvPr>
+            <p:ph type="title"/>
+          </p:nvPr>
+        </p:nvSpPr>
+        <p:spPr/>
+        <p:txBody>
+          <a:bodyPr/>
+          <a:lstStyle/>
+          <a:p>
+            <a:r>
+              <a:rPr lang="en-US" b="1" dirty="0">
+                <a:solidFill>
+                  <a:srgbClr val="292D33"/>
+                </a:solidFill>
+                <a:latin typeface="Euclid Circular B" panose="020B0504000000000000" pitchFamily="34" charset="0"/>
+                <a:ea typeface="Euclid Circular B" panose="020B0504000000000000" pitchFamily="34" charset="0"/>
+              </a:rPr>
+              <a:t>Topic title</a:t>
+            </a:r>
+          </a:p>
+        </p:txBody>
+      </p:sp>
+      <p:sp>
+        <p:nvSpPr>
+          <p:cNvPr id="3" name="Content Placeholder 2">
+            <a:extLst>
+              <a:ext uri="{FF2B5EF4-FFF2-40B4-BE49-F238E27FC236}">
+                <a16:creationId xmlns:a16="http://schemas.microsoft.com/office/drawing/2014/main" id="{891C7693-D3DF-4635-96F4-97F3B4136FDF}"/>
+              </a:ext>
+            </a:extLst>
+          </p:cNvPr>
+          <p:cNvSpPr>
+            <a:spLocks noGrp="1"/>
+          </p:cNvSpPr>
+          <p:nvPr>
+            <p:ph idx="1"/>
+          </p:nvPr>
+        </p:nvSpPr>
+        <p:spPr/>
+        <p:txBody>
+          <a:bodyPr/>
+          <a:lstStyle/>
+          <a:p>
+            <a:r>
+              <a:rPr lang="en-US" dirty="0">
+                <a:latin typeface="Euclid Circular B" panose="020B0504000000000000" pitchFamily="34" charset="0"/>
+                <a:ea typeface="Euclid Circular B" panose="020B0504000000000000" pitchFamily="34" charset="0"/>
+              </a:rPr>
+              <a:t>Content</a:t>
+            </a:r>
+          </a:p>
+        </p:txBody>
+      </p:sp>
+    </p:spTree>
+    <p:extLst>
+      <p:ext uri="{BB962C8B-B14F-4D97-AF65-F5344CB8AC3E}">
+        <p14:creationId xmlns:p14="http://schemas.microsoft.com/office/powerpoint/2010/main" val="1488527465"/>
+      </p:ext>
+    </p:extLst>
+  </p:cSld>
+  <p:clrMapOvr>
+    <a:masterClrMapping/>
+  </p:clrMapOvr>
+</p:sld>
+</file>
+
+<file path=ppt/slides/slide16.xml><?xml version="1.0" encoding="utf-8"?>
+<p:sld xmlns:a="http://schemas.openxmlformats.org/drawingml/2006/main" xmlns:r="http://schemas.openxmlformats.org/officeDocument/2006/relationships" xmlns:p="http://schemas.openxmlformats.org/presentationml/2006/main">
+  <p:cSld>
+    <p:bg>
+      <p:bgPr>
+        <a:blipFill dpi="0" rotWithShape="1">
+          <a:blip r:embed="rId2">
+            <a:lum/>
+          </a:blip>
+          <a:srcRect/>
+          <a:stretch>
+            <a:fillRect/>
+          </a:stretch>
+        </a:blipFill>
+        <a:effectLst/>
+      </p:bgPr>
+    </p:bg>
+    <p:spTree>
+      <p:nvGrpSpPr>
+        <p:cNvPr id="1" name=""/>
+        <p:cNvGrpSpPr/>
+        <p:nvPr/>
+      </p:nvGrpSpPr>
+      <p:grpSpPr>
+        <a:xfrm>
+          <a:off x="0" y="0"/>
+          <a:ext cx="0" cy="0"/>
+          <a:chOff x="0" y="0"/>
+          <a:chExt cx="0" cy="0"/>
+        </a:xfrm>
+      </p:grpSpPr>
+      <p:sp>
+        <p:nvSpPr>
+          <p:cNvPr id="2" name="Title 1">
+            <a:extLst>
+              <a:ext uri="{FF2B5EF4-FFF2-40B4-BE49-F238E27FC236}">
+                <a16:creationId xmlns:a16="http://schemas.microsoft.com/office/drawing/2014/main" id="{55E11F08-6CA0-48F1-AD67-97430DDA07F0}"/>
+              </a:ext>
+            </a:extLst>
+          </p:cNvPr>
+          <p:cNvSpPr>
+            <a:spLocks noGrp="1"/>
+          </p:cNvSpPr>
+          <p:nvPr>
+            <p:ph type="title"/>
+          </p:nvPr>
+        </p:nvSpPr>
+        <p:spPr/>
+        <p:txBody>
+          <a:bodyPr/>
+          <a:lstStyle/>
+          <a:p>
+            <a:r>
+              <a:rPr lang="en-US" b="1" dirty="0">
+                <a:solidFill>
+                  <a:srgbClr val="292D33"/>
+                </a:solidFill>
+                <a:latin typeface="Euclid Circular B" panose="020B0504000000000000" pitchFamily="34" charset="0"/>
+                <a:ea typeface="Euclid Circular B" panose="020B0504000000000000" pitchFamily="34" charset="0"/>
+              </a:rPr>
+              <a:t>Topic title</a:t>
+            </a:r>
+          </a:p>
+        </p:txBody>
+      </p:sp>
+      <p:sp>
+        <p:nvSpPr>
+          <p:cNvPr id="3" name="Content Placeholder 2">
+            <a:extLst>
+              <a:ext uri="{FF2B5EF4-FFF2-40B4-BE49-F238E27FC236}">
+                <a16:creationId xmlns:a16="http://schemas.microsoft.com/office/drawing/2014/main" id="{891C7693-D3DF-4635-96F4-97F3B4136FDF}"/>
+              </a:ext>
+            </a:extLst>
+          </p:cNvPr>
+          <p:cNvSpPr>
+            <a:spLocks noGrp="1"/>
+          </p:cNvSpPr>
+          <p:nvPr>
+            <p:ph idx="1"/>
+          </p:nvPr>
+        </p:nvSpPr>
+        <p:spPr/>
+        <p:txBody>
+          <a:bodyPr/>
+          <a:lstStyle/>
+          <a:p>
+            <a:r>
+              <a:rPr lang="en-US" dirty="0">
+                <a:latin typeface="Euclid Circular B" panose="020B0504000000000000" pitchFamily="34" charset="0"/>
+                <a:ea typeface="Euclid Circular B" panose="020B0504000000000000" pitchFamily="34" charset="0"/>
+              </a:rPr>
+              <a:t>Content</a:t>
+            </a:r>
+          </a:p>
+        </p:txBody>
+      </p:sp>
+    </p:spTree>
+    <p:extLst>
+      <p:ext uri="{BB962C8B-B14F-4D97-AF65-F5344CB8AC3E}">
+        <p14:creationId xmlns:p14="http://schemas.microsoft.com/office/powerpoint/2010/main" val="3669029776"/>
+      </p:ext>
+    </p:extLst>
+  </p:cSld>
+  <p:clrMapOvr>
+    <a:masterClrMapping/>
+  </p:clrMapOvr>
+</p:sld>
+</file>
+
+<file path=ppt/slides/slide17.xml><?xml version="1.0" encoding="utf-8"?>
+<p:sld xmlns:a="http://schemas.openxmlformats.org/drawingml/2006/main" xmlns:r="http://schemas.openxmlformats.org/officeDocument/2006/relationships" xmlns:p="http://schemas.openxmlformats.org/presentationml/2006/main">
+  <p:cSld>
+    <p:bg>
+      <p:bgPr>
+        <a:blipFill dpi="0" rotWithShape="1">
+          <a:blip r:embed="rId2">
+            <a:lum/>
+          </a:blip>
+          <a:srcRect/>
+          <a:stretch>
+            <a:fillRect/>
+          </a:stretch>
+        </a:blipFill>
+        <a:effectLst/>
+      </p:bgPr>
+    </p:bg>
+    <p:spTree>
+      <p:nvGrpSpPr>
+        <p:cNvPr id="1" name=""/>
+        <p:cNvGrpSpPr/>
+        <p:nvPr/>
+      </p:nvGrpSpPr>
+      <p:grpSpPr>
+        <a:xfrm>
+          <a:off x="0" y="0"/>
+          <a:ext cx="0" cy="0"/>
+          <a:chOff x="0" y="0"/>
+          <a:chExt cx="0" cy="0"/>
+        </a:xfrm>
+      </p:grpSpPr>
+      <p:sp>
+        <p:nvSpPr>
+          <p:cNvPr id="2" name="Title 1">
+            <a:extLst>
+              <a:ext uri="{FF2B5EF4-FFF2-40B4-BE49-F238E27FC236}">
+                <a16:creationId xmlns:a16="http://schemas.microsoft.com/office/drawing/2014/main" id="{55E11F08-6CA0-48F1-AD67-97430DDA07F0}"/>
+              </a:ext>
+            </a:extLst>
+          </p:cNvPr>
+          <p:cNvSpPr>
+            <a:spLocks noGrp="1"/>
+          </p:cNvSpPr>
+          <p:nvPr>
+            <p:ph type="title"/>
+          </p:nvPr>
+        </p:nvSpPr>
+        <p:spPr/>
+        <p:txBody>
+          <a:bodyPr/>
+          <a:lstStyle/>
+          <a:p>
+            <a:r>
+              <a:rPr lang="en-US" b="1" dirty="0">
+                <a:solidFill>
+                  <a:srgbClr val="292D33"/>
+                </a:solidFill>
+                <a:latin typeface="Euclid Circular B" panose="020B0504000000000000" pitchFamily="34" charset="0"/>
+                <a:ea typeface="Euclid Circular B" panose="020B0504000000000000" pitchFamily="34" charset="0"/>
+              </a:rPr>
+              <a:t>Topic title</a:t>
+            </a:r>
+          </a:p>
+        </p:txBody>
+      </p:sp>
+      <p:sp>
+        <p:nvSpPr>
+          <p:cNvPr id="3" name="Content Placeholder 2">
+            <a:extLst>
+              <a:ext uri="{FF2B5EF4-FFF2-40B4-BE49-F238E27FC236}">
+                <a16:creationId xmlns:a16="http://schemas.microsoft.com/office/drawing/2014/main" id="{891C7693-D3DF-4635-96F4-97F3B4136FDF}"/>
+              </a:ext>
+            </a:extLst>
+          </p:cNvPr>
+          <p:cNvSpPr>
+            <a:spLocks noGrp="1"/>
+          </p:cNvSpPr>
+          <p:nvPr>
+            <p:ph idx="1"/>
+          </p:nvPr>
+        </p:nvSpPr>
+        <p:spPr/>
+        <p:txBody>
+          <a:bodyPr/>
+          <a:lstStyle/>
+          <a:p>
+            <a:r>
+              <a:rPr lang="en-US" dirty="0">
+                <a:latin typeface="Euclid Circular B" panose="020B0504000000000000" pitchFamily="34" charset="0"/>
+                <a:ea typeface="Euclid Circular B" panose="020B0504000000000000" pitchFamily="34" charset="0"/>
+              </a:rPr>
+              <a:t>Content</a:t>
+            </a:r>
+          </a:p>
+        </p:txBody>
+      </p:sp>
+    </p:spTree>
+    <p:extLst>
+      <p:ext uri="{BB962C8B-B14F-4D97-AF65-F5344CB8AC3E}">
+        <p14:creationId xmlns:p14="http://schemas.microsoft.com/office/powerpoint/2010/main" val="2511433"/>
+      </p:ext>
+    </p:extLst>
+  </p:cSld>
+  <p:clrMapOvr>
+    <a:masterClrMapping/>
+  </p:clrMapOvr>
+</p:sld>
+</file>
+
 <file path=ppt/slides/slide2.xml><?xml version="1.0" encoding="utf-8"?>
 <p:sld xmlns:a="http://schemas.openxmlformats.org/drawingml/2006/main" xmlns:r="http://schemas.openxmlformats.org/officeDocument/2006/relationships" xmlns:p="http://schemas.openxmlformats.org/presentationml/2006/main">
   <p:cSld>

--- a/2023-07-27 ABP Community Talks 2023.5/ABP Mobile Options.pptx
+++ b/2023-07-27 ABP Community Talks 2023.5/ABP Mobile Options.pptx
@@ -4675,6 +4675,463 @@
   <p:clrMapOvr>
     <a:masterClrMapping/>
   </p:clrMapOvr>
+  <p:timing>
+    <p:tnLst>
+      <p:par>
+        <p:cTn id="1" dur="indefinite" restart="never" nodeType="tmRoot">
+          <p:childTnLst>
+            <p:seq concurrent="1" nextAc="seek">
+              <p:cTn id="2" dur="indefinite" nodeType="mainSeq">
+                <p:childTnLst>
+                  <p:par>
+                    <p:cTn id="3" fill="hold">
+                      <p:stCondLst>
+                        <p:cond delay="indefinite"/>
+                      </p:stCondLst>
+                      <p:childTnLst>
+                        <p:par>
+                          <p:cTn id="4" fill="hold">
+                            <p:stCondLst>
+                              <p:cond delay="0"/>
+                            </p:stCondLst>
+                            <p:childTnLst>
+                              <p:par>
+                                <p:cTn id="5" presetID="10" presetClass="entr" presetSubtype="0" fill="hold" nodeType="clickEffect">
+                                  <p:stCondLst>
+                                    <p:cond delay="0"/>
+                                  </p:stCondLst>
+                                  <p:childTnLst>
+                                    <p:set>
+                                      <p:cBhvr>
+                                        <p:cTn id="6" dur="1" fill="hold">
+                                          <p:stCondLst>
+                                            <p:cond delay="0"/>
+                                          </p:stCondLst>
+                                        </p:cTn>
+                                        <p:tgtEl>
+                                          <p:spTgt spid="3">
+                                            <p:txEl>
+                                              <p:pRg st="0" end="0"/>
+                                            </p:txEl>
+                                          </p:spTgt>
+                                        </p:tgtEl>
+                                        <p:attrNameLst>
+                                          <p:attrName>style.visibility</p:attrName>
+                                        </p:attrNameLst>
+                                      </p:cBhvr>
+                                      <p:to>
+                                        <p:strVal val="visible"/>
+                                      </p:to>
+                                    </p:set>
+                                    <p:animEffect transition="in" filter="fade">
+                                      <p:cBhvr>
+                                        <p:cTn id="7" dur="500"/>
+                                        <p:tgtEl>
+                                          <p:spTgt spid="3">
+                                            <p:txEl>
+                                              <p:pRg st="0" end="0"/>
+                                            </p:txEl>
+                                          </p:spTgt>
+                                        </p:tgtEl>
+                                      </p:cBhvr>
+                                    </p:animEffect>
+                                  </p:childTnLst>
+                                </p:cTn>
+                              </p:par>
+                            </p:childTnLst>
+                          </p:cTn>
+                        </p:par>
+                      </p:childTnLst>
+                    </p:cTn>
+                  </p:par>
+                  <p:par>
+                    <p:cTn id="8" fill="hold">
+                      <p:stCondLst>
+                        <p:cond delay="indefinite"/>
+                      </p:stCondLst>
+                      <p:childTnLst>
+                        <p:par>
+                          <p:cTn id="9" fill="hold">
+                            <p:stCondLst>
+                              <p:cond delay="0"/>
+                            </p:stCondLst>
+                            <p:childTnLst>
+                              <p:par>
+                                <p:cTn id="10" presetID="10" presetClass="entr" presetSubtype="0" fill="hold" nodeType="clickEffect">
+                                  <p:stCondLst>
+                                    <p:cond delay="0"/>
+                                  </p:stCondLst>
+                                  <p:childTnLst>
+                                    <p:set>
+                                      <p:cBhvr>
+                                        <p:cTn id="11" dur="1" fill="hold">
+                                          <p:stCondLst>
+                                            <p:cond delay="0"/>
+                                          </p:stCondLst>
+                                        </p:cTn>
+                                        <p:tgtEl>
+                                          <p:spTgt spid="3">
+                                            <p:txEl>
+                                              <p:pRg st="1" end="1"/>
+                                            </p:txEl>
+                                          </p:spTgt>
+                                        </p:tgtEl>
+                                        <p:attrNameLst>
+                                          <p:attrName>style.visibility</p:attrName>
+                                        </p:attrNameLst>
+                                      </p:cBhvr>
+                                      <p:to>
+                                        <p:strVal val="visible"/>
+                                      </p:to>
+                                    </p:set>
+                                    <p:animEffect transition="in" filter="fade">
+                                      <p:cBhvr>
+                                        <p:cTn id="12" dur="500"/>
+                                        <p:tgtEl>
+                                          <p:spTgt spid="3">
+                                            <p:txEl>
+                                              <p:pRg st="1" end="1"/>
+                                            </p:txEl>
+                                          </p:spTgt>
+                                        </p:tgtEl>
+                                      </p:cBhvr>
+                                    </p:animEffect>
+                                  </p:childTnLst>
+                                </p:cTn>
+                              </p:par>
+                            </p:childTnLst>
+                          </p:cTn>
+                        </p:par>
+                      </p:childTnLst>
+                    </p:cTn>
+                  </p:par>
+                  <p:par>
+                    <p:cTn id="13" fill="hold">
+                      <p:stCondLst>
+                        <p:cond delay="indefinite"/>
+                      </p:stCondLst>
+                      <p:childTnLst>
+                        <p:par>
+                          <p:cTn id="14" fill="hold">
+                            <p:stCondLst>
+                              <p:cond delay="0"/>
+                            </p:stCondLst>
+                            <p:childTnLst>
+                              <p:par>
+                                <p:cTn id="15" presetID="10" presetClass="entr" presetSubtype="0" fill="hold" nodeType="clickEffect">
+                                  <p:stCondLst>
+                                    <p:cond delay="0"/>
+                                  </p:stCondLst>
+                                  <p:childTnLst>
+                                    <p:set>
+                                      <p:cBhvr>
+                                        <p:cTn id="16" dur="1" fill="hold">
+                                          <p:stCondLst>
+                                            <p:cond delay="0"/>
+                                          </p:stCondLst>
+                                        </p:cTn>
+                                        <p:tgtEl>
+                                          <p:spTgt spid="3">
+                                            <p:txEl>
+                                              <p:pRg st="2" end="2"/>
+                                            </p:txEl>
+                                          </p:spTgt>
+                                        </p:tgtEl>
+                                        <p:attrNameLst>
+                                          <p:attrName>style.visibility</p:attrName>
+                                        </p:attrNameLst>
+                                      </p:cBhvr>
+                                      <p:to>
+                                        <p:strVal val="visible"/>
+                                      </p:to>
+                                    </p:set>
+                                    <p:animEffect transition="in" filter="fade">
+                                      <p:cBhvr>
+                                        <p:cTn id="17" dur="500"/>
+                                        <p:tgtEl>
+                                          <p:spTgt spid="3">
+                                            <p:txEl>
+                                              <p:pRg st="2" end="2"/>
+                                            </p:txEl>
+                                          </p:spTgt>
+                                        </p:tgtEl>
+                                      </p:cBhvr>
+                                    </p:animEffect>
+                                  </p:childTnLst>
+                                </p:cTn>
+                              </p:par>
+                            </p:childTnLst>
+                          </p:cTn>
+                        </p:par>
+                      </p:childTnLst>
+                    </p:cTn>
+                  </p:par>
+                  <p:par>
+                    <p:cTn id="18" fill="hold">
+                      <p:stCondLst>
+                        <p:cond delay="indefinite"/>
+                      </p:stCondLst>
+                      <p:childTnLst>
+                        <p:par>
+                          <p:cTn id="19" fill="hold">
+                            <p:stCondLst>
+                              <p:cond delay="0"/>
+                            </p:stCondLst>
+                            <p:childTnLst>
+                              <p:par>
+                                <p:cTn id="20" presetID="10" presetClass="entr" presetSubtype="0" fill="hold" nodeType="clickEffect">
+                                  <p:stCondLst>
+                                    <p:cond delay="0"/>
+                                  </p:stCondLst>
+                                  <p:childTnLst>
+                                    <p:set>
+                                      <p:cBhvr>
+                                        <p:cTn id="21" dur="1" fill="hold">
+                                          <p:stCondLst>
+                                            <p:cond delay="0"/>
+                                          </p:stCondLst>
+                                        </p:cTn>
+                                        <p:tgtEl>
+                                          <p:spTgt spid="3">
+                                            <p:txEl>
+                                              <p:pRg st="3" end="3"/>
+                                            </p:txEl>
+                                          </p:spTgt>
+                                        </p:tgtEl>
+                                        <p:attrNameLst>
+                                          <p:attrName>style.visibility</p:attrName>
+                                        </p:attrNameLst>
+                                      </p:cBhvr>
+                                      <p:to>
+                                        <p:strVal val="visible"/>
+                                      </p:to>
+                                    </p:set>
+                                    <p:animEffect transition="in" filter="fade">
+                                      <p:cBhvr>
+                                        <p:cTn id="22" dur="500"/>
+                                        <p:tgtEl>
+                                          <p:spTgt spid="3">
+                                            <p:txEl>
+                                              <p:pRg st="3" end="3"/>
+                                            </p:txEl>
+                                          </p:spTgt>
+                                        </p:tgtEl>
+                                      </p:cBhvr>
+                                    </p:animEffect>
+                                  </p:childTnLst>
+                                </p:cTn>
+                              </p:par>
+                            </p:childTnLst>
+                          </p:cTn>
+                        </p:par>
+                      </p:childTnLst>
+                    </p:cTn>
+                  </p:par>
+                  <p:par>
+                    <p:cTn id="23" fill="hold">
+                      <p:stCondLst>
+                        <p:cond delay="indefinite"/>
+                      </p:stCondLst>
+                      <p:childTnLst>
+                        <p:par>
+                          <p:cTn id="24" fill="hold">
+                            <p:stCondLst>
+                              <p:cond delay="0"/>
+                            </p:stCondLst>
+                            <p:childTnLst>
+                              <p:par>
+                                <p:cTn id="25" presetID="10" presetClass="entr" presetSubtype="0" fill="hold" nodeType="clickEffect">
+                                  <p:stCondLst>
+                                    <p:cond delay="0"/>
+                                  </p:stCondLst>
+                                  <p:childTnLst>
+                                    <p:set>
+                                      <p:cBhvr>
+                                        <p:cTn id="26" dur="1" fill="hold">
+                                          <p:stCondLst>
+                                            <p:cond delay="0"/>
+                                          </p:stCondLst>
+                                        </p:cTn>
+                                        <p:tgtEl>
+                                          <p:spTgt spid="3">
+                                            <p:txEl>
+                                              <p:pRg st="4" end="4"/>
+                                            </p:txEl>
+                                          </p:spTgt>
+                                        </p:tgtEl>
+                                        <p:attrNameLst>
+                                          <p:attrName>style.visibility</p:attrName>
+                                        </p:attrNameLst>
+                                      </p:cBhvr>
+                                      <p:to>
+                                        <p:strVal val="visible"/>
+                                      </p:to>
+                                    </p:set>
+                                    <p:animEffect transition="in" filter="fade">
+                                      <p:cBhvr>
+                                        <p:cTn id="27" dur="500"/>
+                                        <p:tgtEl>
+                                          <p:spTgt spid="3">
+                                            <p:txEl>
+                                              <p:pRg st="4" end="4"/>
+                                            </p:txEl>
+                                          </p:spTgt>
+                                        </p:tgtEl>
+                                      </p:cBhvr>
+                                    </p:animEffect>
+                                  </p:childTnLst>
+                                </p:cTn>
+                              </p:par>
+                            </p:childTnLst>
+                          </p:cTn>
+                        </p:par>
+                      </p:childTnLst>
+                    </p:cTn>
+                  </p:par>
+                  <p:par>
+                    <p:cTn id="28" fill="hold">
+                      <p:stCondLst>
+                        <p:cond delay="indefinite"/>
+                      </p:stCondLst>
+                      <p:childTnLst>
+                        <p:par>
+                          <p:cTn id="29" fill="hold">
+                            <p:stCondLst>
+                              <p:cond delay="0"/>
+                            </p:stCondLst>
+                            <p:childTnLst>
+                              <p:par>
+                                <p:cTn id="30" presetID="10" presetClass="entr" presetSubtype="0" fill="hold" nodeType="clickEffect">
+                                  <p:stCondLst>
+                                    <p:cond delay="0"/>
+                                  </p:stCondLst>
+                                  <p:childTnLst>
+                                    <p:set>
+                                      <p:cBhvr>
+                                        <p:cTn id="31" dur="1" fill="hold">
+                                          <p:stCondLst>
+                                            <p:cond delay="0"/>
+                                          </p:stCondLst>
+                                        </p:cTn>
+                                        <p:tgtEl>
+                                          <p:spTgt spid="3">
+                                            <p:txEl>
+                                              <p:pRg st="5" end="5"/>
+                                            </p:txEl>
+                                          </p:spTgt>
+                                        </p:tgtEl>
+                                        <p:attrNameLst>
+                                          <p:attrName>style.visibility</p:attrName>
+                                        </p:attrNameLst>
+                                      </p:cBhvr>
+                                      <p:to>
+                                        <p:strVal val="visible"/>
+                                      </p:to>
+                                    </p:set>
+                                    <p:animEffect transition="in" filter="fade">
+                                      <p:cBhvr>
+                                        <p:cTn id="32" dur="500"/>
+                                        <p:tgtEl>
+                                          <p:spTgt spid="3">
+                                            <p:txEl>
+                                              <p:pRg st="5" end="5"/>
+                                            </p:txEl>
+                                          </p:spTgt>
+                                        </p:tgtEl>
+                                      </p:cBhvr>
+                                    </p:animEffect>
+                                  </p:childTnLst>
+                                </p:cTn>
+                              </p:par>
+                            </p:childTnLst>
+                          </p:cTn>
+                        </p:par>
+                      </p:childTnLst>
+                    </p:cTn>
+                  </p:par>
+                  <p:par>
+                    <p:cTn id="33" fill="hold">
+                      <p:stCondLst>
+                        <p:cond delay="indefinite"/>
+                      </p:stCondLst>
+                      <p:childTnLst>
+                        <p:par>
+                          <p:cTn id="34" fill="hold">
+                            <p:stCondLst>
+                              <p:cond delay="0"/>
+                            </p:stCondLst>
+                            <p:childTnLst>
+                              <p:par>
+                                <p:cTn id="35" presetID="10" presetClass="entr" presetSubtype="0" fill="hold" nodeType="clickEffect">
+                                  <p:stCondLst>
+                                    <p:cond delay="0"/>
+                                  </p:stCondLst>
+                                  <p:childTnLst>
+                                    <p:set>
+                                      <p:cBhvr>
+                                        <p:cTn id="36" dur="1" fill="hold">
+                                          <p:stCondLst>
+                                            <p:cond delay="0"/>
+                                          </p:stCondLst>
+                                        </p:cTn>
+                                        <p:tgtEl>
+                                          <p:spTgt spid="3">
+                                            <p:txEl>
+                                              <p:pRg st="6" end="6"/>
+                                            </p:txEl>
+                                          </p:spTgt>
+                                        </p:tgtEl>
+                                        <p:attrNameLst>
+                                          <p:attrName>style.visibility</p:attrName>
+                                        </p:attrNameLst>
+                                      </p:cBhvr>
+                                      <p:to>
+                                        <p:strVal val="visible"/>
+                                      </p:to>
+                                    </p:set>
+                                    <p:animEffect transition="in" filter="fade">
+                                      <p:cBhvr>
+                                        <p:cTn id="37" dur="500"/>
+                                        <p:tgtEl>
+                                          <p:spTgt spid="3">
+                                            <p:txEl>
+                                              <p:pRg st="6" end="6"/>
+                                            </p:txEl>
+                                          </p:spTgt>
+                                        </p:tgtEl>
+                                      </p:cBhvr>
+                                    </p:animEffect>
+                                  </p:childTnLst>
+                                </p:cTn>
+                              </p:par>
+                            </p:childTnLst>
+                          </p:cTn>
+                        </p:par>
+                      </p:childTnLst>
+                    </p:cTn>
+                  </p:par>
+                </p:childTnLst>
+              </p:cTn>
+              <p:prevCondLst>
+                <p:cond evt="onPrev" delay="0">
+                  <p:tgtEl>
+                    <p:sldTgt/>
+                  </p:tgtEl>
+                </p:cond>
+              </p:prevCondLst>
+              <p:nextCondLst>
+                <p:cond evt="onNext" delay="0">
+                  <p:tgtEl>
+                    <p:sldTgt/>
+                  </p:tgtEl>
+                </p:cond>
+              </p:nextCondLst>
+            </p:seq>
+          </p:childTnLst>
+        </p:cTn>
+      </p:par>
+    </p:tnLst>
+  </p:timing>
 </p:sld>
 </file>
 
@@ -5082,6 +5539,789 @@
   <p:clrMapOvr>
     <a:masterClrMapping/>
   </p:clrMapOvr>
+  <p:timing>
+    <p:tnLst>
+      <p:par>
+        <p:cTn id="1" dur="indefinite" restart="never" nodeType="tmRoot">
+          <p:childTnLst>
+            <p:seq concurrent="1" nextAc="seek">
+              <p:cTn id="2" dur="indefinite" nodeType="mainSeq">
+                <p:childTnLst>
+                  <p:par>
+                    <p:cTn id="3" fill="hold">
+                      <p:stCondLst>
+                        <p:cond delay="indefinite"/>
+                      </p:stCondLst>
+                      <p:childTnLst>
+                        <p:par>
+                          <p:cTn id="4" fill="hold">
+                            <p:stCondLst>
+                              <p:cond delay="0"/>
+                            </p:stCondLst>
+                            <p:childTnLst>
+                              <p:par>
+                                <p:cTn id="5" presetID="10" presetClass="entr" presetSubtype="0" fill="hold" nodeType="clickEffect">
+                                  <p:stCondLst>
+                                    <p:cond delay="0"/>
+                                  </p:stCondLst>
+                                  <p:childTnLst>
+                                    <p:set>
+                                      <p:cBhvr>
+                                        <p:cTn id="6" dur="1" fill="hold">
+                                          <p:stCondLst>
+                                            <p:cond delay="0"/>
+                                          </p:stCondLst>
+                                        </p:cTn>
+                                        <p:tgtEl>
+                                          <p:spTgt spid="3">
+                                            <p:txEl>
+                                              <p:pRg st="0" end="0"/>
+                                            </p:txEl>
+                                          </p:spTgt>
+                                        </p:tgtEl>
+                                        <p:attrNameLst>
+                                          <p:attrName>style.visibility</p:attrName>
+                                        </p:attrNameLst>
+                                      </p:cBhvr>
+                                      <p:to>
+                                        <p:strVal val="visible"/>
+                                      </p:to>
+                                    </p:set>
+                                    <p:animEffect transition="in" filter="fade">
+                                      <p:cBhvr>
+                                        <p:cTn id="7" dur="500"/>
+                                        <p:tgtEl>
+                                          <p:spTgt spid="3">
+                                            <p:txEl>
+                                              <p:pRg st="0" end="0"/>
+                                            </p:txEl>
+                                          </p:spTgt>
+                                        </p:tgtEl>
+                                      </p:cBhvr>
+                                    </p:animEffect>
+                                  </p:childTnLst>
+                                </p:cTn>
+                              </p:par>
+                            </p:childTnLst>
+                          </p:cTn>
+                        </p:par>
+                      </p:childTnLst>
+                    </p:cTn>
+                  </p:par>
+                  <p:par>
+                    <p:cTn id="8" fill="hold">
+                      <p:stCondLst>
+                        <p:cond delay="indefinite"/>
+                      </p:stCondLst>
+                      <p:childTnLst>
+                        <p:par>
+                          <p:cTn id="9" fill="hold">
+                            <p:stCondLst>
+                              <p:cond delay="0"/>
+                            </p:stCondLst>
+                            <p:childTnLst>
+                              <p:par>
+                                <p:cTn id="10" presetID="10" presetClass="entr" presetSubtype="0" fill="hold" nodeType="clickEffect">
+                                  <p:stCondLst>
+                                    <p:cond delay="0"/>
+                                  </p:stCondLst>
+                                  <p:childTnLst>
+                                    <p:set>
+                                      <p:cBhvr>
+                                        <p:cTn id="11" dur="1" fill="hold">
+                                          <p:stCondLst>
+                                            <p:cond delay="0"/>
+                                          </p:stCondLst>
+                                        </p:cTn>
+                                        <p:tgtEl>
+                                          <p:spTgt spid="3">
+                                            <p:txEl>
+                                              <p:pRg st="1" end="1"/>
+                                            </p:txEl>
+                                          </p:spTgt>
+                                        </p:tgtEl>
+                                        <p:attrNameLst>
+                                          <p:attrName>style.visibility</p:attrName>
+                                        </p:attrNameLst>
+                                      </p:cBhvr>
+                                      <p:to>
+                                        <p:strVal val="visible"/>
+                                      </p:to>
+                                    </p:set>
+                                    <p:animEffect transition="in" filter="fade">
+                                      <p:cBhvr>
+                                        <p:cTn id="12" dur="500"/>
+                                        <p:tgtEl>
+                                          <p:spTgt spid="3">
+                                            <p:txEl>
+                                              <p:pRg st="1" end="1"/>
+                                            </p:txEl>
+                                          </p:spTgt>
+                                        </p:tgtEl>
+                                      </p:cBhvr>
+                                    </p:animEffect>
+                                  </p:childTnLst>
+                                </p:cTn>
+                              </p:par>
+                              <p:par>
+                                <p:cTn id="13" presetID="10" presetClass="entr" presetSubtype="0" fill="hold" nodeType="withEffect">
+                                  <p:stCondLst>
+                                    <p:cond delay="0"/>
+                                  </p:stCondLst>
+                                  <p:childTnLst>
+                                    <p:set>
+                                      <p:cBhvr>
+                                        <p:cTn id="14" dur="1" fill="hold">
+                                          <p:stCondLst>
+                                            <p:cond delay="0"/>
+                                          </p:stCondLst>
+                                        </p:cTn>
+                                        <p:tgtEl>
+                                          <p:spTgt spid="3">
+                                            <p:txEl>
+                                              <p:pRg st="2" end="2"/>
+                                            </p:txEl>
+                                          </p:spTgt>
+                                        </p:tgtEl>
+                                        <p:attrNameLst>
+                                          <p:attrName>style.visibility</p:attrName>
+                                        </p:attrNameLst>
+                                      </p:cBhvr>
+                                      <p:to>
+                                        <p:strVal val="visible"/>
+                                      </p:to>
+                                    </p:set>
+                                    <p:animEffect transition="in" filter="fade">
+                                      <p:cBhvr>
+                                        <p:cTn id="15" dur="500"/>
+                                        <p:tgtEl>
+                                          <p:spTgt spid="3">
+                                            <p:txEl>
+                                              <p:pRg st="2" end="2"/>
+                                            </p:txEl>
+                                          </p:spTgt>
+                                        </p:tgtEl>
+                                      </p:cBhvr>
+                                    </p:animEffect>
+                                  </p:childTnLst>
+                                </p:cTn>
+                              </p:par>
+                              <p:par>
+                                <p:cTn id="16" presetID="10" presetClass="entr" presetSubtype="0" fill="hold" nodeType="withEffect">
+                                  <p:stCondLst>
+                                    <p:cond delay="0"/>
+                                  </p:stCondLst>
+                                  <p:childTnLst>
+                                    <p:set>
+                                      <p:cBhvr>
+                                        <p:cTn id="17" dur="1" fill="hold">
+                                          <p:stCondLst>
+                                            <p:cond delay="0"/>
+                                          </p:stCondLst>
+                                        </p:cTn>
+                                        <p:tgtEl>
+                                          <p:spTgt spid="3">
+                                            <p:txEl>
+                                              <p:pRg st="3" end="3"/>
+                                            </p:txEl>
+                                          </p:spTgt>
+                                        </p:tgtEl>
+                                        <p:attrNameLst>
+                                          <p:attrName>style.visibility</p:attrName>
+                                        </p:attrNameLst>
+                                      </p:cBhvr>
+                                      <p:to>
+                                        <p:strVal val="visible"/>
+                                      </p:to>
+                                    </p:set>
+                                    <p:animEffect transition="in" filter="fade">
+                                      <p:cBhvr>
+                                        <p:cTn id="18" dur="500"/>
+                                        <p:tgtEl>
+                                          <p:spTgt spid="3">
+                                            <p:txEl>
+                                              <p:pRg st="3" end="3"/>
+                                            </p:txEl>
+                                          </p:spTgt>
+                                        </p:tgtEl>
+                                      </p:cBhvr>
+                                    </p:animEffect>
+                                  </p:childTnLst>
+                                </p:cTn>
+                              </p:par>
+                              <p:par>
+                                <p:cTn id="19" presetID="10" presetClass="entr" presetSubtype="0" fill="hold" nodeType="withEffect">
+                                  <p:stCondLst>
+                                    <p:cond delay="0"/>
+                                  </p:stCondLst>
+                                  <p:childTnLst>
+                                    <p:set>
+                                      <p:cBhvr>
+                                        <p:cTn id="20" dur="1" fill="hold">
+                                          <p:stCondLst>
+                                            <p:cond delay="0"/>
+                                          </p:stCondLst>
+                                        </p:cTn>
+                                        <p:tgtEl>
+                                          <p:spTgt spid="3">
+                                            <p:txEl>
+                                              <p:pRg st="4" end="4"/>
+                                            </p:txEl>
+                                          </p:spTgt>
+                                        </p:tgtEl>
+                                        <p:attrNameLst>
+                                          <p:attrName>style.visibility</p:attrName>
+                                        </p:attrNameLst>
+                                      </p:cBhvr>
+                                      <p:to>
+                                        <p:strVal val="visible"/>
+                                      </p:to>
+                                    </p:set>
+                                    <p:animEffect transition="in" filter="fade">
+                                      <p:cBhvr>
+                                        <p:cTn id="21" dur="500"/>
+                                        <p:tgtEl>
+                                          <p:spTgt spid="3">
+                                            <p:txEl>
+                                              <p:pRg st="4" end="4"/>
+                                            </p:txEl>
+                                          </p:spTgt>
+                                        </p:tgtEl>
+                                      </p:cBhvr>
+                                    </p:animEffect>
+                                  </p:childTnLst>
+                                </p:cTn>
+                              </p:par>
+                            </p:childTnLst>
+                          </p:cTn>
+                        </p:par>
+                      </p:childTnLst>
+                    </p:cTn>
+                  </p:par>
+                  <p:par>
+                    <p:cTn id="22" fill="hold">
+                      <p:stCondLst>
+                        <p:cond delay="indefinite"/>
+                      </p:stCondLst>
+                      <p:childTnLst>
+                        <p:par>
+                          <p:cTn id="23" fill="hold">
+                            <p:stCondLst>
+                              <p:cond delay="0"/>
+                            </p:stCondLst>
+                            <p:childTnLst>
+                              <p:par>
+                                <p:cTn id="24" presetID="10" presetClass="entr" presetSubtype="0" fill="hold" nodeType="clickEffect">
+                                  <p:stCondLst>
+                                    <p:cond delay="0"/>
+                                  </p:stCondLst>
+                                  <p:childTnLst>
+                                    <p:set>
+                                      <p:cBhvr>
+                                        <p:cTn id="25" dur="1" fill="hold">
+                                          <p:stCondLst>
+                                            <p:cond delay="0"/>
+                                          </p:stCondLst>
+                                        </p:cTn>
+                                        <p:tgtEl>
+                                          <p:spTgt spid="3">
+                                            <p:txEl>
+                                              <p:pRg st="5" end="5"/>
+                                            </p:txEl>
+                                          </p:spTgt>
+                                        </p:tgtEl>
+                                        <p:attrNameLst>
+                                          <p:attrName>style.visibility</p:attrName>
+                                        </p:attrNameLst>
+                                      </p:cBhvr>
+                                      <p:to>
+                                        <p:strVal val="visible"/>
+                                      </p:to>
+                                    </p:set>
+                                    <p:animEffect transition="in" filter="fade">
+                                      <p:cBhvr>
+                                        <p:cTn id="26" dur="500"/>
+                                        <p:tgtEl>
+                                          <p:spTgt spid="3">
+                                            <p:txEl>
+                                              <p:pRg st="5" end="5"/>
+                                            </p:txEl>
+                                          </p:spTgt>
+                                        </p:tgtEl>
+                                      </p:cBhvr>
+                                    </p:animEffect>
+                                  </p:childTnLst>
+                                </p:cTn>
+                              </p:par>
+                            </p:childTnLst>
+                          </p:cTn>
+                        </p:par>
+                      </p:childTnLst>
+                    </p:cTn>
+                  </p:par>
+                  <p:par>
+                    <p:cTn id="27" fill="hold">
+                      <p:stCondLst>
+                        <p:cond delay="indefinite"/>
+                      </p:stCondLst>
+                      <p:childTnLst>
+                        <p:par>
+                          <p:cTn id="28" fill="hold">
+                            <p:stCondLst>
+                              <p:cond delay="0"/>
+                            </p:stCondLst>
+                            <p:childTnLst>
+                              <p:par>
+                                <p:cTn id="29" presetID="10" presetClass="entr" presetSubtype="0" fill="hold" nodeType="clickEffect">
+                                  <p:stCondLst>
+                                    <p:cond delay="0"/>
+                                  </p:stCondLst>
+                                  <p:childTnLst>
+                                    <p:set>
+                                      <p:cBhvr>
+                                        <p:cTn id="30" dur="1" fill="hold">
+                                          <p:stCondLst>
+                                            <p:cond delay="0"/>
+                                          </p:stCondLst>
+                                        </p:cTn>
+                                        <p:tgtEl>
+                                          <p:spTgt spid="3">
+                                            <p:txEl>
+                                              <p:pRg st="6" end="6"/>
+                                            </p:txEl>
+                                          </p:spTgt>
+                                        </p:tgtEl>
+                                        <p:attrNameLst>
+                                          <p:attrName>style.visibility</p:attrName>
+                                        </p:attrNameLst>
+                                      </p:cBhvr>
+                                      <p:to>
+                                        <p:strVal val="visible"/>
+                                      </p:to>
+                                    </p:set>
+                                    <p:animEffect transition="in" filter="fade">
+                                      <p:cBhvr>
+                                        <p:cTn id="31" dur="500"/>
+                                        <p:tgtEl>
+                                          <p:spTgt spid="3">
+                                            <p:txEl>
+                                              <p:pRg st="6" end="6"/>
+                                            </p:txEl>
+                                          </p:spTgt>
+                                        </p:tgtEl>
+                                      </p:cBhvr>
+                                    </p:animEffect>
+                                  </p:childTnLst>
+                                </p:cTn>
+                              </p:par>
+                              <p:par>
+                                <p:cTn id="32" presetID="10" presetClass="entr" presetSubtype="0" fill="hold" nodeType="withEffect">
+                                  <p:stCondLst>
+                                    <p:cond delay="0"/>
+                                  </p:stCondLst>
+                                  <p:childTnLst>
+                                    <p:set>
+                                      <p:cBhvr>
+                                        <p:cTn id="33" dur="1" fill="hold">
+                                          <p:stCondLst>
+                                            <p:cond delay="0"/>
+                                          </p:stCondLst>
+                                        </p:cTn>
+                                        <p:tgtEl>
+                                          <p:spTgt spid="3">
+                                            <p:txEl>
+                                              <p:pRg st="7" end="7"/>
+                                            </p:txEl>
+                                          </p:spTgt>
+                                        </p:tgtEl>
+                                        <p:attrNameLst>
+                                          <p:attrName>style.visibility</p:attrName>
+                                        </p:attrNameLst>
+                                      </p:cBhvr>
+                                      <p:to>
+                                        <p:strVal val="visible"/>
+                                      </p:to>
+                                    </p:set>
+                                    <p:animEffect transition="in" filter="fade">
+                                      <p:cBhvr>
+                                        <p:cTn id="34" dur="500"/>
+                                        <p:tgtEl>
+                                          <p:spTgt spid="3">
+                                            <p:txEl>
+                                              <p:pRg st="7" end="7"/>
+                                            </p:txEl>
+                                          </p:spTgt>
+                                        </p:tgtEl>
+                                      </p:cBhvr>
+                                    </p:animEffect>
+                                  </p:childTnLst>
+                                </p:cTn>
+                              </p:par>
+                            </p:childTnLst>
+                          </p:cTn>
+                        </p:par>
+                      </p:childTnLst>
+                    </p:cTn>
+                  </p:par>
+                  <p:par>
+                    <p:cTn id="35" fill="hold">
+                      <p:stCondLst>
+                        <p:cond delay="indefinite"/>
+                      </p:stCondLst>
+                      <p:childTnLst>
+                        <p:par>
+                          <p:cTn id="36" fill="hold">
+                            <p:stCondLst>
+                              <p:cond delay="0"/>
+                            </p:stCondLst>
+                            <p:childTnLst>
+                              <p:par>
+                                <p:cTn id="37" presetID="10" presetClass="entr" presetSubtype="0" fill="hold" nodeType="clickEffect">
+                                  <p:stCondLst>
+                                    <p:cond delay="0"/>
+                                  </p:stCondLst>
+                                  <p:childTnLst>
+                                    <p:set>
+                                      <p:cBhvr>
+                                        <p:cTn id="38" dur="1" fill="hold">
+                                          <p:stCondLst>
+                                            <p:cond delay="0"/>
+                                          </p:stCondLst>
+                                        </p:cTn>
+                                        <p:tgtEl>
+                                          <p:spTgt spid="3">
+                                            <p:txEl>
+                                              <p:pRg st="8" end="8"/>
+                                            </p:txEl>
+                                          </p:spTgt>
+                                        </p:tgtEl>
+                                        <p:attrNameLst>
+                                          <p:attrName>style.visibility</p:attrName>
+                                        </p:attrNameLst>
+                                      </p:cBhvr>
+                                      <p:to>
+                                        <p:strVal val="visible"/>
+                                      </p:to>
+                                    </p:set>
+                                    <p:animEffect transition="in" filter="fade">
+                                      <p:cBhvr>
+                                        <p:cTn id="39" dur="500"/>
+                                        <p:tgtEl>
+                                          <p:spTgt spid="3">
+                                            <p:txEl>
+                                              <p:pRg st="8" end="8"/>
+                                            </p:txEl>
+                                          </p:spTgt>
+                                        </p:tgtEl>
+                                      </p:cBhvr>
+                                    </p:animEffect>
+                                  </p:childTnLst>
+                                </p:cTn>
+                              </p:par>
+                              <p:par>
+                                <p:cTn id="40" presetID="10" presetClass="entr" presetSubtype="0" fill="hold" nodeType="withEffect">
+                                  <p:stCondLst>
+                                    <p:cond delay="0"/>
+                                  </p:stCondLst>
+                                  <p:childTnLst>
+                                    <p:set>
+                                      <p:cBhvr>
+                                        <p:cTn id="41" dur="1" fill="hold">
+                                          <p:stCondLst>
+                                            <p:cond delay="0"/>
+                                          </p:stCondLst>
+                                        </p:cTn>
+                                        <p:tgtEl>
+                                          <p:spTgt spid="3">
+                                            <p:txEl>
+                                              <p:pRg st="9" end="9"/>
+                                            </p:txEl>
+                                          </p:spTgt>
+                                        </p:tgtEl>
+                                        <p:attrNameLst>
+                                          <p:attrName>style.visibility</p:attrName>
+                                        </p:attrNameLst>
+                                      </p:cBhvr>
+                                      <p:to>
+                                        <p:strVal val="visible"/>
+                                      </p:to>
+                                    </p:set>
+                                    <p:animEffect transition="in" filter="fade">
+                                      <p:cBhvr>
+                                        <p:cTn id="42" dur="500"/>
+                                        <p:tgtEl>
+                                          <p:spTgt spid="3">
+                                            <p:txEl>
+                                              <p:pRg st="9" end="9"/>
+                                            </p:txEl>
+                                          </p:spTgt>
+                                        </p:tgtEl>
+                                      </p:cBhvr>
+                                    </p:animEffect>
+                                  </p:childTnLst>
+                                </p:cTn>
+                              </p:par>
+                              <p:par>
+                                <p:cTn id="43" presetID="10" presetClass="entr" presetSubtype="0" fill="hold" nodeType="withEffect">
+                                  <p:stCondLst>
+                                    <p:cond delay="0"/>
+                                  </p:stCondLst>
+                                  <p:childTnLst>
+                                    <p:set>
+                                      <p:cBhvr>
+                                        <p:cTn id="44" dur="1" fill="hold">
+                                          <p:stCondLst>
+                                            <p:cond delay="0"/>
+                                          </p:stCondLst>
+                                        </p:cTn>
+                                        <p:tgtEl>
+                                          <p:spTgt spid="3">
+                                            <p:txEl>
+                                              <p:pRg st="10" end="10"/>
+                                            </p:txEl>
+                                          </p:spTgt>
+                                        </p:tgtEl>
+                                        <p:attrNameLst>
+                                          <p:attrName>style.visibility</p:attrName>
+                                        </p:attrNameLst>
+                                      </p:cBhvr>
+                                      <p:to>
+                                        <p:strVal val="visible"/>
+                                      </p:to>
+                                    </p:set>
+                                    <p:animEffect transition="in" filter="fade">
+                                      <p:cBhvr>
+                                        <p:cTn id="45" dur="500"/>
+                                        <p:tgtEl>
+                                          <p:spTgt spid="3">
+                                            <p:txEl>
+                                              <p:pRg st="10" end="10"/>
+                                            </p:txEl>
+                                          </p:spTgt>
+                                        </p:tgtEl>
+                                      </p:cBhvr>
+                                    </p:animEffect>
+                                  </p:childTnLst>
+                                </p:cTn>
+                              </p:par>
+                            </p:childTnLst>
+                          </p:cTn>
+                        </p:par>
+                      </p:childTnLst>
+                    </p:cTn>
+                  </p:par>
+                  <p:par>
+                    <p:cTn id="46" fill="hold">
+                      <p:stCondLst>
+                        <p:cond delay="indefinite"/>
+                      </p:stCondLst>
+                      <p:childTnLst>
+                        <p:par>
+                          <p:cTn id="47" fill="hold">
+                            <p:stCondLst>
+                              <p:cond delay="0"/>
+                            </p:stCondLst>
+                            <p:childTnLst>
+                              <p:par>
+                                <p:cTn id="48" presetID="10" presetClass="entr" presetSubtype="0" fill="hold" nodeType="clickEffect">
+                                  <p:stCondLst>
+                                    <p:cond delay="0"/>
+                                  </p:stCondLst>
+                                  <p:childTnLst>
+                                    <p:set>
+                                      <p:cBhvr>
+                                        <p:cTn id="49" dur="1" fill="hold">
+                                          <p:stCondLst>
+                                            <p:cond delay="0"/>
+                                          </p:stCondLst>
+                                        </p:cTn>
+                                        <p:tgtEl>
+                                          <p:spTgt spid="3">
+                                            <p:txEl>
+                                              <p:pRg st="11" end="11"/>
+                                            </p:txEl>
+                                          </p:spTgt>
+                                        </p:tgtEl>
+                                        <p:attrNameLst>
+                                          <p:attrName>style.visibility</p:attrName>
+                                        </p:attrNameLst>
+                                      </p:cBhvr>
+                                      <p:to>
+                                        <p:strVal val="visible"/>
+                                      </p:to>
+                                    </p:set>
+                                    <p:animEffect transition="in" filter="fade">
+                                      <p:cBhvr>
+                                        <p:cTn id="50" dur="500"/>
+                                        <p:tgtEl>
+                                          <p:spTgt spid="3">
+                                            <p:txEl>
+                                              <p:pRg st="11" end="11"/>
+                                            </p:txEl>
+                                          </p:spTgt>
+                                        </p:tgtEl>
+                                      </p:cBhvr>
+                                    </p:animEffect>
+                                  </p:childTnLst>
+                                </p:cTn>
+                              </p:par>
+                              <p:par>
+                                <p:cTn id="51" presetID="10" presetClass="entr" presetSubtype="0" fill="hold" nodeType="withEffect">
+                                  <p:stCondLst>
+                                    <p:cond delay="0"/>
+                                  </p:stCondLst>
+                                  <p:childTnLst>
+                                    <p:set>
+                                      <p:cBhvr>
+                                        <p:cTn id="52" dur="1" fill="hold">
+                                          <p:stCondLst>
+                                            <p:cond delay="0"/>
+                                          </p:stCondLst>
+                                        </p:cTn>
+                                        <p:tgtEl>
+                                          <p:spTgt spid="3">
+                                            <p:txEl>
+                                              <p:pRg st="12" end="12"/>
+                                            </p:txEl>
+                                          </p:spTgt>
+                                        </p:tgtEl>
+                                        <p:attrNameLst>
+                                          <p:attrName>style.visibility</p:attrName>
+                                        </p:attrNameLst>
+                                      </p:cBhvr>
+                                      <p:to>
+                                        <p:strVal val="visible"/>
+                                      </p:to>
+                                    </p:set>
+                                    <p:animEffect transition="in" filter="fade">
+                                      <p:cBhvr>
+                                        <p:cTn id="53" dur="500"/>
+                                        <p:tgtEl>
+                                          <p:spTgt spid="3">
+                                            <p:txEl>
+                                              <p:pRg st="12" end="12"/>
+                                            </p:txEl>
+                                          </p:spTgt>
+                                        </p:tgtEl>
+                                      </p:cBhvr>
+                                    </p:animEffect>
+                                  </p:childTnLst>
+                                </p:cTn>
+                              </p:par>
+                              <p:par>
+                                <p:cTn id="54" presetID="10" presetClass="entr" presetSubtype="0" fill="hold" nodeType="withEffect">
+                                  <p:stCondLst>
+                                    <p:cond delay="0"/>
+                                  </p:stCondLst>
+                                  <p:childTnLst>
+                                    <p:set>
+                                      <p:cBhvr>
+                                        <p:cTn id="55" dur="1" fill="hold">
+                                          <p:stCondLst>
+                                            <p:cond delay="0"/>
+                                          </p:stCondLst>
+                                        </p:cTn>
+                                        <p:tgtEl>
+                                          <p:spTgt spid="3">
+                                            <p:txEl>
+                                              <p:pRg st="13" end="13"/>
+                                            </p:txEl>
+                                          </p:spTgt>
+                                        </p:tgtEl>
+                                        <p:attrNameLst>
+                                          <p:attrName>style.visibility</p:attrName>
+                                        </p:attrNameLst>
+                                      </p:cBhvr>
+                                      <p:to>
+                                        <p:strVal val="visible"/>
+                                      </p:to>
+                                    </p:set>
+                                    <p:animEffect transition="in" filter="fade">
+                                      <p:cBhvr>
+                                        <p:cTn id="56" dur="500"/>
+                                        <p:tgtEl>
+                                          <p:spTgt spid="3">
+                                            <p:txEl>
+                                              <p:pRg st="13" end="13"/>
+                                            </p:txEl>
+                                          </p:spTgt>
+                                        </p:tgtEl>
+                                      </p:cBhvr>
+                                    </p:animEffect>
+                                  </p:childTnLst>
+                                </p:cTn>
+                              </p:par>
+                              <p:par>
+                                <p:cTn id="57" presetID="10" presetClass="entr" presetSubtype="0" fill="hold" nodeType="withEffect">
+                                  <p:stCondLst>
+                                    <p:cond delay="0"/>
+                                  </p:stCondLst>
+                                  <p:childTnLst>
+                                    <p:set>
+                                      <p:cBhvr>
+                                        <p:cTn id="58" dur="1" fill="hold">
+                                          <p:stCondLst>
+                                            <p:cond delay="0"/>
+                                          </p:stCondLst>
+                                        </p:cTn>
+                                        <p:tgtEl>
+                                          <p:spTgt spid="3">
+                                            <p:txEl>
+                                              <p:pRg st="14" end="14"/>
+                                            </p:txEl>
+                                          </p:spTgt>
+                                        </p:tgtEl>
+                                        <p:attrNameLst>
+                                          <p:attrName>style.visibility</p:attrName>
+                                        </p:attrNameLst>
+                                      </p:cBhvr>
+                                      <p:to>
+                                        <p:strVal val="visible"/>
+                                      </p:to>
+                                    </p:set>
+                                    <p:animEffect transition="in" filter="fade">
+                                      <p:cBhvr>
+                                        <p:cTn id="59" dur="500"/>
+                                        <p:tgtEl>
+                                          <p:spTgt spid="3">
+                                            <p:txEl>
+                                              <p:pRg st="14" end="14"/>
+                                            </p:txEl>
+                                          </p:spTgt>
+                                        </p:tgtEl>
+                                      </p:cBhvr>
+                                    </p:animEffect>
+                                  </p:childTnLst>
+                                </p:cTn>
+                              </p:par>
+                            </p:childTnLst>
+                          </p:cTn>
+                        </p:par>
+                      </p:childTnLst>
+                    </p:cTn>
+                  </p:par>
+                </p:childTnLst>
+              </p:cTn>
+              <p:prevCondLst>
+                <p:cond evt="onPrev" delay="0">
+                  <p:tgtEl>
+                    <p:sldTgt/>
+                  </p:tgtEl>
+                </p:cond>
+              </p:prevCondLst>
+              <p:nextCondLst>
+                <p:cond evt="onNext" delay="0">
+                  <p:tgtEl>
+                    <p:sldTgt/>
+                  </p:tgtEl>
+                </p:cond>
+              </p:nextCondLst>
+            </p:seq>
+          </p:childTnLst>
+        </p:cTn>
+      </p:par>
+    </p:tnLst>
+  </p:timing>
 </p:sld>
 </file>
 
@@ -5435,36 +6675,6 @@
           </a:p>
         </p:txBody>
       </p:sp>
-      <p:pic>
-        <p:nvPicPr>
-          <p:cNvPr id="7" name="Picture 6">
-            <a:extLst>
-              <a:ext uri="{FF2B5EF4-FFF2-40B4-BE49-F238E27FC236}">
-                <a16:creationId xmlns:a16="http://schemas.microsoft.com/office/drawing/2014/main" id="{631E8F1F-5DE5-D84C-2A5D-6E18BB9541B0}"/>
-              </a:ext>
-            </a:extLst>
-          </p:cNvPr>
-          <p:cNvPicPr>
-            <a:picLocks noChangeAspect="1"/>
-          </p:cNvPicPr>
-          <p:nvPr/>
-        </p:nvPicPr>
-        <p:blipFill>
-          <a:blip r:embed="rId3"/>
-          <a:stretch>
-            <a:fillRect/>
-          </a:stretch>
-        </p:blipFill>
-        <p:spPr>
-          <a:xfrm>
-            <a:off x="461913" y="1379347"/>
-            <a:ext cx="11547835" cy="4722021"/>
-          </a:xfrm>
-          <a:prstGeom prst="rect">
-            <a:avLst/>
-          </a:prstGeom>
-        </p:spPr>
-      </p:pic>
       <p:sp>
         <p:nvSpPr>
           <p:cNvPr id="9" name="TextBox 8">
@@ -5495,7 +6705,7 @@
           <a:p>
             <a:r>
               <a:rPr lang="en-US" sz="2800" b="1" dirty="0">
-                <a:hlinkClick r:id="rId4"/>
+                <a:hlinkClick r:id="rId3"/>
               </a:rPr>
               <a:t>https://www.youtube.com/@Volosoft</a:t>
             </a:r>
@@ -5507,6 +6717,36 @@
           </a:p>
         </p:txBody>
       </p:sp>
+      <p:pic>
+        <p:nvPicPr>
+          <p:cNvPr id="4" name="Picture 3">
+            <a:extLst>
+              <a:ext uri="{FF2B5EF4-FFF2-40B4-BE49-F238E27FC236}">
+                <a16:creationId xmlns:a16="http://schemas.microsoft.com/office/drawing/2014/main" id="{DA782A15-AAC7-D5C2-C365-057467E85A09}"/>
+              </a:ext>
+            </a:extLst>
+          </p:cNvPr>
+          <p:cNvPicPr>
+            <a:picLocks noChangeAspect="1"/>
+          </p:cNvPicPr>
+          <p:nvPr/>
+        </p:nvPicPr>
+        <p:blipFill>
+          <a:blip r:embed="rId4"/>
+          <a:stretch>
+            <a:fillRect/>
+          </a:stretch>
+        </p:blipFill>
+        <p:spPr>
+          <a:xfrm>
+            <a:off x="461912" y="1379348"/>
+            <a:ext cx="11267081" cy="4634953"/>
+          </a:xfrm>
+          <a:prstGeom prst="rect">
+            <a:avLst/>
+          </a:prstGeom>
+        </p:spPr>
+      </p:pic>
     </p:spTree>
     <p:extLst>
       <p:ext uri="{BB962C8B-B14F-4D97-AF65-F5344CB8AC3E}">
@@ -5763,6 +7003,212 @@
   <p:clrMapOvr>
     <a:masterClrMapping/>
   </p:clrMapOvr>
+  <p:timing>
+    <p:tnLst>
+      <p:par>
+        <p:cTn id="1" dur="indefinite" restart="never" nodeType="tmRoot">
+          <p:childTnLst>
+            <p:seq concurrent="1" nextAc="seek">
+              <p:cTn id="2" dur="indefinite" nodeType="mainSeq">
+                <p:childTnLst>
+                  <p:par>
+                    <p:cTn id="3" fill="hold">
+                      <p:stCondLst>
+                        <p:cond delay="indefinite"/>
+                      </p:stCondLst>
+                      <p:childTnLst>
+                        <p:par>
+                          <p:cTn id="4" fill="hold">
+                            <p:stCondLst>
+                              <p:cond delay="0"/>
+                            </p:stCondLst>
+                            <p:childTnLst>
+                              <p:par>
+                                <p:cTn id="5" presetID="10" presetClass="entr" presetSubtype="0" fill="hold" nodeType="clickEffect">
+                                  <p:stCondLst>
+                                    <p:cond delay="0"/>
+                                  </p:stCondLst>
+                                  <p:childTnLst>
+                                    <p:set>
+                                      <p:cBhvr>
+                                        <p:cTn id="6" dur="1" fill="hold">
+                                          <p:stCondLst>
+                                            <p:cond delay="0"/>
+                                          </p:stCondLst>
+                                        </p:cTn>
+                                        <p:tgtEl>
+                                          <p:spTgt spid="7"/>
+                                        </p:tgtEl>
+                                        <p:attrNameLst>
+                                          <p:attrName>style.visibility</p:attrName>
+                                        </p:attrNameLst>
+                                      </p:cBhvr>
+                                      <p:to>
+                                        <p:strVal val="visible"/>
+                                      </p:to>
+                                    </p:set>
+                                    <p:animEffect transition="in" filter="fade">
+                                      <p:cBhvr>
+                                        <p:cTn id="7" dur="500"/>
+                                        <p:tgtEl>
+                                          <p:spTgt spid="7"/>
+                                        </p:tgtEl>
+                                      </p:cBhvr>
+                                    </p:animEffect>
+                                  </p:childTnLst>
+                                </p:cTn>
+                              </p:par>
+                              <p:par>
+                                <p:cTn id="8" presetID="10" presetClass="entr" presetSubtype="0" fill="hold" nodeType="withEffect">
+                                  <p:stCondLst>
+                                    <p:cond delay="0"/>
+                                  </p:stCondLst>
+                                  <p:childTnLst>
+                                    <p:set>
+                                      <p:cBhvr>
+                                        <p:cTn id="9" dur="1" fill="hold">
+                                          <p:stCondLst>
+                                            <p:cond delay="0"/>
+                                          </p:stCondLst>
+                                        </p:cTn>
+                                        <p:tgtEl>
+                                          <p:spTgt spid="11"/>
+                                        </p:tgtEl>
+                                        <p:attrNameLst>
+                                          <p:attrName>style.visibility</p:attrName>
+                                        </p:attrNameLst>
+                                      </p:cBhvr>
+                                      <p:to>
+                                        <p:strVal val="visible"/>
+                                      </p:to>
+                                    </p:set>
+                                    <p:animEffect transition="in" filter="fade">
+                                      <p:cBhvr>
+                                        <p:cTn id="10" dur="500"/>
+                                        <p:tgtEl>
+                                          <p:spTgt spid="11"/>
+                                        </p:tgtEl>
+                                      </p:cBhvr>
+                                    </p:animEffect>
+                                  </p:childTnLst>
+                                </p:cTn>
+                              </p:par>
+                            </p:childTnLst>
+                          </p:cTn>
+                        </p:par>
+                      </p:childTnLst>
+                    </p:cTn>
+                  </p:par>
+                  <p:par>
+                    <p:cTn id="11" fill="hold">
+                      <p:stCondLst>
+                        <p:cond delay="indefinite"/>
+                      </p:stCondLst>
+                      <p:childTnLst>
+                        <p:par>
+                          <p:cTn id="12" fill="hold">
+                            <p:stCondLst>
+                              <p:cond delay="0"/>
+                            </p:stCondLst>
+                            <p:childTnLst>
+                              <p:par>
+                                <p:cTn id="13" presetID="10" presetClass="entr" presetSubtype="0" fill="hold" nodeType="clickEffect">
+                                  <p:stCondLst>
+                                    <p:cond delay="0"/>
+                                  </p:stCondLst>
+                                  <p:childTnLst>
+                                    <p:set>
+                                      <p:cBhvr>
+                                        <p:cTn id="14" dur="1" fill="hold">
+                                          <p:stCondLst>
+                                            <p:cond delay="0"/>
+                                          </p:stCondLst>
+                                        </p:cTn>
+                                        <p:tgtEl>
+                                          <p:spTgt spid="9"/>
+                                        </p:tgtEl>
+                                        <p:attrNameLst>
+                                          <p:attrName>style.visibility</p:attrName>
+                                        </p:attrNameLst>
+                                      </p:cBhvr>
+                                      <p:to>
+                                        <p:strVal val="visible"/>
+                                      </p:to>
+                                    </p:set>
+                                    <p:animEffect transition="in" filter="fade">
+                                      <p:cBhvr>
+                                        <p:cTn id="15" dur="500"/>
+                                        <p:tgtEl>
+                                          <p:spTgt spid="9"/>
+                                        </p:tgtEl>
+                                      </p:cBhvr>
+                                    </p:animEffect>
+                                  </p:childTnLst>
+                                </p:cTn>
+                              </p:par>
+                              <p:par>
+                                <p:cTn id="16" presetID="10" presetClass="entr" presetSubtype="0" fill="hold" nodeType="withEffect">
+                                  <p:stCondLst>
+                                    <p:cond delay="0"/>
+                                  </p:stCondLst>
+                                  <p:childTnLst>
+                                    <p:set>
+                                      <p:cBhvr>
+                                        <p:cTn id="17" dur="1" fill="hold">
+                                          <p:stCondLst>
+                                            <p:cond delay="0"/>
+                                          </p:stCondLst>
+                                        </p:cTn>
+                                        <p:tgtEl>
+                                          <p:spTgt spid="15"/>
+                                        </p:tgtEl>
+                                        <p:attrNameLst>
+                                          <p:attrName>style.visibility</p:attrName>
+                                        </p:attrNameLst>
+                                      </p:cBhvr>
+                                      <p:to>
+                                        <p:strVal val="visible"/>
+                                      </p:to>
+                                    </p:set>
+                                    <p:animEffect transition="in" filter="fade">
+                                      <p:cBhvr>
+                                        <p:cTn id="18" dur="500"/>
+                                        <p:tgtEl>
+                                          <p:spTgt spid="15"/>
+                                        </p:tgtEl>
+                                      </p:cBhvr>
+                                    </p:animEffect>
+                                  </p:childTnLst>
+                                </p:cTn>
+                              </p:par>
+                            </p:childTnLst>
+                          </p:cTn>
+                        </p:par>
+                      </p:childTnLst>
+                    </p:cTn>
+                  </p:par>
+                </p:childTnLst>
+              </p:cTn>
+              <p:prevCondLst>
+                <p:cond evt="onPrev" delay="0">
+                  <p:tgtEl>
+                    <p:sldTgt/>
+                  </p:tgtEl>
+                </p:cond>
+              </p:prevCondLst>
+              <p:nextCondLst>
+                <p:cond evt="onNext" delay="0">
+                  <p:tgtEl>
+                    <p:sldTgt/>
+                  </p:tgtEl>
+                </p:cond>
+              </p:nextCondLst>
+            </p:seq>
+          </p:childTnLst>
+        </p:cTn>
+      </p:par>
+    </p:tnLst>
+  </p:timing>
 </p:sld>
 </file>
 
@@ -5920,46 +7366,6 @@
               <a:t> Authors</a:t>
             </a:r>
           </a:p>
-          <a:p>
-            <a:r>
-              <a:rPr lang="tr-TR" sz="2400" dirty="0">
-                <a:latin typeface="Euclid Circular B" panose="020B0504000000000000" pitchFamily="34" charset="0"/>
-                <a:ea typeface="Euclid Circular B" panose="020B0504000000000000" pitchFamily="34" charset="0"/>
-              </a:rPr>
-              <a:t>In </a:t>
-            </a:r>
-            <a:r>
-              <a:rPr lang="tr-TR" sz="2400" b="1" dirty="0">
-                <a:latin typeface="Euclid Circular B" panose="020B0504000000000000" pitchFamily="34" charset="0"/>
-                <a:ea typeface="Euclid Circular B" panose="020B0504000000000000" pitchFamily="34" charset="0"/>
-              </a:rPr>
-              <a:t>3</a:t>
-            </a:r>
-            <a:r>
-              <a:rPr lang="tr-TR" sz="2400" dirty="0">
-                <a:latin typeface="Euclid Circular B" panose="020B0504000000000000" pitchFamily="34" charset="0"/>
-                <a:ea typeface="Euclid Circular B" panose="020B0504000000000000" pitchFamily="34" charset="0"/>
-              </a:rPr>
-              <a:t> Languages</a:t>
-            </a:r>
-            <a:br>
-              <a:rPr lang="tr-TR" sz="2400" dirty="0">
-                <a:latin typeface="Euclid Circular B" panose="020B0504000000000000" pitchFamily="34" charset="0"/>
-                <a:ea typeface="Euclid Circular B" panose="020B0504000000000000" pitchFamily="34" charset="0"/>
-              </a:rPr>
-            </a:br>
-            <a:r>
-              <a:rPr lang="tr-TR" sz="1800" dirty="0">
-                <a:latin typeface="Euclid Circular B" panose="020B0504000000000000" pitchFamily="34" charset="0"/>
-                <a:ea typeface="Euclid Circular B" panose="020B0504000000000000" pitchFamily="34" charset="0"/>
-              </a:rPr>
-              <a:t>(English, Chinese, Turkish)</a:t>
-            </a:r>
-            <a:endParaRPr lang="en-US" sz="1800" dirty="0">
-              <a:latin typeface="Euclid Circular B" panose="020B0504000000000000" pitchFamily="34" charset="0"/>
-              <a:ea typeface="Euclid Circular B" panose="020B0504000000000000" pitchFamily="34" charset="0"/>
-            </a:endParaRPr>
-          </a:p>
         </p:txBody>
       </p:sp>
       <p:sp>
@@ -6044,6 +7450,127 @@
   <p:clrMapOvr>
     <a:masterClrMapping/>
   </p:clrMapOvr>
+  <p:timing>
+    <p:tnLst>
+      <p:par>
+        <p:cTn id="1" dur="indefinite" restart="never" nodeType="tmRoot">
+          <p:childTnLst>
+            <p:seq concurrent="1" nextAc="seek">
+              <p:cTn id="2" dur="indefinite" nodeType="mainSeq">
+                <p:childTnLst>
+                  <p:par>
+                    <p:cTn id="3" fill="hold">
+                      <p:stCondLst>
+                        <p:cond delay="indefinite"/>
+                      </p:stCondLst>
+                      <p:childTnLst>
+                        <p:par>
+                          <p:cTn id="4" fill="hold">
+                            <p:stCondLst>
+                              <p:cond delay="0"/>
+                            </p:stCondLst>
+                            <p:childTnLst>
+                              <p:par>
+                                <p:cTn id="5" presetID="10" presetClass="entr" presetSubtype="0" fill="hold" grpId="0" nodeType="clickEffect">
+                                  <p:stCondLst>
+                                    <p:cond delay="0"/>
+                                  </p:stCondLst>
+                                  <p:childTnLst>
+                                    <p:set>
+                                      <p:cBhvr>
+                                        <p:cTn id="6" dur="1" fill="hold">
+                                          <p:stCondLst>
+                                            <p:cond delay="0"/>
+                                          </p:stCondLst>
+                                        </p:cTn>
+                                        <p:tgtEl>
+                                          <p:spTgt spid="7"/>
+                                        </p:tgtEl>
+                                        <p:attrNameLst>
+                                          <p:attrName>style.visibility</p:attrName>
+                                        </p:attrNameLst>
+                                      </p:cBhvr>
+                                      <p:to>
+                                        <p:strVal val="visible"/>
+                                      </p:to>
+                                    </p:set>
+                                    <p:animEffect transition="in" filter="fade">
+                                      <p:cBhvr>
+                                        <p:cTn id="7" dur="500"/>
+                                        <p:tgtEl>
+                                          <p:spTgt spid="7"/>
+                                        </p:tgtEl>
+                                      </p:cBhvr>
+                                    </p:animEffect>
+                                  </p:childTnLst>
+                                </p:cTn>
+                              </p:par>
+                              <p:par>
+                                <p:cTn id="8" presetID="10" presetClass="entr" presetSubtype="0" fill="hold" nodeType="withEffect">
+                                  <p:stCondLst>
+                                    <p:cond delay="0"/>
+                                  </p:stCondLst>
+                                  <p:childTnLst>
+                                    <p:set>
+                                      <p:cBhvr>
+                                        <p:cTn id="9" dur="1" fill="hold">
+                                          <p:stCondLst>
+                                            <p:cond delay="0"/>
+                                          </p:stCondLst>
+                                        </p:cTn>
+                                        <p:tgtEl>
+                                          <p:spTgt spid="9"/>
+                                        </p:tgtEl>
+                                        <p:attrNameLst>
+                                          <p:attrName>style.visibility</p:attrName>
+                                        </p:attrNameLst>
+                                      </p:cBhvr>
+                                      <p:to>
+                                        <p:strVal val="visible"/>
+                                      </p:to>
+                                    </p:set>
+                                    <p:animEffect transition="in" filter="fade">
+                                      <p:cBhvr>
+                                        <p:cTn id="10" dur="500"/>
+                                        <p:tgtEl>
+                                          <p:spTgt spid="9"/>
+                                        </p:tgtEl>
+                                      </p:cBhvr>
+                                    </p:animEffect>
+                                  </p:childTnLst>
+                                </p:cTn>
+                              </p:par>
+                            </p:childTnLst>
+                          </p:cTn>
+                        </p:par>
+                      </p:childTnLst>
+                    </p:cTn>
+                  </p:par>
+                </p:childTnLst>
+              </p:cTn>
+              <p:prevCondLst>
+                <p:cond evt="onPrev" delay="0">
+                  <p:tgtEl>
+                    <p:sldTgt/>
+                  </p:tgtEl>
+                </p:cond>
+              </p:prevCondLst>
+              <p:nextCondLst>
+                <p:cond evt="onNext" delay="0">
+                  <p:tgtEl>
+                    <p:sldTgt/>
+                  </p:tgtEl>
+                </p:cond>
+              </p:nextCondLst>
+            </p:seq>
+          </p:childTnLst>
+        </p:cTn>
+      </p:par>
+    </p:tnLst>
+    <p:bldLst>
+      <p:bldP spid="7" grpId="0"/>
+    </p:bldLst>
+  </p:timing>
 </p:sld>
 </file>
 

--- a/2023-07-27 ABP Community Talks 2023.5/ABP Mobile Options.pptx
+++ b/2023-07-27 ABP Community Talks 2023.5/ABP Mobile Options.pptx
@@ -9,19 +9,17 @@
     <p:sldId id="258" r:id="rId3"/>
     <p:sldId id="257" r:id="rId4"/>
     <p:sldId id="259" r:id="rId5"/>
-    <p:sldId id="260" r:id="rId6"/>
-    <p:sldId id="266" r:id="rId7"/>
-    <p:sldId id="261" r:id="rId8"/>
-    <p:sldId id="264" r:id="rId9"/>
-    <p:sldId id="263" r:id="rId10"/>
-    <p:sldId id="265" r:id="rId11"/>
-    <p:sldId id="267" r:id="rId12"/>
-    <p:sldId id="268" r:id="rId13"/>
-    <p:sldId id="269" r:id="rId14"/>
-    <p:sldId id="270" r:id="rId15"/>
-    <p:sldId id="271" r:id="rId16"/>
-    <p:sldId id="272" r:id="rId17"/>
-    <p:sldId id="273" r:id="rId18"/>
+    <p:sldId id="271" r:id="rId6"/>
+    <p:sldId id="260" r:id="rId7"/>
+    <p:sldId id="266" r:id="rId8"/>
+    <p:sldId id="261" r:id="rId9"/>
+    <p:sldId id="264" r:id="rId10"/>
+    <p:sldId id="263" r:id="rId11"/>
+    <p:sldId id="274" r:id="rId12"/>
+    <p:sldId id="267" r:id="rId13"/>
+    <p:sldId id="268" r:id="rId14"/>
+    <p:sldId id="265" r:id="rId15"/>
+    <p:sldId id="270" r:id="rId16"/>
   </p:sldIdLst>
   <p:sldSz cx="12192000" cy="6858000"/>
   <p:notesSz cx="6858000" cy="9144000"/>
@@ -3489,15 +3487,22 @@
           <a:lstStyle/>
           <a:p>
             <a:r>
-              <a:rPr lang="en-US" b="1" dirty="0">
+              <a:rPr lang="tr-TR" b="1" dirty="0">
                 <a:solidFill>
                   <a:srgbClr val="292D33"/>
                 </a:solidFill>
                 <a:latin typeface="Euclid Circular B" panose="020B0504000000000000" pitchFamily="34" charset="0"/>
                 <a:ea typeface="Euclid Circular B" panose="020B0504000000000000" pitchFamily="34" charset="0"/>
               </a:rPr>
-              <a:t>Topic title</a:t>
-            </a:r>
+              <a:t>ABP Community Stats</a:t>
+            </a:r>
+            <a:endParaRPr lang="en-US" b="1" dirty="0">
+              <a:solidFill>
+                <a:srgbClr val="292D33"/>
+              </a:solidFill>
+              <a:latin typeface="Euclid Circular B" panose="020B0504000000000000" pitchFamily="34" charset="0"/>
+              <a:ea typeface="Euclid Circular B" panose="020B0504000000000000" pitchFamily="34" charset="0"/>
+            </a:endParaRPr>
           </a:p>
         </p:txBody>
       </p:sp>
@@ -3517,31 +3522,277 @@
             <p:ph idx="1"/>
           </p:nvPr>
         </p:nvSpPr>
-        <p:spPr/>
+        <p:spPr>
+          <a:xfrm>
+            <a:off x="838200" y="1825625"/>
+            <a:ext cx="3256722" cy="4351338"/>
+          </a:xfrm>
+        </p:spPr>
         <p:txBody>
-          <a:bodyPr/>
+          <a:bodyPr>
+            <a:normAutofit/>
+          </a:bodyPr>
           <a:lstStyle/>
           <a:p>
             <a:r>
-              <a:rPr lang="en-US" dirty="0">
-                <a:latin typeface="Euclid Circular B" panose="020B0504000000000000" pitchFamily="34" charset="0"/>
-                <a:ea typeface="Euclid Circular B" panose="020B0504000000000000" pitchFamily="34" charset="0"/>
-              </a:rPr>
-              <a:t>Content</a:t>
+              <a:rPr lang="tr-TR" sz="2400" b="1" dirty="0">
+                <a:latin typeface="Euclid Circular B" panose="020B0504000000000000" pitchFamily="34" charset="0"/>
+                <a:ea typeface="Euclid Circular B" panose="020B0504000000000000" pitchFamily="34" charset="0"/>
+              </a:rPr>
+              <a:t>163 </a:t>
+            </a:r>
+            <a:r>
+              <a:rPr lang="tr-TR" sz="2400" dirty="0">
+                <a:latin typeface="Euclid Circular B" panose="020B0504000000000000" pitchFamily="34" charset="0"/>
+                <a:ea typeface="Euclid Circular B" panose="020B0504000000000000" pitchFamily="34" charset="0"/>
+              </a:rPr>
+              <a:t>Text Articles</a:t>
+            </a:r>
+          </a:p>
+          <a:p>
+            <a:r>
+              <a:rPr lang="tr-TR" sz="2400" b="1" dirty="0">
+                <a:latin typeface="Euclid Circular B" panose="020B0504000000000000" pitchFamily="34" charset="0"/>
+                <a:ea typeface="Euclid Circular B" panose="020B0504000000000000" pitchFamily="34" charset="0"/>
+              </a:rPr>
+              <a:t>96 </a:t>
+            </a:r>
+            <a:r>
+              <a:rPr lang="tr-TR" sz="2400" dirty="0">
+                <a:latin typeface="Euclid Circular B" panose="020B0504000000000000" pitchFamily="34" charset="0"/>
+                <a:ea typeface="Euclid Circular B" panose="020B0504000000000000" pitchFamily="34" charset="0"/>
+              </a:rPr>
+              <a:t>Video Posts</a:t>
+            </a:r>
+          </a:p>
+          <a:p>
+            <a:r>
+              <a:rPr lang="tr-TR" sz="2400" dirty="0">
+                <a:latin typeface="Euclid Circular B" panose="020B0504000000000000" pitchFamily="34" charset="0"/>
+                <a:ea typeface="Euclid Circular B" panose="020B0504000000000000" pitchFamily="34" charset="0"/>
+              </a:rPr>
+              <a:t>By </a:t>
+            </a:r>
+            <a:r>
+              <a:rPr lang="tr-TR" sz="2400" b="1" dirty="0">
+                <a:latin typeface="Euclid Circular B" panose="020B0504000000000000" pitchFamily="34" charset="0"/>
+                <a:ea typeface="Euclid Circular B" panose="020B0504000000000000" pitchFamily="34" charset="0"/>
+              </a:rPr>
+              <a:t>XXX</a:t>
+            </a:r>
+            <a:r>
+              <a:rPr lang="tr-TR" sz="2400" dirty="0">
+                <a:latin typeface="Euclid Circular B" panose="020B0504000000000000" pitchFamily="34" charset="0"/>
+                <a:ea typeface="Euclid Circular B" panose="020B0504000000000000" pitchFamily="34" charset="0"/>
+              </a:rPr>
+              <a:t> Authors</a:t>
             </a:r>
           </a:p>
         </p:txBody>
       </p:sp>
+      <p:sp>
+        <p:nvSpPr>
+          <p:cNvPr id="7" name="TextBox 6">
+            <a:extLst>
+              <a:ext uri="{FF2B5EF4-FFF2-40B4-BE49-F238E27FC236}">
+                <a16:creationId xmlns:a16="http://schemas.microsoft.com/office/drawing/2014/main" id="{F06AA427-71C1-DF20-48F9-7E857E95CF05}"/>
+              </a:ext>
+            </a:extLst>
+          </p:cNvPr>
+          <p:cNvSpPr txBox="1"/>
+          <p:nvPr/>
+        </p:nvSpPr>
+        <p:spPr>
+          <a:xfrm>
+            <a:off x="4282316" y="1690688"/>
+            <a:ext cx="7629525" cy="523220"/>
+          </a:xfrm>
+          <a:prstGeom prst="rect">
+            <a:avLst/>
+          </a:prstGeom>
+          <a:noFill/>
+        </p:spPr>
+        <p:txBody>
+          <a:bodyPr wrap="square">
+            <a:spAutoFit/>
+          </a:bodyPr>
+          <a:lstStyle/>
+          <a:p>
+            <a:r>
+              <a:rPr lang="en-US" sz="2800" b="1" dirty="0">
+                <a:hlinkClick r:id="rId3"/>
+              </a:rPr>
+              <a:t>https://community.abp.io/posts/submit</a:t>
+            </a:r>
+            <a:r>
+              <a:rPr lang="tr-TR" sz="2800" b="1" dirty="0"/>
+              <a:t> </a:t>
+            </a:r>
+            <a:endParaRPr lang="en-US" sz="2800" b="1" dirty="0"/>
+          </a:p>
+        </p:txBody>
+      </p:sp>
+      <p:pic>
+        <p:nvPicPr>
+          <p:cNvPr id="9" name="Picture 8">
+            <a:extLst>
+              <a:ext uri="{FF2B5EF4-FFF2-40B4-BE49-F238E27FC236}">
+                <a16:creationId xmlns:a16="http://schemas.microsoft.com/office/drawing/2014/main" id="{53B021E3-E761-18AF-27F5-7F13A2FD7441}"/>
+              </a:ext>
+            </a:extLst>
+          </p:cNvPr>
+          <p:cNvPicPr>
+            <a:picLocks noChangeAspect="1"/>
+          </p:cNvPicPr>
+          <p:nvPr/>
+        </p:nvPicPr>
+        <p:blipFill>
+          <a:blip r:embed="rId4"/>
+          <a:stretch>
+            <a:fillRect/>
+          </a:stretch>
+        </p:blipFill>
+        <p:spPr>
+          <a:xfrm>
+            <a:off x="4282315" y="2269705"/>
+            <a:ext cx="7629525" cy="2914650"/>
+          </a:xfrm>
+          <a:prstGeom prst="rect">
+            <a:avLst/>
+          </a:prstGeom>
+        </p:spPr>
+      </p:pic>
     </p:spTree>
     <p:extLst>
       <p:ext uri="{BB962C8B-B14F-4D97-AF65-F5344CB8AC3E}">
-        <p14:creationId xmlns:p14="http://schemas.microsoft.com/office/powerpoint/2010/main" val="3334160628"/>
+        <p14:creationId xmlns:p14="http://schemas.microsoft.com/office/powerpoint/2010/main" val="2310139583"/>
       </p:ext>
     </p:extLst>
   </p:cSld>
   <p:clrMapOvr>
     <a:masterClrMapping/>
   </p:clrMapOvr>
+  <p:timing>
+    <p:tnLst>
+      <p:par>
+        <p:cTn id="1" dur="indefinite" restart="never" nodeType="tmRoot">
+          <p:childTnLst>
+            <p:seq concurrent="1" nextAc="seek">
+              <p:cTn id="2" dur="indefinite" nodeType="mainSeq">
+                <p:childTnLst>
+                  <p:par>
+                    <p:cTn id="3" fill="hold">
+                      <p:stCondLst>
+                        <p:cond delay="indefinite"/>
+                      </p:stCondLst>
+                      <p:childTnLst>
+                        <p:par>
+                          <p:cTn id="4" fill="hold">
+                            <p:stCondLst>
+                              <p:cond delay="0"/>
+                            </p:stCondLst>
+                            <p:childTnLst>
+                              <p:par>
+                                <p:cTn id="5" presetID="10" presetClass="entr" presetSubtype="0" fill="hold" grpId="0" nodeType="clickEffect">
+                                  <p:stCondLst>
+                                    <p:cond delay="0"/>
+                                  </p:stCondLst>
+                                  <p:childTnLst>
+                                    <p:set>
+                                      <p:cBhvr>
+                                        <p:cTn id="6" dur="1" fill="hold">
+                                          <p:stCondLst>
+                                            <p:cond delay="0"/>
+                                          </p:stCondLst>
+                                        </p:cTn>
+                                        <p:tgtEl>
+                                          <p:spTgt spid="7"/>
+                                        </p:tgtEl>
+                                        <p:attrNameLst>
+                                          <p:attrName>style.visibility</p:attrName>
+                                        </p:attrNameLst>
+                                      </p:cBhvr>
+                                      <p:to>
+                                        <p:strVal val="visible"/>
+                                      </p:to>
+                                    </p:set>
+                                    <p:animEffect transition="in" filter="fade">
+                                      <p:cBhvr>
+                                        <p:cTn id="7" dur="500"/>
+                                        <p:tgtEl>
+                                          <p:spTgt spid="7"/>
+                                        </p:tgtEl>
+                                      </p:cBhvr>
+                                    </p:animEffect>
+                                  </p:childTnLst>
+                                </p:cTn>
+                              </p:par>
+                              <p:par>
+                                <p:cTn id="8" presetID="10" presetClass="entr" presetSubtype="0" fill="hold" nodeType="withEffect">
+                                  <p:stCondLst>
+                                    <p:cond delay="0"/>
+                                  </p:stCondLst>
+                                  <p:childTnLst>
+                                    <p:set>
+                                      <p:cBhvr>
+                                        <p:cTn id="9" dur="1" fill="hold">
+                                          <p:stCondLst>
+                                            <p:cond delay="0"/>
+                                          </p:stCondLst>
+                                        </p:cTn>
+                                        <p:tgtEl>
+                                          <p:spTgt spid="9"/>
+                                        </p:tgtEl>
+                                        <p:attrNameLst>
+                                          <p:attrName>style.visibility</p:attrName>
+                                        </p:attrNameLst>
+                                      </p:cBhvr>
+                                      <p:to>
+                                        <p:strVal val="visible"/>
+                                      </p:to>
+                                    </p:set>
+                                    <p:animEffect transition="in" filter="fade">
+                                      <p:cBhvr>
+                                        <p:cTn id="10" dur="500"/>
+                                        <p:tgtEl>
+                                          <p:spTgt spid="9"/>
+                                        </p:tgtEl>
+                                      </p:cBhvr>
+                                    </p:animEffect>
+                                  </p:childTnLst>
+                                </p:cTn>
+                              </p:par>
+                            </p:childTnLst>
+                          </p:cTn>
+                        </p:par>
+                      </p:childTnLst>
+                    </p:cTn>
+                  </p:par>
+                </p:childTnLst>
+              </p:cTn>
+              <p:prevCondLst>
+                <p:cond evt="onPrev" delay="0">
+                  <p:tgtEl>
+                    <p:sldTgt/>
+                  </p:tgtEl>
+                </p:cond>
+              </p:prevCondLst>
+              <p:nextCondLst>
+                <p:cond evt="onNext" delay="0">
+                  <p:tgtEl>
+                    <p:sldTgt/>
+                  </p:tgtEl>
+                </p:cond>
+              </p:nextCondLst>
+            </p:seq>
+          </p:childTnLst>
+        </p:cTn>
+      </p:par>
+    </p:tnLst>
+    <p:bldLst>
+      <p:bldP spid="7" grpId="0"/>
+    </p:bldLst>
+  </p:timing>
 </p:sld>
 </file>
 
@@ -3581,7 +3832,7 @@
           <p:cNvPr id="2" name="Title 1">
             <a:extLst>
               <a:ext uri="{FF2B5EF4-FFF2-40B4-BE49-F238E27FC236}">
-                <a16:creationId xmlns:a16="http://schemas.microsoft.com/office/drawing/2014/main" id="{55E11F08-6CA0-48F1-AD67-97430DDA07F0}"/>
+                <a16:creationId xmlns:a16="http://schemas.microsoft.com/office/drawing/2014/main" id="{9255DFBE-19DA-408D-84E6-F4043FC30BD3}"/>
               </a:ext>
             </a:extLst>
           </p:cNvPr>
@@ -3589,62 +3840,45 @@
             <a:spLocks noGrp="1"/>
           </p:cNvSpPr>
           <p:nvPr>
-            <p:ph type="title"/>
+            <p:ph type="ctrTitle"/>
           </p:nvPr>
         </p:nvSpPr>
-        <p:spPr/>
+        <p:spPr>
+          <a:xfrm>
+            <a:off x="1524000" y="1122362"/>
+            <a:ext cx="9144000" cy="2741971"/>
+          </a:xfrm>
+        </p:spPr>
         <p:txBody>
-          <a:bodyPr/>
+          <a:bodyPr>
+            <a:normAutofit/>
+          </a:bodyPr>
           <a:lstStyle/>
           <a:p>
             <a:r>
-              <a:rPr lang="en-US" b="1" dirty="0">
+              <a:rPr lang="tr-TR" sz="4000" dirty="0">
                 <a:solidFill>
                   <a:srgbClr val="292D33"/>
                 </a:solidFill>
                 <a:latin typeface="Euclid Circular B" panose="020B0504000000000000" pitchFamily="34" charset="0"/>
                 <a:ea typeface="Euclid Circular B" panose="020B0504000000000000" pitchFamily="34" charset="0"/>
               </a:rPr>
-              <a:t>Topic title</a:t>
-            </a:r>
-          </a:p>
-        </p:txBody>
-      </p:sp>
-      <p:sp>
-        <p:nvSpPr>
-          <p:cNvPr id="3" name="Content Placeholder 2">
-            <a:extLst>
-              <a:ext uri="{FF2B5EF4-FFF2-40B4-BE49-F238E27FC236}">
-                <a16:creationId xmlns:a16="http://schemas.microsoft.com/office/drawing/2014/main" id="{891C7693-D3DF-4635-96F4-97F3B4136FDF}"/>
-              </a:ext>
-            </a:extLst>
-          </p:cNvPr>
-          <p:cNvSpPr>
-            <a:spLocks noGrp="1"/>
-          </p:cNvSpPr>
-          <p:nvPr>
-            <p:ph idx="1"/>
-          </p:nvPr>
-        </p:nvSpPr>
-        <p:spPr/>
-        <p:txBody>
-          <a:bodyPr/>
-          <a:lstStyle/>
-          <a:p>
-            <a:r>
-              <a:rPr lang="en-US" dirty="0">
-                <a:latin typeface="Euclid Circular B" panose="020B0504000000000000" pitchFamily="34" charset="0"/>
-                <a:ea typeface="Euclid Circular B" panose="020B0504000000000000" pitchFamily="34" charset="0"/>
-              </a:rPr>
-              <a:t>Content</a:t>
-            </a:r>
+              <a:t>ABP Mobile Development</a:t>
+            </a:r>
+            <a:endParaRPr lang="en-US" sz="4000" dirty="0">
+              <a:solidFill>
+                <a:srgbClr val="292D33"/>
+              </a:solidFill>
+              <a:latin typeface="Euclid Circular B" panose="020B0504000000000000" pitchFamily="34" charset="0"/>
+              <a:ea typeface="Euclid Circular B" panose="020B0504000000000000" pitchFamily="34" charset="0"/>
+            </a:endParaRPr>
           </a:p>
         </p:txBody>
       </p:sp>
     </p:spTree>
     <p:extLst>
       <p:ext uri="{BB962C8B-B14F-4D97-AF65-F5344CB8AC3E}">
-        <p14:creationId xmlns:p14="http://schemas.microsoft.com/office/powerpoint/2010/main" val="3902832772"/>
+        <p14:creationId xmlns:p14="http://schemas.microsoft.com/office/powerpoint/2010/main" val="3773936481"/>
       </p:ext>
     </p:extLst>
   </p:cSld>
@@ -3707,15 +3941,22 @@
           <a:lstStyle/>
           <a:p>
             <a:r>
-              <a:rPr lang="en-US" b="1" dirty="0">
+              <a:rPr lang="tr-TR" b="1" dirty="0">
                 <a:solidFill>
                   <a:srgbClr val="292D33"/>
                 </a:solidFill>
                 <a:latin typeface="Euclid Circular B" panose="020B0504000000000000" pitchFamily="34" charset="0"/>
                 <a:ea typeface="Euclid Circular B" panose="020B0504000000000000" pitchFamily="34" charset="0"/>
               </a:rPr>
-              <a:t>Topic title</a:t>
-            </a:r>
+              <a:t>ABP Client Application Development</a:t>
+            </a:r>
+            <a:endParaRPr lang="en-US" b="1" dirty="0">
+              <a:solidFill>
+                <a:srgbClr val="292D33"/>
+              </a:solidFill>
+              <a:latin typeface="Euclid Circular B" panose="020B0504000000000000" pitchFamily="34" charset="0"/>
+              <a:ea typeface="Euclid Circular B" panose="020B0504000000000000" pitchFamily="34" charset="0"/>
+            </a:endParaRPr>
           </a:p>
         </p:txBody>
       </p:sp>
@@ -3737,15 +3978,67 @@
         </p:nvSpPr>
         <p:spPr/>
         <p:txBody>
-          <a:bodyPr/>
+          <a:bodyPr>
+            <a:normAutofit/>
+          </a:bodyPr>
           <a:lstStyle/>
           <a:p>
             <a:r>
-              <a:rPr lang="en-US" dirty="0">
-                <a:latin typeface="Euclid Circular B" panose="020B0504000000000000" pitchFamily="34" charset="0"/>
-                <a:ea typeface="Euclid Circular B" panose="020B0504000000000000" pitchFamily="34" charset="0"/>
-              </a:rPr>
-              <a:t>Content</a:t>
+              <a:rPr lang="tr-TR" sz="3200" b="1" dirty="0">
+                <a:latin typeface="Euclid Circular B" panose="020B0504000000000000" pitchFamily="34" charset="0"/>
+                <a:ea typeface="Euclid Circular B" panose="020B0504000000000000" pitchFamily="34" charset="0"/>
+              </a:rPr>
+              <a:t>Authenticate the User</a:t>
+            </a:r>
+            <a:endParaRPr lang="tr-TR" sz="3200" dirty="0">
+              <a:latin typeface="Euclid Circular B" panose="020B0504000000000000" pitchFamily="34" charset="0"/>
+              <a:ea typeface="Euclid Circular B" panose="020B0504000000000000" pitchFamily="34" charset="0"/>
+            </a:endParaRPr>
+          </a:p>
+          <a:p>
+            <a:r>
+              <a:rPr lang="tr-TR" sz="3200" dirty="0">
+                <a:latin typeface="Euclid Circular B" panose="020B0504000000000000" pitchFamily="34" charset="0"/>
+                <a:ea typeface="Euclid Circular B" panose="020B0504000000000000" pitchFamily="34" charset="0"/>
+              </a:rPr>
+              <a:t>Use </a:t>
+            </a:r>
+            <a:r>
+              <a:rPr lang="tr-TR" sz="3200" b="1" dirty="0">
+                <a:latin typeface="Euclid Circular B" panose="020B0504000000000000" pitchFamily="34" charset="0"/>
+                <a:ea typeface="Euclid Circular B" panose="020B0504000000000000" pitchFamily="34" charset="0"/>
+              </a:rPr>
+              <a:t>Integration Endpoints </a:t>
+            </a:r>
+            <a:r>
+              <a:rPr lang="tr-TR" sz="3200" dirty="0">
+                <a:latin typeface="Euclid Circular B" panose="020B0504000000000000" pitchFamily="34" charset="0"/>
+                <a:ea typeface="Euclid Circular B" panose="020B0504000000000000" pitchFamily="34" charset="0"/>
+              </a:rPr>
+              <a:t>to initialize the UI</a:t>
+            </a:r>
+          </a:p>
+          <a:p>
+            <a:r>
+              <a:rPr lang="tr-TR" sz="3200" dirty="0">
+                <a:latin typeface="Euclid Circular B" panose="020B0504000000000000" pitchFamily="34" charset="0"/>
+                <a:ea typeface="Euclid Circular B" panose="020B0504000000000000" pitchFamily="34" charset="0"/>
+              </a:rPr>
+              <a:t>Use </a:t>
+            </a:r>
+            <a:r>
+              <a:rPr lang="tr-TR" sz="3200" b="1" dirty="0">
+                <a:latin typeface="Euclid Circular B" panose="020B0504000000000000" pitchFamily="34" charset="0"/>
+                <a:ea typeface="Euclid Circular B" panose="020B0504000000000000" pitchFamily="34" charset="0"/>
+              </a:rPr>
+              <a:t>REST / gRPC / WebSockets</a:t>
+            </a:r>
+            <a:r>
+              <a:rPr lang="tr-TR" sz="3200" dirty="0">
+                <a:latin typeface="Euclid Circular B" panose="020B0504000000000000" pitchFamily="34" charset="0"/>
+                <a:ea typeface="Euclid Circular B" panose="020B0504000000000000" pitchFamily="34" charset="0"/>
+              </a:rPr>
+              <a:t>... to consume server-side resources</a:t>
             </a:r>
           </a:p>
         </p:txBody>
@@ -3753,13 +4046,226 @@
     </p:spTree>
     <p:extLst>
       <p:ext uri="{BB962C8B-B14F-4D97-AF65-F5344CB8AC3E}">
-        <p14:creationId xmlns:p14="http://schemas.microsoft.com/office/powerpoint/2010/main" val="1120972184"/>
+        <p14:creationId xmlns:p14="http://schemas.microsoft.com/office/powerpoint/2010/main" val="3902832772"/>
       </p:ext>
     </p:extLst>
   </p:cSld>
   <p:clrMapOvr>
     <a:masterClrMapping/>
   </p:clrMapOvr>
+  <p:timing>
+    <p:tnLst>
+      <p:par>
+        <p:cTn id="1" dur="indefinite" restart="never" nodeType="tmRoot">
+          <p:childTnLst>
+            <p:seq concurrent="1" nextAc="seek">
+              <p:cTn id="2" dur="indefinite" nodeType="mainSeq">
+                <p:childTnLst>
+                  <p:par>
+                    <p:cTn id="3" fill="hold">
+                      <p:stCondLst>
+                        <p:cond delay="indefinite"/>
+                      </p:stCondLst>
+                      <p:childTnLst>
+                        <p:par>
+                          <p:cTn id="4" fill="hold">
+                            <p:stCondLst>
+                              <p:cond delay="0"/>
+                            </p:stCondLst>
+                            <p:childTnLst>
+                              <p:par>
+                                <p:cTn id="5" presetID="10" presetClass="entr" presetSubtype="0" fill="hold" nodeType="clickEffect">
+                                  <p:stCondLst>
+                                    <p:cond delay="0"/>
+                                  </p:stCondLst>
+                                  <p:childTnLst>
+                                    <p:set>
+                                      <p:cBhvr>
+                                        <p:cTn id="6" dur="1" fill="hold">
+                                          <p:stCondLst>
+                                            <p:cond delay="0"/>
+                                          </p:stCondLst>
+                                        </p:cTn>
+                                        <p:tgtEl>
+                                          <p:spTgt spid="3">
+                                            <p:txEl>
+                                              <p:pRg st="0" end="0"/>
+                                            </p:txEl>
+                                          </p:spTgt>
+                                        </p:tgtEl>
+                                        <p:attrNameLst>
+                                          <p:attrName>style.visibility</p:attrName>
+                                        </p:attrNameLst>
+                                      </p:cBhvr>
+                                      <p:to>
+                                        <p:strVal val="visible"/>
+                                      </p:to>
+                                    </p:set>
+                                    <p:animEffect transition="in" filter="fade">
+                                      <p:cBhvr>
+                                        <p:cTn id="7" dur="500"/>
+                                        <p:tgtEl>
+                                          <p:spTgt spid="3">
+                                            <p:txEl>
+                                              <p:pRg st="0" end="0"/>
+                                            </p:txEl>
+                                          </p:spTgt>
+                                        </p:tgtEl>
+                                      </p:cBhvr>
+                                    </p:animEffect>
+                                  </p:childTnLst>
+                                </p:cTn>
+                              </p:par>
+                            </p:childTnLst>
+                          </p:cTn>
+                        </p:par>
+                      </p:childTnLst>
+                    </p:cTn>
+                  </p:par>
+                  <p:par>
+                    <p:cTn id="8" fill="hold">
+                      <p:stCondLst>
+                        <p:cond delay="indefinite"/>
+                      </p:stCondLst>
+                      <p:childTnLst>
+                        <p:par>
+                          <p:cTn id="9" fill="hold">
+                            <p:stCondLst>
+                              <p:cond delay="0"/>
+                            </p:stCondLst>
+                            <p:childTnLst>
+                              <p:par>
+                                <p:cTn id="10" presetID="10" presetClass="entr" presetSubtype="0" fill="hold" nodeType="clickEffect">
+                                  <p:stCondLst>
+                                    <p:cond delay="0"/>
+                                  </p:stCondLst>
+                                  <p:childTnLst>
+                                    <p:set>
+                                      <p:cBhvr>
+                                        <p:cTn id="11" dur="1" fill="hold">
+                                          <p:stCondLst>
+                                            <p:cond delay="0"/>
+                                          </p:stCondLst>
+                                        </p:cTn>
+                                        <p:tgtEl>
+                                          <p:spTgt spid="3">
+                                            <p:txEl>
+                                              <p:pRg st="1" end="1"/>
+                                            </p:txEl>
+                                          </p:spTgt>
+                                        </p:tgtEl>
+                                        <p:attrNameLst>
+                                          <p:attrName>style.visibility</p:attrName>
+                                        </p:attrNameLst>
+                                      </p:cBhvr>
+                                      <p:to>
+                                        <p:strVal val="visible"/>
+                                      </p:to>
+                                    </p:set>
+                                    <p:animEffect transition="in" filter="fade">
+                                      <p:cBhvr>
+                                        <p:cTn id="12" dur="500"/>
+                                        <p:tgtEl>
+                                          <p:spTgt spid="3">
+                                            <p:txEl>
+                                              <p:pRg st="1" end="1"/>
+                                            </p:txEl>
+                                          </p:spTgt>
+                                        </p:tgtEl>
+                                      </p:cBhvr>
+                                    </p:animEffect>
+                                  </p:childTnLst>
+                                </p:cTn>
+                              </p:par>
+                            </p:childTnLst>
+                          </p:cTn>
+                        </p:par>
+                      </p:childTnLst>
+                    </p:cTn>
+                  </p:par>
+                  <p:par>
+                    <p:cTn id="13" fill="hold">
+                      <p:stCondLst>
+                        <p:cond delay="indefinite"/>
+                      </p:stCondLst>
+                      <p:childTnLst>
+                        <p:par>
+                          <p:cTn id="14" fill="hold">
+                            <p:stCondLst>
+                              <p:cond delay="0"/>
+                            </p:stCondLst>
+                            <p:childTnLst>
+                              <p:par>
+                                <p:cTn id="15" presetID="10" presetClass="entr" presetSubtype="0" fill="hold" nodeType="clickEffect">
+                                  <p:stCondLst>
+                                    <p:cond delay="0"/>
+                                  </p:stCondLst>
+                                  <p:childTnLst>
+                                    <p:set>
+                                      <p:cBhvr>
+                                        <p:cTn id="16" dur="1" fill="hold">
+                                          <p:stCondLst>
+                                            <p:cond delay="0"/>
+                                          </p:stCondLst>
+                                        </p:cTn>
+                                        <p:tgtEl>
+                                          <p:spTgt spid="3">
+                                            <p:txEl>
+                                              <p:pRg st="2" end="2"/>
+                                            </p:txEl>
+                                          </p:spTgt>
+                                        </p:tgtEl>
+                                        <p:attrNameLst>
+                                          <p:attrName>style.visibility</p:attrName>
+                                        </p:attrNameLst>
+                                      </p:cBhvr>
+                                      <p:to>
+                                        <p:strVal val="visible"/>
+                                      </p:to>
+                                    </p:set>
+                                    <p:animEffect transition="in" filter="fade">
+                                      <p:cBhvr>
+                                        <p:cTn id="17" dur="500"/>
+                                        <p:tgtEl>
+                                          <p:spTgt spid="3">
+                                            <p:txEl>
+                                              <p:pRg st="2" end="2"/>
+                                            </p:txEl>
+                                          </p:spTgt>
+                                        </p:tgtEl>
+                                      </p:cBhvr>
+                                    </p:animEffect>
+                                  </p:childTnLst>
+                                </p:cTn>
+                              </p:par>
+                            </p:childTnLst>
+                          </p:cTn>
+                        </p:par>
+                      </p:childTnLst>
+                    </p:cTn>
+                  </p:par>
+                </p:childTnLst>
+              </p:cTn>
+              <p:prevCondLst>
+                <p:cond evt="onPrev" delay="0">
+                  <p:tgtEl>
+                    <p:sldTgt/>
+                  </p:tgtEl>
+                </p:cond>
+              </p:prevCondLst>
+              <p:nextCondLst>
+                <p:cond evt="onNext" delay="0">
+                  <p:tgtEl>
+                    <p:sldTgt/>
+                  </p:tgtEl>
+                </p:cond>
+              </p:nextCondLst>
+            </p:seq>
+          </p:childTnLst>
+        </p:cTn>
+      </p:par>
+    </p:tnLst>
+  </p:timing>
 </p:sld>
 </file>
 
@@ -3816,15 +4322,22 @@
           <a:lstStyle/>
           <a:p>
             <a:r>
-              <a:rPr lang="en-US" b="1" dirty="0">
+              <a:rPr lang="tr-TR" b="1" dirty="0">
                 <a:solidFill>
                   <a:srgbClr val="292D33"/>
                 </a:solidFill>
                 <a:latin typeface="Euclid Circular B" panose="020B0504000000000000" pitchFamily="34" charset="0"/>
                 <a:ea typeface="Euclid Circular B" panose="020B0504000000000000" pitchFamily="34" charset="0"/>
               </a:rPr>
-              <a:t>Topic title</a:t>
-            </a:r>
+              <a:t>Authentication</a:t>
+            </a:r>
+            <a:endParaRPr lang="en-US" b="1" dirty="0">
+              <a:solidFill>
+                <a:srgbClr val="292D33"/>
+              </a:solidFill>
+              <a:latin typeface="Euclid Circular B" panose="020B0504000000000000" pitchFamily="34" charset="0"/>
+              <a:ea typeface="Euclid Circular B" panose="020B0504000000000000" pitchFamily="34" charset="0"/>
+            </a:endParaRPr>
           </a:p>
         </p:txBody>
       </p:sp>
@@ -3850,25 +4363,538 @@
           <a:lstStyle/>
           <a:p>
             <a:r>
-              <a:rPr lang="en-US" dirty="0">
-                <a:latin typeface="Euclid Circular B" panose="020B0504000000000000" pitchFamily="34" charset="0"/>
-                <a:ea typeface="Euclid Circular B" panose="020B0504000000000000" pitchFamily="34" charset="0"/>
-              </a:rPr>
-              <a:t>Content</a:t>
-            </a:r>
+              <a:rPr lang="tr-TR" sz="2800" b="1" dirty="0">
+                <a:latin typeface="Euclid Circular B" panose="020B0504000000000000" pitchFamily="34" charset="0"/>
+                <a:ea typeface="Euclid Circular B" panose="020B0504000000000000" pitchFamily="34" charset="0"/>
+              </a:rPr>
+              <a:t>Cookie/header </a:t>
+            </a:r>
+            <a:r>
+              <a:rPr lang="tr-TR" sz="2800" dirty="0">
+                <a:latin typeface="Euclid Circular B" panose="020B0504000000000000" pitchFamily="34" charset="0"/>
+                <a:ea typeface="Euclid Circular B" panose="020B0504000000000000" pitchFamily="34" charset="0"/>
+              </a:rPr>
+              <a:t>based authentication</a:t>
+            </a:r>
+          </a:p>
+          <a:p>
+            <a:r>
+              <a:rPr lang="tr-TR" dirty="0">
+                <a:latin typeface="Euclid Circular B" panose="020B0504000000000000" pitchFamily="34" charset="0"/>
+                <a:ea typeface="Euclid Circular B" panose="020B0504000000000000" pitchFamily="34" charset="0"/>
+              </a:rPr>
+              <a:t>Microsoft </a:t>
+            </a:r>
+            <a:r>
+              <a:rPr lang="tr-TR" b="1" dirty="0">
+                <a:latin typeface="Euclid Circular B" panose="020B0504000000000000" pitchFamily="34" charset="0"/>
+                <a:ea typeface="Euclid Circular B" panose="020B0504000000000000" pitchFamily="34" charset="0"/>
+              </a:rPr>
+              <a:t>Identity</a:t>
+            </a:r>
+            <a:r>
+              <a:rPr lang="tr-TR" dirty="0">
+                <a:latin typeface="Euclid Circular B" panose="020B0504000000000000" pitchFamily="34" charset="0"/>
+                <a:ea typeface="Euclid Circular B" panose="020B0504000000000000" pitchFamily="34" charset="0"/>
+              </a:rPr>
+              <a:t> based cookie authentication</a:t>
+            </a:r>
+          </a:p>
+          <a:p>
+            <a:r>
+              <a:rPr lang="tr-TR" b="1" dirty="0">
+                <a:latin typeface="Euclid Circular B" panose="020B0504000000000000" pitchFamily="34" charset="0"/>
+                <a:ea typeface="Euclid Circular B" panose="020B0504000000000000" pitchFamily="34" charset="0"/>
+              </a:rPr>
+              <a:t>OpenIddict </a:t>
+            </a:r>
+            <a:r>
+              <a:rPr lang="tr-TR" dirty="0">
+                <a:latin typeface="Euclid Circular B" panose="020B0504000000000000" pitchFamily="34" charset="0"/>
+                <a:ea typeface="Euclid Circular B" panose="020B0504000000000000" pitchFamily="34" charset="0"/>
+              </a:rPr>
+              <a:t>integration: </a:t>
+            </a:r>
+            <a:r>
+              <a:rPr lang="tr-TR" b="1" dirty="0">
+                <a:latin typeface="Euclid Circular B" panose="020B0504000000000000" pitchFamily="34" charset="0"/>
+                <a:ea typeface="Euclid Circular B" panose="020B0504000000000000" pitchFamily="34" charset="0"/>
+              </a:rPr>
+              <a:t>OAuth 2.0 &amp; OpenID Connect</a:t>
+            </a:r>
+          </a:p>
+          <a:p>
+            <a:pPr lvl="1"/>
+            <a:r>
+              <a:rPr lang="tr-TR" dirty="0">
+                <a:latin typeface="Euclid Circular B" panose="020B0504000000000000" pitchFamily="34" charset="0"/>
+                <a:ea typeface="Euclid Circular B" panose="020B0504000000000000" pitchFamily="34" charset="0"/>
+              </a:rPr>
+              <a:t>Authorization Code / Implicit / Hybrid Flows</a:t>
+            </a:r>
+          </a:p>
+          <a:p>
+            <a:pPr lvl="1"/>
+            <a:r>
+              <a:rPr lang="tr-TR" dirty="0">
+                <a:latin typeface="Euclid Circular B" panose="020B0504000000000000" pitchFamily="34" charset="0"/>
+                <a:ea typeface="Euclid Circular B" panose="020B0504000000000000" pitchFamily="34" charset="0"/>
+              </a:rPr>
+              <a:t>Client Credentials / Resource Owner Password Grant</a:t>
+            </a:r>
+          </a:p>
+          <a:p>
+            <a:pPr lvl="1"/>
+            <a:r>
+              <a:rPr lang="tr-TR" dirty="0">
+                <a:latin typeface="Euclid Circular B" panose="020B0504000000000000" pitchFamily="34" charset="0"/>
+                <a:ea typeface="Euclid Circular B" panose="020B0504000000000000" pitchFamily="34" charset="0"/>
+              </a:rPr>
+              <a:t>Decide Authorization Flow</a:t>
+            </a:r>
+          </a:p>
+          <a:p>
+            <a:r>
+              <a:rPr lang="tr-TR" dirty="0">
+                <a:latin typeface="Euclid Circular B" panose="020B0504000000000000" pitchFamily="34" charset="0"/>
+                <a:ea typeface="Euclid Circular B" panose="020B0504000000000000" pitchFamily="34" charset="0"/>
+              </a:rPr>
+              <a:t>Use OpenID Connect or other flows to connect to </a:t>
+            </a:r>
+            <a:r>
+              <a:rPr lang="tr-TR" b="1" dirty="0">
+                <a:latin typeface="Euclid Circular B" panose="020B0504000000000000" pitchFamily="34" charset="0"/>
+                <a:ea typeface="Euclid Circular B" panose="020B0504000000000000" pitchFamily="34" charset="0"/>
+              </a:rPr>
+              <a:t>3rd-party authentication servers</a:t>
+            </a:r>
+            <a:r>
+              <a:rPr lang="tr-TR" dirty="0">
+                <a:latin typeface="Euclid Circular B" panose="020B0504000000000000" pitchFamily="34" charset="0"/>
+                <a:ea typeface="Euclid Circular B" panose="020B0504000000000000" pitchFamily="34" charset="0"/>
+              </a:rPr>
+              <a:t>, like Azure or Keycloak.</a:t>
+            </a:r>
+            <a:endParaRPr lang="en-US" dirty="0">
+              <a:latin typeface="Euclid Circular B" panose="020B0504000000000000" pitchFamily="34" charset="0"/>
+              <a:ea typeface="Euclid Circular B" panose="020B0504000000000000" pitchFamily="34" charset="0"/>
+            </a:endParaRPr>
           </a:p>
         </p:txBody>
       </p:sp>
     </p:spTree>
     <p:extLst>
       <p:ext uri="{BB962C8B-B14F-4D97-AF65-F5344CB8AC3E}">
-        <p14:creationId xmlns:p14="http://schemas.microsoft.com/office/powerpoint/2010/main" val="1546911090"/>
+        <p14:creationId xmlns:p14="http://schemas.microsoft.com/office/powerpoint/2010/main" val="1120972184"/>
       </p:ext>
     </p:extLst>
   </p:cSld>
   <p:clrMapOvr>
     <a:masterClrMapping/>
   </p:clrMapOvr>
+  <p:timing>
+    <p:tnLst>
+      <p:par>
+        <p:cTn id="1" dur="indefinite" restart="never" nodeType="tmRoot">
+          <p:childTnLst>
+            <p:seq concurrent="1" nextAc="seek">
+              <p:cTn id="2" dur="indefinite" nodeType="mainSeq">
+                <p:childTnLst>
+                  <p:par>
+                    <p:cTn id="3" fill="hold">
+                      <p:stCondLst>
+                        <p:cond delay="indefinite"/>
+                      </p:stCondLst>
+                      <p:childTnLst>
+                        <p:par>
+                          <p:cTn id="4" fill="hold">
+                            <p:stCondLst>
+                              <p:cond delay="0"/>
+                            </p:stCondLst>
+                            <p:childTnLst>
+                              <p:par>
+                                <p:cTn id="5" presetID="10" presetClass="entr" presetSubtype="0" fill="hold" nodeType="clickEffect">
+                                  <p:stCondLst>
+                                    <p:cond delay="0"/>
+                                  </p:stCondLst>
+                                  <p:childTnLst>
+                                    <p:set>
+                                      <p:cBhvr>
+                                        <p:cTn id="6" dur="1" fill="hold">
+                                          <p:stCondLst>
+                                            <p:cond delay="0"/>
+                                          </p:stCondLst>
+                                        </p:cTn>
+                                        <p:tgtEl>
+                                          <p:spTgt spid="3">
+                                            <p:txEl>
+                                              <p:pRg st="0" end="0"/>
+                                            </p:txEl>
+                                          </p:spTgt>
+                                        </p:tgtEl>
+                                        <p:attrNameLst>
+                                          <p:attrName>style.visibility</p:attrName>
+                                        </p:attrNameLst>
+                                      </p:cBhvr>
+                                      <p:to>
+                                        <p:strVal val="visible"/>
+                                      </p:to>
+                                    </p:set>
+                                    <p:animEffect transition="in" filter="fade">
+                                      <p:cBhvr>
+                                        <p:cTn id="7" dur="500"/>
+                                        <p:tgtEl>
+                                          <p:spTgt spid="3">
+                                            <p:txEl>
+                                              <p:pRg st="0" end="0"/>
+                                            </p:txEl>
+                                          </p:spTgt>
+                                        </p:tgtEl>
+                                      </p:cBhvr>
+                                    </p:animEffect>
+                                  </p:childTnLst>
+                                </p:cTn>
+                              </p:par>
+                            </p:childTnLst>
+                          </p:cTn>
+                        </p:par>
+                      </p:childTnLst>
+                    </p:cTn>
+                  </p:par>
+                  <p:par>
+                    <p:cTn id="8" fill="hold">
+                      <p:stCondLst>
+                        <p:cond delay="indefinite"/>
+                      </p:stCondLst>
+                      <p:childTnLst>
+                        <p:par>
+                          <p:cTn id="9" fill="hold">
+                            <p:stCondLst>
+                              <p:cond delay="0"/>
+                            </p:stCondLst>
+                            <p:childTnLst>
+                              <p:par>
+                                <p:cTn id="10" presetID="10" presetClass="entr" presetSubtype="0" fill="hold" nodeType="clickEffect">
+                                  <p:stCondLst>
+                                    <p:cond delay="0"/>
+                                  </p:stCondLst>
+                                  <p:childTnLst>
+                                    <p:set>
+                                      <p:cBhvr>
+                                        <p:cTn id="11" dur="1" fill="hold">
+                                          <p:stCondLst>
+                                            <p:cond delay="0"/>
+                                          </p:stCondLst>
+                                        </p:cTn>
+                                        <p:tgtEl>
+                                          <p:spTgt spid="3">
+                                            <p:txEl>
+                                              <p:pRg st="1" end="1"/>
+                                            </p:txEl>
+                                          </p:spTgt>
+                                        </p:tgtEl>
+                                        <p:attrNameLst>
+                                          <p:attrName>style.visibility</p:attrName>
+                                        </p:attrNameLst>
+                                      </p:cBhvr>
+                                      <p:to>
+                                        <p:strVal val="visible"/>
+                                      </p:to>
+                                    </p:set>
+                                    <p:animEffect transition="in" filter="fade">
+                                      <p:cBhvr>
+                                        <p:cTn id="12" dur="500"/>
+                                        <p:tgtEl>
+                                          <p:spTgt spid="3">
+                                            <p:txEl>
+                                              <p:pRg st="1" end="1"/>
+                                            </p:txEl>
+                                          </p:spTgt>
+                                        </p:tgtEl>
+                                      </p:cBhvr>
+                                    </p:animEffect>
+                                  </p:childTnLst>
+                                </p:cTn>
+                              </p:par>
+                            </p:childTnLst>
+                          </p:cTn>
+                        </p:par>
+                      </p:childTnLst>
+                    </p:cTn>
+                  </p:par>
+                  <p:par>
+                    <p:cTn id="13" fill="hold">
+                      <p:stCondLst>
+                        <p:cond delay="indefinite"/>
+                      </p:stCondLst>
+                      <p:childTnLst>
+                        <p:par>
+                          <p:cTn id="14" fill="hold">
+                            <p:stCondLst>
+                              <p:cond delay="0"/>
+                            </p:stCondLst>
+                            <p:childTnLst>
+                              <p:par>
+                                <p:cTn id="15" presetID="10" presetClass="entr" presetSubtype="0" fill="hold" nodeType="clickEffect">
+                                  <p:stCondLst>
+                                    <p:cond delay="0"/>
+                                  </p:stCondLst>
+                                  <p:childTnLst>
+                                    <p:set>
+                                      <p:cBhvr>
+                                        <p:cTn id="16" dur="1" fill="hold">
+                                          <p:stCondLst>
+                                            <p:cond delay="0"/>
+                                          </p:stCondLst>
+                                        </p:cTn>
+                                        <p:tgtEl>
+                                          <p:spTgt spid="3">
+                                            <p:txEl>
+                                              <p:pRg st="2" end="2"/>
+                                            </p:txEl>
+                                          </p:spTgt>
+                                        </p:tgtEl>
+                                        <p:attrNameLst>
+                                          <p:attrName>style.visibility</p:attrName>
+                                        </p:attrNameLst>
+                                      </p:cBhvr>
+                                      <p:to>
+                                        <p:strVal val="visible"/>
+                                      </p:to>
+                                    </p:set>
+                                    <p:animEffect transition="in" filter="fade">
+                                      <p:cBhvr>
+                                        <p:cTn id="17" dur="500"/>
+                                        <p:tgtEl>
+                                          <p:spTgt spid="3">
+                                            <p:txEl>
+                                              <p:pRg st="2" end="2"/>
+                                            </p:txEl>
+                                          </p:spTgt>
+                                        </p:tgtEl>
+                                      </p:cBhvr>
+                                    </p:animEffect>
+                                  </p:childTnLst>
+                                </p:cTn>
+                              </p:par>
+                              <p:par>
+                                <p:cTn id="18" presetID="10" presetClass="entr" presetSubtype="0" fill="hold" nodeType="withEffect">
+                                  <p:stCondLst>
+                                    <p:cond delay="0"/>
+                                  </p:stCondLst>
+                                  <p:childTnLst>
+                                    <p:set>
+                                      <p:cBhvr>
+                                        <p:cTn id="19" dur="1" fill="hold">
+                                          <p:stCondLst>
+                                            <p:cond delay="0"/>
+                                          </p:stCondLst>
+                                        </p:cTn>
+                                        <p:tgtEl>
+                                          <p:spTgt spid="3">
+                                            <p:txEl>
+                                              <p:pRg st="3" end="3"/>
+                                            </p:txEl>
+                                          </p:spTgt>
+                                        </p:tgtEl>
+                                        <p:attrNameLst>
+                                          <p:attrName>style.visibility</p:attrName>
+                                        </p:attrNameLst>
+                                      </p:cBhvr>
+                                      <p:to>
+                                        <p:strVal val="visible"/>
+                                      </p:to>
+                                    </p:set>
+                                    <p:animEffect transition="in" filter="fade">
+                                      <p:cBhvr>
+                                        <p:cTn id="20" dur="500"/>
+                                        <p:tgtEl>
+                                          <p:spTgt spid="3">
+                                            <p:txEl>
+                                              <p:pRg st="3" end="3"/>
+                                            </p:txEl>
+                                          </p:spTgt>
+                                        </p:tgtEl>
+                                      </p:cBhvr>
+                                    </p:animEffect>
+                                  </p:childTnLst>
+                                </p:cTn>
+                              </p:par>
+                              <p:par>
+                                <p:cTn id="21" presetID="10" presetClass="entr" presetSubtype="0" fill="hold" nodeType="withEffect">
+                                  <p:stCondLst>
+                                    <p:cond delay="0"/>
+                                  </p:stCondLst>
+                                  <p:childTnLst>
+                                    <p:set>
+                                      <p:cBhvr>
+                                        <p:cTn id="22" dur="1" fill="hold">
+                                          <p:stCondLst>
+                                            <p:cond delay="0"/>
+                                          </p:stCondLst>
+                                        </p:cTn>
+                                        <p:tgtEl>
+                                          <p:spTgt spid="3">
+                                            <p:txEl>
+                                              <p:pRg st="4" end="4"/>
+                                            </p:txEl>
+                                          </p:spTgt>
+                                        </p:tgtEl>
+                                        <p:attrNameLst>
+                                          <p:attrName>style.visibility</p:attrName>
+                                        </p:attrNameLst>
+                                      </p:cBhvr>
+                                      <p:to>
+                                        <p:strVal val="visible"/>
+                                      </p:to>
+                                    </p:set>
+                                    <p:animEffect transition="in" filter="fade">
+                                      <p:cBhvr>
+                                        <p:cTn id="23" dur="500"/>
+                                        <p:tgtEl>
+                                          <p:spTgt spid="3">
+                                            <p:txEl>
+                                              <p:pRg st="4" end="4"/>
+                                            </p:txEl>
+                                          </p:spTgt>
+                                        </p:tgtEl>
+                                      </p:cBhvr>
+                                    </p:animEffect>
+                                  </p:childTnLst>
+                                </p:cTn>
+                              </p:par>
+                              <p:par>
+                                <p:cTn id="24" presetID="10" presetClass="entr" presetSubtype="0" fill="hold" nodeType="withEffect">
+                                  <p:stCondLst>
+                                    <p:cond delay="0"/>
+                                  </p:stCondLst>
+                                  <p:childTnLst>
+                                    <p:set>
+                                      <p:cBhvr>
+                                        <p:cTn id="25" dur="1" fill="hold">
+                                          <p:stCondLst>
+                                            <p:cond delay="0"/>
+                                          </p:stCondLst>
+                                        </p:cTn>
+                                        <p:tgtEl>
+                                          <p:spTgt spid="3">
+                                            <p:txEl>
+                                              <p:pRg st="5" end="5"/>
+                                            </p:txEl>
+                                          </p:spTgt>
+                                        </p:tgtEl>
+                                        <p:attrNameLst>
+                                          <p:attrName>style.visibility</p:attrName>
+                                        </p:attrNameLst>
+                                      </p:cBhvr>
+                                      <p:to>
+                                        <p:strVal val="visible"/>
+                                      </p:to>
+                                    </p:set>
+                                    <p:animEffect transition="in" filter="fade">
+                                      <p:cBhvr>
+                                        <p:cTn id="26" dur="500"/>
+                                        <p:tgtEl>
+                                          <p:spTgt spid="3">
+                                            <p:txEl>
+                                              <p:pRg st="5" end="5"/>
+                                            </p:txEl>
+                                          </p:spTgt>
+                                        </p:tgtEl>
+                                      </p:cBhvr>
+                                    </p:animEffect>
+                                  </p:childTnLst>
+                                </p:cTn>
+                              </p:par>
+                            </p:childTnLst>
+                          </p:cTn>
+                        </p:par>
+                      </p:childTnLst>
+                    </p:cTn>
+                  </p:par>
+                  <p:par>
+                    <p:cTn id="27" fill="hold">
+                      <p:stCondLst>
+                        <p:cond delay="indefinite"/>
+                      </p:stCondLst>
+                      <p:childTnLst>
+                        <p:par>
+                          <p:cTn id="28" fill="hold">
+                            <p:stCondLst>
+                              <p:cond delay="0"/>
+                            </p:stCondLst>
+                            <p:childTnLst>
+                              <p:par>
+                                <p:cTn id="29" presetID="10" presetClass="entr" presetSubtype="0" fill="hold" nodeType="clickEffect">
+                                  <p:stCondLst>
+                                    <p:cond delay="0"/>
+                                  </p:stCondLst>
+                                  <p:childTnLst>
+                                    <p:set>
+                                      <p:cBhvr>
+                                        <p:cTn id="30" dur="1" fill="hold">
+                                          <p:stCondLst>
+                                            <p:cond delay="0"/>
+                                          </p:stCondLst>
+                                        </p:cTn>
+                                        <p:tgtEl>
+                                          <p:spTgt spid="3">
+                                            <p:txEl>
+                                              <p:pRg st="6" end="6"/>
+                                            </p:txEl>
+                                          </p:spTgt>
+                                        </p:tgtEl>
+                                        <p:attrNameLst>
+                                          <p:attrName>style.visibility</p:attrName>
+                                        </p:attrNameLst>
+                                      </p:cBhvr>
+                                      <p:to>
+                                        <p:strVal val="visible"/>
+                                      </p:to>
+                                    </p:set>
+                                    <p:animEffect transition="in" filter="fade">
+                                      <p:cBhvr>
+                                        <p:cTn id="31" dur="500"/>
+                                        <p:tgtEl>
+                                          <p:spTgt spid="3">
+                                            <p:txEl>
+                                              <p:pRg st="6" end="6"/>
+                                            </p:txEl>
+                                          </p:spTgt>
+                                        </p:tgtEl>
+                                      </p:cBhvr>
+                                    </p:animEffect>
+                                  </p:childTnLst>
+                                </p:cTn>
+                              </p:par>
+                            </p:childTnLst>
+                          </p:cTn>
+                        </p:par>
+                      </p:childTnLst>
+                    </p:cTn>
+                  </p:par>
+                </p:childTnLst>
+              </p:cTn>
+              <p:prevCondLst>
+                <p:cond evt="onPrev" delay="0">
+                  <p:tgtEl>
+                    <p:sldTgt/>
+                  </p:tgtEl>
+                </p:cond>
+              </p:prevCondLst>
+              <p:nextCondLst>
+                <p:cond evt="onNext" delay="0">
+                  <p:tgtEl>
+                    <p:sldTgt/>
+                  </p:tgtEl>
+                </p:cond>
+              </p:nextCondLst>
+            </p:seq>
+          </p:childTnLst>
+        </p:cTn>
+      </p:par>
+    </p:tnLst>
+  </p:timing>
 </p:sld>
 </file>
 
@@ -3925,15 +4951,22 @@
           <a:lstStyle/>
           <a:p>
             <a:r>
-              <a:rPr lang="en-US" b="1" dirty="0">
+              <a:rPr lang="tr-TR" b="1" dirty="0">
                 <a:solidFill>
                   <a:srgbClr val="292D33"/>
                 </a:solidFill>
                 <a:latin typeface="Euclid Circular B" panose="020B0504000000000000" pitchFamily="34" charset="0"/>
                 <a:ea typeface="Euclid Circular B" panose="020B0504000000000000" pitchFamily="34" charset="0"/>
               </a:rPr>
-              <a:t>Topic title</a:t>
-            </a:r>
+              <a:t>ABP Client Integration Endpoints</a:t>
+            </a:r>
+            <a:endParaRPr lang="en-US" b="1" dirty="0">
+              <a:solidFill>
+                <a:srgbClr val="292D33"/>
+              </a:solidFill>
+              <a:latin typeface="Euclid Circular B" panose="020B0504000000000000" pitchFamily="34" charset="0"/>
+              <a:ea typeface="Euclid Circular B" panose="020B0504000000000000" pitchFamily="34" charset="0"/>
+            </a:endParaRPr>
           </a:p>
         </p:txBody>
       </p:sp>
@@ -3953,17 +4986,466 @@
             <p:ph idx="1"/>
           </p:nvPr>
         </p:nvSpPr>
-        <p:spPr/>
+        <p:spPr>
+          <a:xfrm>
+            <a:off x="838200" y="2115047"/>
+            <a:ext cx="4775421" cy="4061916"/>
+          </a:xfrm>
+        </p:spPr>
         <p:txBody>
-          <a:bodyPr/>
+          <a:bodyPr>
+            <a:normAutofit/>
+          </a:bodyPr>
           <a:lstStyle/>
           <a:p>
             <a:r>
-              <a:rPr lang="en-US" dirty="0">
-                <a:latin typeface="Euclid Circular B" panose="020B0504000000000000" pitchFamily="34" charset="0"/>
-                <a:ea typeface="Euclid Circular B" panose="020B0504000000000000" pitchFamily="34" charset="0"/>
-              </a:rPr>
-              <a:t>Content</a:t>
+              <a:rPr lang="tr-TR" sz="2400" dirty="0">
+                <a:latin typeface="Euclid Circular B" panose="020B0504000000000000" pitchFamily="34" charset="0"/>
+                <a:ea typeface="Euclid Circular B" panose="020B0504000000000000" pitchFamily="34" charset="0"/>
+              </a:rPr>
+              <a:t>Available Languages / Cultures</a:t>
+            </a:r>
+            <a:endParaRPr lang="en-US" sz="2400" dirty="0">
+              <a:latin typeface="Euclid Circular B" panose="020B0504000000000000" pitchFamily="34" charset="0"/>
+              <a:ea typeface="Euclid Circular B" panose="020B0504000000000000" pitchFamily="34" charset="0"/>
+            </a:endParaRPr>
+          </a:p>
+          <a:p>
+            <a:r>
+              <a:rPr lang="tr-TR" sz="2400" dirty="0">
+                <a:latin typeface="Euclid Circular B" panose="020B0504000000000000" pitchFamily="34" charset="0"/>
+                <a:ea typeface="Euclid Circular B" panose="020B0504000000000000" pitchFamily="34" charset="0"/>
+              </a:rPr>
+              <a:t>Current User Info</a:t>
+            </a:r>
+          </a:p>
+          <a:p>
+            <a:r>
+              <a:rPr lang="tr-TR" sz="2400" dirty="0">
+                <a:latin typeface="Euclid Circular B" panose="020B0504000000000000" pitchFamily="34" charset="0"/>
+                <a:ea typeface="Euclid Circular B" panose="020B0504000000000000" pitchFamily="34" charset="0"/>
+              </a:rPr>
+              <a:t>Features</a:t>
+            </a:r>
+          </a:p>
+          <a:p>
+            <a:r>
+              <a:rPr lang="tr-TR" sz="2400" dirty="0">
+                <a:latin typeface="Euclid Circular B" panose="020B0504000000000000" pitchFamily="34" charset="0"/>
+                <a:ea typeface="Euclid Circular B" panose="020B0504000000000000" pitchFamily="34" charset="0"/>
+              </a:rPr>
+              <a:t>Multi-Tenancy / Current Tenant</a:t>
+            </a:r>
+          </a:p>
+          <a:p>
+            <a:r>
+              <a:rPr lang="tr-TR" sz="2400" dirty="0">
+                <a:latin typeface="Euclid Circular B" panose="020B0504000000000000" pitchFamily="34" charset="0"/>
+                <a:ea typeface="Euclid Circular B" panose="020B0504000000000000" pitchFamily="34" charset="0"/>
+              </a:rPr>
+              <a:t>Permissions</a:t>
+            </a:r>
+          </a:p>
+          <a:p>
+            <a:r>
+              <a:rPr lang="tr-TR" sz="2400" dirty="0">
+                <a:latin typeface="Euclid Circular B" panose="020B0504000000000000" pitchFamily="34" charset="0"/>
+                <a:ea typeface="Euclid Circular B" panose="020B0504000000000000" pitchFamily="34" charset="0"/>
+              </a:rPr>
+              <a:t>Settings</a:t>
+            </a:r>
+          </a:p>
+          <a:p>
+            <a:r>
+              <a:rPr lang="tr-TR" sz="2400" dirty="0">
+                <a:latin typeface="Euclid Circular B" panose="020B0504000000000000" pitchFamily="34" charset="0"/>
+                <a:ea typeface="Euclid Circular B" panose="020B0504000000000000" pitchFamily="34" charset="0"/>
+              </a:rPr>
+              <a:t>User’s Timezone</a:t>
+            </a:r>
+          </a:p>
+        </p:txBody>
+      </p:sp>
+      <p:sp>
+        <p:nvSpPr>
+          <p:cNvPr id="5" name="TextBox 4">
+            <a:extLst>
+              <a:ext uri="{FF2B5EF4-FFF2-40B4-BE49-F238E27FC236}">
+                <a16:creationId xmlns:a16="http://schemas.microsoft.com/office/drawing/2014/main" id="{6D4ABA29-3EF7-A3DC-3261-9A9536910ED5}"/>
+              </a:ext>
+            </a:extLst>
+          </p:cNvPr>
+          <p:cNvSpPr txBox="1"/>
+          <p:nvPr/>
+        </p:nvSpPr>
+        <p:spPr>
+          <a:xfrm>
+            <a:off x="838200" y="1718201"/>
+            <a:ext cx="4958301" cy="369332"/>
+          </a:xfrm>
+          <a:prstGeom prst="rect">
+            <a:avLst/>
+          </a:prstGeom>
+          <a:noFill/>
+        </p:spPr>
+        <p:txBody>
+          <a:bodyPr wrap="square">
+            <a:spAutoFit/>
+          </a:bodyPr>
+          <a:lstStyle/>
+          <a:p>
+            <a:r>
+              <a:rPr lang="en-US" b="1" dirty="0">
+                <a:solidFill>
+                  <a:schemeClr val="accent5">
+                    <a:lumMod val="75000"/>
+                  </a:schemeClr>
+                </a:solidFill>
+                <a:latin typeface="Courier New" panose="02070309020205020404" pitchFamily="49" charset="0"/>
+                <a:cs typeface="Courier New" panose="02070309020205020404" pitchFamily="49" charset="0"/>
+              </a:rPr>
+              <a:t>/</a:t>
+            </a:r>
+            <a:r>
+              <a:rPr lang="en-US" b="1" dirty="0" err="1">
+                <a:solidFill>
+                  <a:schemeClr val="accent5">
+                    <a:lumMod val="75000"/>
+                  </a:schemeClr>
+                </a:solidFill>
+                <a:latin typeface="Courier New" panose="02070309020205020404" pitchFamily="49" charset="0"/>
+                <a:cs typeface="Courier New" panose="02070309020205020404" pitchFamily="49" charset="0"/>
+              </a:rPr>
+              <a:t>api</a:t>
+            </a:r>
+            <a:r>
+              <a:rPr lang="en-US" b="1" dirty="0">
+                <a:solidFill>
+                  <a:schemeClr val="accent5">
+                    <a:lumMod val="75000"/>
+                  </a:schemeClr>
+                </a:solidFill>
+                <a:latin typeface="Courier New" panose="02070309020205020404" pitchFamily="49" charset="0"/>
+                <a:cs typeface="Courier New" panose="02070309020205020404" pitchFamily="49" charset="0"/>
+              </a:rPr>
+              <a:t>/</a:t>
+            </a:r>
+            <a:r>
+              <a:rPr lang="en-US" b="1" dirty="0" err="1">
+                <a:solidFill>
+                  <a:schemeClr val="accent5">
+                    <a:lumMod val="75000"/>
+                  </a:schemeClr>
+                </a:solidFill>
+                <a:latin typeface="Courier New" panose="02070309020205020404" pitchFamily="49" charset="0"/>
+                <a:cs typeface="Courier New" panose="02070309020205020404" pitchFamily="49" charset="0"/>
+              </a:rPr>
+              <a:t>abp</a:t>
+            </a:r>
+            <a:r>
+              <a:rPr lang="en-US" b="1" dirty="0">
+                <a:solidFill>
+                  <a:schemeClr val="accent5">
+                    <a:lumMod val="75000"/>
+                  </a:schemeClr>
+                </a:solidFill>
+                <a:latin typeface="Courier New" panose="02070309020205020404" pitchFamily="49" charset="0"/>
+                <a:cs typeface="Courier New" panose="02070309020205020404" pitchFamily="49" charset="0"/>
+              </a:rPr>
+              <a:t>/application-configuration</a:t>
+            </a:r>
+          </a:p>
+        </p:txBody>
+      </p:sp>
+      <p:sp>
+        <p:nvSpPr>
+          <p:cNvPr id="7" name="TextBox 6">
+            <a:extLst>
+              <a:ext uri="{FF2B5EF4-FFF2-40B4-BE49-F238E27FC236}">
+                <a16:creationId xmlns:a16="http://schemas.microsoft.com/office/drawing/2014/main" id="{200574BF-0D57-D06D-D9E4-8BB416E25D22}"/>
+              </a:ext>
+            </a:extLst>
+          </p:cNvPr>
+          <p:cNvSpPr txBox="1"/>
+          <p:nvPr/>
+        </p:nvSpPr>
+        <p:spPr>
+          <a:xfrm>
+            <a:off x="6395501" y="1718201"/>
+            <a:ext cx="6773999" cy="369332"/>
+          </a:xfrm>
+          <a:prstGeom prst="rect">
+            <a:avLst/>
+          </a:prstGeom>
+          <a:noFill/>
+        </p:spPr>
+        <p:txBody>
+          <a:bodyPr wrap="square">
+            <a:spAutoFit/>
+          </a:bodyPr>
+          <a:lstStyle/>
+          <a:p>
+            <a:r>
+              <a:rPr lang="en-US" b="1" dirty="0">
+                <a:solidFill>
+                  <a:schemeClr val="accent5">
+                    <a:lumMod val="75000"/>
+                  </a:schemeClr>
+                </a:solidFill>
+                <a:latin typeface="Courier New" panose="02070309020205020404" pitchFamily="49" charset="0"/>
+                <a:cs typeface="Courier New" panose="02070309020205020404" pitchFamily="49" charset="0"/>
+              </a:rPr>
+              <a:t>/</a:t>
+            </a:r>
+            <a:r>
+              <a:rPr lang="en-US" b="1" dirty="0" err="1">
+                <a:solidFill>
+                  <a:schemeClr val="accent5">
+                    <a:lumMod val="75000"/>
+                  </a:schemeClr>
+                </a:solidFill>
+                <a:latin typeface="Courier New" panose="02070309020205020404" pitchFamily="49" charset="0"/>
+                <a:cs typeface="Courier New" panose="02070309020205020404" pitchFamily="49" charset="0"/>
+              </a:rPr>
+              <a:t>api</a:t>
+            </a:r>
+            <a:r>
+              <a:rPr lang="en-US" b="1" dirty="0">
+                <a:solidFill>
+                  <a:schemeClr val="accent5">
+                    <a:lumMod val="75000"/>
+                  </a:schemeClr>
+                </a:solidFill>
+                <a:latin typeface="Courier New" panose="02070309020205020404" pitchFamily="49" charset="0"/>
+                <a:cs typeface="Courier New" panose="02070309020205020404" pitchFamily="49" charset="0"/>
+              </a:rPr>
+              <a:t>/</a:t>
+            </a:r>
+            <a:r>
+              <a:rPr lang="en-US" b="1" dirty="0" err="1">
+                <a:solidFill>
+                  <a:schemeClr val="accent5">
+                    <a:lumMod val="75000"/>
+                  </a:schemeClr>
+                </a:solidFill>
+                <a:latin typeface="Courier New" panose="02070309020205020404" pitchFamily="49" charset="0"/>
+                <a:cs typeface="Courier New" panose="02070309020205020404" pitchFamily="49" charset="0"/>
+              </a:rPr>
+              <a:t>abp</a:t>
+            </a:r>
+            <a:r>
+              <a:rPr lang="en-US" b="1" dirty="0">
+                <a:solidFill>
+                  <a:schemeClr val="accent5">
+                    <a:lumMod val="75000"/>
+                  </a:schemeClr>
+                </a:solidFill>
+                <a:latin typeface="Courier New" panose="02070309020205020404" pitchFamily="49" charset="0"/>
+                <a:cs typeface="Courier New" panose="02070309020205020404" pitchFamily="49" charset="0"/>
+              </a:rPr>
+              <a:t>/application-localization</a:t>
+            </a:r>
+          </a:p>
+        </p:txBody>
+      </p:sp>
+      <p:sp>
+        <p:nvSpPr>
+          <p:cNvPr id="8" name="Content Placeholder 2">
+            <a:extLst>
+              <a:ext uri="{FF2B5EF4-FFF2-40B4-BE49-F238E27FC236}">
+                <a16:creationId xmlns:a16="http://schemas.microsoft.com/office/drawing/2014/main" id="{1E64C5B3-1D55-B1A3-1815-76EA87355C68}"/>
+              </a:ext>
+            </a:extLst>
+          </p:cNvPr>
+          <p:cNvSpPr txBox="1">
+            <a:spLocks/>
+          </p:cNvSpPr>
+          <p:nvPr/>
+        </p:nvSpPr>
+        <p:spPr>
+          <a:xfrm>
+            <a:off x="6395501" y="2115047"/>
+            <a:ext cx="4775421" cy="4061916"/>
+          </a:xfrm>
+          <a:prstGeom prst="rect">
+            <a:avLst/>
+          </a:prstGeom>
+        </p:spPr>
+        <p:txBody>
+          <a:bodyPr vert="horz" lIns="91440" tIns="45720" rIns="91440" bIns="45720" rtlCol="0">
+            <a:normAutofit/>
+          </a:bodyPr>
+          <a:lstStyle>
+            <a:lvl1pPr marL="228600" indent="-228600" algn="l" defTabSz="914400" rtl="0" eaLnBrk="1" latinLnBrk="0" hangingPunct="1">
+              <a:lnSpc>
+                <a:spcPct val="90000"/>
+              </a:lnSpc>
+              <a:spcBef>
+                <a:spcPts val="1000"/>
+              </a:spcBef>
+              <a:buFont typeface="Arial" panose="020B0604020202020204" pitchFamily="34" charset="0"/>
+              <a:buChar char="•"/>
+              <a:defRPr sz="2800" kern="1200">
+                <a:solidFill>
+                  <a:schemeClr val="tx1"/>
+                </a:solidFill>
+                <a:latin typeface="+mn-lt"/>
+                <a:ea typeface="+mn-ea"/>
+                <a:cs typeface="+mn-cs"/>
+              </a:defRPr>
+            </a:lvl1pPr>
+            <a:lvl2pPr marL="685800" indent="-228600" algn="l" defTabSz="914400" rtl="0" eaLnBrk="1" latinLnBrk="0" hangingPunct="1">
+              <a:lnSpc>
+                <a:spcPct val="90000"/>
+              </a:lnSpc>
+              <a:spcBef>
+                <a:spcPts val="500"/>
+              </a:spcBef>
+              <a:buFont typeface="Arial" panose="020B0604020202020204" pitchFamily="34" charset="0"/>
+              <a:buChar char="•"/>
+              <a:defRPr sz="2400" kern="1200">
+                <a:solidFill>
+                  <a:schemeClr val="tx1"/>
+                </a:solidFill>
+                <a:latin typeface="+mn-lt"/>
+                <a:ea typeface="+mn-ea"/>
+                <a:cs typeface="+mn-cs"/>
+              </a:defRPr>
+            </a:lvl2pPr>
+            <a:lvl3pPr marL="1143000" indent="-228600" algn="l" defTabSz="914400" rtl="0" eaLnBrk="1" latinLnBrk="0" hangingPunct="1">
+              <a:lnSpc>
+                <a:spcPct val="90000"/>
+              </a:lnSpc>
+              <a:spcBef>
+                <a:spcPts val="500"/>
+              </a:spcBef>
+              <a:buFont typeface="Arial" panose="020B0604020202020204" pitchFamily="34" charset="0"/>
+              <a:buChar char="•"/>
+              <a:defRPr sz="2000" kern="1200">
+                <a:solidFill>
+                  <a:schemeClr val="tx1"/>
+                </a:solidFill>
+                <a:latin typeface="+mn-lt"/>
+                <a:ea typeface="+mn-ea"/>
+                <a:cs typeface="+mn-cs"/>
+              </a:defRPr>
+            </a:lvl3pPr>
+            <a:lvl4pPr marL="1600200" indent="-228600" algn="l" defTabSz="914400" rtl="0" eaLnBrk="1" latinLnBrk="0" hangingPunct="1">
+              <a:lnSpc>
+                <a:spcPct val="90000"/>
+              </a:lnSpc>
+              <a:spcBef>
+                <a:spcPts val="500"/>
+              </a:spcBef>
+              <a:buFont typeface="Arial" panose="020B0604020202020204" pitchFamily="34" charset="0"/>
+              <a:buChar char="•"/>
+              <a:defRPr sz="1800" kern="1200">
+                <a:solidFill>
+                  <a:schemeClr val="tx1"/>
+                </a:solidFill>
+                <a:latin typeface="+mn-lt"/>
+                <a:ea typeface="+mn-ea"/>
+                <a:cs typeface="+mn-cs"/>
+              </a:defRPr>
+            </a:lvl4pPr>
+            <a:lvl5pPr marL="2057400" indent="-228600" algn="l" defTabSz="914400" rtl="0" eaLnBrk="1" latinLnBrk="0" hangingPunct="1">
+              <a:lnSpc>
+                <a:spcPct val="90000"/>
+              </a:lnSpc>
+              <a:spcBef>
+                <a:spcPts val="500"/>
+              </a:spcBef>
+              <a:buFont typeface="Arial" panose="020B0604020202020204" pitchFamily="34" charset="0"/>
+              <a:buChar char="•"/>
+              <a:defRPr sz="1800" kern="1200">
+                <a:solidFill>
+                  <a:schemeClr val="tx1"/>
+                </a:solidFill>
+                <a:latin typeface="+mn-lt"/>
+                <a:ea typeface="+mn-ea"/>
+                <a:cs typeface="+mn-cs"/>
+              </a:defRPr>
+            </a:lvl5pPr>
+            <a:lvl6pPr marL="2514600" indent="-228600" algn="l" defTabSz="914400" rtl="0" eaLnBrk="1" latinLnBrk="0" hangingPunct="1">
+              <a:lnSpc>
+                <a:spcPct val="90000"/>
+              </a:lnSpc>
+              <a:spcBef>
+                <a:spcPts val="500"/>
+              </a:spcBef>
+              <a:buFont typeface="Arial" panose="020B0604020202020204" pitchFamily="34" charset="0"/>
+              <a:buChar char="•"/>
+              <a:defRPr sz="1800" kern="1200">
+                <a:solidFill>
+                  <a:schemeClr val="tx1"/>
+                </a:solidFill>
+                <a:latin typeface="+mn-lt"/>
+                <a:ea typeface="+mn-ea"/>
+                <a:cs typeface="+mn-cs"/>
+              </a:defRPr>
+            </a:lvl6pPr>
+            <a:lvl7pPr marL="2971800" indent="-228600" algn="l" defTabSz="914400" rtl="0" eaLnBrk="1" latinLnBrk="0" hangingPunct="1">
+              <a:lnSpc>
+                <a:spcPct val="90000"/>
+              </a:lnSpc>
+              <a:spcBef>
+                <a:spcPts val="500"/>
+              </a:spcBef>
+              <a:buFont typeface="Arial" panose="020B0604020202020204" pitchFamily="34" charset="0"/>
+              <a:buChar char="•"/>
+              <a:defRPr sz="1800" kern="1200">
+                <a:solidFill>
+                  <a:schemeClr val="tx1"/>
+                </a:solidFill>
+                <a:latin typeface="+mn-lt"/>
+                <a:ea typeface="+mn-ea"/>
+                <a:cs typeface="+mn-cs"/>
+              </a:defRPr>
+            </a:lvl7pPr>
+            <a:lvl8pPr marL="3429000" indent="-228600" algn="l" defTabSz="914400" rtl="0" eaLnBrk="1" latinLnBrk="0" hangingPunct="1">
+              <a:lnSpc>
+                <a:spcPct val="90000"/>
+              </a:lnSpc>
+              <a:spcBef>
+                <a:spcPts val="500"/>
+              </a:spcBef>
+              <a:buFont typeface="Arial" panose="020B0604020202020204" pitchFamily="34" charset="0"/>
+              <a:buChar char="•"/>
+              <a:defRPr sz="1800" kern="1200">
+                <a:solidFill>
+                  <a:schemeClr val="tx1"/>
+                </a:solidFill>
+                <a:latin typeface="+mn-lt"/>
+                <a:ea typeface="+mn-ea"/>
+                <a:cs typeface="+mn-cs"/>
+              </a:defRPr>
+            </a:lvl8pPr>
+            <a:lvl9pPr marL="3886200" indent="-228600" algn="l" defTabSz="914400" rtl="0" eaLnBrk="1" latinLnBrk="0" hangingPunct="1">
+              <a:lnSpc>
+                <a:spcPct val="90000"/>
+              </a:lnSpc>
+              <a:spcBef>
+                <a:spcPts val="500"/>
+              </a:spcBef>
+              <a:buFont typeface="Arial" panose="020B0604020202020204" pitchFamily="34" charset="0"/>
+              <a:buChar char="•"/>
+              <a:defRPr sz="1800" kern="1200">
+                <a:solidFill>
+                  <a:schemeClr val="tx1"/>
+                </a:solidFill>
+                <a:latin typeface="+mn-lt"/>
+                <a:ea typeface="+mn-ea"/>
+                <a:cs typeface="+mn-cs"/>
+              </a:defRPr>
+            </a:lvl9pPr>
+          </a:lstStyle>
+          <a:p>
+            <a:r>
+              <a:rPr lang="tr-TR" sz="2400" dirty="0">
+                <a:latin typeface="Euclid Circular B" panose="020B0504000000000000" pitchFamily="34" charset="0"/>
+                <a:ea typeface="Euclid Circular B" panose="020B0504000000000000" pitchFamily="34" charset="0"/>
+              </a:rPr>
+              <a:t>All localization texts</a:t>
             </a:r>
           </a:p>
         </p:txBody>
@@ -3971,13 +5453,635 @@
     </p:spTree>
     <p:extLst>
       <p:ext uri="{BB962C8B-B14F-4D97-AF65-F5344CB8AC3E}">
-        <p14:creationId xmlns:p14="http://schemas.microsoft.com/office/powerpoint/2010/main" val="3898245033"/>
+        <p14:creationId xmlns:p14="http://schemas.microsoft.com/office/powerpoint/2010/main" val="3334160628"/>
       </p:ext>
     </p:extLst>
   </p:cSld>
   <p:clrMapOvr>
     <a:masterClrMapping/>
   </p:clrMapOvr>
+  <p:timing>
+    <p:tnLst>
+      <p:par>
+        <p:cTn id="1" dur="indefinite" restart="never" nodeType="tmRoot">
+          <p:childTnLst>
+            <p:seq concurrent="1" nextAc="seek">
+              <p:cTn id="2" dur="indefinite" nodeType="mainSeq">
+                <p:childTnLst>
+                  <p:par>
+                    <p:cTn id="3" fill="hold">
+                      <p:stCondLst>
+                        <p:cond delay="indefinite"/>
+                      </p:stCondLst>
+                      <p:childTnLst>
+                        <p:par>
+                          <p:cTn id="4" fill="hold">
+                            <p:stCondLst>
+                              <p:cond delay="0"/>
+                            </p:stCondLst>
+                            <p:childTnLst>
+                              <p:par>
+                                <p:cTn id="5" presetID="10" presetClass="entr" presetSubtype="0" fill="hold" grpId="0" nodeType="clickEffect">
+                                  <p:stCondLst>
+                                    <p:cond delay="0"/>
+                                  </p:stCondLst>
+                                  <p:childTnLst>
+                                    <p:set>
+                                      <p:cBhvr>
+                                        <p:cTn id="6" dur="1" fill="hold">
+                                          <p:stCondLst>
+                                            <p:cond delay="0"/>
+                                          </p:stCondLst>
+                                        </p:cTn>
+                                        <p:tgtEl>
+                                          <p:spTgt spid="5"/>
+                                        </p:tgtEl>
+                                        <p:attrNameLst>
+                                          <p:attrName>style.visibility</p:attrName>
+                                        </p:attrNameLst>
+                                      </p:cBhvr>
+                                      <p:to>
+                                        <p:strVal val="visible"/>
+                                      </p:to>
+                                    </p:set>
+                                    <p:animEffect transition="in" filter="fade">
+                                      <p:cBhvr>
+                                        <p:cTn id="7" dur="500"/>
+                                        <p:tgtEl>
+                                          <p:spTgt spid="5"/>
+                                        </p:tgtEl>
+                                      </p:cBhvr>
+                                    </p:animEffect>
+                                  </p:childTnLst>
+                                </p:cTn>
+                              </p:par>
+                            </p:childTnLst>
+                          </p:cTn>
+                        </p:par>
+                      </p:childTnLst>
+                    </p:cTn>
+                  </p:par>
+                  <p:par>
+                    <p:cTn id="8" fill="hold">
+                      <p:stCondLst>
+                        <p:cond delay="indefinite"/>
+                      </p:stCondLst>
+                      <p:childTnLst>
+                        <p:par>
+                          <p:cTn id="9" fill="hold">
+                            <p:stCondLst>
+                              <p:cond delay="0"/>
+                            </p:stCondLst>
+                            <p:childTnLst>
+                              <p:par>
+                                <p:cTn id="10" presetID="10" presetClass="entr" presetSubtype="0" fill="hold" grpId="0" nodeType="clickEffect">
+                                  <p:stCondLst>
+                                    <p:cond delay="0"/>
+                                  </p:stCondLst>
+                                  <p:childTnLst>
+                                    <p:set>
+                                      <p:cBhvr>
+                                        <p:cTn id="11" dur="1" fill="hold">
+                                          <p:stCondLst>
+                                            <p:cond delay="0"/>
+                                          </p:stCondLst>
+                                        </p:cTn>
+                                        <p:tgtEl>
+                                          <p:spTgt spid="7"/>
+                                        </p:tgtEl>
+                                        <p:attrNameLst>
+                                          <p:attrName>style.visibility</p:attrName>
+                                        </p:attrNameLst>
+                                      </p:cBhvr>
+                                      <p:to>
+                                        <p:strVal val="visible"/>
+                                      </p:to>
+                                    </p:set>
+                                    <p:animEffect transition="in" filter="fade">
+                                      <p:cBhvr>
+                                        <p:cTn id="12" dur="500"/>
+                                        <p:tgtEl>
+                                          <p:spTgt spid="7"/>
+                                        </p:tgtEl>
+                                      </p:cBhvr>
+                                    </p:animEffect>
+                                  </p:childTnLst>
+                                </p:cTn>
+                              </p:par>
+                            </p:childTnLst>
+                          </p:cTn>
+                        </p:par>
+                      </p:childTnLst>
+                    </p:cTn>
+                  </p:par>
+                  <p:par>
+                    <p:cTn id="13" fill="hold">
+                      <p:stCondLst>
+                        <p:cond delay="indefinite"/>
+                      </p:stCondLst>
+                      <p:childTnLst>
+                        <p:par>
+                          <p:cTn id="14" fill="hold">
+                            <p:stCondLst>
+                              <p:cond delay="0"/>
+                            </p:stCondLst>
+                            <p:childTnLst>
+                              <p:par>
+                                <p:cTn id="15" presetID="10" presetClass="entr" presetSubtype="0" fill="hold" grpId="0" nodeType="clickEffect">
+                                  <p:stCondLst>
+                                    <p:cond delay="0"/>
+                                  </p:stCondLst>
+                                  <p:childTnLst>
+                                    <p:set>
+                                      <p:cBhvr>
+                                        <p:cTn id="16" dur="1" fill="hold">
+                                          <p:stCondLst>
+                                            <p:cond delay="0"/>
+                                          </p:stCondLst>
+                                        </p:cTn>
+                                        <p:tgtEl>
+                                          <p:spTgt spid="3">
+                                            <p:txEl>
+                                              <p:pRg st="0" end="0"/>
+                                            </p:txEl>
+                                          </p:spTgt>
+                                        </p:tgtEl>
+                                        <p:attrNameLst>
+                                          <p:attrName>style.visibility</p:attrName>
+                                        </p:attrNameLst>
+                                      </p:cBhvr>
+                                      <p:to>
+                                        <p:strVal val="visible"/>
+                                      </p:to>
+                                    </p:set>
+                                    <p:animEffect transition="in" filter="fade">
+                                      <p:cBhvr>
+                                        <p:cTn id="17" dur="500"/>
+                                        <p:tgtEl>
+                                          <p:spTgt spid="3">
+                                            <p:txEl>
+                                              <p:pRg st="0" end="0"/>
+                                            </p:txEl>
+                                          </p:spTgt>
+                                        </p:tgtEl>
+                                      </p:cBhvr>
+                                    </p:animEffect>
+                                  </p:childTnLst>
+                                </p:cTn>
+                              </p:par>
+                            </p:childTnLst>
+                          </p:cTn>
+                        </p:par>
+                      </p:childTnLst>
+                    </p:cTn>
+                  </p:par>
+                  <p:par>
+                    <p:cTn id="18" fill="hold">
+                      <p:stCondLst>
+                        <p:cond delay="indefinite"/>
+                      </p:stCondLst>
+                      <p:childTnLst>
+                        <p:par>
+                          <p:cTn id="19" fill="hold">
+                            <p:stCondLst>
+                              <p:cond delay="0"/>
+                            </p:stCondLst>
+                            <p:childTnLst>
+                              <p:par>
+                                <p:cTn id="20" presetID="10" presetClass="entr" presetSubtype="0" fill="hold" grpId="0" nodeType="clickEffect">
+                                  <p:stCondLst>
+                                    <p:cond delay="0"/>
+                                  </p:stCondLst>
+                                  <p:childTnLst>
+                                    <p:set>
+                                      <p:cBhvr>
+                                        <p:cTn id="21" dur="1" fill="hold">
+                                          <p:stCondLst>
+                                            <p:cond delay="0"/>
+                                          </p:stCondLst>
+                                        </p:cTn>
+                                        <p:tgtEl>
+                                          <p:spTgt spid="3">
+                                            <p:txEl>
+                                              <p:pRg st="1" end="1"/>
+                                            </p:txEl>
+                                          </p:spTgt>
+                                        </p:tgtEl>
+                                        <p:attrNameLst>
+                                          <p:attrName>style.visibility</p:attrName>
+                                        </p:attrNameLst>
+                                      </p:cBhvr>
+                                      <p:to>
+                                        <p:strVal val="visible"/>
+                                      </p:to>
+                                    </p:set>
+                                    <p:animEffect transition="in" filter="fade">
+                                      <p:cBhvr>
+                                        <p:cTn id="22" dur="500"/>
+                                        <p:tgtEl>
+                                          <p:spTgt spid="3">
+                                            <p:txEl>
+                                              <p:pRg st="1" end="1"/>
+                                            </p:txEl>
+                                          </p:spTgt>
+                                        </p:tgtEl>
+                                      </p:cBhvr>
+                                    </p:animEffect>
+                                  </p:childTnLst>
+                                </p:cTn>
+                              </p:par>
+                            </p:childTnLst>
+                          </p:cTn>
+                        </p:par>
+                      </p:childTnLst>
+                    </p:cTn>
+                  </p:par>
+                  <p:par>
+                    <p:cTn id="23" fill="hold">
+                      <p:stCondLst>
+                        <p:cond delay="indefinite"/>
+                      </p:stCondLst>
+                      <p:childTnLst>
+                        <p:par>
+                          <p:cTn id="24" fill="hold">
+                            <p:stCondLst>
+                              <p:cond delay="0"/>
+                            </p:stCondLst>
+                            <p:childTnLst>
+                              <p:par>
+                                <p:cTn id="25" presetID="10" presetClass="entr" presetSubtype="0" fill="hold" grpId="0" nodeType="clickEffect">
+                                  <p:stCondLst>
+                                    <p:cond delay="0"/>
+                                  </p:stCondLst>
+                                  <p:childTnLst>
+                                    <p:set>
+                                      <p:cBhvr>
+                                        <p:cTn id="26" dur="1" fill="hold">
+                                          <p:stCondLst>
+                                            <p:cond delay="0"/>
+                                          </p:stCondLst>
+                                        </p:cTn>
+                                        <p:tgtEl>
+                                          <p:spTgt spid="3">
+                                            <p:txEl>
+                                              <p:pRg st="2" end="2"/>
+                                            </p:txEl>
+                                          </p:spTgt>
+                                        </p:tgtEl>
+                                        <p:attrNameLst>
+                                          <p:attrName>style.visibility</p:attrName>
+                                        </p:attrNameLst>
+                                      </p:cBhvr>
+                                      <p:to>
+                                        <p:strVal val="visible"/>
+                                      </p:to>
+                                    </p:set>
+                                    <p:animEffect transition="in" filter="fade">
+                                      <p:cBhvr>
+                                        <p:cTn id="27" dur="500"/>
+                                        <p:tgtEl>
+                                          <p:spTgt spid="3">
+                                            <p:txEl>
+                                              <p:pRg st="2" end="2"/>
+                                            </p:txEl>
+                                          </p:spTgt>
+                                        </p:tgtEl>
+                                      </p:cBhvr>
+                                    </p:animEffect>
+                                  </p:childTnLst>
+                                </p:cTn>
+                              </p:par>
+                            </p:childTnLst>
+                          </p:cTn>
+                        </p:par>
+                      </p:childTnLst>
+                    </p:cTn>
+                  </p:par>
+                  <p:par>
+                    <p:cTn id="28" fill="hold">
+                      <p:stCondLst>
+                        <p:cond delay="indefinite"/>
+                      </p:stCondLst>
+                      <p:childTnLst>
+                        <p:par>
+                          <p:cTn id="29" fill="hold">
+                            <p:stCondLst>
+                              <p:cond delay="0"/>
+                            </p:stCondLst>
+                            <p:childTnLst>
+                              <p:par>
+                                <p:cTn id="30" presetID="10" presetClass="entr" presetSubtype="0" fill="hold" grpId="0" nodeType="clickEffect">
+                                  <p:stCondLst>
+                                    <p:cond delay="0"/>
+                                  </p:stCondLst>
+                                  <p:childTnLst>
+                                    <p:set>
+                                      <p:cBhvr>
+                                        <p:cTn id="31" dur="1" fill="hold">
+                                          <p:stCondLst>
+                                            <p:cond delay="0"/>
+                                          </p:stCondLst>
+                                        </p:cTn>
+                                        <p:tgtEl>
+                                          <p:spTgt spid="3">
+                                            <p:txEl>
+                                              <p:pRg st="3" end="3"/>
+                                            </p:txEl>
+                                          </p:spTgt>
+                                        </p:tgtEl>
+                                        <p:attrNameLst>
+                                          <p:attrName>style.visibility</p:attrName>
+                                        </p:attrNameLst>
+                                      </p:cBhvr>
+                                      <p:to>
+                                        <p:strVal val="visible"/>
+                                      </p:to>
+                                    </p:set>
+                                    <p:animEffect transition="in" filter="fade">
+                                      <p:cBhvr>
+                                        <p:cTn id="32" dur="500"/>
+                                        <p:tgtEl>
+                                          <p:spTgt spid="3">
+                                            <p:txEl>
+                                              <p:pRg st="3" end="3"/>
+                                            </p:txEl>
+                                          </p:spTgt>
+                                        </p:tgtEl>
+                                      </p:cBhvr>
+                                    </p:animEffect>
+                                  </p:childTnLst>
+                                </p:cTn>
+                              </p:par>
+                            </p:childTnLst>
+                          </p:cTn>
+                        </p:par>
+                      </p:childTnLst>
+                    </p:cTn>
+                  </p:par>
+                  <p:par>
+                    <p:cTn id="33" fill="hold">
+                      <p:stCondLst>
+                        <p:cond delay="indefinite"/>
+                      </p:stCondLst>
+                      <p:childTnLst>
+                        <p:par>
+                          <p:cTn id="34" fill="hold">
+                            <p:stCondLst>
+                              <p:cond delay="0"/>
+                            </p:stCondLst>
+                            <p:childTnLst>
+                              <p:par>
+                                <p:cTn id="35" presetID="10" presetClass="entr" presetSubtype="0" fill="hold" grpId="0" nodeType="clickEffect">
+                                  <p:stCondLst>
+                                    <p:cond delay="0"/>
+                                  </p:stCondLst>
+                                  <p:childTnLst>
+                                    <p:set>
+                                      <p:cBhvr>
+                                        <p:cTn id="36" dur="1" fill="hold">
+                                          <p:stCondLst>
+                                            <p:cond delay="0"/>
+                                          </p:stCondLst>
+                                        </p:cTn>
+                                        <p:tgtEl>
+                                          <p:spTgt spid="3">
+                                            <p:txEl>
+                                              <p:pRg st="4" end="4"/>
+                                            </p:txEl>
+                                          </p:spTgt>
+                                        </p:tgtEl>
+                                        <p:attrNameLst>
+                                          <p:attrName>style.visibility</p:attrName>
+                                        </p:attrNameLst>
+                                      </p:cBhvr>
+                                      <p:to>
+                                        <p:strVal val="visible"/>
+                                      </p:to>
+                                    </p:set>
+                                    <p:animEffect transition="in" filter="fade">
+                                      <p:cBhvr>
+                                        <p:cTn id="37" dur="500"/>
+                                        <p:tgtEl>
+                                          <p:spTgt spid="3">
+                                            <p:txEl>
+                                              <p:pRg st="4" end="4"/>
+                                            </p:txEl>
+                                          </p:spTgt>
+                                        </p:tgtEl>
+                                      </p:cBhvr>
+                                    </p:animEffect>
+                                  </p:childTnLst>
+                                </p:cTn>
+                              </p:par>
+                            </p:childTnLst>
+                          </p:cTn>
+                        </p:par>
+                      </p:childTnLst>
+                    </p:cTn>
+                  </p:par>
+                  <p:par>
+                    <p:cTn id="38" fill="hold">
+                      <p:stCondLst>
+                        <p:cond delay="indefinite"/>
+                      </p:stCondLst>
+                      <p:childTnLst>
+                        <p:par>
+                          <p:cTn id="39" fill="hold">
+                            <p:stCondLst>
+                              <p:cond delay="0"/>
+                            </p:stCondLst>
+                            <p:childTnLst>
+                              <p:par>
+                                <p:cTn id="40" presetID="10" presetClass="entr" presetSubtype="0" fill="hold" grpId="0" nodeType="clickEffect">
+                                  <p:stCondLst>
+                                    <p:cond delay="0"/>
+                                  </p:stCondLst>
+                                  <p:childTnLst>
+                                    <p:set>
+                                      <p:cBhvr>
+                                        <p:cTn id="41" dur="1" fill="hold">
+                                          <p:stCondLst>
+                                            <p:cond delay="0"/>
+                                          </p:stCondLst>
+                                        </p:cTn>
+                                        <p:tgtEl>
+                                          <p:spTgt spid="3">
+                                            <p:txEl>
+                                              <p:pRg st="5" end="5"/>
+                                            </p:txEl>
+                                          </p:spTgt>
+                                        </p:tgtEl>
+                                        <p:attrNameLst>
+                                          <p:attrName>style.visibility</p:attrName>
+                                        </p:attrNameLst>
+                                      </p:cBhvr>
+                                      <p:to>
+                                        <p:strVal val="visible"/>
+                                      </p:to>
+                                    </p:set>
+                                    <p:animEffect transition="in" filter="fade">
+                                      <p:cBhvr>
+                                        <p:cTn id="42" dur="500"/>
+                                        <p:tgtEl>
+                                          <p:spTgt spid="3">
+                                            <p:txEl>
+                                              <p:pRg st="5" end="5"/>
+                                            </p:txEl>
+                                          </p:spTgt>
+                                        </p:tgtEl>
+                                      </p:cBhvr>
+                                    </p:animEffect>
+                                  </p:childTnLst>
+                                </p:cTn>
+                              </p:par>
+                            </p:childTnLst>
+                          </p:cTn>
+                        </p:par>
+                      </p:childTnLst>
+                    </p:cTn>
+                  </p:par>
+                  <p:par>
+                    <p:cTn id="43" fill="hold">
+                      <p:stCondLst>
+                        <p:cond delay="indefinite"/>
+                      </p:stCondLst>
+                      <p:childTnLst>
+                        <p:par>
+                          <p:cTn id="44" fill="hold">
+                            <p:stCondLst>
+                              <p:cond delay="0"/>
+                            </p:stCondLst>
+                            <p:childTnLst>
+                              <p:par>
+                                <p:cTn id="45" presetID="10" presetClass="entr" presetSubtype="0" fill="hold" grpId="0" nodeType="clickEffect">
+                                  <p:stCondLst>
+                                    <p:cond delay="0"/>
+                                  </p:stCondLst>
+                                  <p:childTnLst>
+                                    <p:set>
+                                      <p:cBhvr>
+                                        <p:cTn id="46" dur="1" fill="hold">
+                                          <p:stCondLst>
+                                            <p:cond delay="0"/>
+                                          </p:stCondLst>
+                                        </p:cTn>
+                                        <p:tgtEl>
+                                          <p:spTgt spid="3">
+                                            <p:txEl>
+                                              <p:pRg st="6" end="6"/>
+                                            </p:txEl>
+                                          </p:spTgt>
+                                        </p:tgtEl>
+                                        <p:attrNameLst>
+                                          <p:attrName>style.visibility</p:attrName>
+                                        </p:attrNameLst>
+                                      </p:cBhvr>
+                                      <p:to>
+                                        <p:strVal val="visible"/>
+                                      </p:to>
+                                    </p:set>
+                                    <p:animEffect transition="in" filter="fade">
+                                      <p:cBhvr>
+                                        <p:cTn id="47" dur="500"/>
+                                        <p:tgtEl>
+                                          <p:spTgt spid="3">
+                                            <p:txEl>
+                                              <p:pRg st="6" end="6"/>
+                                            </p:txEl>
+                                          </p:spTgt>
+                                        </p:tgtEl>
+                                      </p:cBhvr>
+                                    </p:animEffect>
+                                  </p:childTnLst>
+                                </p:cTn>
+                              </p:par>
+                            </p:childTnLst>
+                          </p:cTn>
+                        </p:par>
+                      </p:childTnLst>
+                    </p:cTn>
+                  </p:par>
+                  <p:par>
+                    <p:cTn id="48" fill="hold">
+                      <p:stCondLst>
+                        <p:cond delay="indefinite"/>
+                      </p:stCondLst>
+                      <p:childTnLst>
+                        <p:par>
+                          <p:cTn id="49" fill="hold">
+                            <p:stCondLst>
+                              <p:cond delay="0"/>
+                            </p:stCondLst>
+                            <p:childTnLst>
+                              <p:par>
+                                <p:cTn id="50" presetID="10" presetClass="entr" presetSubtype="0" fill="hold" grpId="0" nodeType="clickEffect">
+                                  <p:stCondLst>
+                                    <p:cond delay="0"/>
+                                  </p:stCondLst>
+                                  <p:childTnLst>
+                                    <p:set>
+                                      <p:cBhvr>
+                                        <p:cTn id="51" dur="1" fill="hold">
+                                          <p:stCondLst>
+                                            <p:cond delay="0"/>
+                                          </p:stCondLst>
+                                        </p:cTn>
+                                        <p:tgtEl>
+                                          <p:spTgt spid="8"/>
+                                        </p:tgtEl>
+                                        <p:attrNameLst>
+                                          <p:attrName>style.visibility</p:attrName>
+                                        </p:attrNameLst>
+                                      </p:cBhvr>
+                                      <p:to>
+                                        <p:strVal val="visible"/>
+                                      </p:to>
+                                    </p:set>
+                                    <p:animEffect transition="in" filter="fade">
+                                      <p:cBhvr>
+                                        <p:cTn id="52" dur="500"/>
+                                        <p:tgtEl>
+                                          <p:spTgt spid="8"/>
+                                        </p:tgtEl>
+                                      </p:cBhvr>
+                                    </p:animEffect>
+                                  </p:childTnLst>
+                                </p:cTn>
+                              </p:par>
+                            </p:childTnLst>
+                          </p:cTn>
+                        </p:par>
+                      </p:childTnLst>
+                    </p:cTn>
+                  </p:par>
+                </p:childTnLst>
+              </p:cTn>
+              <p:prevCondLst>
+                <p:cond evt="onPrev" delay="0">
+                  <p:tgtEl>
+                    <p:sldTgt/>
+                  </p:tgtEl>
+                </p:cond>
+              </p:prevCondLst>
+              <p:nextCondLst>
+                <p:cond evt="onNext" delay="0">
+                  <p:tgtEl>
+                    <p:sldTgt/>
+                  </p:tgtEl>
+                </p:cond>
+              </p:nextCondLst>
+            </p:seq>
+          </p:childTnLst>
+        </p:cTn>
+      </p:par>
+    </p:tnLst>
+    <p:bldLst>
+      <p:bldP spid="3" grpId="0" build="p"/>
+      <p:bldP spid="5" grpId="0"/>
+      <p:bldP spid="7" grpId="0"/>
+      <p:bldP spid="8" grpId="0"/>
+    </p:bldLst>
+  </p:timing>
 </p:sld>
 </file>
 
@@ -4034,15 +6138,22 @@
           <a:lstStyle/>
           <a:p>
             <a:r>
-              <a:rPr lang="en-US" b="1" dirty="0">
+              <a:rPr lang="tr-TR" b="1" dirty="0">
                 <a:solidFill>
                   <a:srgbClr val="292D33"/>
                 </a:solidFill>
                 <a:latin typeface="Euclid Circular B" panose="020B0504000000000000" pitchFamily="34" charset="0"/>
                 <a:ea typeface="Euclid Circular B" panose="020B0504000000000000" pitchFamily="34" charset="0"/>
               </a:rPr>
-              <a:t>Topic title</a:t>
-            </a:r>
+              <a:t>Pre-Built Mobile Options</a:t>
+            </a:r>
+            <a:endParaRPr lang="en-US" b="1" dirty="0">
+              <a:solidFill>
+                <a:srgbClr val="292D33"/>
+              </a:solidFill>
+              <a:latin typeface="Euclid Circular B" panose="020B0504000000000000" pitchFamily="34" charset="0"/>
+              <a:ea typeface="Euclid Circular B" panose="020B0504000000000000" pitchFamily="34" charset="0"/>
+            </a:endParaRPr>
           </a:p>
         </p:txBody>
       </p:sp>
@@ -4062,249 +6173,630 @@
             <p:ph idx="1"/>
           </p:nvPr>
         </p:nvSpPr>
-        <p:spPr/>
+        <p:spPr>
+          <a:xfrm>
+            <a:off x="838200" y="1582530"/>
+            <a:ext cx="10515600" cy="1325563"/>
+          </a:xfrm>
+        </p:spPr>
         <p:txBody>
           <a:bodyPr/>
           <a:lstStyle/>
           <a:p>
             <a:r>
-              <a:rPr lang="en-US" dirty="0">
-                <a:latin typeface="Euclid Circular B" panose="020B0504000000000000" pitchFamily="34" charset="0"/>
-                <a:ea typeface="Euclid Circular B" panose="020B0504000000000000" pitchFamily="34" charset="0"/>
-              </a:rPr>
-              <a:t>Content</a:t>
-            </a:r>
+              <a:rPr lang="tr-TR" sz="2800" dirty="0">
+                <a:latin typeface="Euclid Circular B" panose="020B0504000000000000" pitchFamily="34" charset="0"/>
+                <a:ea typeface="Euclid Circular B" panose="020B0504000000000000" pitchFamily="34" charset="0"/>
+              </a:rPr>
+              <a:t>ABP works with </a:t>
+            </a:r>
+            <a:r>
+              <a:rPr lang="tr-TR" sz="2800" b="1" dirty="0">
+                <a:latin typeface="Euclid Circular B" panose="020B0504000000000000" pitchFamily="34" charset="0"/>
+                <a:ea typeface="Euclid Circular B" panose="020B0504000000000000" pitchFamily="34" charset="0"/>
+              </a:rPr>
+              <a:t>any kind of </a:t>
+            </a:r>
+            <a:r>
+              <a:rPr lang="tr-TR" sz="2800" dirty="0">
+                <a:latin typeface="Euclid Circular B" panose="020B0504000000000000" pitchFamily="34" charset="0"/>
+                <a:ea typeface="Euclid Circular B" panose="020B0504000000000000" pitchFamily="34" charset="0"/>
+              </a:rPr>
+              <a:t>client applications, including all </a:t>
+            </a:r>
+            <a:r>
+              <a:rPr lang="tr-TR" sz="2800" b="1" dirty="0">
+                <a:latin typeface="Euclid Circular B" panose="020B0504000000000000" pitchFamily="34" charset="0"/>
+                <a:ea typeface="Euclid Circular B" panose="020B0504000000000000" pitchFamily="34" charset="0"/>
+              </a:rPr>
+              <a:t>web </a:t>
+            </a:r>
+            <a:r>
+              <a:rPr lang="tr-TR" sz="2800" dirty="0">
+                <a:latin typeface="Euclid Circular B" panose="020B0504000000000000" pitchFamily="34" charset="0"/>
+                <a:ea typeface="Euclid Circular B" panose="020B0504000000000000" pitchFamily="34" charset="0"/>
+              </a:rPr>
+              <a:t>or </a:t>
+            </a:r>
+            <a:r>
+              <a:rPr lang="tr-TR" sz="2800" b="1" dirty="0">
+                <a:latin typeface="Euclid Circular B" panose="020B0504000000000000" pitchFamily="34" charset="0"/>
+                <a:ea typeface="Euclid Circular B" panose="020B0504000000000000" pitchFamily="34" charset="0"/>
+              </a:rPr>
+              <a:t>mobile </a:t>
+            </a:r>
+            <a:r>
+              <a:rPr lang="tr-TR" sz="2800" dirty="0">
+                <a:latin typeface="Euclid Circular B" panose="020B0504000000000000" pitchFamily="34" charset="0"/>
+                <a:ea typeface="Euclid Circular B" panose="020B0504000000000000" pitchFamily="34" charset="0"/>
+              </a:rPr>
+              <a:t>frameworks. However, there are some </a:t>
+            </a:r>
+            <a:r>
+              <a:rPr lang="tr-TR" sz="2800" b="1" dirty="0">
+                <a:latin typeface="Euclid Circular B" panose="020B0504000000000000" pitchFamily="34" charset="0"/>
+                <a:ea typeface="Euclid Circular B" panose="020B0504000000000000" pitchFamily="34" charset="0"/>
+              </a:rPr>
+              <a:t>pre-integrated</a:t>
+            </a:r>
+            <a:r>
+              <a:rPr lang="tr-TR" sz="2800" dirty="0">
+                <a:latin typeface="Euclid Circular B" panose="020B0504000000000000" pitchFamily="34" charset="0"/>
+                <a:ea typeface="Euclid Circular B" panose="020B0504000000000000" pitchFamily="34" charset="0"/>
+              </a:rPr>
+              <a:t> solutions.</a:t>
+            </a:r>
+            <a:endParaRPr lang="en-US" sz="2800" dirty="0">
+              <a:latin typeface="Euclid Circular B" panose="020B0504000000000000" pitchFamily="34" charset="0"/>
+              <a:ea typeface="Euclid Circular B" panose="020B0504000000000000" pitchFamily="34" charset="0"/>
+            </a:endParaRPr>
+          </a:p>
+          <a:p>
+            <a:endParaRPr lang="en-US" dirty="0">
+              <a:latin typeface="Euclid Circular B" panose="020B0504000000000000" pitchFamily="34" charset="0"/>
+              <a:ea typeface="Euclid Circular B" panose="020B0504000000000000" pitchFamily="34" charset="0"/>
+            </a:endParaRPr>
+          </a:p>
+        </p:txBody>
+      </p:sp>
+      <p:pic>
+        <p:nvPicPr>
+          <p:cNvPr id="1030" name="Picture 6" descr="Logo React Native">
+            <a:extLst>
+              <a:ext uri="{FF2B5EF4-FFF2-40B4-BE49-F238E27FC236}">
+                <a16:creationId xmlns:a16="http://schemas.microsoft.com/office/drawing/2014/main" id="{283D4D5C-381B-E9EC-8EB1-229A4E7FC916}"/>
+              </a:ext>
+            </a:extLst>
+          </p:cNvPr>
+          <p:cNvPicPr>
+            <a:picLocks noChangeAspect="1" noChangeArrowheads="1"/>
+          </p:cNvPicPr>
+          <p:nvPr/>
+        </p:nvPicPr>
+        <p:blipFill>
+          <a:blip r:embed="rId3">
+            <a:extLst>
+              <a:ext uri="{28A0092B-C50C-407E-A947-70E740481C1C}">
+                <a14:useLocalDpi xmlns:a14="http://schemas.microsoft.com/office/drawing/2010/main" val="0"/>
+              </a:ext>
+            </a:extLst>
+          </a:blip>
+          <a:srcRect/>
+          <a:stretch>
+            <a:fillRect/>
+          </a:stretch>
+        </p:blipFill>
+        <p:spPr bwMode="auto">
+          <a:xfrm>
+            <a:off x="6096000" y="4268318"/>
+            <a:ext cx="2621843" cy="1722782"/>
+          </a:xfrm>
+          <a:prstGeom prst="rect">
+            <a:avLst/>
+          </a:prstGeom>
+          <a:noFill/>
+          <a:extLst>
+            <a:ext uri="{909E8E84-426E-40DD-AFC4-6F175D3DCCD1}">
+              <a14:hiddenFill xmlns:a14="http://schemas.microsoft.com/office/drawing/2010/main">
+                <a:solidFill>
+                  <a:srgbClr val="FFFFFF"/>
+                </a:solidFill>
+              </a14:hiddenFill>
+            </a:ext>
+          </a:extLst>
+        </p:spPr>
+      </p:pic>
+      <p:pic>
+        <p:nvPicPr>
+          <p:cNvPr id="1036" name="Picture 12" descr="Reddit - Dive into anything">
+            <a:extLst>
+              <a:ext uri="{FF2B5EF4-FFF2-40B4-BE49-F238E27FC236}">
+                <a16:creationId xmlns:a16="http://schemas.microsoft.com/office/drawing/2014/main" id="{BE2B7BE2-76B6-3161-399F-5DF83C121880}"/>
+              </a:ext>
+            </a:extLst>
+          </p:cNvPr>
+          <p:cNvPicPr>
+            <a:picLocks noChangeAspect="1" noChangeArrowheads="1"/>
+          </p:cNvPicPr>
+          <p:nvPr/>
+        </p:nvPicPr>
+        <p:blipFill>
+          <a:blip r:embed="rId4">
+            <a:extLst>
+              <a:ext uri="{28A0092B-C50C-407E-A947-70E740481C1C}">
+                <a14:useLocalDpi xmlns:a14="http://schemas.microsoft.com/office/drawing/2010/main" val="0"/>
+              </a:ext>
+            </a:extLst>
+          </a:blip>
+          <a:srcRect/>
+          <a:stretch>
+            <a:fillRect/>
+          </a:stretch>
+        </p:blipFill>
+        <p:spPr bwMode="auto">
+          <a:xfrm>
+            <a:off x="8645701" y="4268318"/>
+            <a:ext cx="1722782" cy="1722782"/>
+          </a:xfrm>
+          <a:prstGeom prst="rect">
+            <a:avLst/>
+          </a:prstGeom>
+          <a:noFill/>
+          <a:extLst>
+            <a:ext uri="{909E8E84-426E-40DD-AFC4-6F175D3DCCD1}">
+              <a14:hiddenFill xmlns:a14="http://schemas.microsoft.com/office/drawing/2010/main">
+                <a:solidFill>
+                  <a:srgbClr val="FFFFFF"/>
+                </a:solidFill>
+              </a14:hiddenFill>
+            </a:ext>
+          </a:extLst>
+        </p:spPr>
+      </p:pic>
+      <p:pic>
+        <p:nvPicPr>
+          <p:cNvPr id="9" name="Picture 8" descr="A black and grey logo&#10;&#10;Description automatically generated">
+            <a:extLst>
+              <a:ext uri="{FF2B5EF4-FFF2-40B4-BE49-F238E27FC236}">
+                <a16:creationId xmlns:a16="http://schemas.microsoft.com/office/drawing/2014/main" id="{10F83276-199D-5BE9-363D-86DE58D179F2}"/>
+              </a:ext>
+            </a:extLst>
+          </p:cNvPr>
+          <p:cNvPicPr>
+            <a:picLocks noChangeAspect="1"/>
+          </p:cNvPicPr>
+          <p:nvPr/>
+        </p:nvPicPr>
+        <p:blipFill>
+          <a:blip r:embed="rId5">
+            <a:extLst>
+              <a:ext uri="{28A0092B-C50C-407E-A947-70E740481C1C}">
+                <a14:useLocalDpi xmlns:a14="http://schemas.microsoft.com/office/drawing/2010/main" val="0"/>
+              </a:ext>
+            </a:extLst>
+          </a:blip>
+          <a:stretch>
+            <a:fillRect/>
+          </a:stretch>
+        </p:blipFill>
+        <p:spPr>
+          <a:xfrm>
+            <a:off x="838200" y="3286125"/>
+            <a:ext cx="4322197" cy="607427"/>
+          </a:xfrm>
+          <a:prstGeom prst="rect">
+            <a:avLst/>
+          </a:prstGeom>
+        </p:spPr>
+      </p:pic>
+      <p:pic>
+        <p:nvPicPr>
+          <p:cNvPr id="11" name="Picture 10" descr="A black and grey logo&#10;&#10;Description automatically generated">
+            <a:extLst>
+              <a:ext uri="{FF2B5EF4-FFF2-40B4-BE49-F238E27FC236}">
+                <a16:creationId xmlns:a16="http://schemas.microsoft.com/office/drawing/2014/main" id="{2CA7AF32-EB09-D174-8C21-93DF1173E637}"/>
+              </a:ext>
+            </a:extLst>
+          </p:cNvPr>
+          <p:cNvPicPr>
+            <a:picLocks noChangeAspect="1"/>
+          </p:cNvPicPr>
+          <p:nvPr/>
+        </p:nvPicPr>
+        <p:blipFill>
+          <a:blip r:embed="rId6">
+            <a:extLst>
+              <a:ext uri="{28A0092B-C50C-407E-A947-70E740481C1C}">
+                <a14:useLocalDpi xmlns:a14="http://schemas.microsoft.com/office/drawing/2010/main" val="0"/>
+              </a:ext>
+            </a:extLst>
+          </a:blip>
+          <a:stretch>
+            <a:fillRect/>
+          </a:stretch>
+        </p:blipFill>
+        <p:spPr>
+          <a:xfrm>
+            <a:off x="6096000" y="3286125"/>
+            <a:ext cx="4463332" cy="604161"/>
+          </a:xfrm>
+          <a:prstGeom prst="rect">
+            <a:avLst/>
+          </a:prstGeom>
+        </p:spPr>
+      </p:pic>
+      <p:pic>
+        <p:nvPicPr>
+          <p:cNvPr id="12" name="Picture 6" descr="Logo React Native">
+            <a:extLst>
+              <a:ext uri="{FF2B5EF4-FFF2-40B4-BE49-F238E27FC236}">
+                <a16:creationId xmlns:a16="http://schemas.microsoft.com/office/drawing/2014/main" id="{A668962A-491E-2B46-24D7-1E7875C85838}"/>
+              </a:ext>
+            </a:extLst>
+          </p:cNvPr>
+          <p:cNvPicPr>
+            <a:picLocks noChangeAspect="1" noChangeArrowheads="1"/>
+          </p:cNvPicPr>
+          <p:nvPr/>
+        </p:nvPicPr>
+        <p:blipFill>
+          <a:blip r:embed="rId3">
+            <a:extLst>
+              <a:ext uri="{28A0092B-C50C-407E-A947-70E740481C1C}">
+                <a14:useLocalDpi xmlns:a14="http://schemas.microsoft.com/office/drawing/2010/main" val="0"/>
+              </a:ext>
+            </a:extLst>
+          </a:blip>
+          <a:srcRect/>
+          <a:stretch>
+            <a:fillRect/>
+          </a:stretch>
+        </p:blipFill>
+        <p:spPr bwMode="auto">
+          <a:xfrm>
+            <a:off x="1688375" y="4268318"/>
+            <a:ext cx="2621843" cy="1722782"/>
+          </a:xfrm>
+          <a:prstGeom prst="rect">
+            <a:avLst/>
+          </a:prstGeom>
+          <a:noFill/>
+          <a:extLst>
+            <a:ext uri="{909E8E84-426E-40DD-AFC4-6F175D3DCCD1}">
+              <a14:hiddenFill xmlns:a14="http://schemas.microsoft.com/office/drawing/2010/main">
+                <a:solidFill>
+                  <a:srgbClr val="FFFFFF"/>
+                </a:solidFill>
+              </a14:hiddenFill>
+            </a:ext>
+          </a:extLst>
+        </p:spPr>
+      </p:pic>
+      <p:sp>
+        <p:nvSpPr>
+          <p:cNvPr id="13" name="TextBox 12">
+            <a:extLst>
+              <a:ext uri="{FF2B5EF4-FFF2-40B4-BE49-F238E27FC236}">
+                <a16:creationId xmlns:a16="http://schemas.microsoft.com/office/drawing/2014/main" id="{65D3A5AB-BD36-D248-86DB-8C1BF4EA0ED5}"/>
+              </a:ext>
+            </a:extLst>
+          </p:cNvPr>
+          <p:cNvSpPr txBox="1"/>
+          <p:nvPr/>
+        </p:nvSpPr>
+        <p:spPr>
+          <a:xfrm>
+            <a:off x="2030827" y="3787668"/>
+            <a:ext cx="1936941" cy="369332"/>
+          </a:xfrm>
+          <a:prstGeom prst="rect">
+            <a:avLst/>
+          </a:prstGeom>
+          <a:noFill/>
+        </p:spPr>
+        <p:txBody>
+          <a:bodyPr wrap="none" rtlCol="0">
+            <a:spAutoFit/>
+          </a:bodyPr>
+          <a:lstStyle/>
+          <a:p>
+            <a:r>
+              <a:rPr lang="tr-TR" dirty="0"/>
+              <a:t>Open souce &amp; free</a:t>
+            </a:r>
+            <a:endParaRPr lang="en-US" dirty="0"/>
           </a:p>
         </p:txBody>
       </p:sp>
     </p:spTree>
     <p:extLst>
       <p:ext uri="{BB962C8B-B14F-4D97-AF65-F5344CB8AC3E}">
-        <p14:creationId xmlns:p14="http://schemas.microsoft.com/office/powerpoint/2010/main" val="1488527465"/>
+        <p14:creationId xmlns:p14="http://schemas.microsoft.com/office/powerpoint/2010/main" val="3898245033"/>
       </p:ext>
     </p:extLst>
   </p:cSld>
   <p:clrMapOvr>
     <a:masterClrMapping/>
   </p:clrMapOvr>
-</p:sld>
-</file>
-
-<file path=ppt/slides/slide16.xml><?xml version="1.0" encoding="utf-8"?>
-<p:sld xmlns:a="http://schemas.openxmlformats.org/drawingml/2006/main" xmlns:r="http://schemas.openxmlformats.org/officeDocument/2006/relationships" xmlns:p="http://schemas.openxmlformats.org/presentationml/2006/main">
-  <p:cSld>
-    <p:bg>
-      <p:bgPr>
-        <a:blipFill dpi="0" rotWithShape="1">
-          <a:blip r:embed="rId2">
-            <a:lum/>
-          </a:blip>
-          <a:srcRect/>
-          <a:stretch>
-            <a:fillRect/>
-          </a:stretch>
-        </a:blipFill>
-        <a:effectLst/>
-      </p:bgPr>
-    </p:bg>
-    <p:spTree>
-      <p:nvGrpSpPr>
-        <p:cNvPr id="1" name=""/>
-        <p:cNvGrpSpPr/>
-        <p:nvPr/>
-      </p:nvGrpSpPr>
-      <p:grpSpPr>
-        <a:xfrm>
-          <a:off x="0" y="0"/>
-          <a:ext cx="0" cy="0"/>
-          <a:chOff x="0" y="0"/>
-          <a:chExt cx="0" cy="0"/>
-        </a:xfrm>
-      </p:grpSpPr>
-      <p:sp>
-        <p:nvSpPr>
-          <p:cNvPr id="2" name="Title 1">
-            <a:extLst>
-              <a:ext uri="{FF2B5EF4-FFF2-40B4-BE49-F238E27FC236}">
-                <a16:creationId xmlns:a16="http://schemas.microsoft.com/office/drawing/2014/main" id="{55E11F08-6CA0-48F1-AD67-97430DDA07F0}"/>
-              </a:ext>
-            </a:extLst>
-          </p:cNvPr>
-          <p:cNvSpPr>
-            <a:spLocks noGrp="1"/>
-          </p:cNvSpPr>
-          <p:nvPr>
-            <p:ph type="title"/>
-          </p:nvPr>
-        </p:nvSpPr>
-        <p:spPr/>
-        <p:txBody>
-          <a:bodyPr/>
-          <a:lstStyle/>
-          <a:p>
-            <a:r>
-              <a:rPr lang="en-US" b="1" dirty="0">
-                <a:solidFill>
-                  <a:srgbClr val="292D33"/>
-                </a:solidFill>
-                <a:latin typeface="Euclid Circular B" panose="020B0504000000000000" pitchFamily="34" charset="0"/>
-                <a:ea typeface="Euclid Circular B" panose="020B0504000000000000" pitchFamily="34" charset="0"/>
-              </a:rPr>
-              <a:t>Topic title</a:t>
-            </a:r>
-          </a:p>
-        </p:txBody>
-      </p:sp>
-      <p:sp>
-        <p:nvSpPr>
-          <p:cNvPr id="3" name="Content Placeholder 2">
-            <a:extLst>
-              <a:ext uri="{FF2B5EF4-FFF2-40B4-BE49-F238E27FC236}">
-                <a16:creationId xmlns:a16="http://schemas.microsoft.com/office/drawing/2014/main" id="{891C7693-D3DF-4635-96F4-97F3B4136FDF}"/>
-              </a:ext>
-            </a:extLst>
-          </p:cNvPr>
-          <p:cNvSpPr>
-            <a:spLocks noGrp="1"/>
-          </p:cNvSpPr>
-          <p:nvPr>
-            <p:ph idx="1"/>
-          </p:nvPr>
-        </p:nvSpPr>
-        <p:spPr/>
-        <p:txBody>
-          <a:bodyPr/>
-          <a:lstStyle/>
-          <a:p>
-            <a:r>
-              <a:rPr lang="en-US" dirty="0">
-                <a:latin typeface="Euclid Circular B" panose="020B0504000000000000" pitchFamily="34" charset="0"/>
-                <a:ea typeface="Euclid Circular B" panose="020B0504000000000000" pitchFamily="34" charset="0"/>
-              </a:rPr>
-              <a:t>Content</a:t>
-            </a:r>
-          </a:p>
-        </p:txBody>
-      </p:sp>
-    </p:spTree>
-    <p:extLst>
-      <p:ext uri="{BB962C8B-B14F-4D97-AF65-F5344CB8AC3E}">
-        <p14:creationId xmlns:p14="http://schemas.microsoft.com/office/powerpoint/2010/main" val="3669029776"/>
-      </p:ext>
-    </p:extLst>
-  </p:cSld>
-  <p:clrMapOvr>
-    <a:masterClrMapping/>
-  </p:clrMapOvr>
-</p:sld>
-</file>
-
-<file path=ppt/slides/slide17.xml><?xml version="1.0" encoding="utf-8"?>
-<p:sld xmlns:a="http://schemas.openxmlformats.org/drawingml/2006/main" xmlns:r="http://schemas.openxmlformats.org/officeDocument/2006/relationships" xmlns:p="http://schemas.openxmlformats.org/presentationml/2006/main">
-  <p:cSld>
-    <p:bg>
-      <p:bgPr>
-        <a:blipFill dpi="0" rotWithShape="1">
-          <a:blip r:embed="rId2">
-            <a:lum/>
-          </a:blip>
-          <a:srcRect/>
-          <a:stretch>
-            <a:fillRect/>
-          </a:stretch>
-        </a:blipFill>
-        <a:effectLst/>
-      </p:bgPr>
-    </p:bg>
-    <p:spTree>
-      <p:nvGrpSpPr>
-        <p:cNvPr id="1" name=""/>
-        <p:cNvGrpSpPr/>
-        <p:nvPr/>
-      </p:nvGrpSpPr>
-      <p:grpSpPr>
-        <a:xfrm>
-          <a:off x="0" y="0"/>
-          <a:ext cx="0" cy="0"/>
-          <a:chOff x="0" y="0"/>
-          <a:chExt cx="0" cy="0"/>
-        </a:xfrm>
-      </p:grpSpPr>
-      <p:sp>
-        <p:nvSpPr>
-          <p:cNvPr id="2" name="Title 1">
-            <a:extLst>
-              <a:ext uri="{FF2B5EF4-FFF2-40B4-BE49-F238E27FC236}">
-                <a16:creationId xmlns:a16="http://schemas.microsoft.com/office/drawing/2014/main" id="{55E11F08-6CA0-48F1-AD67-97430DDA07F0}"/>
-              </a:ext>
-            </a:extLst>
-          </p:cNvPr>
-          <p:cNvSpPr>
-            <a:spLocks noGrp="1"/>
-          </p:cNvSpPr>
-          <p:nvPr>
-            <p:ph type="title"/>
-          </p:nvPr>
-        </p:nvSpPr>
-        <p:spPr/>
-        <p:txBody>
-          <a:bodyPr/>
-          <a:lstStyle/>
-          <a:p>
-            <a:r>
-              <a:rPr lang="en-US" b="1" dirty="0">
-                <a:solidFill>
-                  <a:srgbClr val="292D33"/>
-                </a:solidFill>
-                <a:latin typeface="Euclid Circular B" panose="020B0504000000000000" pitchFamily="34" charset="0"/>
-                <a:ea typeface="Euclid Circular B" panose="020B0504000000000000" pitchFamily="34" charset="0"/>
-              </a:rPr>
-              <a:t>Topic title</a:t>
-            </a:r>
-          </a:p>
-        </p:txBody>
-      </p:sp>
-      <p:sp>
-        <p:nvSpPr>
-          <p:cNvPr id="3" name="Content Placeholder 2">
-            <a:extLst>
-              <a:ext uri="{FF2B5EF4-FFF2-40B4-BE49-F238E27FC236}">
-                <a16:creationId xmlns:a16="http://schemas.microsoft.com/office/drawing/2014/main" id="{891C7693-D3DF-4635-96F4-97F3B4136FDF}"/>
-              </a:ext>
-            </a:extLst>
-          </p:cNvPr>
-          <p:cNvSpPr>
-            <a:spLocks noGrp="1"/>
-          </p:cNvSpPr>
-          <p:nvPr>
-            <p:ph idx="1"/>
-          </p:nvPr>
-        </p:nvSpPr>
-        <p:spPr/>
-        <p:txBody>
-          <a:bodyPr/>
-          <a:lstStyle/>
-          <a:p>
-            <a:r>
-              <a:rPr lang="en-US" dirty="0">
-                <a:latin typeface="Euclid Circular B" panose="020B0504000000000000" pitchFamily="34" charset="0"/>
-                <a:ea typeface="Euclid Circular B" panose="020B0504000000000000" pitchFamily="34" charset="0"/>
-              </a:rPr>
-              <a:t>Content</a:t>
-            </a:r>
-          </a:p>
-        </p:txBody>
-      </p:sp>
-    </p:spTree>
-    <p:extLst>
-      <p:ext uri="{BB962C8B-B14F-4D97-AF65-F5344CB8AC3E}">
-        <p14:creationId xmlns:p14="http://schemas.microsoft.com/office/powerpoint/2010/main" val="2511433"/>
-      </p:ext>
-    </p:extLst>
-  </p:cSld>
-  <p:clrMapOvr>
-    <a:masterClrMapping/>
-  </p:clrMapOvr>
+  <p:timing>
+    <p:tnLst>
+      <p:par>
+        <p:cTn id="1" dur="indefinite" restart="never" nodeType="tmRoot">
+          <p:childTnLst>
+            <p:seq concurrent="1" nextAc="seek">
+              <p:cTn id="2" dur="indefinite" nodeType="mainSeq">
+                <p:childTnLst>
+                  <p:par>
+                    <p:cTn id="3" fill="hold">
+                      <p:stCondLst>
+                        <p:cond delay="indefinite"/>
+                      </p:stCondLst>
+                      <p:childTnLst>
+                        <p:par>
+                          <p:cTn id="4" fill="hold">
+                            <p:stCondLst>
+                              <p:cond delay="0"/>
+                            </p:stCondLst>
+                            <p:childTnLst>
+                              <p:par>
+                                <p:cTn id="5" presetID="10" presetClass="entr" presetSubtype="0" fill="hold" nodeType="clickEffect">
+                                  <p:stCondLst>
+                                    <p:cond delay="0"/>
+                                  </p:stCondLst>
+                                  <p:childTnLst>
+                                    <p:set>
+                                      <p:cBhvr>
+                                        <p:cTn id="6" dur="1" fill="hold">
+                                          <p:stCondLst>
+                                            <p:cond delay="0"/>
+                                          </p:stCondLst>
+                                        </p:cTn>
+                                        <p:tgtEl>
+                                          <p:spTgt spid="9"/>
+                                        </p:tgtEl>
+                                        <p:attrNameLst>
+                                          <p:attrName>style.visibility</p:attrName>
+                                        </p:attrNameLst>
+                                      </p:cBhvr>
+                                      <p:to>
+                                        <p:strVal val="visible"/>
+                                      </p:to>
+                                    </p:set>
+                                    <p:animEffect transition="in" filter="fade">
+                                      <p:cBhvr>
+                                        <p:cTn id="7" dur="500"/>
+                                        <p:tgtEl>
+                                          <p:spTgt spid="9"/>
+                                        </p:tgtEl>
+                                      </p:cBhvr>
+                                    </p:animEffect>
+                                  </p:childTnLst>
+                                </p:cTn>
+                              </p:par>
+                              <p:par>
+                                <p:cTn id="8" presetID="10" presetClass="entr" presetSubtype="0" fill="hold" nodeType="withEffect">
+                                  <p:stCondLst>
+                                    <p:cond delay="0"/>
+                                  </p:stCondLst>
+                                  <p:childTnLst>
+                                    <p:set>
+                                      <p:cBhvr>
+                                        <p:cTn id="9" dur="1" fill="hold">
+                                          <p:stCondLst>
+                                            <p:cond delay="0"/>
+                                          </p:stCondLst>
+                                        </p:cTn>
+                                        <p:tgtEl>
+                                          <p:spTgt spid="12"/>
+                                        </p:tgtEl>
+                                        <p:attrNameLst>
+                                          <p:attrName>style.visibility</p:attrName>
+                                        </p:attrNameLst>
+                                      </p:cBhvr>
+                                      <p:to>
+                                        <p:strVal val="visible"/>
+                                      </p:to>
+                                    </p:set>
+                                    <p:animEffect transition="in" filter="fade">
+                                      <p:cBhvr>
+                                        <p:cTn id="10" dur="500"/>
+                                        <p:tgtEl>
+                                          <p:spTgt spid="12"/>
+                                        </p:tgtEl>
+                                      </p:cBhvr>
+                                    </p:animEffect>
+                                  </p:childTnLst>
+                                </p:cTn>
+                              </p:par>
+                              <p:par>
+                                <p:cTn id="11" presetID="10" presetClass="entr" presetSubtype="0" fill="hold" grpId="0" nodeType="withEffect">
+                                  <p:stCondLst>
+                                    <p:cond delay="0"/>
+                                  </p:stCondLst>
+                                  <p:childTnLst>
+                                    <p:set>
+                                      <p:cBhvr>
+                                        <p:cTn id="12" dur="1" fill="hold">
+                                          <p:stCondLst>
+                                            <p:cond delay="0"/>
+                                          </p:stCondLst>
+                                        </p:cTn>
+                                        <p:tgtEl>
+                                          <p:spTgt spid="13"/>
+                                        </p:tgtEl>
+                                        <p:attrNameLst>
+                                          <p:attrName>style.visibility</p:attrName>
+                                        </p:attrNameLst>
+                                      </p:cBhvr>
+                                      <p:to>
+                                        <p:strVal val="visible"/>
+                                      </p:to>
+                                    </p:set>
+                                    <p:animEffect transition="in" filter="fade">
+                                      <p:cBhvr>
+                                        <p:cTn id="13" dur="500"/>
+                                        <p:tgtEl>
+                                          <p:spTgt spid="13"/>
+                                        </p:tgtEl>
+                                      </p:cBhvr>
+                                    </p:animEffect>
+                                  </p:childTnLst>
+                                </p:cTn>
+                              </p:par>
+                            </p:childTnLst>
+                          </p:cTn>
+                        </p:par>
+                      </p:childTnLst>
+                    </p:cTn>
+                  </p:par>
+                  <p:par>
+                    <p:cTn id="14" fill="hold">
+                      <p:stCondLst>
+                        <p:cond delay="indefinite"/>
+                      </p:stCondLst>
+                      <p:childTnLst>
+                        <p:par>
+                          <p:cTn id="15" fill="hold">
+                            <p:stCondLst>
+                              <p:cond delay="0"/>
+                            </p:stCondLst>
+                            <p:childTnLst>
+                              <p:par>
+                                <p:cTn id="16" presetID="10" presetClass="entr" presetSubtype="0" fill="hold" nodeType="clickEffect">
+                                  <p:stCondLst>
+                                    <p:cond delay="0"/>
+                                  </p:stCondLst>
+                                  <p:childTnLst>
+                                    <p:set>
+                                      <p:cBhvr>
+                                        <p:cTn id="17" dur="1" fill="hold">
+                                          <p:stCondLst>
+                                            <p:cond delay="0"/>
+                                          </p:stCondLst>
+                                        </p:cTn>
+                                        <p:tgtEl>
+                                          <p:spTgt spid="1030"/>
+                                        </p:tgtEl>
+                                        <p:attrNameLst>
+                                          <p:attrName>style.visibility</p:attrName>
+                                        </p:attrNameLst>
+                                      </p:cBhvr>
+                                      <p:to>
+                                        <p:strVal val="visible"/>
+                                      </p:to>
+                                    </p:set>
+                                    <p:animEffect transition="in" filter="fade">
+                                      <p:cBhvr>
+                                        <p:cTn id="18" dur="500"/>
+                                        <p:tgtEl>
+                                          <p:spTgt spid="1030"/>
+                                        </p:tgtEl>
+                                      </p:cBhvr>
+                                    </p:animEffect>
+                                  </p:childTnLst>
+                                </p:cTn>
+                              </p:par>
+                              <p:par>
+                                <p:cTn id="19" presetID="10" presetClass="entr" presetSubtype="0" fill="hold" nodeType="withEffect">
+                                  <p:stCondLst>
+                                    <p:cond delay="0"/>
+                                  </p:stCondLst>
+                                  <p:childTnLst>
+                                    <p:set>
+                                      <p:cBhvr>
+                                        <p:cTn id="20" dur="1" fill="hold">
+                                          <p:stCondLst>
+                                            <p:cond delay="0"/>
+                                          </p:stCondLst>
+                                        </p:cTn>
+                                        <p:tgtEl>
+                                          <p:spTgt spid="1036"/>
+                                        </p:tgtEl>
+                                        <p:attrNameLst>
+                                          <p:attrName>style.visibility</p:attrName>
+                                        </p:attrNameLst>
+                                      </p:cBhvr>
+                                      <p:to>
+                                        <p:strVal val="visible"/>
+                                      </p:to>
+                                    </p:set>
+                                    <p:animEffect transition="in" filter="fade">
+                                      <p:cBhvr>
+                                        <p:cTn id="21" dur="500"/>
+                                        <p:tgtEl>
+                                          <p:spTgt spid="1036"/>
+                                        </p:tgtEl>
+                                      </p:cBhvr>
+                                    </p:animEffect>
+                                  </p:childTnLst>
+                                </p:cTn>
+                              </p:par>
+                              <p:par>
+                                <p:cTn id="22" presetID="10" presetClass="entr" presetSubtype="0" fill="hold" nodeType="withEffect">
+                                  <p:stCondLst>
+                                    <p:cond delay="0"/>
+                                  </p:stCondLst>
+                                  <p:childTnLst>
+                                    <p:set>
+                                      <p:cBhvr>
+                                        <p:cTn id="23" dur="1" fill="hold">
+                                          <p:stCondLst>
+                                            <p:cond delay="0"/>
+                                          </p:stCondLst>
+                                        </p:cTn>
+                                        <p:tgtEl>
+                                          <p:spTgt spid="11"/>
+                                        </p:tgtEl>
+                                        <p:attrNameLst>
+                                          <p:attrName>style.visibility</p:attrName>
+                                        </p:attrNameLst>
+                                      </p:cBhvr>
+                                      <p:to>
+                                        <p:strVal val="visible"/>
+                                      </p:to>
+                                    </p:set>
+                                    <p:animEffect transition="in" filter="fade">
+                                      <p:cBhvr>
+                                        <p:cTn id="24" dur="500"/>
+                                        <p:tgtEl>
+                                          <p:spTgt spid="11"/>
+                                        </p:tgtEl>
+                                      </p:cBhvr>
+                                    </p:animEffect>
+                                  </p:childTnLst>
+                                </p:cTn>
+                              </p:par>
+                            </p:childTnLst>
+                          </p:cTn>
+                        </p:par>
+                      </p:childTnLst>
+                    </p:cTn>
+                  </p:par>
+                </p:childTnLst>
+              </p:cTn>
+              <p:prevCondLst>
+                <p:cond evt="onPrev" delay="0">
+                  <p:tgtEl>
+                    <p:sldTgt/>
+                  </p:tgtEl>
+                </p:cond>
+              </p:prevCondLst>
+              <p:nextCondLst>
+                <p:cond evt="onNext" delay="0">
+                  <p:tgtEl>
+                    <p:sldTgt/>
+                  </p:tgtEl>
+                </p:cond>
+              </p:nextCondLst>
+            </p:seq>
+          </p:childTnLst>
+        </p:cTn>
+      </p:par>
+    </p:tnLst>
+    <p:bldLst>
+      <p:bldP spid="13" grpId="0"/>
+    </p:bldLst>
+  </p:timing>
 </p:sld>
 </file>
 
@@ -5359,7 +7851,7 @@
                 <a:latin typeface="Euclid Circular B" panose="020B0504000000000000" pitchFamily="34" charset="0"/>
                 <a:ea typeface="Euclid Circular B" panose="020B0504000000000000" pitchFamily="34" charset="0"/>
               </a:rPr>
-              <a:t>Revise the mobile application (React Native &amp; MAUI) functionality and UI design</a:t>
+              <a:t>Renewing the mobile applications</a:t>
             </a:r>
           </a:p>
           <a:p>
@@ -6385,11 +8877,34 @@
                 <a:latin typeface="Euclid Circular B" panose="020B0504000000000000" pitchFamily="34" charset="0"/>
                 <a:ea typeface="Euclid Circular B" panose="020B0504000000000000" pitchFamily="34" charset="0"/>
               </a:rPr>
-              <a:t>ABP v8.0 RC</a:t>
-            </a:r>
-            <a:endParaRPr lang="en-US" b="1" dirty="0">
+              <a:t>Mobile Application Improvements</a:t>
+            </a:r>
+            <a:br>
+              <a:rPr lang="tr-TR" b="1" dirty="0">
+                <a:solidFill>
+                  <a:srgbClr val="292D33"/>
+                </a:solidFill>
+                <a:latin typeface="Euclid Circular B" panose="020B0504000000000000" pitchFamily="34" charset="0"/>
+                <a:ea typeface="Euclid Circular B" panose="020B0504000000000000" pitchFamily="34" charset="0"/>
+              </a:rPr>
+            </a:br>
+            <a:r>
+              <a:rPr lang="tr-TR" sz="3600" b="1" dirty="0">
+                <a:solidFill>
+                  <a:schemeClr val="accent3">
+                    <a:lumMod val="75000"/>
+                  </a:schemeClr>
+                </a:solidFill>
+                <a:latin typeface="Euclid Circular B" panose="020B0504000000000000" pitchFamily="34" charset="0"/>
+                <a:ea typeface="Euclid Circular B" panose="020B0504000000000000" pitchFamily="34" charset="0"/>
+              </a:rPr>
+              <a:t>coming with the ABP v7.4</a:t>
+            </a:r>
+            <a:endParaRPr lang="en-US" sz="3600" b="1" dirty="0">
               <a:solidFill>
-                <a:srgbClr val="292D33"/>
+                <a:schemeClr val="accent3">
+                  <a:lumMod val="75000"/>
+                </a:schemeClr>
               </a:solidFill>
               <a:latin typeface="Euclid Circular B" panose="020B0504000000000000" pitchFamily="34" charset="0"/>
               <a:ea typeface="Euclid Circular B" panose="020B0504000000000000" pitchFamily="34" charset="0"/>
@@ -6423,21 +8938,21 @@
                 <a:latin typeface="Euclid Circular B" panose="020B0504000000000000" pitchFamily="34" charset="0"/>
                 <a:ea typeface="Euclid Circular B" panose="020B0504000000000000" pitchFamily="34" charset="0"/>
               </a:rPr>
-              <a:t>Planned Release Date: </a:t>
+              <a:t>Revised the </a:t>
             </a:r>
             <a:r>
               <a:rPr lang="tr-TR" b="1" dirty="0">
                 <a:latin typeface="Euclid Circular B" panose="020B0504000000000000" pitchFamily="34" charset="0"/>
                 <a:ea typeface="Euclid Circular B" panose="020B0504000000000000" pitchFamily="34" charset="0"/>
               </a:rPr>
-              <a:t>November 15</a:t>
+              <a:t>application functionalities</a:t>
             </a:r>
             <a:r>
               <a:rPr lang="tr-TR" dirty="0">
                 <a:latin typeface="Euclid Circular B" panose="020B0504000000000000" pitchFamily="34" charset="0"/>
                 <a:ea typeface="Euclid Circular B" panose="020B0504000000000000" pitchFamily="34" charset="0"/>
               </a:rPr>
-              <a:t>, 2023.</a:t>
+              <a:t>, like profile management, user and tenant management, authorization code flow for login</a:t>
             </a:r>
           </a:p>
           <a:p>
@@ -6446,14 +8961,46 @@
                 <a:latin typeface="Euclid Circular B" panose="020B0504000000000000" pitchFamily="34" charset="0"/>
                 <a:ea typeface="Euclid Circular B" panose="020B0504000000000000" pitchFamily="34" charset="0"/>
               </a:rPr>
-              <a:t>Based on </a:t>
+              <a:t>Renewing the </a:t>
             </a:r>
             <a:r>
               <a:rPr lang="tr-TR" b="1" dirty="0">
                 <a:latin typeface="Euclid Circular B" panose="020B0504000000000000" pitchFamily="34" charset="0"/>
                 <a:ea typeface="Euclid Circular B" panose="020B0504000000000000" pitchFamily="34" charset="0"/>
               </a:rPr>
-              <a:t>.NET 8.0</a:t>
+              <a:t>UI design</a:t>
+            </a:r>
+          </a:p>
+          <a:p>
+            <a:r>
+              <a:rPr lang="tr-TR" dirty="0">
+                <a:latin typeface="Euclid Circular B" panose="020B0504000000000000" pitchFamily="34" charset="0"/>
+                <a:ea typeface="Euclid Circular B" panose="020B0504000000000000" pitchFamily="34" charset="0"/>
+              </a:rPr>
+              <a:t>Preparing a </a:t>
+            </a:r>
+            <a:r>
+              <a:rPr lang="tr-TR" b="1" dirty="0">
+                <a:latin typeface="Euclid Circular B" panose="020B0504000000000000" pitchFamily="34" charset="0"/>
+                <a:ea typeface="Euclid Circular B" panose="020B0504000000000000" pitchFamily="34" charset="0"/>
+              </a:rPr>
+              <a:t>development tutorial</a:t>
+            </a:r>
+          </a:p>
+          <a:p>
+            <a:r>
+              <a:rPr lang="tr-TR" dirty="0">
+                <a:latin typeface="Euclid Circular B" panose="020B0504000000000000" pitchFamily="34" charset="0"/>
+                <a:ea typeface="Euclid Circular B" panose="020B0504000000000000" pitchFamily="34" charset="0"/>
+              </a:rPr>
+              <a:t>After v7.4: New mobile framework integrations? </a:t>
+            </a:r>
+            <a:r>
+              <a:rPr lang="tr-TR" b="1" dirty="0">
+                <a:latin typeface="Euclid Circular B" panose="020B0504000000000000" pitchFamily="34" charset="0"/>
+                <a:ea typeface="Euclid Circular B" panose="020B0504000000000000" pitchFamily="34" charset="0"/>
+              </a:rPr>
+              <a:t>Write your comments!</a:t>
             </a:r>
             <a:endParaRPr lang="en-US" b="1" dirty="0">
               <a:latin typeface="Euclid Circular B" panose="020B0504000000000000" pitchFamily="34" charset="0"/>
@@ -6465,13 +9012,287 @@
     </p:spTree>
     <p:extLst>
       <p:ext uri="{BB962C8B-B14F-4D97-AF65-F5344CB8AC3E}">
-        <p14:creationId xmlns:p14="http://schemas.microsoft.com/office/powerpoint/2010/main" val="4239741729"/>
+        <p14:creationId xmlns:p14="http://schemas.microsoft.com/office/powerpoint/2010/main" val="1488527465"/>
       </p:ext>
     </p:extLst>
   </p:cSld>
   <p:clrMapOvr>
     <a:masterClrMapping/>
   </p:clrMapOvr>
+  <p:timing>
+    <p:tnLst>
+      <p:par>
+        <p:cTn id="1" dur="indefinite" restart="never" nodeType="tmRoot">
+          <p:childTnLst>
+            <p:seq concurrent="1" nextAc="seek">
+              <p:cTn id="2" dur="indefinite" nodeType="mainSeq">
+                <p:childTnLst>
+                  <p:par>
+                    <p:cTn id="3" fill="hold">
+                      <p:stCondLst>
+                        <p:cond delay="indefinite"/>
+                      </p:stCondLst>
+                      <p:childTnLst>
+                        <p:par>
+                          <p:cTn id="4" fill="hold">
+                            <p:stCondLst>
+                              <p:cond delay="0"/>
+                            </p:stCondLst>
+                            <p:childTnLst>
+                              <p:par>
+                                <p:cTn id="5" presetID="10" presetClass="entr" presetSubtype="0" fill="hold" nodeType="clickEffect">
+                                  <p:stCondLst>
+                                    <p:cond delay="0"/>
+                                  </p:stCondLst>
+                                  <p:childTnLst>
+                                    <p:set>
+                                      <p:cBhvr>
+                                        <p:cTn id="6" dur="1" fill="hold">
+                                          <p:stCondLst>
+                                            <p:cond delay="0"/>
+                                          </p:stCondLst>
+                                        </p:cTn>
+                                        <p:tgtEl>
+                                          <p:spTgt spid="3">
+                                            <p:txEl>
+                                              <p:pRg st="0" end="0"/>
+                                            </p:txEl>
+                                          </p:spTgt>
+                                        </p:tgtEl>
+                                        <p:attrNameLst>
+                                          <p:attrName>style.visibility</p:attrName>
+                                        </p:attrNameLst>
+                                      </p:cBhvr>
+                                      <p:to>
+                                        <p:strVal val="visible"/>
+                                      </p:to>
+                                    </p:set>
+                                    <p:animEffect transition="in" filter="fade">
+                                      <p:cBhvr>
+                                        <p:cTn id="7" dur="500"/>
+                                        <p:tgtEl>
+                                          <p:spTgt spid="3">
+                                            <p:txEl>
+                                              <p:pRg st="0" end="0"/>
+                                            </p:txEl>
+                                          </p:spTgt>
+                                        </p:tgtEl>
+                                      </p:cBhvr>
+                                    </p:animEffect>
+                                  </p:childTnLst>
+                                </p:cTn>
+                              </p:par>
+                            </p:childTnLst>
+                          </p:cTn>
+                        </p:par>
+                      </p:childTnLst>
+                    </p:cTn>
+                  </p:par>
+                  <p:par>
+                    <p:cTn id="8" fill="hold">
+                      <p:stCondLst>
+                        <p:cond delay="indefinite"/>
+                      </p:stCondLst>
+                      <p:childTnLst>
+                        <p:par>
+                          <p:cTn id="9" fill="hold">
+                            <p:stCondLst>
+                              <p:cond delay="0"/>
+                            </p:stCondLst>
+                            <p:childTnLst>
+                              <p:par>
+                                <p:cTn id="10" presetID="10" presetClass="entr" presetSubtype="0" fill="hold" nodeType="clickEffect">
+                                  <p:stCondLst>
+                                    <p:cond delay="0"/>
+                                  </p:stCondLst>
+                                  <p:childTnLst>
+                                    <p:set>
+                                      <p:cBhvr>
+                                        <p:cTn id="11" dur="1" fill="hold">
+                                          <p:stCondLst>
+                                            <p:cond delay="0"/>
+                                          </p:stCondLst>
+                                        </p:cTn>
+                                        <p:tgtEl>
+                                          <p:spTgt spid="3">
+                                            <p:txEl>
+                                              <p:pRg st="1" end="1"/>
+                                            </p:txEl>
+                                          </p:spTgt>
+                                        </p:tgtEl>
+                                        <p:attrNameLst>
+                                          <p:attrName>style.visibility</p:attrName>
+                                        </p:attrNameLst>
+                                      </p:cBhvr>
+                                      <p:to>
+                                        <p:strVal val="visible"/>
+                                      </p:to>
+                                    </p:set>
+                                    <p:animEffect transition="in" filter="fade">
+                                      <p:cBhvr>
+                                        <p:cTn id="12" dur="500"/>
+                                        <p:tgtEl>
+                                          <p:spTgt spid="3">
+                                            <p:txEl>
+                                              <p:pRg st="1" end="1"/>
+                                            </p:txEl>
+                                          </p:spTgt>
+                                        </p:tgtEl>
+                                      </p:cBhvr>
+                                    </p:animEffect>
+                                  </p:childTnLst>
+                                </p:cTn>
+                              </p:par>
+                            </p:childTnLst>
+                          </p:cTn>
+                        </p:par>
+                      </p:childTnLst>
+                    </p:cTn>
+                  </p:par>
+                  <p:par>
+                    <p:cTn id="13" fill="hold">
+                      <p:stCondLst>
+                        <p:cond delay="indefinite"/>
+                      </p:stCondLst>
+                      <p:childTnLst>
+                        <p:par>
+                          <p:cTn id="14" fill="hold">
+                            <p:stCondLst>
+                              <p:cond delay="0"/>
+                            </p:stCondLst>
+                            <p:childTnLst>
+                              <p:par>
+                                <p:cTn id="15" presetID="10" presetClass="entr" presetSubtype="0" fill="hold" nodeType="clickEffect">
+                                  <p:stCondLst>
+                                    <p:cond delay="0"/>
+                                  </p:stCondLst>
+                                  <p:childTnLst>
+                                    <p:set>
+                                      <p:cBhvr>
+                                        <p:cTn id="16" dur="1" fill="hold">
+                                          <p:stCondLst>
+                                            <p:cond delay="0"/>
+                                          </p:stCondLst>
+                                        </p:cTn>
+                                        <p:tgtEl>
+                                          <p:spTgt spid="3">
+                                            <p:txEl>
+                                              <p:pRg st="2" end="2"/>
+                                            </p:txEl>
+                                          </p:spTgt>
+                                        </p:tgtEl>
+                                        <p:attrNameLst>
+                                          <p:attrName>style.visibility</p:attrName>
+                                        </p:attrNameLst>
+                                      </p:cBhvr>
+                                      <p:to>
+                                        <p:strVal val="visible"/>
+                                      </p:to>
+                                    </p:set>
+                                    <p:animEffect transition="in" filter="fade">
+                                      <p:cBhvr>
+                                        <p:cTn id="17" dur="500"/>
+                                        <p:tgtEl>
+                                          <p:spTgt spid="3">
+                                            <p:txEl>
+                                              <p:pRg st="2" end="2"/>
+                                            </p:txEl>
+                                          </p:spTgt>
+                                        </p:tgtEl>
+                                      </p:cBhvr>
+                                    </p:animEffect>
+                                  </p:childTnLst>
+                                </p:cTn>
+                              </p:par>
+                            </p:childTnLst>
+                          </p:cTn>
+                        </p:par>
+                      </p:childTnLst>
+                    </p:cTn>
+                  </p:par>
+                  <p:par>
+                    <p:cTn id="18" fill="hold">
+                      <p:stCondLst>
+                        <p:cond delay="indefinite"/>
+                      </p:stCondLst>
+                      <p:childTnLst>
+                        <p:par>
+                          <p:cTn id="19" fill="hold">
+                            <p:stCondLst>
+                              <p:cond delay="0"/>
+                            </p:stCondLst>
+                            <p:childTnLst>
+                              <p:par>
+                                <p:cTn id="20" presetID="10" presetClass="entr" presetSubtype="0" fill="hold" nodeType="clickEffect">
+                                  <p:stCondLst>
+                                    <p:cond delay="0"/>
+                                  </p:stCondLst>
+                                  <p:childTnLst>
+                                    <p:set>
+                                      <p:cBhvr>
+                                        <p:cTn id="21" dur="1" fill="hold">
+                                          <p:stCondLst>
+                                            <p:cond delay="0"/>
+                                          </p:stCondLst>
+                                        </p:cTn>
+                                        <p:tgtEl>
+                                          <p:spTgt spid="3">
+                                            <p:txEl>
+                                              <p:pRg st="3" end="3"/>
+                                            </p:txEl>
+                                          </p:spTgt>
+                                        </p:tgtEl>
+                                        <p:attrNameLst>
+                                          <p:attrName>style.visibility</p:attrName>
+                                        </p:attrNameLst>
+                                      </p:cBhvr>
+                                      <p:to>
+                                        <p:strVal val="visible"/>
+                                      </p:to>
+                                    </p:set>
+                                    <p:animEffect transition="in" filter="fade">
+                                      <p:cBhvr>
+                                        <p:cTn id="22" dur="500"/>
+                                        <p:tgtEl>
+                                          <p:spTgt spid="3">
+                                            <p:txEl>
+                                              <p:pRg st="3" end="3"/>
+                                            </p:txEl>
+                                          </p:spTgt>
+                                        </p:tgtEl>
+                                      </p:cBhvr>
+                                    </p:animEffect>
+                                  </p:childTnLst>
+                                </p:cTn>
+                              </p:par>
+                            </p:childTnLst>
+                          </p:cTn>
+                        </p:par>
+                      </p:childTnLst>
+                    </p:cTn>
+                  </p:par>
+                </p:childTnLst>
+              </p:cTn>
+              <p:prevCondLst>
+                <p:cond evt="onPrev" delay="0">
+                  <p:tgtEl>
+                    <p:sldTgt/>
+                  </p:tgtEl>
+                </p:cond>
+              </p:prevCondLst>
+              <p:nextCondLst>
+                <p:cond evt="onNext" delay="0">
+                  <p:tgtEl>
+                    <p:sldTgt/>
+                  </p:tgtEl>
+                </p:cond>
+              </p:nextCondLst>
+            </p:seq>
+          </p:childTnLst>
+        </p:cTn>
+      </p:par>
+    </p:tnLst>
+  </p:timing>
 </p:sld>
 </file>
 
@@ -6511,7 +9332,7 @@
           <p:cNvPr id="2" name="Title 1">
             <a:extLst>
               <a:ext uri="{FF2B5EF4-FFF2-40B4-BE49-F238E27FC236}">
-                <a16:creationId xmlns:a16="http://schemas.microsoft.com/office/drawing/2014/main" id="{9255DFBE-19DA-408D-84E6-F4043FC30BD3}"/>
+                <a16:creationId xmlns:a16="http://schemas.microsoft.com/office/drawing/2014/main" id="{55E11F08-6CA0-48F1-AD67-97430DDA07F0}"/>
               </a:ext>
             </a:extLst>
           </p:cNvPr>
@@ -6519,32 +9340,25 @@
             <a:spLocks noGrp="1"/>
           </p:cNvSpPr>
           <p:nvPr>
-            <p:ph type="ctrTitle"/>
+            <p:ph type="title"/>
           </p:nvPr>
         </p:nvSpPr>
-        <p:spPr>
-          <a:xfrm>
-            <a:off x="1524000" y="1122362"/>
-            <a:ext cx="9144000" cy="2741971"/>
-          </a:xfrm>
-        </p:spPr>
+        <p:spPr/>
         <p:txBody>
-          <a:bodyPr>
-            <a:normAutofit/>
-          </a:bodyPr>
+          <a:bodyPr/>
           <a:lstStyle/>
           <a:p>
             <a:r>
-              <a:rPr lang="tr-TR" sz="4000" dirty="0">
+              <a:rPr lang="tr-TR" b="1" dirty="0">
                 <a:solidFill>
                   <a:srgbClr val="292D33"/>
                 </a:solidFill>
                 <a:latin typeface="Euclid Circular B" panose="020B0504000000000000" pitchFamily="34" charset="0"/>
                 <a:ea typeface="Euclid Circular B" panose="020B0504000000000000" pitchFamily="34" charset="0"/>
               </a:rPr>
-              <a:t>ABP Community News</a:t>
-            </a:r>
-            <a:endParaRPr lang="en-US" sz="4000" dirty="0">
+              <a:t>ABP v8.0 RC</a:t>
+            </a:r>
+            <a:endParaRPr lang="en-US" b="1" dirty="0">
               <a:solidFill>
                 <a:srgbClr val="292D33"/>
               </a:solidFill>
@@ -6554,10 +9368,71 @@
           </a:p>
         </p:txBody>
       </p:sp>
+      <p:sp>
+        <p:nvSpPr>
+          <p:cNvPr id="3" name="Content Placeholder 2">
+            <a:extLst>
+              <a:ext uri="{FF2B5EF4-FFF2-40B4-BE49-F238E27FC236}">
+                <a16:creationId xmlns:a16="http://schemas.microsoft.com/office/drawing/2014/main" id="{891C7693-D3DF-4635-96F4-97F3B4136FDF}"/>
+              </a:ext>
+            </a:extLst>
+          </p:cNvPr>
+          <p:cNvSpPr>
+            <a:spLocks noGrp="1"/>
+          </p:cNvSpPr>
+          <p:nvPr>
+            <p:ph idx="1"/>
+          </p:nvPr>
+        </p:nvSpPr>
+        <p:spPr/>
+        <p:txBody>
+          <a:bodyPr/>
+          <a:lstStyle/>
+          <a:p>
+            <a:r>
+              <a:rPr lang="tr-TR" dirty="0">
+                <a:latin typeface="Euclid Circular B" panose="020B0504000000000000" pitchFamily="34" charset="0"/>
+                <a:ea typeface="Euclid Circular B" panose="020B0504000000000000" pitchFamily="34" charset="0"/>
+              </a:rPr>
+              <a:t>Planned Release Date: </a:t>
+            </a:r>
+            <a:r>
+              <a:rPr lang="tr-TR" b="1" dirty="0">
+                <a:latin typeface="Euclid Circular B" panose="020B0504000000000000" pitchFamily="34" charset="0"/>
+                <a:ea typeface="Euclid Circular B" panose="020B0504000000000000" pitchFamily="34" charset="0"/>
+              </a:rPr>
+              <a:t>November 15</a:t>
+            </a:r>
+            <a:r>
+              <a:rPr lang="tr-TR" dirty="0">
+                <a:latin typeface="Euclid Circular B" panose="020B0504000000000000" pitchFamily="34" charset="0"/>
+                <a:ea typeface="Euclid Circular B" panose="020B0504000000000000" pitchFamily="34" charset="0"/>
+              </a:rPr>
+              <a:t>, 2023.</a:t>
+            </a:r>
+          </a:p>
+          <a:p>
+            <a:r>
+              <a:rPr lang="tr-TR" dirty="0">
+                <a:latin typeface="Euclid Circular B" panose="020B0504000000000000" pitchFamily="34" charset="0"/>
+                <a:ea typeface="Euclid Circular B" panose="020B0504000000000000" pitchFamily="34" charset="0"/>
+              </a:rPr>
+              <a:t>Based on </a:t>
+            </a:r>
+            <a:r>
+              <a:rPr lang="tr-TR" b="1" dirty="0">
+                <a:latin typeface="Euclid Circular B" panose="020B0504000000000000" pitchFamily="34" charset="0"/>
+                <a:ea typeface="Euclid Circular B" panose="020B0504000000000000" pitchFamily="34" charset="0"/>
+              </a:rPr>
+              <a:t>.NET 8.0</a:t>
+            </a:r>
+          </a:p>
+        </p:txBody>
+      </p:sp>
     </p:spTree>
     <p:extLst>
       <p:ext uri="{BB962C8B-B14F-4D97-AF65-F5344CB8AC3E}">
-        <p14:creationId xmlns:p14="http://schemas.microsoft.com/office/powerpoint/2010/main" val="4271090635"/>
+        <p14:creationId xmlns:p14="http://schemas.microsoft.com/office/powerpoint/2010/main" val="4239741729"/>
       </p:ext>
     </p:extLst>
   </p:cSld>
@@ -6603,6 +9478,98 @@
           <p:cNvPr id="2" name="Title 1">
             <a:extLst>
               <a:ext uri="{FF2B5EF4-FFF2-40B4-BE49-F238E27FC236}">
+                <a16:creationId xmlns:a16="http://schemas.microsoft.com/office/drawing/2014/main" id="{9255DFBE-19DA-408D-84E6-F4043FC30BD3}"/>
+              </a:ext>
+            </a:extLst>
+          </p:cNvPr>
+          <p:cNvSpPr>
+            <a:spLocks noGrp="1"/>
+          </p:cNvSpPr>
+          <p:nvPr>
+            <p:ph type="ctrTitle"/>
+          </p:nvPr>
+        </p:nvSpPr>
+        <p:spPr>
+          <a:xfrm>
+            <a:off x="1524000" y="1122362"/>
+            <a:ext cx="9144000" cy="2741971"/>
+          </a:xfrm>
+        </p:spPr>
+        <p:txBody>
+          <a:bodyPr>
+            <a:normAutofit/>
+          </a:bodyPr>
+          <a:lstStyle/>
+          <a:p>
+            <a:r>
+              <a:rPr lang="tr-TR" sz="4000" dirty="0">
+                <a:solidFill>
+                  <a:srgbClr val="292D33"/>
+                </a:solidFill>
+                <a:latin typeface="Euclid Circular B" panose="020B0504000000000000" pitchFamily="34" charset="0"/>
+                <a:ea typeface="Euclid Circular B" panose="020B0504000000000000" pitchFamily="34" charset="0"/>
+              </a:rPr>
+              <a:t>ABP Community News</a:t>
+            </a:r>
+            <a:endParaRPr lang="en-US" sz="4000" dirty="0">
+              <a:solidFill>
+                <a:srgbClr val="292D33"/>
+              </a:solidFill>
+              <a:latin typeface="Euclid Circular B" panose="020B0504000000000000" pitchFamily="34" charset="0"/>
+              <a:ea typeface="Euclid Circular B" panose="020B0504000000000000" pitchFamily="34" charset="0"/>
+            </a:endParaRPr>
+          </a:p>
+        </p:txBody>
+      </p:sp>
+    </p:spTree>
+    <p:extLst>
+      <p:ext uri="{BB962C8B-B14F-4D97-AF65-F5344CB8AC3E}">
+        <p14:creationId xmlns:p14="http://schemas.microsoft.com/office/powerpoint/2010/main" val="4271090635"/>
+      </p:ext>
+    </p:extLst>
+  </p:cSld>
+  <p:clrMapOvr>
+    <a:masterClrMapping/>
+  </p:clrMapOvr>
+</p:sld>
+</file>
+
+<file path=ppt/slides/slide8.xml><?xml version="1.0" encoding="utf-8"?>
+<p:sld xmlns:a="http://schemas.openxmlformats.org/drawingml/2006/main" xmlns:r="http://schemas.openxmlformats.org/officeDocument/2006/relationships" xmlns:p="http://schemas.openxmlformats.org/presentationml/2006/main">
+  <p:cSld>
+    <p:bg>
+      <p:bgPr>
+        <a:blipFill dpi="0" rotWithShape="1">
+          <a:blip r:embed="rId2">
+            <a:lum/>
+          </a:blip>
+          <a:srcRect/>
+          <a:stretch>
+            <a:fillRect/>
+          </a:stretch>
+        </a:blipFill>
+        <a:effectLst/>
+      </p:bgPr>
+    </p:bg>
+    <p:spTree>
+      <p:nvGrpSpPr>
+        <p:cNvPr id="1" name=""/>
+        <p:cNvGrpSpPr/>
+        <p:nvPr/>
+      </p:nvGrpSpPr>
+      <p:grpSpPr>
+        <a:xfrm>
+          <a:off x="0" y="0"/>
+          <a:ext cx="0" cy="0"/>
+          <a:chOff x="0" y="0"/>
+          <a:chExt cx="0" cy="0"/>
+        </a:xfrm>
+      </p:grpSpPr>
+      <p:sp>
+        <p:nvSpPr>
+          <p:cNvPr id="2" name="Title 1">
+            <a:extLst>
+              <a:ext uri="{FF2B5EF4-FFF2-40B4-BE49-F238E27FC236}">
                 <a16:creationId xmlns:a16="http://schemas.microsoft.com/office/drawing/2014/main" id="{55E11F08-6CA0-48F1-AD67-97430DDA07F0}"/>
               </a:ext>
             </a:extLst>
@@ -6760,7 +9727,7 @@
 </p:sld>
 </file>
 
-<file path=ppt/slides/slide8.xml><?xml version="1.0" encoding="utf-8"?>
+<file path=ppt/slides/slide9.xml><?xml version="1.0" encoding="utf-8"?>
 <p:sld xmlns:a="http://schemas.openxmlformats.org/drawingml/2006/main" xmlns:r="http://schemas.openxmlformats.org/officeDocument/2006/relationships" xmlns:p="http://schemas.openxmlformats.org/presentationml/2006/main">
   <p:cSld>
     <p:bg>
@@ -7208,368 +10175,6 @@
         </p:cTn>
       </p:par>
     </p:tnLst>
-  </p:timing>
-</p:sld>
-</file>
-
-<file path=ppt/slides/slide9.xml><?xml version="1.0" encoding="utf-8"?>
-<p:sld xmlns:a="http://schemas.openxmlformats.org/drawingml/2006/main" xmlns:r="http://schemas.openxmlformats.org/officeDocument/2006/relationships" xmlns:p="http://schemas.openxmlformats.org/presentationml/2006/main">
-  <p:cSld>
-    <p:bg>
-      <p:bgPr>
-        <a:blipFill dpi="0" rotWithShape="1">
-          <a:blip r:embed="rId2">
-            <a:lum/>
-          </a:blip>
-          <a:srcRect/>
-          <a:stretch>
-            <a:fillRect/>
-          </a:stretch>
-        </a:blipFill>
-        <a:effectLst/>
-      </p:bgPr>
-    </p:bg>
-    <p:spTree>
-      <p:nvGrpSpPr>
-        <p:cNvPr id="1" name=""/>
-        <p:cNvGrpSpPr/>
-        <p:nvPr/>
-      </p:nvGrpSpPr>
-      <p:grpSpPr>
-        <a:xfrm>
-          <a:off x="0" y="0"/>
-          <a:ext cx="0" cy="0"/>
-          <a:chOff x="0" y="0"/>
-          <a:chExt cx="0" cy="0"/>
-        </a:xfrm>
-      </p:grpSpPr>
-      <p:sp>
-        <p:nvSpPr>
-          <p:cNvPr id="2" name="Title 1">
-            <a:extLst>
-              <a:ext uri="{FF2B5EF4-FFF2-40B4-BE49-F238E27FC236}">
-                <a16:creationId xmlns:a16="http://schemas.microsoft.com/office/drawing/2014/main" id="{55E11F08-6CA0-48F1-AD67-97430DDA07F0}"/>
-              </a:ext>
-            </a:extLst>
-          </p:cNvPr>
-          <p:cNvSpPr>
-            <a:spLocks noGrp="1"/>
-          </p:cNvSpPr>
-          <p:nvPr>
-            <p:ph type="title"/>
-          </p:nvPr>
-        </p:nvSpPr>
-        <p:spPr/>
-        <p:txBody>
-          <a:bodyPr/>
-          <a:lstStyle/>
-          <a:p>
-            <a:r>
-              <a:rPr lang="tr-TR" b="1" dirty="0">
-                <a:solidFill>
-                  <a:srgbClr val="292D33"/>
-                </a:solidFill>
-                <a:latin typeface="Euclid Circular B" panose="020B0504000000000000" pitchFamily="34" charset="0"/>
-                <a:ea typeface="Euclid Circular B" panose="020B0504000000000000" pitchFamily="34" charset="0"/>
-              </a:rPr>
-              <a:t>ABP Community Stats</a:t>
-            </a:r>
-            <a:endParaRPr lang="en-US" b="1" dirty="0">
-              <a:solidFill>
-                <a:srgbClr val="292D33"/>
-              </a:solidFill>
-              <a:latin typeface="Euclid Circular B" panose="020B0504000000000000" pitchFamily="34" charset="0"/>
-              <a:ea typeface="Euclid Circular B" panose="020B0504000000000000" pitchFamily="34" charset="0"/>
-            </a:endParaRPr>
-          </a:p>
-        </p:txBody>
-      </p:sp>
-      <p:sp>
-        <p:nvSpPr>
-          <p:cNvPr id="3" name="Content Placeholder 2">
-            <a:extLst>
-              <a:ext uri="{FF2B5EF4-FFF2-40B4-BE49-F238E27FC236}">
-                <a16:creationId xmlns:a16="http://schemas.microsoft.com/office/drawing/2014/main" id="{891C7693-D3DF-4635-96F4-97F3B4136FDF}"/>
-              </a:ext>
-            </a:extLst>
-          </p:cNvPr>
-          <p:cNvSpPr>
-            <a:spLocks noGrp="1"/>
-          </p:cNvSpPr>
-          <p:nvPr>
-            <p:ph idx="1"/>
-          </p:nvPr>
-        </p:nvSpPr>
-        <p:spPr>
-          <a:xfrm>
-            <a:off x="838200" y="1825625"/>
-            <a:ext cx="3256722" cy="4351338"/>
-          </a:xfrm>
-        </p:spPr>
-        <p:txBody>
-          <a:bodyPr>
-            <a:normAutofit/>
-          </a:bodyPr>
-          <a:lstStyle/>
-          <a:p>
-            <a:r>
-              <a:rPr lang="tr-TR" sz="2400" b="1" dirty="0">
-                <a:latin typeface="Euclid Circular B" panose="020B0504000000000000" pitchFamily="34" charset="0"/>
-                <a:ea typeface="Euclid Circular B" panose="020B0504000000000000" pitchFamily="34" charset="0"/>
-              </a:rPr>
-              <a:t>163 </a:t>
-            </a:r>
-            <a:r>
-              <a:rPr lang="tr-TR" sz="2400" dirty="0">
-                <a:latin typeface="Euclid Circular B" panose="020B0504000000000000" pitchFamily="34" charset="0"/>
-                <a:ea typeface="Euclid Circular B" panose="020B0504000000000000" pitchFamily="34" charset="0"/>
-              </a:rPr>
-              <a:t>Text Articles</a:t>
-            </a:r>
-          </a:p>
-          <a:p>
-            <a:r>
-              <a:rPr lang="tr-TR" sz="2400" b="1" dirty="0">
-                <a:latin typeface="Euclid Circular B" panose="020B0504000000000000" pitchFamily="34" charset="0"/>
-                <a:ea typeface="Euclid Circular B" panose="020B0504000000000000" pitchFamily="34" charset="0"/>
-              </a:rPr>
-              <a:t>96 </a:t>
-            </a:r>
-            <a:r>
-              <a:rPr lang="tr-TR" sz="2400" dirty="0">
-                <a:latin typeface="Euclid Circular B" panose="020B0504000000000000" pitchFamily="34" charset="0"/>
-                <a:ea typeface="Euclid Circular B" panose="020B0504000000000000" pitchFamily="34" charset="0"/>
-              </a:rPr>
-              <a:t>Video Posts</a:t>
-            </a:r>
-          </a:p>
-          <a:p>
-            <a:r>
-              <a:rPr lang="tr-TR" sz="2400" dirty="0">
-                <a:latin typeface="Euclid Circular B" panose="020B0504000000000000" pitchFamily="34" charset="0"/>
-                <a:ea typeface="Euclid Circular B" panose="020B0504000000000000" pitchFamily="34" charset="0"/>
-              </a:rPr>
-              <a:t>By </a:t>
-            </a:r>
-            <a:r>
-              <a:rPr lang="tr-TR" sz="2400" b="1" dirty="0">
-                <a:latin typeface="Euclid Circular B" panose="020B0504000000000000" pitchFamily="34" charset="0"/>
-                <a:ea typeface="Euclid Circular B" panose="020B0504000000000000" pitchFamily="34" charset="0"/>
-              </a:rPr>
-              <a:t>XXX</a:t>
-            </a:r>
-            <a:r>
-              <a:rPr lang="tr-TR" sz="2400" dirty="0">
-                <a:latin typeface="Euclid Circular B" panose="020B0504000000000000" pitchFamily="34" charset="0"/>
-                <a:ea typeface="Euclid Circular B" panose="020B0504000000000000" pitchFamily="34" charset="0"/>
-              </a:rPr>
-              <a:t> Authors</a:t>
-            </a:r>
-          </a:p>
-        </p:txBody>
-      </p:sp>
-      <p:sp>
-        <p:nvSpPr>
-          <p:cNvPr id="7" name="TextBox 6">
-            <a:extLst>
-              <a:ext uri="{FF2B5EF4-FFF2-40B4-BE49-F238E27FC236}">
-                <a16:creationId xmlns:a16="http://schemas.microsoft.com/office/drawing/2014/main" id="{F06AA427-71C1-DF20-48F9-7E857E95CF05}"/>
-              </a:ext>
-            </a:extLst>
-          </p:cNvPr>
-          <p:cNvSpPr txBox="1"/>
-          <p:nvPr/>
-        </p:nvSpPr>
-        <p:spPr>
-          <a:xfrm>
-            <a:off x="4282316" y="1690688"/>
-            <a:ext cx="7629525" cy="523220"/>
-          </a:xfrm>
-          <a:prstGeom prst="rect">
-            <a:avLst/>
-          </a:prstGeom>
-          <a:noFill/>
-        </p:spPr>
-        <p:txBody>
-          <a:bodyPr wrap="square">
-            <a:spAutoFit/>
-          </a:bodyPr>
-          <a:lstStyle/>
-          <a:p>
-            <a:r>
-              <a:rPr lang="en-US" sz="2800" b="1" dirty="0">
-                <a:hlinkClick r:id="rId3"/>
-              </a:rPr>
-              <a:t>https://community.abp.io/posts/submit</a:t>
-            </a:r>
-            <a:r>
-              <a:rPr lang="tr-TR" sz="2800" b="1" dirty="0"/>
-              <a:t> </a:t>
-            </a:r>
-            <a:endParaRPr lang="en-US" sz="2800" b="1" dirty="0"/>
-          </a:p>
-        </p:txBody>
-      </p:sp>
-      <p:pic>
-        <p:nvPicPr>
-          <p:cNvPr id="9" name="Picture 8">
-            <a:extLst>
-              <a:ext uri="{FF2B5EF4-FFF2-40B4-BE49-F238E27FC236}">
-                <a16:creationId xmlns:a16="http://schemas.microsoft.com/office/drawing/2014/main" id="{53B021E3-E761-18AF-27F5-7F13A2FD7441}"/>
-              </a:ext>
-            </a:extLst>
-          </p:cNvPr>
-          <p:cNvPicPr>
-            <a:picLocks noChangeAspect="1"/>
-          </p:cNvPicPr>
-          <p:nvPr/>
-        </p:nvPicPr>
-        <p:blipFill>
-          <a:blip r:embed="rId4"/>
-          <a:stretch>
-            <a:fillRect/>
-          </a:stretch>
-        </p:blipFill>
-        <p:spPr>
-          <a:xfrm>
-            <a:off x="4282315" y="2269705"/>
-            <a:ext cx="7629525" cy="2914650"/>
-          </a:xfrm>
-          <a:prstGeom prst="rect">
-            <a:avLst/>
-          </a:prstGeom>
-        </p:spPr>
-      </p:pic>
-    </p:spTree>
-    <p:extLst>
-      <p:ext uri="{BB962C8B-B14F-4D97-AF65-F5344CB8AC3E}">
-        <p14:creationId xmlns:p14="http://schemas.microsoft.com/office/powerpoint/2010/main" val="2310139583"/>
-      </p:ext>
-    </p:extLst>
-  </p:cSld>
-  <p:clrMapOvr>
-    <a:masterClrMapping/>
-  </p:clrMapOvr>
-  <p:timing>
-    <p:tnLst>
-      <p:par>
-        <p:cTn id="1" dur="indefinite" restart="never" nodeType="tmRoot">
-          <p:childTnLst>
-            <p:seq concurrent="1" nextAc="seek">
-              <p:cTn id="2" dur="indefinite" nodeType="mainSeq">
-                <p:childTnLst>
-                  <p:par>
-                    <p:cTn id="3" fill="hold">
-                      <p:stCondLst>
-                        <p:cond delay="indefinite"/>
-                      </p:stCondLst>
-                      <p:childTnLst>
-                        <p:par>
-                          <p:cTn id="4" fill="hold">
-                            <p:stCondLst>
-                              <p:cond delay="0"/>
-                            </p:stCondLst>
-                            <p:childTnLst>
-                              <p:par>
-                                <p:cTn id="5" presetID="10" presetClass="entr" presetSubtype="0" fill="hold" grpId="0" nodeType="clickEffect">
-                                  <p:stCondLst>
-                                    <p:cond delay="0"/>
-                                  </p:stCondLst>
-                                  <p:childTnLst>
-                                    <p:set>
-                                      <p:cBhvr>
-                                        <p:cTn id="6" dur="1" fill="hold">
-                                          <p:stCondLst>
-                                            <p:cond delay="0"/>
-                                          </p:stCondLst>
-                                        </p:cTn>
-                                        <p:tgtEl>
-                                          <p:spTgt spid="7"/>
-                                        </p:tgtEl>
-                                        <p:attrNameLst>
-                                          <p:attrName>style.visibility</p:attrName>
-                                        </p:attrNameLst>
-                                      </p:cBhvr>
-                                      <p:to>
-                                        <p:strVal val="visible"/>
-                                      </p:to>
-                                    </p:set>
-                                    <p:animEffect transition="in" filter="fade">
-                                      <p:cBhvr>
-                                        <p:cTn id="7" dur="500"/>
-                                        <p:tgtEl>
-                                          <p:spTgt spid="7"/>
-                                        </p:tgtEl>
-                                      </p:cBhvr>
-                                    </p:animEffect>
-                                  </p:childTnLst>
-                                </p:cTn>
-                              </p:par>
-                              <p:par>
-                                <p:cTn id="8" presetID="10" presetClass="entr" presetSubtype="0" fill="hold" nodeType="withEffect">
-                                  <p:stCondLst>
-                                    <p:cond delay="0"/>
-                                  </p:stCondLst>
-                                  <p:childTnLst>
-                                    <p:set>
-                                      <p:cBhvr>
-                                        <p:cTn id="9" dur="1" fill="hold">
-                                          <p:stCondLst>
-                                            <p:cond delay="0"/>
-                                          </p:stCondLst>
-                                        </p:cTn>
-                                        <p:tgtEl>
-                                          <p:spTgt spid="9"/>
-                                        </p:tgtEl>
-                                        <p:attrNameLst>
-                                          <p:attrName>style.visibility</p:attrName>
-                                        </p:attrNameLst>
-                                      </p:cBhvr>
-                                      <p:to>
-                                        <p:strVal val="visible"/>
-                                      </p:to>
-                                    </p:set>
-                                    <p:animEffect transition="in" filter="fade">
-                                      <p:cBhvr>
-                                        <p:cTn id="10" dur="500"/>
-                                        <p:tgtEl>
-                                          <p:spTgt spid="9"/>
-                                        </p:tgtEl>
-                                      </p:cBhvr>
-                                    </p:animEffect>
-                                  </p:childTnLst>
-                                </p:cTn>
-                              </p:par>
-                            </p:childTnLst>
-                          </p:cTn>
-                        </p:par>
-                      </p:childTnLst>
-                    </p:cTn>
-                  </p:par>
-                </p:childTnLst>
-              </p:cTn>
-              <p:prevCondLst>
-                <p:cond evt="onPrev" delay="0">
-                  <p:tgtEl>
-                    <p:sldTgt/>
-                  </p:tgtEl>
-                </p:cond>
-              </p:prevCondLst>
-              <p:nextCondLst>
-                <p:cond evt="onNext" delay="0">
-                  <p:tgtEl>
-                    <p:sldTgt/>
-                  </p:tgtEl>
-                </p:cond>
-              </p:nextCondLst>
-            </p:seq>
-          </p:childTnLst>
-        </p:cTn>
-      </p:par>
-    </p:tnLst>
-    <p:bldLst>
-      <p:bldP spid="7" grpId="0"/>
-    </p:bldLst>
   </p:timing>
 </p:sld>
 </file>

--- a/2023-07-27 ABP Community Talks 2023.5/ABP Mobile Options.pptx
+++ b/2023-07-27 ABP Community Talks 2023.5/ABP Mobile Options.pptx
@@ -273,7 +273,7 @@
           <a:p>
             <a:fld id="{2A14C9FE-EBC3-45D3-899C-58AAF4F8AF71}" type="datetimeFigureOut">
               <a:rPr lang="en-US" smtClean="0"/>
-              <a:t>7/16/2023</a:t>
+              <a:t>7/17/2023</a:t>
             </a:fld>
             <a:endParaRPr lang="en-US"/>
           </a:p>
@@ -471,7 +471,7 @@
           <a:p>
             <a:fld id="{2A14C9FE-EBC3-45D3-899C-58AAF4F8AF71}" type="datetimeFigureOut">
               <a:rPr lang="en-US" smtClean="0"/>
-              <a:t>7/16/2023</a:t>
+              <a:t>7/17/2023</a:t>
             </a:fld>
             <a:endParaRPr lang="en-US"/>
           </a:p>
@@ -679,7 +679,7 @@
           <a:p>
             <a:fld id="{2A14C9FE-EBC3-45D3-899C-58AAF4F8AF71}" type="datetimeFigureOut">
               <a:rPr lang="en-US" smtClean="0"/>
-              <a:t>7/16/2023</a:t>
+              <a:t>7/17/2023</a:t>
             </a:fld>
             <a:endParaRPr lang="en-US"/>
           </a:p>
@@ -877,7 +877,7 @@
           <a:p>
             <a:fld id="{2A14C9FE-EBC3-45D3-899C-58AAF4F8AF71}" type="datetimeFigureOut">
               <a:rPr lang="en-US" smtClean="0"/>
-              <a:t>7/16/2023</a:t>
+              <a:t>7/17/2023</a:t>
             </a:fld>
             <a:endParaRPr lang="en-US"/>
           </a:p>
@@ -1152,7 +1152,7 @@
           <a:p>
             <a:fld id="{2A14C9FE-EBC3-45D3-899C-58AAF4F8AF71}" type="datetimeFigureOut">
               <a:rPr lang="en-US" smtClean="0"/>
-              <a:t>7/16/2023</a:t>
+              <a:t>7/17/2023</a:t>
             </a:fld>
             <a:endParaRPr lang="en-US"/>
           </a:p>
@@ -1417,7 +1417,7 @@
           <a:p>
             <a:fld id="{2A14C9FE-EBC3-45D3-899C-58AAF4F8AF71}" type="datetimeFigureOut">
               <a:rPr lang="en-US" smtClean="0"/>
-              <a:t>7/16/2023</a:t>
+              <a:t>7/17/2023</a:t>
             </a:fld>
             <a:endParaRPr lang="en-US"/>
           </a:p>
@@ -1829,7 +1829,7 @@
           <a:p>
             <a:fld id="{2A14C9FE-EBC3-45D3-899C-58AAF4F8AF71}" type="datetimeFigureOut">
               <a:rPr lang="en-US" smtClean="0"/>
-              <a:t>7/16/2023</a:t>
+              <a:t>7/17/2023</a:t>
             </a:fld>
             <a:endParaRPr lang="en-US"/>
           </a:p>
@@ -1970,7 +1970,7 @@
           <a:p>
             <a:fld id="{2A14C9FE-EBC3-45D3-899C-58AAF4F8AF71}" type="datetimeFigureOut">
               <a:rPr lang="en-US" smtClean="0"/>
-              <a:t>7/16/2023</a:t>
+              <a:t>7/17/2023</a:t>
             </a:fld>
             <a:endParaRPr lang="en-US"/>
           </a:p>
@@ -2083,7 +2083,7 @@
           <a:p>
             <a:fld id="{2A14C9FE-EBC3-45D3-899C-58AAF4F8AF71}" type="datetimeFigureOut">
               <a:rPr lang="en-US" smtClean="0"/>
-              <a:t>7/16/2023</a:t>
+              <a:t>7/17/2023</a:t>
             </a:fld>
             <a:endParaRPr lang="en-US"/>
           </a:p>
@@ -2394,7 +2394,7 @@
           <a:p>
             <a:fld id="{2A14C9FE-EBC3-45D3-899C-58AAF4F8AF71}" type="datetimeFigureOut">
               <a:rPr lang="en-US" smtClean="0"/>
-              <a:t>7/16/2023</a:t>
+              <a:t>7/17/2023</a:t>
             </a:fld>
             <a:endParaRPr lang="en-US"/>
           </a:p>
@@ -2682,7 +2682,7 @@
           <a:p>
             <a:fld id="{2A14C9FE-EBC3-45D3-899C-58AAF4F8AF71}" type="datetimeFigureOut">
               <a:rPr lang="en-US" smtClean="0"/>
-              <a:t>7/16/2023</a:t>
+              <a:t>7/17/2023</a:t>
             </a:fld>
             <a:endParaRPr lang="en-US"/>
           </a:p>
@@ -2923,7 +2923,7 @@
           <a:p>
             <a:fld id="{2A14C9FE-EBC3-45D3-899C-58AAF4F8AF71}" type="datetimeFigureOut">
               <a:rPr lang="en-US" smtClean="0"/>
-              <a:t>7/16/2023</a:t>
+              <a:t>7/17/2023</a:t>
             </a:fld>
             <a:endParaRPr lang="en-US"/>
           </a:p>
@@ -3539,7 +3539,21 @@
                 <a:latin typeface="Euclid Circular B" panose="020B0504000000000000" pitchFamily="34" charset="0"/>
                 <a:ea typeface="Euclid Circular B" panose="020B0504000000000000" pitchFamily="34" charset="0"/>
               </a:rPr>
-              <a:t>163 </a:t>
+              <a:t>16</a:t>
+            </a:r>
+            <a:r>
+              <a:rPr lang="en-US" sz="2400" b="1" dirty="0">
+                <a:latin typeface="Euclid Circular B" panose="020B0504000000000000" pitchFamily="34" charset="0"/>
+                <a:ea typeface="Euclid Circular B" panose="020B0504000000000000" pitchFamily="34" charset="0"/>
+              </a:rPr>
+              <a:t>5</a:t>
+            </a:r>
+            <a:r>
+              <a:rPr lang="tr-TR" sz="2400" b="1" dirty="0">
+                <a:latin typeface="Euclid Circular B" panose="020B0504000000000000" pitchFamily="34" charset="0"/>
+                <a:ea typeface="Euclid Circular B" panose="020B0504000000000000" pitchFamily="34" charset="0"/>
+              </a:rPr>
+              <a:t> </a:t>
             </a:r>
             <a:r>
               <a:rPr lang="tr-TR" sz="2400" dirty="0">
@@ -3555,7 +3569,21 @@
                 <a:latin typeface="Euclid Circular B" panose="020B0504000000000000" pitchFamily="34" charset="0"/>
                 <a:ea typeface="Euclid Circular B" panose="020B0504000000000000" pitchFamily="34" charset="0"/>
               </a:rPr>
-              <a:t>96 </a:t>
+              <a:t>9</a:t>
+            </a:r>
+            <a:r>
+              <a:rPr lang="en-US" sz="2400" b="1" dirty="0">
+                <a:latin typeface="Euclid Circular B" panose="020B0504000000000000" pitchFamily="34" charset="0"/>
+                <a:ea typeface="Euclid Circular B" panose="020B0504000000000000" pitchFamily="34" charset="0"/>
+              </a:rPr>
+              <a:t>8</a:t>
+            </a:r>
+            <a:r>
+              <a:rPr lang="tr-TR" sz="2400" b="1" dirty="0">
+                <a:latin typeface="Euclid Circular B" panose="020B0504000000000000" pitchFamily="34" charset="0"/>
+                <a:ea typeface="Euclid Circular B" panose="020B0504000000000000" pitchFamily="34" charset="0"/>
+              </a:rPr>
+              <a:t> </a:t>
             </a:r>
             <a:r>
               <a:rPr lang="tr-TR" sz="2400" dirty="0">
@@ -3567,18 +3595,25 @@
           </a:p>
           <a:p>
             <a:r>
+              <a:rPr lang="tr-TR" sz="2400" dirty="0" err="1">
+                <a:latin typeface="Euclid Circular B" panose="020B0504000000000000" pitchFamily="34" charset="0"/>
+                <a:ea typeface="Euclid Circular B" panose="020B0504000000000000" pitchFamily="34" charset="0"/>
+              </a:rPr>
+              <a:t>By</a:t>
+            </a:r>
+            <a:r>
               <a:rPr lang="tr-TR" sz="2400" dirty="0">
                 <a:latin typeface="Euclid Circular B" panose="020B0504000000000000" pitchFamily="34" charset="0"/>
                 <a:ea typeface="Euclid Circular B" panose="020B0504000000000000" pitchFamily="34" charset="0"/>
               </a:rPr>
-              <a:t>By </a:t>
-            </a:r>
-            <a:r>
-              <a:rPr lang="tr-TR" sz="2400" b="1" dirty="0">
-                <a:latin typeface="Euclid Circular B" panose="020B0504000000000000" pitchFamily="34" charset="0"/>
-                <a:ea typeface="Euclid Circular B" panose="020B0504000000000000" pitchFamily="34" charset="0"/>
-              </a:rPr>
-              <a:t>XXX</a:t>
+              <a:t> </a:t>
+            </a:r>
+            <a:r>
+              <a:rPr lang="en-US" sz="2400" b="1" dirty="0">
+                <a:latin typeface="Euclid Circular B" panose="020B0504000000000000" pitchFamily="34" charset="0"/>
+                <a:ea typeface="Euclid Circular B" panose="020B0504000000000000" pitchFamily="34" charset="0"/>
+              </a:rPr>
+              <a:t>51</a:t>
             </a:r>
             <a:r>
               <a:rPr lang="tr-TR" sz="2400" dirty="0">
@@ -3662,6 +3697,71 @@
           </a:prstGeom>
         </p:spPr>
       </p:pic>
+      <p:pic>
+        <p:nvPicPr>
+          <p:cNvPr id="6" name="Picture 5">
+            <a:extLst>
+              <a:ext uri="{FF2B5EF4-FFF2-40B4-BE49-F238E27FC236}">
+                <a16:creationId xmlns:a16="http://schemas.microsoft.com/office/drawing/2014/main" id="{81E16A9D-12CC-1AD8-2409-98485D955884}"/>
+              </a:ext>
+            </a:extLst>
+          </p:cNvPr>
+          <p:cNvPicPr>
+            <a:picLocks noChangeAspect="1"/>
+          </p:cNvPicPr>
+          <p:nvPr/>
+        </p:nvPicPr>
+        <p:blipFill>
+          <a:blip r:embed="rId5"/>
+          <a:stretch>
+            <a:fillRect/>
+          </a:stretch>
+        </p:blipFill>
+        <p:spPr>
+          <a:xfrm>
+            <a:off x="1165724" y="3460845"/>
+            <a:ext cx="2547086" cy="6858000"/>
+          </a:xfrm>
+          <a:prstGeom prst="rect">
+            <a:avLst/>
+          </a:prstGeom>
+        </p:spPr>
+      </p:pic>
+      <p:sp>
+        <p:nvSpPr>
+          <p:cNvPr id="8" name="TextBox 7">
+            <a:extLst>
+              <a:ext uri="{FF2B5EF4-FFF2-40B4-BE49-F238E27FC236}">
+                <a16:creationId xmlns:a16="http://schemas.microsoft.com/office/drawing/2014/main" id="{52D6F299-8C83-EC6F-CFB2-8F5BC4DDBE12}"/>
+              </a:ext>
+            </a:extLst>
+          </p:cNvPr>
+          <p:cNvSpPr txBox="1"/>
+          <p:nvPr/>
+        </p:nvSpPr>
+        <p:spPr>
+          <a:xfrm>
+            <a:off x="1082244" y="3141242"/>
+            <a:ext cx="1402628" cy="369332"/>
+          </a:xfrm>
+          <a:prstGeom prst="rect">
+            <a:avLst/>
+          </a:prstGeom>
+          <a:noFill/>
+        </p:spPr>
+        <p:txBody>
+          <a:bodyPr wrap="none" rtlCol="0">
+            <a:spAutoFit/>
+          </a:bodyPr>
+          <a:lstStyle/>
+          <a:p>
+            <a:r>
+              <a:rPr lang="en-US" b="1" u="sng" dirty="0"/>
+              <a:t>Top Authors:</a:t>
+            </a:r>
+          </a:p>
+        </p:txBody>
+      </p:sp>
     </p:spTree>
     <p:extLst>
       <p:ext uri="{BB962C8B-B14F-4D97-AF65-F5344CB8AC3E}">
@@ -3693,7 +3793,7 @@
                             </p:stCondLst>
                             <p:childTnLst>
                               <p:par>
-                                <p:cTn id="5" presetID="10" presetClass="entr" presetSubtype="0" fill="hold" grpId="0" nodeType="clickEffect">
+                                <p:cTn id="5" presetID="10" presetClass="entr" presetSubtype="0" fill="hold" nodeType="clickEffect">
                                   <p:stCondLst>
                                     <p:cond delay="0"/>
                                   </p:stCondLst>
@@ -3706,7 +3806,7 @@
                                           </p:stCondLst>
                                         </p:cTn>
                                         <p:tgtEl>
-                                          <p:spTgt spid="7"/>
+                                          <p:spTgt spid="6"/>
                                         </p:tgtEl>
                                         <p:attrNameLst>
                                           <p:attrName>style.visibility</p:attrName>
@@ -3720,7 +3820,7 @@
                                       <p:cBhvr>
                                         <p:cTn id="7" dur="500"/>
                                         <p:tgtEl>
-                                          <p:spTgt spid="7"/>
+                                          <p:spTgt spid="6"/>
                                         </p:tgtEl>
                                       </p:cBhvr>
                                     </p:animEffect>
@@ -3728,7 +3828,7 @@
                                 </p:cTn>
                               </p:par>
                               <p:par>
-                                <p:cTn id="8" presetID="10" presetClass="entr" presetSubtype="0" fill="hold" nodeType="withEffect">
+                                <p:cTn id="8" presetID="10" presetClass="entr" presetSubtype="0" fill="hold" grpId="0" nodeType="withEffect">
                                   <p:stCondLst>
                                     <p:cond delay="0"/>
                                   </p:stCondLst>
@@ -3741,7 +3841,7 @@
                                           </p:stCondLst>
                                         </p:cTn>
                                         <p:tgtEl>
-                                          <p:spTgt spid="9"/>
+                                          <p:spTgt spid="8"/>
                                         </p:tgtEl>
                                         <p:attrNameLst>
                                           <p:attrName>style.visibility</p:attrName>
@@ -3754,6 +3854,94 @@
                                     <p:animEffect transition="in" filter="fade">
                                       <p:cBhvr>
                                         <p:cTn id="10" dur="500"/>
+                                        <p:tgtEl>
+                                          <p:spTgt spid="8"/>
+                                        </p:tgtEl>
+                                      </p:cBhvr>
+                                    </p:animEffect>
+                                  </p:childTnLst>
+                                </p:cTn>
+                              </p:par>
+                            </p:childTnLst>
+                          </p:cTn>
+                        </p:par>
+                      </p:childTnLst>
+                    </p:cTn>
+                  </p:par>
+                  <p:par>
+                    <p:cTn id="11" fill="hold">
+                      <p:stCondLst>
+                        <p:cond delay="indefinite"/>
+                      </p:stCondLst>
+                      <p:childTnLst>
+                        <p:par>
+                          <p:cTn id="12" fill="hold">
+                            <p:stCondLst>
+                              <p:cond delay="0"/>
+                            </p:stCondLst>
+                            <p:childTnLst>
+                              <p:par>
+                                <p:cTn id="13" presetID="10" presetClass="entr" presetSubtype="0" fill="hold" grpId="0" nodeType="clickEffect">
+                                  <p:stCondLst>
+                                    <p:cond delay="0"/>
+                                  </p:stCondLst>
+                                  <p:childTnLst>
+                                    <p:set>
+                                      <p:cBhvr>
+                                        <p:cTn id="14" dur="1" fill="hold">
+                                          <p:stCondLst>
+                                            <p:cond delay="0"/>
+                                          </p:stCondLst>
+                                        </p:cTn>
+                                        <p:tgtEl>
+                                          <p:spTgt spid="7"/>
+                                        </p:tgtEl>
+                                        <p:attrNameLst>
+                                          <p:attrName>style.visibility</p:attrName>
+                                        </p:attrNameLst>
+                                      </p:cBhvr>
+                                      <p:to>
+                                        <p:strVal val="visible"/>
+                                      </p:to>
+                                    </p:set>
+                                    <p:animEffect transition="in" filter="fade">
+                                      <p:cBhvr>
+                                        <p:cTn id="15" dur="500"/>
+                                        <p:tgtEl>
+                                          <p:spTgt spid="7"/>
+                                        </p:tgtEl>
+                                      </p:cBhvr>
+                                    </p:animEffect>
+                                  </p:childTnLst>
+                                </p:cTn>
+                              </p:par>
+                              <p:par>
+                                <p:cTn id="16" presetID="10" presetClass="entr" presetSubtype="0" fill="hold" nodeType="withEffect">
+                                  <p:stCondLst>
+                                    <p:cond delay="0"/>
+                                  </p:stCondLst>
+                                  <p:childTnLst>
+                                    <p:set>
+                                      <p:cBhvr>
+                                        <p:cTn id="17" dur="1" fill="hold">
+                                          <p:stCondLst>
+                                            <p:cond delay="0"/>
+                                          </p:stCondLst>
+                                        </p:cTn>
+                                        <p:tgtEl>
+                                          <p:spTgt spid="9"/>
+                                        </p:tgtEl>
+                                        <p:attrNameLst>
+                                          <p:attrName>style.visibility</p:attrName>
+                                        </p:attrNameLst>
+                                      </p:cBhvr>
+                                      <p:to>
+                                        <p:strVal val="visible"/>
+                                      </p:to>
+                                    </p:set>
+                                    <p:animEffect transition="in" filter="fade">
+                                      <p:cBhvr>
+                                        <p:cTn id="18" dur="500"/>
                                         <p:tgtEl>
                                           <p:spTgt spid="9"/>
                                         </p:tgtEl>
@@ -3791,6 +3979,7 @@
     </p:tnLst>
     <p:bldLst>
       <p:bldP spid="7" grpId="0"/>
+      <p:bldP spid="8" grpId="0"/>
     </p:bldLst>
   </p:timing>
 </p:sld>

--- a/2023-07-27 ABP Community Talks 2023.5/ABP Mobile Options.pptx
+++ b/2023-07-27 ABP Community Talks 2023.5/ABP Mobile Options.pptx
@@ -6,20 +6,21 @@
   </p:sldMasterIdLst>
   <p:sldIdLst>
     <p:sldId id="256" r:id="rId2"/>
-    <p:sldId id="258" r:id="rId3"/>
-    <p:sldId id="257" r:id="rId4"/>
-    <p:sldId id="259" r:id="rId5"/>
-    <p:sldId id="271" r:id="rId6"/>
-    <p:sldId id="260" r:id="rId7"/>
-    <p:sldId id="266" r:id="rId8"/>
-    <p:sldId id="261" r:id="rId9"/>
-    <p:sldId id="264" r:id="rId10"/>
-    <p:sldId id="263" r:id="rId11"/>
-    <p:sldId id="274" r:id="rId12"/>
-    <p:sldId id="267" r:id="rId13"/>
-    <p:sldId id="268" r:id="rId14"/>
-    <p:sldId id="265" r:id="rId15"/>
-    <p:sldId id="270" r:id="rId16"/>
+    <p:sldId id="275" r:id="rId3"/>
+    <p:sldId id="258" r:id="rId4"/>
+    <p:sldId id="257" r:id="rId5"/>
+    <p:sldId id="259" r:id="rId6"/>
+    <p:sldId id="271" r:id="rId7"/>
+    <p:sldId id="260" r:id="rId8"/>
+    <p:sldId id="266" r:id="rId9"/>
+    <p:sldId id="261" r:id="rId10"/>
+    <p:sldId id="264" r:id="rId11"/>
+    <p:sldId id="263" r:id="rId12"/>
+    <p:sldId id="274" r:id="rId13"/>
+    <p:sldId id="267" r:id="rId14"/>
+    <p:sldId id="268" r:id="rId15"/>
+    <p:sldId id="265" r:id="rId16"/>
+    <p:sldId id="270" r:id="rId17"/>
   </p:sldIdLst>
   <p:sldSz cx="12192000" cy="6858000"/>
   <p:notesSz cx="6858000" cy="9144000"/>
@@ -273,7 +274,7 @@
           <a:p>
             <a:fld id="{2A14C9FE-EBC3-45D3-899C-58AAF4F8AF71}" type="datetimeFigureOut">
               <a:rPr lang="en-US" smtClean="0"/>
-              <a:t>7/17/2023</a:t>
+              <a:t>7/20/2023</a:t>
             </a:fld>
             <a:endParaRPr lang="en-US"/>
           </a:p>
@@ -471,7 +472,7 @@
           <a:p>
             <a:fld id="{2A14C9FE-EBC3-45D3-899C-58AAF4F8AF71}" type="datetimeFigureOut">
               <a:rPr lang="en-US" smtClean="0"/>
-              <a:t>7/17/2023</a:t>
+              <a:t>7/20/2023</a:t>
             </a:fld>
             <a:endParaRPr lang="en-US"/>
           </a:p>
@@ -679,7 +680,7 @@
           <a:p>
             <a:fld id="{2A14C9FE-EBC3-45D3-899C-58AAF4F8AF71}" type="datetimeFigureOut">
               <a:rPr lang="en-US" smtClean="0"/>
-              <a:t>7/17/2023</a:t>
+              <a:t>7/20/2023</a:t>
             </a:fld>
             <a:endParaRPr lang="en-US"/>
           </a:p>
@@ -877,7 +878,7 @@
           <a:p>
             <a:fld id="{2A14C9FE-EBC3-45D3-899C-58AAF4F8AF71}" type="datetimeFigureOut">
               <a:rPr lang="en-US" smtClean="0"/>
-              <a:t>7/17/2023</a:t>
+              <a:t>7/20/2023</a:t>
             </a:fld>
             <a:endParaRPr lang="en-US"/>
           </a:p>
@@ -1152,7 +1153,7 @@
           <a:p>
             <a:fld id="{2A14C9FE-EBC3-45D3-899C-58AAF4F8AF71}" type="datetimeFigureOut">
               <a:rPr lang="en-US" smtClean="0"/>
-              <a:t>7/17/2023</a:t>
+              <a:t>7/20/2023</a:t>
             </a:fld>
             <a:endParaRPr lang="en-US"/>
           </a:p>
@@ -1417,7 +1418,7 @@
           <a:p>
             <a:fld id="{2A14C9FE-EBC3-45D3-899C-58AAF4F8AF71}" type="datetimeFigureOut">
               <a:rPr lang="en-US" smtClean="0"/>
-              <a:t>7/17/2023</a:t>
+              <a:t>7/20/2023</a:t>
             </a:fld>
             <a:endParaRPr lang="en-US"/>
           </a:p>
@@ -1829,7 +1830,7 @@
           <a:p>
             <a:fld id="{2A14C9FE-EBC3-45D3-899C-58AAF4F8AF71}" type="datetimeFigureOut">
               <a:rPr lang="en-US" smtClean="0"/>
-              <a:t>7/17/2023</a:t>
+              <a:t>7/20/2023</a:t>
             </a:fld>
             <a:endParaRPr lang="en-US"/>
           </a:p>
@@ -1970,7 +1971,7 @@
           <a:p>
             <a:fld id="{2A14C9FE-EBC3-45D3-899C-58AAF4F8AF71}" type="datetimeFigureOut">
               <a:rPr lang="en-US" smtClean="0"/>
-              <a:t>7/17/2023</a:t>
+              <a:t>7/20/2023</a:t>
             </a:fld>
             <a:endParaRPr lang="en-US"/>
           </a:p>
@@ -2083,7 +2084,7 @@
           <a:p>
             <a:fld id="{2A14C9FE-EBC3-45D3-899C-58AAF4F8AF71}" type="datetimeFigureOut">
               <a:rPr lang="en-US" smtClean="0"/>
-              <a:t>7/17/2023</a:t>
+              <a:t>7/20/2023</a:t>
             </a:fld>
             <a:endParaRPr lang="en-US"/>
           </a:p>
@@ -2394,7 +2395,7 @@
           <a:p>
             <a:fld id="{2A14C9FE-EBC3-45D3-899C-58AAF4F8AF71}" type="datetimeFigureOut">
               <a:rPr lang="en-US" smtClean="0"/>
-              <a:t>7/17/2023</a:t>
+              <a:t>7/20/2023</a:t>
             </a:fld>
             <a:endParaRPr lang="en-US"/>
           </a:p>
@@ -2682,7 +2683,7 @@
           <a:p>
             <a:fld id="{2A14C9FE-EBC3-45D3-899C-58AAF4F8AF71}" type="datetimeFigureOut">
               <a:rPr lang="en-US" smtClean="0"/>
-              <a:t>7/17/2023</a:t>
+              <a:t>7/20/2023</a:t>
             </a:fld>
             <a:endParaRPr lang="en-US"/>
           </a:p>
@@ -2923,7 +2924,7 @@
           <a:p>
             <a:fld id="{2A14C9FE-EBC3-45D3-899C-58AAF4F8AF71}" type="datetimeFigureOut">
               <a:rPr lang="en-US" smtClean="0"/>
-              <a:t>7/17/2023</a:t>
+              <a:t>7/20/2023</a:t>
             </a:fld>
             <a:endParaRPr lang="en-US"/>
           </a:p>
@@ -3494,6 +3495,458 @@
                 <a:latin typeface="Euclid Circular B" panose="020B0504000000000000" pitchFamily="34" charset="0"/>
                 <a:ea typeface="Euclid Circular B" panose="020B0504000000000000" pitchFamily="34" charset="0"/>
               </a:rPr>
+              <a:t>Latest Posts</a:t>
+            </a:r>
+            <a:br>
+              <a:rPr lang="tr-TR" b="1" dirty="0">
+                <a:solidFill>
+                  <a:srgbClr val="292D33"/>
+                </a:solidFill>
+                <a:latin typeface="Euclid Circular B" panose="020B0504000000000000" pitchFamily="34" charset="0"/>
+                <a:ea typeface="Euclid Circular B" panose="020B0504000000000000" pitchFamily="34" charset="0"/>
+              </a:rPr>
+            </a:br>
+            <a:r>
+              <a:rPr lang="tr-TR" sz="2800" dirty="0">
+                <a:solidFill>
+                  <a:srgbClr val="292D33"/>
+                </a:solidFill>
+                <a:latin typeface="Euclid Circular B" panose="020B0504000000000000" pitchFamily="34" charset="0"/>
+                <a:ea typeface="Euclid Circular B" panose="020B0504000000000000" pitchFamily="34" charset="0"/>
+                <a:hlinkClick r:id="rId3"/>
+              </a:rPr>
+              <a:t>https://</a:t>
+            </a:r>
+            <a:r>
+              <a:rPr lang="tr-TR" sz="2800" b="1" dirty="0">
+                <a:solidFill>
+                  <a:srgbClr val="292D33"/>
+                </a:solidFill>
+                <a:latin typeface="Euclid Circular B" panose="020B0504000000000000" pitchFamily="34" charset="0"/>
+                <a:ea typeface="Euclid Circular B" panose="020B0504000000000000" pitchFamily="34" charset="0"/>
+                <a:hlinkClick r:id="rId3"/>
+              </a:rPr>
+              <a:t>community.abp.io</a:t>
+            </a:r>
+            <a:r>
+              <a:rPr lang="tr-TR" sz="2800" b="1" dirty="0">
+                <a:solidFill>
+                  <a:srgbClr val="292D33"/>
+                </a:solidFill>
+                <a:latin typeface="Euclid Circular B" panose="020B0504000000000000" pitchFamily="34" charset="0"/>
+                <a:ea typeface="Euclid Circular B" panose="020B0504000000000000" pitchFamily="34" charset="0"/>
+              </a:rPr>
+              <a:t> </a:t>
+            </a:r>
+            <a:endParaRPr lang="en-US" b="1" dirty="0">
+              <a:solidFill>
+                <a:srgbClr val="292D33"/>
+              </a:solidFill>
+              <a:latin typeface="Euclid Circular B" panose="020B0504000000000000" pitchFamily="34" charset="0"/>
+              <a:ea typeface="Euclid Circular B" panose="020B0504000000000000" pitchFamily="34" charset="0"/>
+            </a:endParaRPr>
+          </a:p>
+        </p:txBody>
+      </p:sp>
+      <p:pic>
+        <p:nvPicPr>
+          <p:cNvPr id="7" name="Picture 6">
+            <a:extLst>
+              <a:ext uri="{FF2B5EF4-FFF2-40B4-BE49-F238E27FC236}">
+                <a16:creationId xmlns:a16="http://schemas.microsoft.com/office/drawing/2014/main" id="{BE4B8B42-27E0-C626-629E-5347DCBA867F}"/>
+              </a:ext>
+            </a:extLst>
+          </p:cNvPr>
+          <p:cNvPicPr>
+            <a:picLocks noChangeAspect="1"/>
+          </p:cNvPicPr>
+          <p:nvPr/>
+        </p:nvPicPr>
+        <p:blipFill>
+          <a:blip r:embed="rId4"/>
+          <a:stretch>
+            <a:fillRect/>
+          </a:stretch>
+        </p:blipFill>
+        <p:spPr>
+          <a:xfrm>
+            <a:off x="1688990" y="2438110"/>
+            <a:ext cx="4258586" cy="1200822"/>
+          </a:xfrm>
+          <a:prstGeom prst="rect">
+            <a:avLst/>
+          </a:prstGeom>
+        </p:spPr>
+      </p:pic>
+      <p:pic>
+        <p:nvPicPr>
+          <p:cNvPr id="9" name="Picture 8">
+            <a:extLst>
+              <a:ext uri="{FF2B5EF4-FFF2-40B4-BE49-F238E27FC236}">
+                <a16:creationId xmlns:a16="http://schemas.microsoft.com/office/drawing/2014/main" id="{D82EFCB4-494D-F311-9912-18816C8CC493}"/>
+              </a:ext>
+            </a:extLst>
+          </p:cNvPr>
+          <p:cNvPicPr>
+            <a:picLocks noChangeAspect="1"/>
+          </p:cNvPicPr>
+          <p:nvPr/>
+        </p:nvPicPr>
+        <p:blipFill>
+          <a:blip r:embed="rId5"/>
+          <a:stretch>
+            <a:fillRect/>
+          </a:stretch>
+        </p:blipFill>
+        <p:spPr>
+          <a:xfrm>
+            <a:off x="6238544" y="2438110"/>
+            <a:ext cx="4258586" cy="1012787"/>
+          </a:xfrm>
+          <a:prstGeom prst="rect">
+            <a:avLst/>
+          </a:prstGeom>
+        </p:spPr>
+      </p:pic>
+      <p:pic>
+        <p:nvPicPr>
+          <p:cNvPr id="11" name="Picture 10">
+            <a:extLst>
+              <a:ext uri="{FF2B5EF4-FFF2-40B4-BE49-F238E27FC236}">
+                <a16:creationId xmlns:a16="http://schemas.microsoft.com/office/drawing/2014/main" id="{8C69ADAE-2CAD-D4FF-6AD9-E222B093EEA9}"/>
+              </a:ext>
+            </a:extLst>
+          </p:cNvPr>
+          <p:cNvPicPr>
+            <a:picLocks noChangeAspect="1"/>
+          </p:cNvPicPr>
+          <p:nvPr/>
+        </p:nvPicPr>
+        <p:blipFill>
+          <a:blip r:embed="rId6"/>
+          <a:stretch>
+            <a:fillRect/>
+          </a:stretch>
+        </p:blipFill>
+        <p:spPr>
+          <a:xfrm>
+            <a:off x="1688990" y="3908285"/>
+            <a:ext cx="4258586" cy="953321"/>
+          </a:xfrm>
+          <a:prstGeom prst="rect">
+            <a:avLst/>
+          </a:prstGeom>
+        </p:spPr>
+      </p:pic>
+      <p:pic>
+        <p:nvPicPr>
+          <p:cNvPr id="15" name="Picture 14">
+            <a:extLst>
+              <a:ext uri="{FF2B5EF4-FFF2-40B4-BE49-F238E27FC236}">
+                <a16:creationId xmlns:a16="http://schemas.microsoft.com/office/drawing/2014/main" id="{80B4F6CA-27D8-5043-CCA9-A01430D83025}"/>
+              </a:ext>
+            </a:extLst>
+          </p:cNvPr>
+          <p:cNvPicPr>
+            <a:picLocks noChangeAspect="1"/>
+          </p:cNvPicPr>
+          <p:nvPr/>
+        </p:nvPicPr>
+        <p:blipFill>
+          <a:blip r:embed="rId7"/>
+          <a:stretch>
+            <a:fillRect/>
+          </a:stretch>
+        </p:blipFill>
+        <p:spPr>
+          <a:xfrm>
+            <a:off x="6238544" y="3638932"/>
+            <a:ext cx="4258586" cy="1213202"/>
+          </a:xfrm>
+          <a:prstGeom prst="rect">
+            <a:avLst/>
+          </a:prstGeom>
+        </p:spPr>
+      </p:pic>
+    </p:spTree>
+    <p:extLst>
+      <p:ext uri="{BB962C8B-B14F-4D97-AF65-F5344CB8AC3E}">
+        <p14:creationId xmlns:p14="http://schemas.microsoft.com/office/powerpoint/2010/main" val="565921230"/>
+      </p:ext>
+    </p:extLst>
+  </p:cSld>
+  <p:clrMapOvr>
+    <a:masterClrMapping/>
+  </p:clrMapOvr>
+  <p:timing>
+    <p:tnLst>
+      <p:par>
+        <p:cTn id="1" dur="indefinite" restart="never" nodeType="tmRoot">
+          <p:childTnLst>
+            <p:seq concurrent="1" nextAc="seek">
+              <p:cTn id="2" dur="indefinite" nodeType="mainSeq">
+                <p:childTnLst>
+                  <p:par>
+                    <p:cTn id="3" fill="hold">
+                      <p:stCondLst>
+                        <p:cond delay="indefinite"/>
+                      </p:stCondLst>
+                      <p:childTnLst>
+                        <p:par>
+                          <p:cTn id="4" fill="hold">
+                            <p:stCondLst>
+                              <p:cond delay="0"/>
+                            </p:stCondLst>
+                            <p:childTnLst>
+                              <p:par>
+                                <p:cTn id="5" presetID="10" presetClass="entr" presetSubtype="0" fill="hold" nodeType="clickEffect">
+                                  <p:stCondLst>
+                                    <p:cond delay="0"/>
+                                  </p:stCondLst>
+                                  <p:childTnLst>
+                                    <p:set>
+                                      <p:cBhvr>
+                                        <p:cTn id="6" dur="1" fill="hold">
+                                          <p:stCondLst>
+                                            <p:cond delay="0"/>
+                                          </p:stCondLst>
+                                        </p:cTn>
+                                        <p:tgtEl>
+                                          <p:spTgt spid="7"/>
+                                        </p:tgtEl>
+                                        <p:attrNameLst>
+                                          <p:attrName>style.visibility</p:attrName>
+                                        </p:attrNameLst>
+                                      </p:cBhvr>
+                                      <p:to>
+                                        <p:strVal val="visible"/>
+                                      </p:to>
+                                    </p:set>
+                                    <p:animEffect transition="in" filter="fade">
+                                      <p:cBhvr>
+                                        <p:cTn id="7" dur="500"/>
+                                        <p:tgtEl>
+                                          <p:spTgt spid="7"/>
+                                        </p:tgtEl>
+                                      </p:cBhvr>
+                                    </p:animEffect>
+                                  </p:childTnLst>
+                                </p:cTn>
+                              </p:par>
+                              <p:par>
+                                <p:cTn id="8" presetID="10" presetClass="entr" presetSubtype="0" fill="hold" nodeType="withEffect">
+                                  <p:stCondLst>
+                                    <p:cond delay="0"/>
+                                  </p:stCondLst>
+                                  <p:childTnLst>
+                                    <p:set>
+                                      <p:cBhvr>
+                                        <p:cTn id="9" dur="1" fill="hold">
+                                          <p:stCondLst>
+                                            <p:cond delay="0"/>
+                                          </p:stCondLst>
+                                        </p:cTn>
+                                        <p:tgtEl>
+                                          <p:spTgt spid="11"/>
+                                        </p:tgtEl>
+                                        <p:attrNameLst>
+                                          <p:attrName>style.visibility</p:attrName>
+                                        </p:attrNameLst>
+                                      </p:cBhvr>
+                                      <p:to>
+                                        <p:strVal val="visible"/>
+                                      </p:to>
+                                    </p:set>
+                                    <p:animEffect transition="in" filter="fade">
+                                      <p:cBhvr>
+                                        <p:cTn id="10" dur="500"/>
+                                        <p:tgtEl>
+                                          <p:spTgt spid="11"/>
+                                        </p:tgtEl>
+                                      </p:cBhvr>
+                                    </p:animEffect>
+                                  </p:childTnLst>
+                                </p:cTn>
+                              </p:par>
+                            </p:childTnLst>
+                          </p:cTn>
+                        </p:par>
+                      </p:childTnLst>
+                    </p:cTn>
+                  </p:par>
+                  <p:par>
+                    <p:cTn id="11" fill="hold">
+                      <p:stCondLst>
+                        <p:cond delay="indefinite"/>
+                      </p:stCondLst>
+                      <p:childTnLst>
+                        <p:par>
+                          <p:cTn id="12" fill="hold">
+                            <p:stCondLst>
+                              <p:cond delay="0"/>
+                            </p:stCondLst>
+                            <p:childTnLst>
+                              <p:par>
+                                <p:cTn id="13" presetID="10" presetClass="entr" presetSubtype="0" fill="hold" nodeType="clickEffect">
+                                  <p:stCondLst>
+                                    <p:cond delay="0"/>
+                                  </p:stCondLst>
+                                  <p:childTnLst>
+                                    <p:set>
+                                      <p:cBhvr>
+                                        <p:cTn id="14" dur="1" fill="hold">
+                                          <p:stCondLst>
+                                            <p:cond delay="0"/>
+                                          </p:stCondLst>
+                                        </p:cTn>
+                                        <p:tgtEl>
+                                          <p:spTgt spid="9"/>
+                                        </p:tgtEl>
+                                        <p:attrNameLst>
+                                          <p:attrName>style.visibility</p:attrName>
+                                        </p:attrNameLst>
+                                      </p:cBhvr>
+                                      <p:to>
+                                        <p:strVal val="visible"/>
+                                      </p:to>
+                                    </p:set>
+                                    <p:animEffect transition="in" filter="fade">
+                                      <p:cBhvr>
+                                        <p:cTn id="15" dur="500"/>
+                                        <p:tgtEl>
+                                          <p:spTgt spid="9"/>
+                                        </p:tgtEl>
+                                      </p:cBhvr>
+                                    </p:animEffect>
+                                  </p:childTnLst>
+                                </p:cTn>
+                              </p:par>
+                              <p:par>
+                                <p:cTn id="16" presetID="10" presetClass="entr" presetSubtype="0" fill="hold" nodeType="withEffect">
+                                  <p:stCondLst>
+                                    <p:cond delay="0"/>
+                                  </p:stCondLst>
+                                  <p:childTnLst>
+                                    <p:set>
+                                      <p:cBhvr>
+                                        <p:cTn id="17" dur="1" fill="hold">
+                                          <p:stCondLst>
+                                            <p:cond delay="0"/>
+                                          </p:stCondLst>
+                                        </p:cTn>
+                                        <p:tgtEl>
+                                          <p:spTgt spid="15"/>
+                                        </p:tgtEl>
+                                        <p:attrNameLst>
+                                          <p:attrName>style.visibility</p:attrName>
+                                        </p:attrNameLst>
+                                      </p:cBhvr>
+                                      <p:to>
+                                        <p:strVal val="visible"/>
+                                      </p:to>
+                                    </p:set>
+                                    <p:animEffect transition="in" filter="fade">
+                                      <p:cBhvr>
+                                        <p:cTn id="18" dur="500"/>
+                                        <p:tgtEl>
+                                          <p:spTgt spid="15"/>
+                                        </p:tgtEl>
+                                      </p:cBhvr>
+                                    </p:animEffect>
+                                  </p:childTnLst>
+                                </p:cTn>
+                              </p:par>
+                            </p:childTnLst>
+                          </p:cTn>
+                        </p:par>
+                      </p:childTnLst>
+                    </p:cTn>
+                  </p:par>
+                </p:childTnLst>
+              </p:cTn>
+              <p:prevCondLst>
+                <p:cond evt="onPrev" delay="0">
+                  <p:tgtEl>
+                    <p:sldTgt/>
+                  </p:tgtEl>
+                </p:cond>
+              </p:prevCondLst>
+              <p:nextCondLst>
+                <p:cond evt="onNext" delay="0">
+                  <p:tgtEl>
+                    <p:sldTgt/>
+                  </p:tgtEl>
+                </p:cond>
+              </p:nextCondLst>
+            </p:seq>
+          </p:childTnLst>
+        </p:cTn>
+      </p:par>
+    </p:tnLst>
+  </p:timing>
+</p:sld>
+</file>
+
+<file path=ppt/slides/slide11.xml><?xml version="1.0" encoding="utf-8"?>
+<p:sld xmlns:a="http://schemas.openxmlformats.org/drawingml/2006/main" xmlns:r="http://schemas.openxmlformats.org/officeDocument/2006/relationships" xmlns:p="http://schemas.openxmlformats.org/presentationml/2006/main">
+  <p:cSld>
+    <p:bg>
+      <p:bgPr>
+        <a:blipFill dpi="0" rotWithShape="1">
+          <a:blip r:embed="rId2">
+            <a:lum/>
+          </a:blip>
+          <a:srcRect/>
+          <a:stretch>
+            <a:fillRect/>
+          </a:stretch>
+        </a:blipFill>
+        <a:effectLst/>
+      </p:bgPr>
+    </p:bg>
+    <p:spTree>
+      <p:nvGrpSpPr>
+        <p:cNvPr id="1" name=""/>
+        <p:cNvGrpSpPr/>
+        <p:nvPr/>
+      </p:nvGrpSpPr>
+      <p:grpSpPr>
+        <a:xfrm>
+          <a:off x="0" y="0"/>
+          <a:ext cx="0" cy="0"/>
+          <a:chOff x="0" y="0"/>
+          <a:chExt cx="0" cy="0"/>
+        </a:xfrm>
+      </p:grpSpPr>
+      <p:sp>
+        <p:nvSpPr>
+          <p:cNvPr id="2" name="Title 1">
+            <a:extLst>
+              <a:ext uri="{FF2B5EF4-FFF2-40B4-BE49-F238E27FC236}">
+                <a16:creationId xmlns:a16="http://schemas.microsoft.com/office/drawing/2014/main" id="{55E11F08-6CA0-48F1-AD67-97430DDA07F0}"/>
+              </a:ext>
+            </a:extLst>
+          </p:cNvPr>
+          <p:cNvSpPr>
+            <a:spLocks noGrp="1"/>
+          </p:cNvSpPr>
+          <p:nvPr>
+            <p:ph type="title"/>
+          </p:nvPr>
+        </p:nvSpPr>
+        <p:spPr/>
+        <p:txBody>
+          <a:bodyPr/>
+          <a:lstStyle/>
+          <a:p>
+            <a:r>
+              <a:rPr lang="tr-TR" b="1" dirty="0">
+                <a:solidFill>
+                  <a:srgbClr val="292D33"/>
+                </a:solidFill>
+                <a:latin typeface="Euclid Circular B" panose="020B0504000000000000" pitchFamily="34" charset="0"/>
+                <a:ea typeface="Euclid Circular B" panose="020B0504000000000000" pitchFamily="34" charset="0"/>
+              </a:rPr>
               <a:t>ABP Community Stats</a:t>
             </a:r>
             <a:endParaRPr lang="en-US" b="1" dirty="0">
@@ -3985,7 +4438,7 @@
 </p:sld>
 </file>
 
-<file path=ppt/slides/slide11.xml><?xml version="1.0" encoding="utf-8"?>
+<file path=ppt/slides/slide12.xml><?xml version="1.0" encoding="utf-8"?>
 <p:sld xmlns:a="http://schemas.openxmlformats.org/drawingml/2006/main" xmlns:r="http://schemas.openxmlformats.org/officeDocument/2006/relationships" xmlns:p="http://schemas.openxmlformats.org/presentationml/2006/main">
   <p:cSld>
     <p:bg>
@@ -4077,7 +4530,7 @@
 </p:sld>
 </file>
 
-<file path=ppt/slides/slide12.xml><?xml version="1.0" encoding="utf-8"?>
+<file path=ppt/slides/slide13.xml><?xml version="1.0" encoding="utf-8"?>
 <p:sld xmlns:a="http://schemas.openxmlformats.org/drawingml/2006/main" xmlns:r="http://schemas.openxmlformats.org/officeDocument/2006/relationships" xmlns:p="http://schemas.openxmlformats.org/presentationml/2006/main">
   <p:cSld>
     <p:bg>
@@ -4458,7 +4911,7 @@
 </p:sld>
 </file>
 
-<file path=ppt/slides/slide13.xml><?xml version="1.0" encoding="utf-8"?>
+<file path=ppt/slides/slide14.xml><?xml version="1.0" encoding="utf-8"?>
 <p:sld xmlns:a="http://schemas.openxmlformats.org/drawingml/2006/main" xmlns:r="http://schemas.openxmlformats.org/officeDocument/2006/relationships" xmlns:p="http://schemas.openxmlformats.org/presentationml/2006/main">
   <p:cSld>
     <p:bg>
@@ -5087,7 +5540,7 @@
 </p:sld>
 </file>
 
-<file path=ppt/slides/slide14.xml><?xml version="1.0" encoding="utf-8"?>
+<file path=ppt/slides/slide15.xml><?xml version="1.0" encoding="utf-8"?>
 <p:sld xmlns:a="http://schemas.openxmlformats.org/drawingml/2006/main" xmlns:r="http://schemas.openxmlformats.org/officeDocument/2006/relationships" xmlns:p="http://schemas.openxmlformats.org/presentationml/2006/main">
   <p:cSld>
     <p:bg>
@@ -6274,7 +6727,7 @@
 </p:sld>
 </file>
 
-<file path=ppt/slides/slide15.xml><?xml version="1.0" encoding="utf-8"?>
+<file path=ppt/slides/slide16.xml><?xml version="1.0" encoding="utf-8"?>
 <p:sld xmlns:a="http://schemas.openxmlformats.org/drawingml/2006/main" xmlns:r="http://schemas.openxmlformats.org/officeDocument/2006/relationships" xmlns:p="http://schemas.openxmlformats.org/presentationml/2006/main">
   <p:cSld>
     <p:bg>
@@ -7025,7 +7478,7 @@
           <p:cNvPr id="2" name="Title 1">
             <a:extLst>
               <a:ext uri="{FF2B5EF4-FFF2-40B4-BE49-F238E27FC236}">
-                <a16:creationId xmlns:a16="http://schemas.microsoft.com/office/drawing/2014/main" id="{9255DFBE-19DA-408D-84E6-F4043FC30BD3}"/>
+                <a16:creationId xmlns:a16="http://schemas.microsoft.com/office/drawing/2014/main" id="{55E11F08-6CA0-48F1-AD67-97430DDA07F0}"/>
               </a:ext>
             </a:extLst>
           </p:cNvPr>
@@ -7033,15 +7486,44 @@
             <a:spLocks noGrp="1"/>
           </p:cNvSpPr>
           <p:nvPr>
-            <p:ph type="ctrTitle"/>
+            <p:ph type="title"/>
           </p:nvPr>
         </p:nvSpPr>
-        <p:spPr>
-          <a:xfrm>
-            <a:off x="1524000" y="1122362"/>
-            <a:ext cx="9144000" cy="2741971"/>
-          </a:xfrm>
-        </p:spPr>
+        <p:spPr/>
+        <p:txBody>
+          <a:bodyPr/>
+          <a:lstStyle/>
+          <a:p>
+            <a:r>
+              <a:rPr lang="en-US" b="1" dirty="0">
+                <a:solidFill>
+                  <a:srgbClr val="292D33"/>
+                </a:solidFill>
+                <a:latin typeface="Euclid Circular B" panose="020B0504000000000000" pitchFamily="34" charset="0"/>
+                <a:ea typeface="Euclid Circular B" panose="020B0504000000000000" pitchFamily="34" charset="0"/>
+              </a:rPr>
+              <a:t>Agenda</a:t>
+            </a:r>
+          </a:p>
+        </p:txBody>
+      </p:sp>
+      <p:sp>
+        <p:nvSpPr>
+          <p:cNvPr id="3" name="Content Placeholder 2">
+            <a:extLst>
+              <a:ext uri="{FF2B5EF4-FFF2-40B4-BE49-F238E27FC236}">
+                <a16:creationId xmlns:a16="http://schemas.microsoft.com/office/drawing/2014/main" id="{891C7693-D3DF-4635-96F4-97F3B4136FDF}"/>
+              </a:ext>
+            </a:extLst>
+          </p:cNvPr>
+          <p:cNvSpPr>
+            <a:spLocks noGrp="1"/>
+          </p:cNvSpPr>
+          <p:nvPr>
+            <p:ph idx="1"/>
+          </p:nvPr>
+        </p:nvSpPr>
+        <p:spPr/>
         <p:txBody>
           <a:bodyPr>
             <a:normAutofit/>
@@ -7049,19 +7531,33 @@
           <a:lstStyle/>
           <a:p>
             <a:r>
-              <a:rPr lang="tr-TR" sz="4000" dirty="0">
-                <a:solidFill>
-                  <a:srgbClr val="292D33"/>
-                </a:solidFill>
+              <a:rPr lang="en-US" sz="3600" dirty="0">
                 <a:latin typeface="Euclid Circular B" panose="020B0504000000000000" pitchFamily="34" charset="0"/>
                 <a:ea typeface="Euclid Circular B" panose="020B0504000000000000" pitchFamily="34" charset="0"/>
               </a:rPr>
               <a:t>Last &amp; Next ABP Releases</a:t>
             </a:r>
-            <a:endParaRPr lang="en-US" sz="4000" dirty="0">
-              <a:solidFill>
-                <a:srgbClr val="292D33"/>
-              </a:solidFill>
+          </a:p>
+          <a:p>
+            <a:r>
+              <a:rPr lang="en-US" sz="3600" dirty="0">
+                <a:latin typeface="Euclid Circular B" panose="020B0504000000000000" pitchFamily="34" charset="0"/>
+                <a:ea typeface="Euclid Circular B" panose="020B0504000000000000" pitchFamily="34" charset="0"/>
+              </a:rPr>
+              <a:t>ABP Community News</a:t>
+            </a:r>
+          </a:p>
+          <a:p>
+            <a:r>
+              <a:rPr lang="en-US" sz="3600" dirty="0">
+                <a:latin typeface="Euclid Circular B" panose="020B0504000000000000" pitchFamily="34" charset="0"/>
+                <a:ea typeface="Euclid Circular B" panose="020B0504000000000000" pitchFamily="34" charset="0"/>
+              </a:rPr>
+              <a:t>ABP Mobile Development</a:t>
+            </a:r>
+          </a:p>
+          <a:p>
+            <a:endParaRPr lang="en-US" sz="3600" dirty="0">
               <a:latin typeface="Euclid Circular B" panose="020B0504000000000000" pitchFamily="34" charset="0"/>
               <a:ea typeface="Euclid Circular B" panose="020B0504000000000000" pitchFamily="34" charset="0"/>
             </a:endParaRPr>
@@ -7071,7 +7567,7 @@
     </p:spTree>
     <p:extLst>
       <p:ext uri="{BB962C8B-B14F-4D97-AF65-F5344CB8AC3E}">
-        <p14:creationId xmlns:p14="http://schemas.microsoft.com/office/powerpoint/2010/main" val="2290538199"/>
+        <p14:creationId xmlns:p14="http://schemas.microsoft.com/office/powerpoint/2010/main" val="1759458914"/>
       </p:ext>
     </p:extLst>
   </p:cSld>
@@ -7117,6 +7613,98 @@
           <p:cNvPr id="2" name="Title 1">
             <a:extLst>
               <a:ext uri="{FF2B5EF4-FFF2-40B4-BE49-F238E27FC236}">
+                <a16:creationId xmlns:a16="http://schemas.microsoft.com/office/drawing/2014/main" id="{9255DFBE-19DA-408D-84E6-F4043FC30BD3}"/>
+              </a:ext>
+            </a:extLst>
+          </p:cNvPr>
+          <p:cNvSpPr>
+            <a:spLocks noGrp="1"/>
+          </p:cNvSpPr>
+          <p:nvPr>
+            <p:ph type="ctrTitle"/>
+          </p:nvPr>
+        </p:nvSpPr>
+        <p:spPr>
+          <a:xfrm>
+            <a:off x="1524000" y="1122362"/>
+            <a:ext cx="9144000" cy="2741971"/>
+          </a:xfrm>
+        </p:spPr>
+        <p:txBody>
+          <a:bodyPr>
+            <a:normAutofit/>
+          </a:bodyPr>
+          <a:lstStyle/>
+          <a:p>
+            <a:r>
+              <a:rPr lang="tr-TR" sz="4000" dirty="0">
+                <a:solidFill>
+                  <a:srgbClr val="292D33"/>
+                </a:solidFill>
+                <a:latin typeface="Euclid Circular B" panose="020B0504000000000000" pitchFamily="34" charset="0"/>
+                <a:ea typeface="Euclid Circular B" panose="020B0504000000000000" pitchFamily="34" charset="0"/>
+              </a:rPr>
+              <a:t>Last &amp; Next ABP Releases</a:t>
+            </a:r>
+            <a:endParaRPr lang="en-US" sz="4000" dirty="0">
+              <a:solidFill>
+                <a:srgbClr val="292D33"/>
+              </a:solidFill>
+              <a:latin typeface="Euclid Circular B" panose="020B0504000000000000" pitchFamily="34" charset="0"/>
+              <a:ea typeface="Euclid Circular B" panose="020B0504000000000000" pitchFamily="34" charset="0"/>
+            </a:endParaRPr>
+          </a:p>
+        </p:txBody>
+      </p:sp>
+    </p:spTree>
+    <p:extLst>
+      <p:ext uri="{BB962C8B-B14F-4D97-AF65-F5344CB8AC3E}">
+        <p14:creationId xmlns:p14="http://schemas.microsoft.com/office/powerpoint/2010/main" val="2290538199"/>
+      </p:ext>
+    </p:extLst>
+  </p:cSld>
+  <p:clrMapOvr>
+    <a:masterClrMapping/>
+  </p:clrMapOvr>
+</p:sld>
+</file>
+
+<file path=ppt/slides/slide4.xml><?xml version="1.0" encoding="utf-8"?>
+<p:sld xmlns:a="http://schemas.openxmlformats.org/drawingml/2006/main" xmlns:r="http://schemas.openxmlformats.org/officeDocument/2006/relationships" xmlns:p="http://schemas.openxmlformats.org/presentationml/2006/main">
+  <p:cSld>
+    <p:bg>
+      <p:bgPr>
+        <a:blipFill dpi="0" rotWithShape="1">
+          <a:blip r:embed="rId2">
+            <a:lum/>
+          </a:blip>
+          <a:srcRect/>
+          <a:stretch>
+            <a:fillRect/>
+          </a:stretch>
+        </a:blipFill>
+        <a:effectLst/>
+      </p:bgPr>
+    </p:bg>
+    <p:spTree>
+      <p:nvGrpSpPr>
+        <p:cNvPr id="1" name=""/>
+        <p:cNvGrpSpPr/>
+        <p:nvPr/>
+      </p:nvGrpSpPr>
+      <p:grpSpPr>
+        <a:xfrm>
+          <a:off x="0" y="0"/>
+          <a:ext cx="0" cy="0"/>
+          <a:chOff x="0" y="0"/>
+          <a:chExt cx="0" cy="0"/>
+        </a:xfrm>
+      </p:grpSpPr>
+      <p:sp>
+        <p:nvSpPr>
+          <p:cNvPr id="2" name="Title 1">
+            <a:extLst>
+              <a:ext uri="{FF2B5EF4-FFF2-40B4-BE49-F238E27FC236}">
                 <a16:creationId xmlns:a16="http://schemas.microsoft.com/office/drawing/2014/main" id="{55E11F08-6CA0-48F1-AD67-97430DDA07F0}"/>
               </a:ext>
             </a:extLst>
@@ -7777,1196 +8365,6 @@
                                           <p:spTgt spid="3">
                                             <p:txEl>
                                               <p:pRg st="6" end="6"/>
-                                            </p:txEl>
-                                          </p:spTgt>
-                                        </p:tgtEl>
-                                      </p:cBhvr>
-                                    </p:animEffect>
-                                  </p:childTnLst>
-                                </p:cTn>
-                              </p:par>
-                            </p:childTnLst>
-                          </p:cTn>
-                        </p:par>
-                      </p:childTnLst>
-                    </p:cTn>
-                  </p:par>
-                </p:childTnLst>
-              </p:cTn>
-              <p:prevCondLst>
-                <p:cond evt="onPrev" delay="0">
-                  <p:tgtEl>
-                    <p:sldTgt/>
-                  </p:tgtEl>
-                </p:cond>
-              </p:prevCondLst>
-              <p:nextCondLst>
-                <p:cond evt="onNext" delay="0">
-                  <p:tgtEl>
-                    <p:sldTgt/>
-                  </p:tgtEl>
-                </p:cond>
-              </p:nextCondLst>
-            </p:seq>
-          </p:childTnLst>
-        </p:cTn>
-      </p:par>
-    </p:tnLst>
-  </p:timing>
-</p:sld>
-</file>
-
-<file path=ppt/slides/slide4.xml><?xml version="1.0" encoding="utf-8"?>
-<p:sld xmlns:a="http://schemas.openxmlformats.org/drawingml/2006/main" xmlns:r="http://schemas.openxmlformats.org/officeDocument/2006/relationships" xmlns:p="http://schemas.openxmlformats.org/presentationml/2006/main">
-  <p:cSld>
-    <p:bg>
-      <p:bgPr>
-        <a:blipFill dpi="0" rotWithShape="1">
-          <a:blip r:embed="rId2">
-            <a:lum/>
-          </a:blip>
-          <a:srcRect/>
-          <a:stretch>
-            <a:fillRect/>
-          </a:stretch>
-        </a:blipFill>
-        <a:effectLst/>
-      </p:bgPr>
-    </p:bg>
-    <p:spTree>
-      <p:nvGrpSpPr>
-        <p:cNvPr id="1" name=""/>
-        <p:cNvGrpSpPr/>
-        <p:nvPr/>
-      </p:nvGrpSpPr>
-      <p:grpSpPr>
-        <a:xfrm>
-          <a:off x="0" y="0"/>
-          <a:ext cx="0" cy="0"/>
-          <a:chOff x="0" y="0"/>
-          <a:chExt cx="0" cy="0"/>
-        </a:xfrm>
-      </p:grpSpPr>
-      <p:sp>
-        <p:nvSpPr>
-          <p:cNvPr id="2" name="Title 1">
-            <a:extLst>
-              <a:ext uri="{FF2B5EF4-FFF2-40B4-BE49-F238E27FC236}">
-                <a16:creationId xmlns:a16="http://schemas.microsoft.com/office/drawing/2014/main" id="{55E11F08-6CA0-48F1-AD67-97430DDA07F0}"/>
-              </a:ext>
-            </a:extLst>
-          </p:cNvPr>
-          <p:cNvSpPr>
-            <a:spLocks noGrp="1"/>
-          </p:cNvSpPr>
-          <p:nvPr>
-            <p:ph type="title"/>
-          </p:nvPr>
-        </p:nvSpPr>
-        <p:spPr/>
-        <p:txBody>
-          <a:bodyPr/>
-          <a:lstStyle/>
-          <a:p>
-            <a:r>
-              <a:rPr lang="tr-TR" b="1" dirty="0">
-                <a:solidFill>
-                  <a:srgbClr val="292D33"/>
-                </a:solidFill>
-                <a:latin typeface="Euclid Circular B" panose="020B0504000000000000" pitchFamily="34" charset="0"/>
-                <a:ea typeface="Euclid Circular B" panose="020B0504000000000000" pitchFamily="34" charset="0"/>
-              </a:rPr>
-              <a:t>ABP v7.4 RC</a:t>
-            </a:r>
-            <a:endParaRPr lang="en-US" b="1" dirty="0">
-              <a:solidFill>
-                <a:srgbClr val="292D33"/>
-              </a:solidFill>
-              <a:latin typeface="Euclid Circular B" panose="020B0504000000000000" pitchFamily="34" charset="0"/>
-              <a:ea typeface="Euclid Circular B" panose="020B0504000000000000" pitchFamily="34" charset="0"/>
-            </a:endParaRPr>
-          </a:p>
-        </p:txBody>
-      </p:sp>
-      <p:sp>
-        <p:nvSpPr>
-          <p:cNvPr id="3" name="Content Placeholder 2">
-            <a:extLst>
-              <a:ext uri="{FF2B5EF4-FFF2-40B4-BE49-F238E27FC236}">
-                <a16:creationId xmlns:a16="http://schemas.microsoft.com/office/drawing/2014/main" id="{891C7693-D3DF-4635-96F4-97F3B4136FDF}"/>
-              </a:ext>
-            </a:extLst>
-          </p:cNvPr>
-          <p:cNvSpPr>
-            <a:spLocks noGrp="1"/>
-          </p:cNvSpPr>
-          <p:nvPr>
-            <p:ph idx="1"/>
-          </p:nvPr>
-        </p:nvSpPr>
-        <p:spPr/>
-        <p:txBody>
-          <a:bodyPr>
-            <a:normAutofit fontScale="85000" lnSpcReduction="20000"/>
-          </a:bodyPr>
-          <a:lstStyle/>
-          <a:p>
-            <a:r>
-              <a:rPr lang="tr-TR" dirty="0">
-                <a:latin typeface="Euclid Circular B" panose="020B0504000000000000" pitchFamily="34" charset="0"/>
-                <a:ea typeface="Euclid Circular B" panose="020B0504000000000000" pitchFamily="34" charset="0"/>
-              </a:rPr>
-              <a:t>Planned Release Date: </a:t>
-            </a:r>
-            <a:r>
-              <a:rPr lang="tr-TR" b="1" dirty="0">
-                <a:latin typeface="Euclid Circular B" panose="020B0504000000000000" pitchFamily="34" charset="0"/>
-                <a:ea typeface="Euclid Circular B" panose="020B0504000000000000" pitchFamily="34" charset="0"/>
-              </a:rPr>
-              <a:t>August 15</a:t>
-            </a:r>
-            <a:r>
-              <a:rPr lang="tr-TR" dirty="0">
-                <a:latin typeface="Euclid Circular B" panose="020B0504000000000000" pitchFamily="34" charset="0"/>
-                <a:ea typeface="Euclid Circular B" panose="020B0504000000000000" pitchFamily="34" charset="0"/>
-              </a:rPr>
-              <a:t>, 2023</a:t>
-            </a:r>
-          </a:p>
-          <a:p>
-            <a:r>
-              <a:rPr lang="tr-TR" dirty="0">
-                <a:latin typeface="Euclid Circular B" panose="020B0504000000000000" pitchFamily="34" charset="0"/>
-                <a:ea typeface="Euclid Circular B" panose="020B0504000000000000" pitchFamily="34" charset="0"/>
-              </a:rPr>
-              <a:t>ABP Framework</a:t>
-            </a:r>
-          </a:p>
-          <a:p>
-            <a:pPr lvl="1"/>
-            <a:r>
-              <a:rPr lang="tr-TR" b="1" dirty="0">
-                <a:latin typeface="Euclid Circular B" panose="020B0504000000000000" pitchFamily="34" charset="0"/>
-                <a:ea typeface="Euclid Circular B" panose="020B0504000000000000" pitchFamily="34" charset="0"/>
-              </a:rPr>
-              <a:t>Dynamic setting </a:t>
-            </a:r>
-            <a:r>
-              <a:rPr lang="tr-TR" dirty="0">
-                <a:latin typeface="Euclid Circular B" panose="020B0504000000000000" pitchFamily="34" charset="0"/>
-                <a:ea typeface="Euclid Circular B" panose="020B0504000000000000" pitchFamily="34" charset="0"/>
-              </a:rPr>
-              <a:t>store</a:t>
-            </a:r>
-          </a:p>
-          <a:p>
-            <a:pPr lvl="1"/>
-            <a:r>
-              <a:rPr lang="tr-TR" dirty="0">
-                <a:latin typeface="Euclid Circular B" panose="020B0504000000000000" pitchFamily="34" charset="0"/>
-                <a:ea typeface="Euclid Circular B" panose="020B0504000000000000" pitchFamily="34" charset="0"/>
-              </a:rPr>
-              <a:t>Adding </a:t>
-            </a:r>
-            <a:r>
-              <a:rPr lang="tr-TR" b="1" dirty="0">
-                <a:latin typeface="Euclid Circular B" panose="020B0504000000000000" pitchFamily="34" charset="0"/>
-                <a:ea typeface="Euclid Circular B" panose="020B0504000000000000" pitchFamily="34" charset="0"/>
-              </a:rPr>
-              <a:t>CorrelationId </a:t>
-            </a:r>
-            <a:r>
-              <a:rPr lang="tr-TR" dirty="0">
-                <a:latin typeface="Euclid Circular B" panose="020B0504000000000000" pitchFamily="34" charset="0"/>
-                <a:ea typeface="Euclid Circular B" panose="020B0504000000000000" pitchFamily="34" charset="0"/>
-              </a:rPr>
-              <a:t>to distributed </a:t>
-            </a:r>
-            <a:r>
-              <a:rPr lang="tr-TR" b="1" dirty="0">
-                <a:latin typeface="Euclid Circular B" panose="020B0504000000000000" pitchFamily="34" charset="0"/>
-                <a:ea typeface="Euclid Circular B" panose="020B0504000000000000" pitchFamily="34" charset="0"/>
-              </a:rPr>
-              <a:t>events</a:t>
-            </a:r>
-          </a:p>
-          <a:p>
-            <a:pPr lvl="1"/>
-            <a:r>
-              <a:rPr lang="tr-TR" dirty="0">
-                <a:latin typeface="Euclid Circular B" panose="020B0504000000000000" pitchFamily="34" charset="0"/>
-                <a:ea typeface="Euclid Circular B" panose="020B0504000000000000" pitchFamily="34" charset="0"/>
-              </a:rPr>
-              <a:t>Do not expose </a:t>
-            </a:r>
-            <a:r>
-              <a:rPr lang="tr-TR" b="1" dirty="0">
-                <a:latin typeface="Euclid Circular B" panose="020B0504000000000000" pitchFamily="34" charset="0"/>
-                <a:ea typeface="Euclid Circular B" panose="020B0504000000000000" pitchFamily="34" charset="0"/>
-              </a:rPr>
-              <a:t>integration services </a:t>
-            </a:r>
-            <a:r>
-              <a:rPr lang="tr-TR" dirty="0">
-                <a:latin typeface="Euclid Circular B" panose="020B0504000000000000" pitchFamily="34" charset="0"/>
-                <a:ea typeface="Euclid Circular B" panose="020B0504000000000000" pitchFamily="34" charset="0"/>
-              </a:rPr>
-              <a:t>/ controllers by default</a:t>
-            </a:r>
-          </a:p>
-          <a:p>
-            <a:r>
-              <a:rPr lang="tr-TR" dirty="0">
-                <a:latin typeface="Euclid Circular B" panose="020B0504000000000000" pitchFamily="34" charset="0"/>
-                <a:ea typeface="Euclid Circular B" panose="020B0504000000000000" pitchFamily="34" charset="0"/>
-              </a:rPr>
-              <a:t>ABP Commercial</a:t>
-            </a:r>
-          </a:p>
-          <a:p>
-            <a:pPr lvl="1"/>
-            <a:r>
-              <a:rPr lang="tr-TR" dirty="0">
-                <a:latin typeface="Euclid Circular B" panose="020B0504000000000000" pitchFamily="34" charset="0"/>
-                <a:ea typeface="Euclid Circular B" panose="020B0504000000000000" pitchFamily="34" charset="0"/>
-              </a:rPr>
-              <a:t>Mobile Application</a:t>
-            </a:r>
-          </a:p>
-          <a:p>
-            <a:pPr lvl="2"/>
-            <a:r>
-              <a:rPr lang="tr-TR" dirty="0">
-                <a:latin typeface="Euclid Circular B" panose="020B0504000000000000" pitchFamily="34" charset="0"/>
-                <a:ea typeface="Euclid Circular B" panose="020B0504000000000000" pitchFamily="34" charset="0"/>
-              </a:rPr>
-              <a:t>Renewing the mobile applications</a:t>
-            </a:r>
-          </a:p>
-          <a:p>
-            <a:pPr lvl="1"/>
-            <a:r>
-              <a:rPr lang="tr-TR" dirty="0">
-                <a:latin typeface="Euclid Circular B" panose="020B0504000000000000" pitchFamily="34" charset="0"/>
-                <a:ea typeface="Euclid Circular B" panose="020B0504000000000000" pitchFamily="34" charset="0"/>
-              </a:rPr>
-              <a:t>ABP Suite</a:t>
-            </a:r>
-          </a:p>
-          <a:p>
-            <a:pPr lvl="2"/>
-            <a:r>
-              <a:rPr lang="tr-TR" dirty="0">
-                <a:latin typeface="Euclid Circular B" panose="020B0504000000000000" pitchFamily="34" charset="0"/>
-                <a:ea typeface="Euclid Circular B" panose="020B0504000000000000" pitchFamily="34" charset="0"/>
-              </a:rPr>
-              <a:t>Keep </a:t>
-            </a:r>
-            <a:r>
-              <a:rPr lang="tr-TR" b="1" dirty="0">
-                <a:latin typeface="Euclid Circular B" panose="020B0504000000000000" pitchFamily="34" charset="0"/>
-                <a:ea typeface="Euclid Circular B" panose="020B0504000000000000" pitchFamily="34" charset="0"/>
-              </a:rPr>
-              <a:t>customized code </a:t>
-            </a:r>
-            <a:r>
-              <a:rPr lang="tr-TR" dirty="0">
-                <a:latin typeface="Euclid Circular B" panose="020B0504000000000000" pitchFamily="34" charset="0"/>
-                <a:ea typeface="Euclid Circular B" panose="020B0504000000000000" pitchFamily="34" charset="0"/>
-              </a:rPr>
-              <a:t>on re-generation for CRUD page generation</a:t>
-            </a:r>
-          </a:p>
-          <a:p>
-            <a:pPr lvl="2"/>
-            <a:r>
-              <a:rPr lang="tr-TR" b="1" dirty="0">
-                <a:latin typeface="Euclid Circular B" panose="020B0504000000000000" pitchFamily="34" charset="0"/>
-                <a:ea typeface="Euclid Circular B" panose="020B0504000000000000" pitchFamily="34" charset="0"/>
-              </a:rPr>
-              <a:t>Master/Detail</a:t>
-            </a:r>
-            <a:r>
-              <a:rPr lang="tr-TR" dirty="0">
-                <a:latin typeface="Euclid Circular B" panose="020B0504000000000000" pitchFamily="34" charset="0"/>
-                <a:ea typeface="Euclid Circular B" panose="020B0504000000000000" pitchFamily="34" charset="0"/>
-              </a:rPr>
-              <a:t> entity support for CRUD code generation*</a:t>
-            </a:r>
-          </a:p>
-          <a:p>
-            <a:pPr lvl="1"/>
-            <a:r>
-              <a:rPr lang="tr-TR" dirty="0">
-                <a:latin typeface="Euclid Circular B" panose="020B0504000000000000" pitchFamily="34" charset="0"/>
-                <a:ea typeface="Euclid Circular B" panose="020B0504000000000000" pitchFamily="34" charset="0"/>
-              </a:rPr>
-              <a:t>Modules:</a:t>
-            </a:r>
-          </a:p>
-          <a:p>
-            <a:pPr lvl="2"/>
-            <a:r>
-              <a:rPr lang="tr-TR" u="sng" dirty="0">
-                <a:latin typeface="Euclid Circular B" panose="020B0504000000000000" pitchFamily="34" charset="0"/>
-                <a:ea typeface="Euclid Circular B" panose="020B0504000000000000" pitchFamily="34" charset="0"/>
-              </a:rPr>
-              <a:t>Account/Identity</a:t>
-            </a:r>
-            <a:r>
-              <a:rPr lang="tr-TR" dirty="0">
-                <a:latin typeface="Euclid Circular B" panose="020B0504000000000000" pitchFamily="34" charset="0"/>
-                <a:ea typeface="Euclid Circular B" panose="020B0504000000000000" pitchFamily="34" charset="0"/>
-              </a:rPr>
-              <a:t>: </a:t>
-            </a:r>
-            <a:r>
-              <a:rPr lang="tr-TR" b="1" dirty="0">
-                <a:latin typeface="Euclid Circular B" panose="020B0504000000000000" pitchFamily="34" charset="0"/>
-                <a:ea typeface="Euclid Circular B" panose="020B0504000000000000" pitchFamily="34" charset="0"/>
-              </a:rPr>
-              <a:t>Password complexity</a:t>
-            </a:r>
-            <a:r>
-              <a:rPr lang="tr-TR" dirty="0">
-                <a:latin typeface="Euclid Circular B" panose="020B0504000000000000" pitchFamily="34" charset="0"/>
-                <a:ea typeface="Euclid Circular B" panose="020B0504000000000000" pitchFamily="34" charset="0"/>
-              </a:rPr>
-              <a:t> indicator</a:t>
-            </a:r>
-          </a:p>
-          <a:p>
-            <a:pPr lvl="2"/>
-            <a:r>
-              <a:rPr lang="tr-TR" u="sng" dirty="0">
-                <a:latin typeface="Euclid Circular B" panose="020B0504000000000000" pitchFamily="34" charset="0"/>
-                <a:ea typeface="Euclid Circular B" panose="020B0504000000000000" pitchFamily="34" charset="0"/>
-              </a:rPr>
-              <a:t>Chat</a:t>
-            </a:r>
-            <a:r>
-              <a:rPr lang="tr-TR" dirty="0">
-                <a:latin typeface="Euclid Circular B" panose="020B0504000000000000" pitchFamily="34" charset="0"/>
-                <a:ea typeface="Euclid Circular B" panose="020B0504000000000000" pitchFamily="34" charset="0"/>
-              </a:rPr>
-              <a:t>: </a:t>
-            </a:r>
-            <a:r>
-              <a:rPr lang="tr-TR" b="1" dirty="0">
-                <a:latin typeface="Euclid Circular B" panose="020B0504000000000000" pitchFamily="34" charset="0"/>
-                <a:ea typeface="Euclid Circular B" panose="020B0504000000000000" pitchFamily="34" charset="0"/>
-              </a:rPr>
-              <a:t>Delete messages</a:t>
-            </a:r>
-            <a:r>
-              <a:rPr lang="tr-TR" dirty="0">
-                <a:latin typeface="Euclid Circular B" panose="020B0504000000000000" pitchFamily="34" charset="0"/>
-                <a:ea typeface="Euclid Circular B" panose="020B0504000000000000" pitchFamily="34" charset="0"/>
-              </a:rPr>
-              <a:t>/converstations</a:t>
-            </a:r>
-            <a:endParaRPr lang="en-US" dirty="0">
-              <a:latin typeface="Euclid Circular B" panose="020B0504000000000000" pitchFamily="34" charset="0"/>
-              <a:ea typeface="Euclid Circular B" panose="020B0504000000000000" pitchFamily="34" charset="0"/>
-            </a:endParaRPr>
-          </a:p>
-          <a:p>
-            <a:pPr lvl="2"/>
-            <a:r>
-              <a:rPr lang="tr-TR" u="sng" dirty="0">
-                <a:latin typeface="Euclid Circular B" panose="020B0504000000000000" pitchFamily="34" charset="0"/>
-                <a:ea typeface="Euclid Circular B" panose="020B0504000000000000" pitchFamily="34" charset="0"/>
-              </a:rPr>
-              <a:t>Text Template Management</a:t>
-            </a:r>
-            <a:r>
-              <a:rPr lang="tr-TR" dirty="0">
-                <a:latin typeface="Euclid Circular B" panose="020B0504000000000000" pitchFamily="34" charset="0"/>
-                <a:ea typeface="Euclid Circular B" panose="020B0504000000000000" pitchFamily="34" charset="0"/>
-              </a:rPr>
-              <a:t>: Support </a:t>
-            </a:r>
-            <a:r>
-              <a:rPr lang="tr-TR" b="1" dirty="0">
-                <a:latin typeface="Euclid Circular B" panose="020B0504000000000000" pitchFamily="34" charset="0"/>
-                <a:ea typeface="Euclid Circular B" panose="020B0504000000000000" pitchFamily="34" charset="0"/>
-              </a:rPr>
-              <a:t>distributed </a:t>
-            </a:r>
-            <a:r>
-              <a:rPr lang="tr-TR" dirty="0">
-                <a:latin typeface="Euclid Circular B" panose="020B0504000000000000" pitchFamily="34" charset="0"/>
-                <a:ea typeface="Euclid Circular B" panose="020B0504000000000000" pitchFamily="34" charset="0"/>
-              </a:rPr>
-              <a:t>systems for </a:t>
-            </a:r>
-            <a:r>
-              <a:rPr lang="tr-TR" b="1" dirty="0">
-                <a:latin typeface="Euclid Circular B" panose="020B0504000000000000" pitchFamily="34" charset="0"/>
-                <a:ea typeface="Euclid Circular B" panose="020B0504000000000000" pitchFamily="34" charset="0"/>
-              </a:rPr>
-              <a:t>text template customizations</a:t>
-            </a:r>
-          </a:p>
-        </p:txBody>
-      </p:sp>
-    </p:spTree>
-    <p:extLst>
-      <p:ext uri="{BB962C8B-B14F-4D97-AF65-F5344CB8AC3E}">
-        <p14:creationId xmlns:p14="http://schemas.microsoft.com/office/powerpoint/2010/main" val="2385001736"/>
-      </p:ext>
-    </p:extLst>
-  </p:cSld>
-  <p:clrMapOvr>
-    <a:masterClrMapping/>
-  </p:clrMapOvr>
-  <p:timing>
-    <p:tnLst>
-      <p:par>
-        <p:cTn id="1" dur="indefinite" restart="never" nodeType="tmRoot">
-          <p:childTnLst>
-            <p:seq concurrent="1" nextAc="seek">
-              <p:cTn id="2" dur="indefinite" nodeType="mainSeq">
-                <p:childTnLst>
-                  <p:par>
-                    <p:cTn id="3" fill="hold">
-                      <p:stCondLst>
-                        <p:cond delay="indefinite"/>
-                      </p:stCondLst>
-                      <p:childTnLst>
-                        <p:par>
-                          <p:cTn id="4" fill="hold">
-                            <p:stCondLst>
-                              <p:cond delay="0"/>
-                            </p:stCondLst>
-                            <p:childTnLst>
-                              <p:par>
-                                <p:cTn id="5" presetID="10" presetClass="entr" presetSubtype="0" fill="hold" nodeType="clickEffect">
-                                  <p:stCondLst>
-                                    <p:cond delay="0"/>
-                                  </p:stCondLst>
-                                  <p:childTnLst>
-                                    <p:set>
-                                      <p:cBhvr>
-                                        <p:cTn id="6" dur="1" fill="hold">
-                                          <p:stCondLst>
-                                            <p:cond delay="0"/>
-                                          </p:stCondLst>
-                                        </p:cTn>
-                                        <p:tgtEl>
-                                          <p:spTgt spid="3">
-                                            <p:txEl>
-                                              <p:pRg st="0" end="0"/>
-                                            </p:txEl>
-                                          </p:spTgt>
-                                        </p:tgtEl>
-                                        <p:attrNameLst>
-                                          <p:attrName>style.visibility</p:attrName>
-                                        </p:attrNameLst>
-                                      </p:cBhvr>
-                                      <p:to>
-                                        <p:strVal val="visible"/>
-                                      </p:to>
-                                    </p:set>
-                                    <p:animEffect transition="in" filter="fade">
-                                      <p:cBhvr>
-                                        <p:cTn id="7" dur="500"/>
-                                        <p:tgtEl>
-                                          <p:spTgt spid="3">
-                                            <p:txEl>
-                                              <p:pRg st="0" end="0"/>
-                                            </p:txEl>
-                                          </p:spTgt>
-                                        </p:tgtEl>
-                                      </p:cBhvr>
-                                    </p:animEffect>
-                                  </p:childTnLst>
-                                </p:cTn>
-                              </p:par>
-                            </p:childTnLst>
-                          </p:cTn>
-                        </p:par>
-                      </p:childTnLst>
-                    </p:cTn>
-                  </p:par>
-                  <p:par>
-                    <p:cTn id="8" fill="hold">
-                      <p:stCondLst>
-                        <p:cond delay="indefinite"/>
-                      </p:stCondLst>
-                      <p:childTnLst>
-                        <p:par>
-                          <p:cTn id="9" fill="hold">
-                            <p:stCondLst>
-                              <p:cond delay="0"/>
-                            </p:stCondLst>
-                            <p:childTnLst>
-                              <p:par>
-                                <p:cTn id="10" presetID="10" presetClass="entr" presetSubtype="0" fill="hold" nodeType="clickEffect">
-                                  <p:stCondLst>
-                                    <p:cond delay="0"/>
-                                  </p:stCondLst>
-                                  <p:childTnLst>
-                                    <p:set>
-                                      <p:cBhvr>
-                                        <p:cTn id="11" dur="1" fill="hold">
-                                          <p:stCondLst>
-                                            <p:cond delay="0"/>
-                                          </p:stCondLst>
-                                        </p:cTn>
-                                        <p:tgtEl>
-                                          <p:spTgt spid="3">
-                                            <p:txEl>
-                                              <p:pRg st="1" end="1"/>
-                                            </p:txEl>
-                                          </p:spTgt>
-                                        </p:tgtEl>
-                                        <p:attrNameLst>
-                                          <p:attrName>style.visibility</p:attrName>
-                                        </p:attrNameLst>
-                                      </p:cBhvr>
-                                      <p:to>
-                                        <p:strVal val="visible"/>
-                                      </p:to>
-                                    </p:set>
-                                    <p:animEffect transition="in" filter="fade">
-                                      <p:cBhvr>
-                                        <p:cTn id="12" dur="500"/>
-                                        <p:tgtEl>
-                                          <p:spTgt spid="3">
-                                            <p:txEl>
-                                              <p:pRg st="1" end="1"/>
-                                            </p:txEl>
-                                          </p:spTgt>
-                                        </p:tgtEl>
-                                      </p:cBhvr>
-                                    </p:animEffect>
-                                  </p:childTnLst>
-                                </p:cTn>
-                              </p:par>
-                              <p:par>
-                                <p:cTn id="13" presetID="10" presetClass="entr" presetSubtype="0" fill="hold" nodeType="withEffect">
-                                  <p:stCondLst>
-                                    <p:cond delay="0"/>
-                                  </p:stCondLst>
-                                  <p:childTnLst>
-                                    <p:set>
-                                      <p:cBhvr>
-                                        <p:cTn id="14" dur="1" fill="hold">
-                                          <p:stCondLst>
-                                            <p:cond delay="0"/>
-                                          </p:stCondLst>
-                                        </p:cTn>
-                                        <p:tgtEl>
-                                          <p:spTgt spid="3">
-                                            <p:txEl>
-                                              <p:pRg st="2" end="2"/>
-                                            </p:txEl>
-                                          </p:spTgt>
-                                        </p:tgtEl>
-                                        <p:attrNameLst>
-                                          <p:attrName>style.visibility</p:attrName>
-                                        </p:attrNameLst>
-                                      </p:cBhvr>
-                                      <p:to>
-                                        <p:strVal val="visible"/>
-                                      </p:to>
-                                    </p:set>
-                                    <p:animEffect transition="in" filter="fade">
-                                      <p:cBhvr>
-                                        <p:cTn id="15" dur="500"/>
-                                        <p:tgtEl>
-                                          <p:spTgt spid="3">
-                                            <p:txEl>
-                                              <p:pRg st="2" end="2"/>
-                                            </p:txEl>
-                                          </p:spTgt>
-                                        </p:tgtEl>
-                                      </p:cBhvr>
-                                    </p:animEffect>
-                                  </p:childTnLst>
-                                </p:cTn>
-                              </p:par>
-                              <p:par>
-                                <p:cTn id="16" presetID="10" presetClass="entr" presetSubtype="0" fill="hold" nodeType="withEffect">
-                                  <p:stCondLst>
-                                    <p:cond delay="0"/>
-                                  </p:stCondLst>
-                                  <p:childTnLst>
-                                    <p:set>
-                                      <p:cBhvr>
-                                        <p:cTn id="17" dur="1" fill="hold">
-                                          <p:stCondLst>
-                                            <p:cond delay="0"/>
-                                          </p:stCondLst>
-                                        </p:cTn>
-                                        <p:tgtEl>
-                                          <p:spTgt spid="3">
-                                            <p:txEl>
-                                              <p:pRg st="3" end="3"/>
-                                            </p:txEl>
-                                          </p:spTgt>
-                                        </p:tgtEl>
-                                        <p:attrNameLst>
-                                          <p:attrName>style.visibility</p:attrName>
-                                        </p:attrNameLst>
-                                      </p:cBhvr>
-                                      <p:to>
-                                        <p:strVal val="visible"/>
-                                      </p:to>
-                                    </p:set>
-                                    <p:animEffect transition="in" filter="fade">
-                                      <p:cBhvr>
-                                        <p:cTn id="18" dur="500"/>
-                                        <p:tgtEl>
-                                          <p:spTgt spid="3">
-                                            <p:txEl>
-                                              <p:pRg st="3" end="3"/>
-                                            </p:txEl>
-                                          </p:spTgt>
-                                        </p:tgtEl>
-                                      </p:cBhvr>
-                                    </p:animEffect>
-                                  </p:childTnLst>
-                                </p:cTn>
-                              </p:par>
-                              <p:par>
-                                <p:cTn id="19" presetID="10" presetClass="entr" presetSubtype="0" fill="hold" nodeType="withEffect">
-                                  <p:stCondLst>
-                                    <p:cond delay="0"/>
-                                  </p:stCondLst>
-                                  <p:childTnLst>
-                                    <p:set>
-                                      <p:cBhvr>
-                                        <p:cTn id="20" dur="1" fill="hold">
-                                          <p:stCondLst>
-                                            <p:cond delay="0"/>
-                                          </p:stCondLst>
-                                        </p:cTn>
-                                        <p:tgtEl>
-                                          <p:spTgt spid="3">
-                                            <p:txEl>
-                                              <p:pRg st="4" end="4"/>
-                                            </p:txEl>
-                                          </p:spTgt>
-                                        </p:tgtEl>
-                                        <p:attrNameLst>
-                                          <p:attrName>style.visibility</p:attrName>
-                                        </p:attrNameLst>
-                                      </p:cBhvr>
-                                      <p:to>
-                                        <p:strVal val="visible"/>
-                                      </p:to>
-                                    </p:set>
-                                    <p:animEffect transition="in" filter="fade">
-                                      <p:cBhvr>
-                                        <p:cTn id="21" dur="500"/>
-                                        <p:tgtEl>
-                                          <p:spTgt spid="3">
-                                            <p:txEl>
-                                              <p:pRg st="4" end="4"/>
-                                            </p:txEl>
-                                          </p:spTgt>
-                                        </p:tgtEl>
-                                      </p:cBhvr>
-                                    </p:animEffect>
-                                  </p:childTnLst>
-                                </p:cTn>
-                              </p:par>
-                            </p:childTnLst>
-                          </p:cTn>
-                        </p:par>
-                      </p:childTnLst>
-                    </p:cTn>
-                  </p:par>
-                  <p:par>
-                    <p:cTn id="22" fill="hold">
-                      <p:stCondLst>
-                        <p:cond delay="indefinite"/>
-                      </p:stCondLst>
-                      <p:childTnLst>
-                        <p:par>
-                          <p:cTn id="23" fill="hold">
-                            <p:stCondLst>
-                              <p:cond delay="0"/>
-                            </p:stCondLst>
-                            <p:childTnLst>
-                              <p:par>
-                                <p:cTn id="24" presetID="10" presetClass="entr" presetSubtype="0" fill="hold" nodeType="clickEffect">
-                                  <p:stCondLst>
-                                    <p:cond delay="0"/>
-                                  </p:stCondLst>
-                                  <p:childTnLst>
-                                    <p:set>
-                                      <p:cBhvr>
-                                        <p:cTn id="25" dur="1" fill="hold">
-                                          <p:stCondLst>
-                                            <p:cond delay="0"/>
-                                          </p:stCondLst>
-                                        </p:cTn>
-                                        <p:tgtEl>
-                                          <p:spTgt spid="3">
-                                            <p:txEl>
-                                              <p:pRg st="5" end="5"/>
-                                            </p:txEl>
-                                          </p:spTgt>
-                                        </p:tgtEl>
-                                        <p:attrNameLst>
-                                          <p:attrName>style.visibility</p:attrName>
-                                        </p:attrNameLst>
-                                      </p:cBhvr>
-                                      <p:to>
-                                        <p:strVal val="visible"/>
-                                      </p:to>
-                                    </p:set>
-                                    <p:animEffect transition="in" filter="fade">
-                                      <p:cBhvr>
-                                        <p:cTn id="26" dur="500"/>
-                                        <p:tgtEl>
-                                          <p:spTgt spid="3">
-                                            <p:txEl>
-                                              <p:pRg st="5" end="5"/>
-                                            </p:txEl>
-                                          </p:spTgt>
-                                        </p:tgtEl>
-                                      </p:cBhvr>
-                                    </p:animEffect>
-                                  </p:childTnLst>
-                                </p:cTn>
-                              </p:par>
-                            </p:childTnLst>
-                          </p:cTn>
-                        </p:par>
-                      </p:childTnLst>
-                    </p:cTn>
-                  </p:par>
-                  <p:par>
-                    <p:cTn id="27" fill="hold">
-                      <p:stCondLst>
-                        <p:cond delay="indefinite"/>
-                      </p:stCondLst>
-                      <p:childTnLst>
-                        <p:par>
-                          <p:cTn id="28" fill="hold">
-                            <p:stCondLst>
-                              <p:cond delay="0"/>
-                            </p:stCondLst>
-                            <p:childTnLst>
-                              <p:par>
-                                <p:cTn id="29" presetID="10" presetClass="entr" presetSubtype="0" fill="hold" nodeType="clickEffect">
-                                  <p:stCondLst>
-                                    <p:cond delay="0"/>
-                                  </p:stCondLst>
-                                  <p:childTnLst>
-                                    <p:set>
-                                      <p:cBhvr>
-                                        <p:cTn id="30" dur="1" fill="hold">
-                                          <p:stCondLst>
-                                            <p:cond delay="0"/>
-                                          </p:stCondLst>
-                                        </p:cTn>
-                                        <p:tgtEl>
-                                          <p:spTgt spid="3">
-                                            <p:txEl>
-                                              <p:pRg st="6" end="6"/>
-                                            </p:txEl>
-                                          </p:spTgt>
-                                        </p:tgtEl>
-                                        <p:attrNameLst>
-                                          <p:attrName>style.visibility</p:attrName>
-                                        </p:attrNameLst>
-                                      </p:cBhvr>
-                                      <p:to>
-                                        <p:strVal val="visible"/>
-                                      </p:to>
-                                    </p:set>
-                                    <p:animEffect transition="in" filter="fade">
-                                      <p:cBhvr>
-                                        <p:cTn id="31" dur="500"/>
-                                        <p:tgtEl>
-                                          <p:spTgt spid="3">
-                                            <p:txEl>
-                                              <p:pRg st="6" end="6"/>
-                                            </p:txEl>
-                                          </p:spTgt>
-                                        </p:tgtEl>
-                                      </p:cBhvr>
-                                    </p:animEffect>
-                                  </p:childTnLst>
-                                </p:cTn>
-                              </p:par>
-                              <p:par>
-                                <p:cTn id="32" presetID="10" presetClass="entr" presetSubtype="0" fill="hold" nodeType="withEffect">
-                                  <p:stCondLst>
-                                    <p:cond delay="0"/>
-                                  </p:stCondLst>
-                                  <p:childTnLst>
-                                    <p:set>
-                                      <p:cBhvr>
-                                        <p:cTn id="33" dur="1" fill="hold">
-                                          <p:stCondLst>
-                                            <p:cond delay="0"/>
-                                          </p:stCondLst>
-                                        </p:cTn>
-                                        <p:tgtEl>
-                                          <p:spTgt spid="3">
-                                            <p:txEl>
-                                              <p:pRg st="7" end="7"/>
-                                            </p:txEl>
-                                          </p:spTgt>
-                                        </p:tgtEl>
-                                        <p:attrNameLst>
-                                          <p:attrName>style.visibility</p:attrName>
-                                        </p:attrNameLst>
-                                      </p:cBhvr>
-                                      <p:to>
-                                        <p:strVal val="visible"/>
-                                      </p:to>
-                                    </p:set>
-                                    <p:animEffect transition="in" filter="fade">
-                                      <p:cBhvr>
-                                        <p:cTn id="34" dur="500"/>
-                                        <p:tgtEl>
-                                          <p:spTgt spid="3">
-                                            <p:txEl>
-                                              <p:pRg st="7" end="7"/>
-                                            </p:txEl>
-                                          </p:spTgt>
-                                        </p:tgtEl>
-                                      </p:cBhvr>
-                                    </p:animEffect>
-                                  </p:childTnLst>
-                                </p:cTn>
-                              </p:par>
-                            </p:childTnLst>
-                          </p:cTn>
-                        </p:par>
-                      </p:childTnLst>
-                    </p:cTn>
-                  </p:par>
-                  <p:par>
-                    <p:cTn id="35" fill="hold">
-                      <p:stCondLst>
-                        <p:cond delay="indefinite"/>
-                      </p:stCondLst>
-                      <p:childTnLst>
-                        <p:par>
-                          <p:cTn id="36" fill="hold">
-                            <p:stCondLst>
-                              <p:cond delay="0"/>
-                            </p:stCondLst>
-                            <p:childTnLst>
-                              <p:par>
-                                <p:cTn id="37" presetID="10" presetClass="entr" presetSubtype="0" fill="hold" nodeType="clickEffect">
-                                  <p:stCondLst>
-                                    <p:cond delay="0"/>
-                                  </p:stCondLst>
-                                  <p:childTnLst>
-                                    <p:set>
-                                      <p:cBhvr>
-                                        <p:cTn id="38" dur="1" fill="hold">
-                                          <p:stCondLst>
-                                            <p:cond delay="0"/>
-                                          </p:stCondLst>
-                                        </p:cTn>
-                                        <p:tgtEl>
-                                          <p:spTgt spid="3">
-                                            <p:txEl>
-                                              <p:pRg st="8" end="8"/>
-                                            </p:txEl>
-                                          </p:spTgt>
-                                        </p:tgtEl>
-                                        <p:attrNameLst>
-                                          <p:attrName>style.visibility</p:attrName>
-                                        </p:attrNameLst>
-                                      </p:cBhvr>
-                                      <p:to>
-                                        <p:strVal val="visible"/>
-                                      </p:to>
-                                    </p:set>
-                                    <p:animEffect transition="in" filter="fade">
-                                      <p:cBhvr>
-                                        <p:cTn id="39" dur="500"/>
-                                        <p:tgtEl>
-                                          <p:spTgt spid="3">
-                                            <p:txEl>
-                                              <p:pRg st="8" end="8"/>
-                                            </p:txEl>
-                                          </p:spTgt>
-                                        </p:tgtEl>
-                                      </p:cBhvr>
-                                    </p:animEffect>
-                                  </p:childTnLst>
-                                </p:cTn>
-                              </p:par>
-                              <p:par>
-                                <p:cTn id="40" presetID="10" presetClass="entr" presetSubtype="0" fill="hold" nodeType="withEffect">
-                                  <p:stCondLst>
-                                    <p:cond delay="0"/>
-                                  </p:stCondLst>
-                                  <p:childTnLst>
-                                    <p:set>
-                                      <p:cBhvr>
-                                        <p:cTn id="41" dur="1" fill="hold">
-                                          <p:stCondLst>
-                                            <p:cond delay="0"/>
-                                          </p:stCondLst>
-                                        </p:cTn>
-                                        <p:tgtEl>
-                                          <p:spTgt spid="3">
-                                            <p:txEl>
-                                              <p:pRg st="9" end="9"/>
-                                            </p:txEl>
-                                          </p:spTgt>
-                                        </p:tgtEl>
-                                        <p:attrNameLst>
-                                          <p:attrName>style.visibility</p:attrName>
-                                        </p:attrNameLst>
-                                      </p:cBhvr>
-                                      <p:to>
-                                        <p:strVal val="visible"/>
-                                      </p:to>
-                                    </p:set>
-                                    <p:animEffect transition="in" filter="fade">
-                                      <p:cBhvr>
-                                        <p:cTn id="42" dur="500"/>
-                                        <p:tgtEl>
-                                          <p:spTgt spid="3">
-                                            <p:txEl>
-                                              <p:pRg st="9" end="9"/>
-                                            </p:txEl>
-                                          </p:spTgt>
-                                        </p:tgtEl>
-                                      </p:cBhvr>
-                                    </p:animEffect>
-                                  </p:childTnLst>
-                                </p:cTn>
-                              </p:par>
-                              <p:par>
-                                <p:cTn id="43" presetID="10" presetClass="entr" presetSubtype="0" fill="hold" nodeType="withEffect">
-                                  <p:stCondLst>
-                                    <p:cond delay="0"/>
-                                  </p:stCondLst>
-                                  <p:childTnLst>
-                                    <p:set>
-                                      <p:cBhvr>
-                                        <p:cTn id="44" dur="1" fill="hold">
-                                          <p:stCondLst>
-                                            <p:cond delay="0"/>
-                                          </p:stCondLst>
-                                        </p:cTn>
-                                        <p:tgtEl>
-                                          <p:spTgt spid="3">
-                                            <p:txEl>
-                                              <p:pRg st="10" end="10"/>
-                                            </p:txEl>
-                                          </p:spTgt>
-                                        </p:tgtEl>
-                                        <p:attrNameLst>
-                                          <p:attrName>style.visibility</p:attrName>
-                                        </p:attrNameLst>
-                                      </p:cBhvr>
-                                      <p:to>
-                                        <p:strVal val="visible"/>
-                                      </p:to>
-                                    </p:set>
-                                    <p:animEffect transition="in" filter="fade">
-                                      <p:cBhvr>
-                                        <p:cTn id="45" dur="500"/>
-                                        <p:tgtEl>
-                                          <p:spTgt spid="3">
-                                            <p:txEl>
-                                              <p:pRg st="10" end="10"/>
-                                            </p:txEl>
-                                          </p:spTgt>
-                                        </p:tgtEl>
-                                      </p:cBhvr>
-                                    </p:animEffect>
-                                  </p:childTnLst>
-                                </p:cTn>
-                              </p:par>
-                            </p:childTnLst>
-                          </p:cTn>
-                        </p:par>
-                      </p:childTnLst>
-                    </p:cTn>
-                  </p:par>
-                  <p:par>
-                    <p:cTn id="46" fill="hold">
-                      <p:stCondLst>
-                        <p:cond delay="indefinite"/>
-                      </p:stCondLst>
-                      <p:childTnLst>
-                        <p:par>
-                          <p:cTn id="47" fill="hold">
-                            <p:stCondLst>
-                              <p:cond delay="0"/>
-                            </p:stCondLst>
-                            <p:childTnLst>
-                              <p:par>
-                                <p:cTn id="48" presetID="10" presetClass="entr" presetSubtype="0" fill="hold" nodeType="clickEffect">
-                                  <p:stCondLst>
-                                    <p:cond delay="0"/>
-                                  </p:stCondLst>
-                                  <p:childTnLst>
-                                    <p:set>
-                                      <p:cBhvr>
-                                        <p:cTn id="49" dur="1" fill="hold">
-                                          <p:stCondLst>
-                                            <p:cond delay="0"/>
-                                          </p:stCondLst>
-                                        </p:cTn>
-                                        <p:tgtEl>
-                                          <p:spTgt spid="3">
-                                            <p:txEl>
-                                              <p:pRg st="11" end="11"/>
-                                            </p:txEl>
-                                          </p:spTgt>
-                                        </p:tgtEl>
-                                        <p:attrNameLst>
-                                          <p:attrName>style.visibility</p:attrName>
-                                        </p:attrNameLst>
-                                      </p:cBhvr>
-                                      <p:to>
-                                        <p:strVal val="visible"/>
-                                      </p:to>
-                                    </p:set>
-                                    <p:animEffect transition="in" filter="fade">
-                                      <p:cBhvr>
-                                        <p:cTn id="50" dur="500"/>
-                                        <p:tgtEl>
-                                          <p:spTgt spid="3">
-                                            <p:txEl>
-                                              <p:pRg st="11" end="11"/>
-                                            </p:txEl>
-                                          </p:spTgt>
-                                        </p:tgtEl>
-                                      </p:cBhvr>
-                                    </p:animEffect>
-                                  </p:childTnLst>
-                                </p:cTn>
-                              </p:par>
-                              <p:par>
-                                <p:cTn id="51" presetID="10" presetClass="entr" presetSubtype="0" fill="hold" nodeType="withEffect">
-                                  <p:stCondLst>
-                                    <p:cond delay="0"/>
-                                  </p:stCondLst>
-                                  <p:childTnLst>
-                                    <p:set>
-                                      <p:cBhvr>
-                                        <p:cTn id="52" dur="1" fill="hold">
-                                          <p:stCondLst>
-                                            <p:cond delay="0"/>
-                                          </p:stCondLst>
-                                        </p:cTn>
-                                        <p:tgtEl>
-                                          <p:spTgt spid="3">
-                                            <p:txEl>
-                                              <p:pRg st="12" end="12"/>
-                                            </p:txEl>
-                                          </p:spTgt>
-                                        </p:tgtEl>
-                                        <p:attrNameLst>
-                                          <p:attrName>style.visibility</p:attrName>
-                                        </p:attrNameLst>
-                                      </p:cBhvr>
-                                      <p:to>
-                                        <p:strVal val="visible"/>
-                                      </p:to>
-                                    </p:set>
-                                    <p:animEffect transition="in" filter="fade">
-                                      <p:cBhvr>
-                                        <p:cTn id="53" dur="500"/>
-                                        <p:tgtEl>
-                                          <p:spTgt spid="3">
-                                            <p:txEl>
-                                              <p:pRg st="12" end="12"/>
-                                            </p:txEl>
-                                          </p:spTgt>
-                                        </p:tgtEl>
-                                      </p:cBhvr>
-                                    </p:animEffect>
-                                  </p:childTnLst>
-                                </p:cTn>
-                              </p:par>
-                              <p:par>
-                                <p:cTn id="54" presetID="10" presetClass="entr" presetSubtype="0" fill="hold" nodeType="withEffect">
-                                  <p:stCondLst>
-                                    <p:cond delay="0"/>
-                                  </p:stCondLst>
-                                  <p:childTnLst>
-                                    <p:set>
-                                      <p:cBhvr>
-                                        <p:cTn id="55" dur="1" fill="hold">
-                                          <p:stCondLst>
-                                            <p:cond delay="0"/>
-                                          </p:stCondLst>
-                                        </p:cTn>
-                                        <p:tgtEl>
-                                          <p:spTgt spid="3">
-                                            <p:txEl>
-                                              <p:pRg st="13" end="13"/>
-                                            </p:txEl>
-                                          </p:spTgt>
-                                        </p:tgtEl>
-                                        <p:attrNameLst>
-                                          <p:attrName>style.visibility</p:attrName>
-                                        </p:attrNameLst>
-                                      </p:cBhvr>
-                                      <p:to>
-                                        <p:strVal val="visible"/>
-                                      </p:to>
-                                    </p:set>
-                                    <p:animEffect transition="in" filter="fade">
-                                      <p:cBhvr>
-                                        <p:cTn id="56" dur="500"/>
-                                        <p:tgtEl>
-                                          <p:spTgt spid="3">
-                                            <p:txEl>
-                                              <p:pRg st="13" end="13"/>
-                                            </p:txEl>
-                                          </p:spTgt>
-                                        </p:tgtEl>
-                                      </p:cBhvr>
-                                    </p:animEffect>
-                                  </p:childTnLst>
-                                </p:cTn>
-                              </p:par>
-                              <p:par>
-                                <p:cTn id="57" presetID="10" presetClass="entr" presetSubtype="0" fill="hold" nodeType="withEffect">
-                                  <p:stCondLst>
-                                    <p:cond delay="0"/>
-                                  </p:stCondLst>
-                                  <p:childTnLst>
-                                    <p:set>
-                                      <p:cBhvr>
-                                        <p:cTn id="58" dur="1" fill="hold">
-                                          <p:stCondLst>
-                                            <p:cond delay="0"/>
-                                          </p:stCondLst>
-                                        </p:cTn>
-                                        <p:tgtEl>
-                                          <p:spTgt spid="3">
-                                            <p:txEl>
-                                              <p:pRg st="14" end="14"/>
-                                            </p:txEl>
-                                          </p:spTgt>
-                                        </p:tgtEl>
-                                        <p:attrNameLst>
-                                          <p:attrName>style.visibility</p:attrName>
-                                        </p:attrNameLst>
-                                      </p:cBhvr>
-                                      <p:to>
-                                        <p:strVal val="visible"/>
-                                      </p:to>
-                                    </p:set>
-                                    <p:animEffect transition="in" filter="fade">
-                                      <p:cBhvr>
-                                        <p:cTn id="59" dur="500"/>
-                                        <p:tgtEl>
-                                          <p:spTgt spid="3">
-                                            <p:txEl>
-                                              <p:pRg st="14" end="14"/>
                                             </p:txEl>
                                           </p:spTgt>
                                         </p:tgtEl>
@@ -9066,34 +8464,11 @@
                 <a:latin typeface="Euclid Circular B" panose="020B0504000000000000" pitchFamily="34" charset="0"/>
                 <a:ea typeface="Euclid Circular B" panose="020B0504000000000000" pitchFamily="34" charset="0"/>
               </a:rPr>
-              <a:t>Mobile Application Improvements</a:t>
-            </a:r>
-            <a:br>
-              <a:rPr lang="tr-TR" b="1" dirty="0">
-                <a:solidFill>
-                  <a:srgbClr val="292D33"/>
-                </a:solidFill>
-                <a:latin typeface="Euclid Circular B" panose="020B0504000000000000" pitchFamily="34" charset="0"/>
-                <a:ea typeface="Euclid Circular B" panose="020B0504000000000000" pitchFamily="34" charset="0"/>
-              </a:rPr>
-            </a:br>
-            <a:r>
-              <a:rPr lang="tr-TR" sz="3600" b="1" dirty="0">
-                <a:solidFill>
-                  <a:schemeClr val="accent3">
-                    <a:lumMod val="75000"/>
-                  </a:schemeClr>
-                </a:solidFill>
-                <a:latin typeface="Euclid Circular B" panose="020B0504000000000000" pitchFamily="34" charset="0"/>
-                <a:ea typeface="Euclid Circular B" panose="020B0504000000000000" pitchFamily="34" charset="0"/>
-              </a:rPr>
-              <a:t>coming with the ABP v7.4</a:t>
-            </a:r>
-            <a:endParaRPr lang="en-US" sz="3600" b="1" dirty="0">
+              <a:t>ABP v7.4 RC</a:t>
+            </a:r>
+            <a:endParaRPr lang="en-US" b="1" dirty="0">
               <a:solidFill>
-                <a:schemeClr val="accent3">
-                  <a:lumMod val="75000"/>
-                </a:schemeClr>
+                <a:srgbClr val="292D33"/>
               </a:solidFill>
               <a:latin typeface="Euclid Circular B" panose="020B0504000000000000" pitchFamily="34" charset="0"/>
               <a:ea typeface="Euclid Circular B" panose="020B0504000000000000" pitchFamily="34" charset="0"/>
@@ -9119,7 +8494,9 @@
         </p:nvSpPr>
         <p:spPr/>
         <p:txBody>
-          <a:bodyPr/>
+          <a:bodyPr>
+            <a:normAutofit fontScale="85000" lnSpcReduction="20000"/>
+          </a:bodyPr>
           <a:lstStyle/>
           <a:p>
             <a:r>
@@ -9127,21 +8504,21 @@
                 <a:latin typeface="Euclid Circular B" panose="020B0504000000000000" pitchFamily="34" charset="0"/>
                 <a:ea typeface="Euclid Circular B" panose="020B0504000000000000" pitchFamily="34" charset="0"/>
               </a:rPr>
-              <a:t>Revised the </a:t>
+              <a:t>Planned Release Date: </a:t>
             </a:r>
             <a:r>
               <a:rPr lang="tr-TR" b="1" dirty="0">
                 <a:latin typeface="Euclid Circular B" panose="020B0504000000000000" pitchFamily="34" charset="0"/>
                 <a:ea typeface="Euclid Circular B" panose="020B0504000000000000" pitchFamily="34" charset="0"/>
               </a:rPr>
-              <a:t>application functionalities</a:t>
+              <a:t>August 15</a:t>
             </a:r>
             <a:r>
               <a:rPr lang="tr-TR" dirty="0">
                 <a:latin typeface="Euclid Circular B" panose="020B0504000000000000" pitchFamily="34" charset="0"/>
                 <a:ea typeface="Euclid Circular B" panose="020B0504000000000000" pitchFamily="34" charset="0"/>
               </a:rPr>
-              <a:t>, like profile management, user and tenant management, authorization code flow for login</a:t>
+              <a:t>, 2023</a:t>
             </a:r>
           </a:p>
           <a:p>
@@ -9150,58 +8527,281 @@
                 <a:latin typeface="Euclid Circular B" panose="020B0504000000000000" pitchFamily="34" charset="0"/>
                 <a:ea typeface="Euclid Circular B" panose="020B0504000000000000" pitchFamily="34" charset="0"/>
               </a:rPr>
-              <a:t>Renewing the </a:t>
-            </a:r>
+              <a:t>ABP Framework</a:t>
+            </a:r>
+          </a:p>
+          <a:p>
+            <a:pPr lvl="1"/>
             <a:r>
               <a:rPr lang="tr-TR" b="1" dirty="0">
                 <a:latin typeface="Euclid Circular B" panose="020B0504000000000000" pitchFamily="34" charset="0"/>
                 <a:ea typeface="Euclid Circular B" panose="020B0504000000000000" pitchFamily="34" charset="0"/>
               </a:rPr>
-              <a:t>UI design</a:t>
-            </a:r>
-          </a:p>
-          <a:p>
+              <a:t>Dynamic setting </a:t>
+            </a:r>
             <a:r>
               <a:rPr lang="tr-TR" dirty="0">
                 <a:latin typeface="Euclid Circular B" panose="020B0504000000000000" pitchFamily="34" charset="0"/>
                 <a:ea typeface="Euclid Circular B" panose="020B0504000000000000" pitchFamily="34" charset="0"/>
               </a:rPr>
-              <a:t>Preparing a </a:t>
+              <a:t>store</a:t>
+            </a:r>
+          </a:p>
+          <a:p>
+            <a:pPr lvl="1"/>
+            <a:r>
+              <a:rPr lang="tr-TR" dirty="0">
+                <a:latin typeface="Euclid Circular B" panose="020B0504000000000000" pitchFamily="34" charset="0"/>
+                <a:ea typeface="Euclid Circular B" panose="020B0504000000000000" pitchFamily="34" charset="0"/>
+              </a:rPr>
+              <a:t>Adding </a:t>
             </a:r>
             <a:r>
               <a:rPr lang="tr-TR" b="1" dirty="0">
                 <a:latin typeface="Euclid Circular B" panose="020B0504000000000000" pitchFamily="34" charset="0"/>
                 <a:ea typeface="Euclid Circular B" panose="020B0504000000000000" pitchFamily="34" charset="0"/>
               </a:rPr>
-              <a:t>development tutorial</a:t>
-            </a:r>
-          </a:p>
-          <a:p>
+              <a:t>CorrelationId </a:t>
+            </a:r>
             <a:r>
               <a:rPr lang="tr-TR" dirty="0">
                 <a:latin typeface="Euclid Circular B" panose="020B0504000000000000" pitchFamily="34" charset="0"/>
                 <a:ea typeface="Euclid Circular B" panose="020B0504000000000000" pitchFamily="34" charset="0"/>
               </a:rPr>
-              <a:t>After v7.4: New mobile framework integrations? </a:t>
+              <a:t>to distributed </a:t>
             </a:r>
             <a:r>
               <a:rPr lang="tr-TR" b="1" dirty="0">
                 <a:latin typeface="Euclid Circular B" panose="020B0504000000000000" pitchFamily="34" charset="0"/>
                 <a:ea typeface="Euclid Circular B" panose="020B0504000000000000" pitchFamily="34" charset="0"/>
               </a:rPr>
-              <a:t>Write your comments!</a:t>
-            </a:r>
-            <a:endParaRPr lang="en-US" b="1" dirty="0">
+              <a:t>events</a:t>
+            </a:r>
+          </a:p>
+          <a:p>
+            <a:pPr lvl="1"/>
+            <a:r>
+              <a:rPr lang="tr-TR" dirty="0">
+                <a:latin typeface="Euclid Circular B" panose="020B0504000000000000" pitchFamily="34" charset="0"/>
+                <a:ea typeface="Euclid Circular B" panose="020B0504000000000000" pitchFamily="34" charset="0"/>
+              </a:rPr>
+              <a:t>Do not expose </a:t>
+            </a:r>
+            <a:r>
+              <a:rPr lang="tr-TR" b="1" dirty="0">
+                <a:latin typeface="Euclid Circular B" panose="020B0504000000000000" pitchFamily="34" charset="0"/>
+                <a:ea typeface="Euclid Circular B" panose="020B0504000000000000" pitchFamily="34" charset="0"/>
+              </a:rPr>
+              <a:t>integration services </a:t>
+            </a:r>
+            <a:r>
+              <a:rPr lang="tr-TR" dirty="0">
+                <a:latin typeface="Euclid Circular B" panose="020B0504000000000000" pitchFamily="34" charset="0"/>
+                <a:ea typeface="Euclid Circular B" panose="020B0504000000000000" pitchFamily="34" charset="0"/>
+              </a:rPr>
+              <a:t>/ controllers by default</a:t>
+            </a:r>
+          </a:p>
+          <a:p>
+            <a:r>
+              <a:rPr lang="tr-TR" dirty="0">
+                <a:latin typeface="Euclid Circular B" panose="020B0504000000000000" pitchFamily="34" charset="0"/>
+                <a:ea typeface="Euclid Circular B" panose="020B0504000000000000" pitchFamily="34" charset="0"/>
+              </a:rPr>
+              <a:t>ABP Commercial</a:t>
+            </a:r>
+          </a:p>
+          <a:p>
+            <a:pPr lvl="1"/>
+            <a:r>
+              <a:rPr lang="tr-TR" dirty="0">
+                <a:latin typeface="Euclid Circular B" panose="020B0504000000000000" pitchFamily="34" charset="0"/>
+                <a:ea typeface="Euclid Circular B" panose="020B0504000000000000" pitchFamily="34" charset="0"/>
+              </a:rPr>
+              <a:t>Mobile Application</a:t>
+            </a:r>
+          </a:p>
+          <a:p>
+            <a:pPr lvl="2"/>
+            <a:r>
+              <a:rPr lang="tr-TR" dirty="0">
+                <a:latin typeface="Euclid Circular B" panose="020B0504000000000000" pitchFamily="34" charset="0"/>
+                <a:ea typeface="Euclid Circular B" panose="020B0504000000000000" pitchFamily="34" charset="0"/>
+              </a:rPr>
+              <a:t>Renewing the mobile applications</a:t>
+            </a:r>
+          </a:p>
+          <a:p>
+            <a:pPr lvl="1"/>
+            <a:r>
+              <a:rPr lang="tr-TR" dirty="0">
+                <a:latin typeface="Euclid Circular B" panose="020B0504000000000000" pitchFamily="34" charset="0"/>
+                <a:ea typeface="Euclid Circular B" panose="020B0504000000000000" pitchFamily="34" charset="0"/>
+              </a:rPr>
+              <a:t>ABP Suite</a:t>
+            </a:r>
+          </a:p>
+          <a:p>
+            <a:pPr lvl="2"/>
+            <a:r>
+              <a:rPr lang="tr-TR" dirty="0">
+                <a:latin typeface="Euclid Circular B" panose="020B0504000000000000" pitchFamily="34" charset="0"/>
+                <a:ea typeface="Euclid Circular B" panose="020B0504000000000000" pitchFamily="34" charset="0"/>
+              </a:rPr>
+              <a:t>Keep </a:t>
+            </a:r>
+            <a:r>
+              <a:rPr lang="tr-TR" b="1" dirty="0">
+                <a:latin typeface="Euclid Circular B" panose="020B0504000000000000" pitchFamily="34" charset="0"/>
+                <a:ea typeface="Euclid Circular B" panose="020B0504000000000000" pitchFamily="34" charset="0"/>
+              </a:rPr>
+              <a:t>customized code </a:t>
+            </a:r>
+            <a:r>
+              <a:rPr lang="tr-TR" dirty="0">
+                <a:latin typeface="Euclid Circular B" panose="020B0504000000000000" pitchFamily="34" charset="0"/>
+                <a:ea typeface="Euclid Circular B" panose="020B0504000000000000" pitchFamily="34" charset="0"/>
+              </a:rPr>
+              <a:t>on re-generation for CRUD page generation</a:t>
+            </a:r>
+          </a:p>
+          <a:p>
+            <a:pPr lvl="2"/>
+            <a:r>
+              <a:rPr lang="tr-TR" b="1" dirty="0">
+                <a:latin typeface="Euclid Circular B" panose="020B0504000000000000" pitchFamily="34" charset="0"/>
+                <a:ea typeface="Euclid Circular B" panose="020B0504000000000000" pitchFamily="34" charset="0"/>
+              </a:rPr>
+              <a:t>Master/Detail</a:t>
+            </a:r>
+            <a:r>
+              <a:rPr lang="tr-TR" dirty="0">
+                <a:latin typeface="Euclid Circular B" panose="020B0504000000000000" pitchFamily="34" charset="0"/>
+                <a:ea typeface="Euclid Circular B" panose="020B0504000000000000" pitchFamily="34" charset="0"/>
+              </a:rPr>
+              <a:t> entity support for CRUD code generation*</a:t>
+            </a:r>
+          </a:p>
+          <a:p>
+            <a:pPr lvl="1"/>
+            <a:r>
+              <a:rPr lang="tr-TR" dirty="0">
+                <a:latin typeface="Euclid Circular B" panose="020B0504000000000000" pitchFamily="34" charset="0"/>
+                <a:ea typeface="Euclid Circular B" panose="020B0504000000000000" pitchFamily="34" charset="0"/>
+              </a:rPr>
+              <a:t>Modules:</a:t>
+            </a:r>
+          </a:p>
+          <a:p>
+            <a:pPr lvl="2"/>
+            <a:r>
+              <a:rPr lang="tr-TR" u="sng" dirty="0">
+                <a:latin typeface="Euclid Circular B" panose="020B0504000000000000" pitchFamily="34" charset="0"/>
+                <a:ea typeface="Euclid Circular B" panose="020B0504000000000000" pitchFamily="34" charset="0"/>
+              </a:rPr>
+              <a:t>Account/Identity</a:t>
+            </a:r>
+            <a:r>
+              <a:rPr lang="tr-TR" dirty="0">
+                <a:latin typeface="Euclid Circular B" panose="020B0504000000000000" pitchFamily="34" charset="0"/>
+                <a:ea typeface="Euclid Circular B" panose="020B0504000000000000" pitchFamily="34" charset="0"/>
+              </a:rPr>
+              <a:t>: </a:t>
+            </a:r>
+            <a:r>
+              <a:rPr lang="tr-TR" b="1" dirty="0">
+                <a:latin typeface="Euclid Circular B" panose="020B0504000000000000" pitchFamily="34" charset="0"/>
+                <a:ea typeface="Euclid Circular B" panose="020B0504000000000000" pitchFamily="34" charset="0"/>
+              </a:rPr>
+              <a:t>Password complexity</a:t>
+            </a:r>
+            <a:r>
+              <a:rPr lang="tr-TR" dirty="0">
+                <a:latin typeface="Euclid Circular B" panose="020B0504000000000000" pitchFamily="34" charset="0"/>
+                <a:ea typeface="Euclid Circular B" panose="020B0504000000000000" pitchFamily="34" charset="0"/>
+              </a:rPr>
+              <a:t> indicator</a:t>
+            </a:r>
+          </a:p>
+          <a:p>
+            <a:pPr lvl="2"/>
+            <a:r>
+              <a:rPr lang="tr-TR" u="sng" dirty="0">
+                <a:latin typeface="Euclid Circular B" panose="020B0504000000000000" pitchFamily="34" charset="0"/>
+                <a:ea typeface="Euclid Circular B" panose="020B0504000000000000" pitchFamily="34" charset="0"/>
+              </a:rPr>
+              <a:t>Chat</a:t>
+            </a:r>
+            <a:r>
+              <a:rPr lang="tr-TR" dirty="0">
+                <a:latin typeface="Euclid Circular B" panose="020B0504000000000000" pitchFamily="34" charset="0"/>
+                <a:ea typeface="Euclid Circular B" panose="020B0504000000000000" pitchFamily="34" charset="0"/>
+              </a:rPr>
+              <a:t>: </a:t>
+            </a:r>
+            <a:r>
+              <a:rPr lang="tr-TR" b="1" dirty="0">
+                <a:latin typeface="Euclid Circular B" panose="020B0504000000000000" pitchFamily="34" charset="0"/>
+                <a:ea typeface="Euclid Circular B" panose="020B0504000000000000" pitchFamily="34" charset="0"/>
+              </a:rPr>
+              <a:t>Delete messages</a:t>
+            </a:r>
+            <a:r>
+              <a:rPr lang="tr-TR" dirty="0">
+                <a:latin typeface="Euclid Circular B" panose="020B0504000000000000" pitchFamily="34" charset="0"/>
+                <a:ea typeface="Euclid Circular B" panose="020B0504000000000000" pitchFamily="34" charset="0"/>
+              </a:rPr>
+              <a:t>/converstations</a:t>
+            </a:r>
+            <a:endParaRPr lang="en-US" dirty="0">
               <a:latin typeface="Euclid Circular B" panose="020B0504000000000000" pitchFamily="34" charset="0"/>
               <a:ea typeface="Euclid Circular B" panose="020B0504000000000000" pitchFamily="34" charset="0"/>
             </a:endParaRPr>
+          </a:p>
+          <a:p>
+            <a:pPr lvl="2"/>
+            <a:r>
+              <a:rPr lang="tr-TR" u="sng" dirty="0">
+                <a:latin typeface="Euclid Circular B" panose="020B0504000000000000" pitchFamily="34" charset="0"/>
+                <a:ea typeface="Euclid Circular B" panose="020B0504000000000000" pitchFamily="34" charset="0"/>
+              </a:rPr>
+              <a:t>Text Template Management</a:t>
+            </a:r>
+            <a:r>
+              <a:rPr lang="tr-TR" dirty="0">
+                <a:latin typeface="Euclid Circular B" panose="020B0504000000000000" pitchFamily="34" charset="0"/>
+                <a:ea typeface="Euclid Circular B" panose="020B0504000000000000" pitchFamily="34" charset="0"/>
+              </a:rPr>
+              <a:t>: Support </a:t>
+            </a:r>
+            <a:r>
+              <a:rPr lang="tr-TR" b="1" dirty="0">
+                <a:latin typeface="Euclid Circular B" panose="020B0504000000000000" pitchFamily="34" charset="0"/>
+                <a:ea typeface="Euclid Circular B" panose="020B0504000000000000" pitchFamily="34" charset="0"/>
+              </a:rPr>
+              <a:t>distributed </a:t>
+            </a:r>
+            <a:r>
+              <a:rPr lang="tr-TR" dirty="0">
+                <a:latin typeface="Euclid Circular B" panose="020B0504000000000000" pitchFamily="34" charset="0"/>
+                <a:ea typeface="Euclid Circular B" panose="020B0504000000000000" pitchFamily="34" charset="0"/>
+              </a:rPr>
+              <a:t>systems for </a:t>
+            </a:r>
+            <a:r>
+              <a:rPr lang="tr-TR" b="1" dirty="0">
+                <a:latin typeface="Euclid Circular B" panose="020B0504000000000000" pitchFamily="34" charset="0"/>
+                <a:ea typeface="Euclid Circular B" panose="020B0504000000000000" pitchFamily="34" charset="0"/>
+              </a:rPr>
+              <a:t>text template customizations</a:t>
+            </a:r>
           </a:p>
         </p:txBody>
       </p:sp>
     </p:spTree>
     <p:extLst>
       <p:ext uri="{BB962C8B-B14F-4D97-AF65-F5344CB8AC3E}">
-        <p14:creationId xmlns:p14="http://schemas.microsoft.com/office/powerpoint/2010/main" val="1488527465"/>
+        <p14:creationId xmlns:p14="http://schemas.microsoft.com/office/powerpoint/2010/main" val="2385001736"/>
       </p:ext>
     </p:extLst>
   </p:cSld>
@@ -9332,33 +8932,15 @@
                                   </p:childTnLst>
                                 </p:cTn>
                               </p:par>
-                            </p:childTnLst>
-                          </p:cTn>
-                        </p:par>
-                      </p:childTnLst>
-                    </p:cTn>
-                  </p:par>
-                  <p:par>
-                    <p:cTn id="13" fill="hold">
-                      <p:stCondLst>
-                        <p:cond delay="indefinite"/>
-                      </p:stCondLst>
-                      <p:childTnLst>
-                        <p:par>
-                          <p:cTn id="14" fill="hold">
-                            <p:stCondLst>
-                              <p:cond delay="0"/>
-                            </p:stCondLst>
-                            <p:childTnLst>
                               <p:par>
-                                <p:cTn id="15" presetID="10" presetClass="entr" presetSubtype="0" fill="hold" nodeType="clickEffect">
+                                <p:cTn id="13" presetID="10" presetClass="entr" presetSubtype="0" fill="hold" nodeType="withEffect">
                                   <p:stCondLst>
                                     <p:cond delay="0"/>
                                   </p:stCondLst>
                                   <p:childTnLst>
                                     <p:set>
                                       <p:cBhvr>
-                                        <p:cTn id="16" dur="1" fill="hold">
+                                        <p:cTn id="14" dur="1" fill="hold">
                                           <p:stCondLst>
                                             <p:cond delay="0"/>
                                           </p:stCondLst>
@@ -9380,11 +8962,97 @@
                                     </p:set>
                                     <p:animEffect transition="in" filter="fade">
                                       <p:cBhvr>
-                                        <p:cTn id="17" dur="500"/>
+                                        <p:cTn id="15" dur="500"/>
                                         <p:tgtEl>
                                           <p:spTgt spid="3">
                                             <p:txEl>
                                               <p:pRg st="2" end="2"/>
+                                            </p:txEl>
+                                          </p:spTgt>
+                                        </p:tgtEl>
+                                      </p:cBhvr>
+                                    </p:animEffect>
+                                  </p:childTnLst>
+                                </p:cTn>
+                              </p:par>
+                              <p:par>
+                                <p:cTn id="16" presetID="10" presetClass="entr" presetSubtype="0" fill="hold" nodeType="withEffect">
+                                  <p:stCondLst>
+                                    <p:cond delay="0"/>
+                                  </p:stCondLst>
+                                  <p:childTnLst>
+                                    <p:set>
+                                      <p:cBhvr>
+                                        <p:cTn id="17" dur="1" fill="hold">
+                                          <p:stCondLst>
+                                            <p:cond delay="0"/>
+                                          </p:stCondLst>
+                                        </p:cTn>
+                                        <p:tgtEl>
+                                          <p:spTgt spid="3">
+                                            <p:txEl>
+                                              <p:pRg st="3" end="3"/>
+                                            </p:txEl>
+                                          </p:spTgt>
+                                        </p:tgtEl>
+                                        <p:attrNameLst>
+                                          <p:attrName>style.visibility</p:attrName>
+                                        </p:attrNameLst>
+                                      </p:cBhvr>
+                                      <p:to>
+                                        <p:strVal val="visible"/>
+                                      </p:to>
+                                    </p:set>
+                                    <p:animEffect transition="in" filter="fade">
+                                      <p:cBhvr>
+                                        <p:cTn id="18" dur="500"/>
+                                        <p:tgtEl>
+                                          <p:spTgt spid="3">
+                                            <p:txEl>
+                                              <p:pRg st="3" end="3"/>
+                                            </p:txEl>
+                                          </p:spTgt>
+                                        </p:tgtEl>
+                                      </p:cBhvr>
+                                    </p:animEffect>
+                                  </p:childTnLst>
+                                </p:cTn>
+                              </p:par>
+                              <p:par>
+                                <p:cTn id="19" presetID="10" presetClass="entr" presetSubtype="0" fill="hold" nodeType="withEffect">
+                                  <p:stCondLst>
+                                    <p:cond delay="0"/>
+                                  </p:stCondLst>
+                                  <p:childTnLst>
+                                    <p:set>
+                                      <p:cBhvr>
+                                        <p:cTn id="20" dur="1" fill="hold">
+                                          <p:stCondLst>
+                                            <p:cond delay="0"/>
+                                          </p:stCondLst>
+                                        </p:cTn>
+                                        <p:tgtEl>
+                                          <p:spTgt spid="3">
+                                            <p:txEl>
+                                              <p:pRg st="4" end="4"/>
+                                            </p:txEl>
+                                          </p:spTgt>
+                                        </p:tgtEl>
+                                        <p:attrNameLst>
+                                          <p:attrName>style.visibility</p:attrName>
+                                        </p:attrNameLst>
+                                      </p:cBhvr>
+                                      <p:to>
+                                        <p:strVal val="visible"/>
+                                      </p:to>
+                                    </p:set>
+                                    <p:animEffect transition="in" filter="fade">
+                                      <p:cBhvr>
+                                        <p:cTn id="21" dur="500"/>
+                                        <p:tgtEl>
+                                          <p:spTgt spid="3">
+                                            <p:txEl>
+                                              <p:pRg st="4" end="4"/>
                                             </p:txEl>
                                           </p:spTgt>
                                         </p:tgtEl>
@@ -9400,26 +9068,26 @@
                     </p:cTn>
                   </p:par>
                   <p:par>
-                    <p:cTn id="18" fill="hold">
+                    <p:cTn id="22" fill="hold">
                       <p:stCondLst>
                         <p:cond delay="indefinite"/>
                       </p:stCondLst>
                       <p:childTnLst>
                         <p:par>
-                          <p:cTn id="19" fill="hold">
+                          <p:cTn id="23" fill="hold">
                             <p:stCondLst>
                               <p:cond delay="0"/>
                             </p:stCondLst>
                             <p:childTnLst>
                               <p:par>
-                                <p:cTn id="20" presetID="10" presetClass="entr" presetSubtype="0" fill="hold" nodeType="clickEffect">
+                                <p:cTn id="24" presetID="10" presetClass="entr" presetSubtype="0" fill="hold" nodeType="clickEffect">
                                   <p:stCondLst>
                                     <p:cond delay="0"/>
                                   </p:stCondLst>
                                   <p:childTnLst>
                                     <p:set>
                                       <p:cBhvr>
-                                        <p:cTn id="21" dur="1" fill="hold">
+                                        <p:cTn id="25" dur="1" fill="hold">
                                           <p:stCondLst>
                                             <p:cond delay="0"/>
                                           </p:stCondLst>
@@ -9427,7 +9095,7 @@
                                         <p:tgtEl>
                                           <p:spTgt spid="3">
                                             <p:txEl>
-                                              <p:pRg st="3" end="3"/>
+                                              <p:pRg st="5" end="5"/>
                                             </p:txEl>
                                           </p:spTgt>
                                         </p:tgtEl>
@@ -9441,11 +9109,452 @@
                                     </p:set>
                                     <p:animEffect transition="in" filter="fade">
                                       <p:cBhvr>
-                                        <p:cTn id="22" dur="500"/>
+                                        <p:cTn id="26" dur="500"/>
                                         <p:tgtEl>
                                           <p:spTgt spid="3">
                                             <p:txEl>
-                                              <p:pRg st="3" end="3"/>
+                                              <p:pRg st="5" end="5"/>
+                                            </p:txEl>
+                                          </p:spTgt>
+                                        </p:tgtEl>
+                                      </p:cBhvr>
+                                    </p:animEffect>
+                                  </p:childTnLst>
+                                </p:cTn>
+                              </p:par>
+                            </p:childTnLst>
+                          </p:cTn>
+                        </p:par>
+                      </p:childTnLst>
+                    </p:cTn>
+                  </p:par>
+                  <p:par>
+                    <p:cTn id="27" fill="hold">
+                      <p:stCondLst>
+                        <p:cond delay="indefinite"/>
+                      </p:stCondLst>
+                      <p:childTnLst>
+                        <p:par>
+                          <p:cTn id="28" fill="hold">
+                            <p:stCondLst>
+                              <p:cond delay="0"/>
+                            </p:stCondLst>
+                            <p:childTnLst>
+                              <p:par>
+                                <p:cTn id="29" presetID="10" presetClass="entr" presetSubtype="0" fill="hold" nodeType="clickEffect">
+                                  <p:stCondLst>
+                                    <p:cond delay="0"/>
+                                  </p:stCondLst>
+                                  <p:childTnLst>
+                                    <p:set>
+                                      <p:cBhvr>
+                                        <p:cTn id="30" dur="1" fill="hold">
+                                          <p:stCondLst>
+                                            <p:cond delay="0"/>
+                                          </p:stCondLst>
+                                        </p:cTn>
+                                        <p:tgtEl>
+                                          <p:spTgt spid="3">
+                                            <p:txEl>
+                                              <p:pRg st="6" end="6"/>
+                                            </p:txEl>
+                                          </p:spTgt>
+                                        </p:tgtEl>
+                                        <p:attrNameLst>
+                                          <p:attrName>style.visibility</p:attrName>
+                                        </p:attrNameLst>
+                                      </p:cBhvr>
+                                      <p:to>
+                                        <p:strVal val="visible"/>
+                                      </p:to>
+                                    </p:set>
+                                    <p:animEffect transition="in" filter="fade">
+                                      <p:cBhvr>
+                                        <p:cTn id="31" dur="500"/>
+                                        <p:tgtEl>
+                                          <p:spTgt spid="3">
+                                            <p:txEl>
+                                              <p:pRg st="6" end="6"/>
+                                            </p:txEl>
+                                          </p:spTgt>
+                                        </p:tgtEl>
+                                      </p:cBhvr>
+                                    </p:animEffect>
+                                  </p:childTnLst>
+                                </p:cTn>
+                              </p:par>
+                              <p:par>
+                                <p:cTn id="32" presetID="10" presetClass="entr" presetSubtype="0" fill="hold" nodeType="withEffect">
+                                  <p:stCondLst>
+                                    <p:cond delay="0"/>
+                                  </p:stCondLst>
+                                  <p:childTnLst>
+                                    <p:set>
+                                      <p:cBhvr>
+                                        <p:cTn id="33" dur="1" fill="hold">
+                                          <p:stCondLst>
+                                            <p:cond delay="0"/>
+                                          </p:stCondLst>
+                                        </p:cTn>
+                                        <p:tgtEl>
+                                          <p:spTgt spid="3">
+                                            <p:txEl>
+                                              <p:pRg st="7" end="7"/>
+                                            </p:txEl>
+                                          </p:spTgt>
+                                        </p:tgtEl>
+                                        <p:attrNameLst>
+                                          <p:attrName>style.visibility</p:attrName>
+                                        </p:attrNameLst>
+                                      </p:cBhvr>
+                                      <p:to>
+                                        <p:strVal val="visible"/>
+                                      </p:to>
+                                    </p:set>
+                                    <p:animEffect transition="in" filter="fade">
+                                      <p:cBhvr>
+                                        <p:cTn id="34" dur="500"/>
+                                        <p:tgtEl>
+                                          <p:spTgt spid="3">
+                                            <p:txEl>
+                                              <p:pRg st="7" end="7"/>
+                                            </p:txEl>
+                                          </p:spTgt>
+                                        </p:tgtEl>
+                                      </p:cBhvr>
+                                    </p:animEffect>
+                                  </p:childTnLst>
+                                </p:cTn>
+                              </p:par>
+                            </p:childTnLst>
+                          </p:cTn>
+                        </p:par>
+                      </p:childTnLst>
+                    </p:cTn>
+                  </p:par>
+                  <p:par>
+                    <p:cTn id="35" fill="hold">
+                      <p:stCondLst>
+                        <p:cond delay="indefinite"/>
+                      </p:stCondLst>
+                      <p:childTnLst>
+                        <p:par>
+                          <p:cTn id="36" fill="hold">
+                            <p:stCondLst>
+                              <p:cond delay="0"/>
+                            </p:stCondLst>
+                            <p:childTnLst>
+                              <p:par>
+                                <p:cTn id="37" presetID="10" presetClass="entr" presetSubtype="0" fill="hold" nodeType="clickEffect">
+                                  <p:stCondLst>
+                                    <p:cond delay="0"/>
+                                  </p:stCondLst>
+                                  <p:childTnLst>
+                                    <p:set>
+                                      <p:cBhvr>
+                                        <p:cTn id="38" dur="1" fill="hold">
+                                          <p:stCondLst>
+                                            <p:cond delay="0"/>
+                                          </p:stCondLst>
+                                        </p:cTn>
+                                        <p:tgtEl>
+                                          <p:spTgt spid="3">
+                                            <p:txEl>
+                                              <p:pRg st="8" end="8"/>
+                                            </p:txEl>
+                                          </p:spTgt>
+                                        </p:tgtEl>
+                                        <p:attrNameLst>
+                                          <p:attrName>style.visibility</p:attrName>
+                                        </p:attrNameLst>
+                                      </p:cBhvr>
+                                      <p:to>
+                                        <p:strVal val="visible"/>
+                                      </p:to>
+                                    </p:set>
+                                    <p:animEffect transition="in" filter="fade">
+                                      <p:cBhvr>
+                                        <p:cTn id="39" dur="500"/>
+                                        <p:tgtEl>
+                                          <p:spTgt spid="3">
+                                            <p:txEl>
+                                              <p:pRg st="8" end="8"/>
+                                            </p:txEl>
+                                          </p:spTgt>
+                                        </p:tgtEl>
+                                      </p:cBhvr>
+                                    </p:animEffect>
+                                  </p:childTnLst>
+                                </p:cTn>
+                              </p:par>
+                              <p:par>
+                                <p:cTn id="40" presetID="10" presetClass="entr" presetSubtype="0" fill="hold" nodeType="withEffect">
+                                  <p:stCondLst>
+                                    <p:cond delay="0"/>
+                                  </p:stCondLst>
+                                  <p:childTnLst>
+                                    <p:set>
+                                      <p:cBhvr>
+                                        <p:cTn id="41" dur="1" fill="hold">
+                                          <p:stCondLst>
+                                            <p:cond delay="0"/>
+                                          </p:stCondLst>
+                                        </p:cTn>
+                                        <p:tgtEl>
+                                          <p:spTgt spid="3">
+                                            <p:txEl>
+                                              <p:pRg st="9" end="9"/>
+                                            </p:txEl>
+                                          </p:spTgt>
+                                        </p:tgtEl>
+                                        <p:attrNameLst>
+                                          <p:attrName>style.visibility</p:attrName>
+                                        </p:attrNameLst>
+                                      </p:cBhvr>
+                                      <p:to>
+                                        <p:strVal val="visible"/>
+                                      </p:to>
+                                    </p:set>
+                                    <p:animEffect transition="in" filter="fade">
+                                      <p:cBhvr>
+                                        <p:cTn id="42" dur="500"/>
+                                        <p:tgtEl>
+                                          <p:spTgt spid="3">
+                                            <p:txEl>
+                                              <p:pRg st="9" end="9"/>
+                                            </p:txEl>
+                                          </p:spTgt>
+                                        </p:tgtEl>
+                                      </p:cBhvr>
+                                    </p:animEffect>
+                                  </p:childTnLst>
+                                </p:cTn>
+                              </p:par>
+                              <p:par>
+                                <p:cTn id="43" presetID="10" presetClass="entr" presetSubtype="0" fill="hold" nodeType="withEffect">
+                                  <p:stCondLst>
+                                    <p:cond delay="0"/>
+                                  </p:stCondLst>
+                                  <p:childTnLst>
+                                    <p:set>
+                                      <p:cBhvr>
+                                        <p:cTn id="44" dur="1" fill="hold">
+                                          <p:stCondLst>
+                                            <p:cond delay="0"/>
+                                          </p:stCondLst>
+                                        </p:cTn>
+                                        <p:tgtEl>
+                                          <p:spTgt spid="3">
+                                            <p:txEl>
+                                              <p:pRg st="10" end="10"/>
+                                            </p:txEl>
+                                          </p:spTgt>
+                                        </p:tgtEl>
+                                        <p:attrNameLst>
+                                          <p:attrName>style.visibility</p:attrName>
+                                        </p:attrNameLst>
+                                      </p:cBhvr>
+                                      <p:to>
+                                        <p:strVal val="visible"/>
+                                      </p:to>
+                                    </p:set>
+                                    <p:animEffect transition="in" filter="fade">
+                                      <p:cBhvr>
+                                        <p:cTn id="45" dur="500"/>
+                                        <p:tgtEl>
+                                          <p:spTgt spid="3">
+                                            <p:txEl>
+                                              <p:pRg st="10" end="10"/>
+                                            </p:txEl>
+                                          </p:spTgt>
+                                        </p:tgtEl>
+                                      </p:cBhvr>
+                                    </p:animEffect>
+                                  </p:childTnLst>
+                                </p:cTn>
+                              </p:par>
+                            </p:childTnLst>
+                          </p:cTn>
+                        </p:par>
+                      </p:childTnLst>
+                    </p:cTn>
+                  </p:par>
+                  <p:par>
+                    <p:cTn id="46" fill="hold">
+                      <p:stCondLst>
+                        <p:cond delay="indefinite"/>
+                      </p:stCondLst>
+                      <p:childTnLst>
+                        <p:par>
+                          <p:cTn id="47" fill="hold">
+                            <p:stCondLst>
+                              <p:cond delay="0"/>
+                            </p:stCondLst>
+                            <p:childTnLst>
+                              <p:par>
+                                <p:cTn id="48" presetID="10" presetClass="entr" presetSubtype="0" fill="hold" nodeType="clickEffect">
+                                  <p:stCondLst>
+                                    <p:cond delay="0"/>
+                                  </p:stCondLst>
+                                  <p:childTnLst>
+                                    <p:set>
+                                      <p:cBhvr>
+                                        <p:cTn id="49" dur="1" fill="hold">
+                                          <p:stCondLst>
+                                            <p:cond delay="0"/>
+                                          </p:stCondLst>
+                                        </p:cTn>
+                                        <p:tgtEl>
+                                          <p:spTgt spid="3">
+                                            <p:txEl>
+                                              <p:pRg st="11" end="11"/>
+                                            </p:txEl>
+                                          </p:spTgt>
+                                        </p:tgtEl>
+                                        <p:attrNameLst>
+                                          <p:attrName>style.visibility</p:attrName>
+                                        </p:attrNameLst>
+                                      </p:cBhvr>
+                                      <p:to>
+                                        <p:strVal val="visible"/>
+                                      </p:to>
+                                    </p:set>
+                                    <p:animEffect transition="in" filter="fade">
+                                      <p:cBhvr>
+                                        <p:cTn id="50" dur="500"/>
+                                        <p:tgtEl>
+                                          <p:spTgt spid="3">
+                                            <p:txEl>
+                                              <p:pRg st="11" end="11"/>
+                                            </p:txEl>
+                                          </p:spTgt>
+                                        </p:tgtEl>
+                                      </p:cBhvr>
+                                    </p:animEffect>
+                                  </p:childTnLst>
+                                </p:cTn>
+                              </p:par>
+                              <p:par>
+                                <p:cTn id="51" presetID="10" presetClass="entr" presetSubtype="0" fill="hold" nodeType="withEffect">
+                                  <p:stCondLst>
+                                    <p:cond delay="0"/>
+                                  </p:stCondLst>
+                                  <p:childTnLst>
+                                    <p:set>
+                                      <p:cBhvr>
+                                        <p:cTn id="52" dur="1" fill="hold">
+                                          <p:stCondLst>
+                                            <p:cond delay="0"/>
+                                          </p:stCondLst>
+                                        </p:cTn>
+                                        <p:tgtEl>
+                                          <p:spTgt spid="3">
+                                            <p:txEl>
+                                              <p:pRg st="12" end="12"/>
+                                            </p:txEl>
+                                          </p:spTgt>
+                                        </p:tgtEl>
+                                        <p:attrNameLst>
+                                          <p:attrName>style.visibility</p:attrName>
+                                        </p:attrNameLst>
+                                      </p:cBhvr>
+                                      <p:to>
+                                        <p:strVal val="visible"/>
+                                      </p:to>
+                                    </p:set>
+                                    <p:animEffect transition="in" filter="fade">
+                                      <p:cBhvr>
+                                        <p:cTn id="53" dur="500"/>
+                                        <p:tgtEl>
+                                          <p:spTgt spid="3">
+                                            <p:txEl>
+                                              <p:pRg st="12" end="12"/>
+                                            </p:txEl>
+                                          </p:spTgt>
+                                        </p:tgtEl>
+                                      </p:cBhvr>
+                                    </p:animEffect>
+                                  </p:childTnLst>
+                                </p:cTn>
+                              </p:par>
+                              <p:par>
+                                <p:cTn id="54" presetID="10" presetClass="entr" presetSubtype="0" fill="hold" nodeType="withEffect">
+                                  <p:stCondLst>
+                                    <p:cond delay="0"/>
+                                  </p:stCondLst>
+                                  <p:childTnLst>
+                                    <p:set>
+                                      <p:cBhvr>
+                                        <p:cTn id="55" dur="1" fill="hold">
+                                          <p:stCondLst>
+                                            <p:cond delay="0"/>
+                                          </p:stCondLst>
+                                        </p:cTn>
+                                        <p:tgtEl>
+                                          <p:spTgt spid="3">
+                                            <p:txEl>
+                                              <p:pRg st="13" end="13"/>
+                                            </p:txEl>
+                                          </p:spTgt>
+                                        </p:tgtEl>
+                                        <p:attrNameLst>
+                                          <p:attrName>style.visibility</p:attrName>
+                                        </p:attrNameLst>
+                                      </p:cBhvr>
+                                      <p:to>
+                                        <p:strVal val="visible"/>
+                                      </p:to>
+                                    </p:set>
+                                    <p:animEffect transition="in" filter="fade">
+                                      <p:cBhvr>
+                                        <p:cTn id="56" dur="500"/>
+                                        <p:tgtEl>
+                                          <p:spTgt spid="3">
+                                            <p:txEl>
+                                              <p:pRg st="13" end="13"/>
+                                            </p:txEl>
+                                          </p:spTgt>
+                                        </p:tgtEl>
+                                      </p:cBhvr>
+                                    </p:animEffect>
+                                  </p:childTnLst>
+                                </p:cTn>
+                              </p:par>
+                              <p:par>
+                                <p:cTn id="57" presetID="10" presetClass="entr" presetSubtype="0" fill="hold" nodeType="withEffect">
+                                  <p:stCondLst>
+                                    <p:cond delay="0"/>
+                                  </p:stCondLst>
+                                  <p:childTnLst>
+                                    <p:set>
+                                      <p:cBhvr>
+                                        <p:cTn id="58" dur="1" fill="hold">
+                                          <p:stCondLst>
+                                            <p:cond delay="0"/>
+                                          </p:stCondLst>
+                                        </p:cTn>
+                                        <p:tgtEl>
+                                          <p:spTgt spid="3">
+                                            <p:txEl>
+                                              <p:pRg st="14" end="14"/>
+                                            </p:txEl>
+                                          </p:spTgt>
+                                        </p:tgtEl>
+                                        <p:attrNameLst>
+                                          <p:attrName>style.visibility</p:attrName>
+                                        </p:attrNameLst>
+                                      </p:cBhvr>
+                                      <p:to>
+                                        <p:strVal val="visible"/>
+                                      </p:to>
+                                    </p:set>
+                                    <p:animEffect transition="in" filter="fade">
+                                      <p:cBhvr>
+                                        <p:cTn id="59" dur="500"/>
+                                        <p:tgtEl>
+                                          <p:spTgt spid="3">
+                                            <p:txEl>
+                                              <p:pRg st="14" end="14"/>
                                             </p:txEl>
                                           </p:spTgt>
                                         </p:tgtEl>
@@ -9545,11 +9654,34 @@
                 <a:latin typeface="Euclid Circular B" panose="020B0504000000000000" pitchFamily="34" charset="0"/>
                 <a:ea typeface="Euclid Circular B" panose="020B0504000000000000" pitchFamily="34" charset="0"/>
               </a:rPr>
-              <a:t>ABP v8.0 RC</a:t>
-            </a:r>
-            <a:endParaRPr lang="en-US" b="1" dirty="0">
+              <a:t>Mobile Application Improvements</a:t>
+            </a:r>
+            <a:br>
+              <a:rPr lang="tr-TR" b="1" dirty="0">
+                <a:solidFill>
+                  <a:srgbClr val="292D33"/>
+                </a:solidFill>
+                <a:latin typeface="Euclid Circular B" panose="020B0504000000000000" pitchFamily="34" charset="0"/>
+                <a:ea typeface="Euclid Circular B" panose="020B0504000000000000" pitchFamily="34" charset="0"/>
+              </a:rPr>
+            </a:br>
+            <a:r>
+              <a:rPr lang="tr-TR" sz="3600" b="1" dirty="0">
+                <a:solidFill>
+                  <a:schemeClr val="accent3">
+                    <a:lumMod val="75000"/>
+                  </a:schemeClr>
+                </a:solidFill>
+                <a:latin typeface="Euclid Circular B" panose="020B0504000000000000" pitchFamily="34" charset="0"/>
+                <a:ea typeface="Euclid Circular B" panose="020B0504000000000000" pitchFamily="34" charset="0"/>
+              </a:rPr>
+              <a:t>coming with the ABP v7.4</a:t>
+            </a:r>
+            <a:endParaRPr lang="en-US" sz="3600" b="1" dirty="0">
               <a:solidFill>
-                <a:srgbClr val="292D33"/>
+                <a:schemeClr val="accent3">
+                  <a:lumMod val="75000"/>
+                </a:schemeClr>
               </a:solidFill>
               <a:latin typeface="Euclid Circular B" panose="020B0504000000000000" pitchFamily="34" charset="0"/>
               <a:ea typeface="Euclid Circular B" panose="020B0504000000000000" pitchFamily="34" charset="0"/>
@@ -9583,21 +9715,21 @@
                 <a:latin typeface="Euclid Circular B" panose="020B0504000000000000" pitchFamily="34" charset="0"/>
                 <a:ea typeface="Euclid Circular B" panose="020B0504000000000000" pitchFamily="34" charset="0"/>
               </a:rPr>
-              <a:t>Planned Release Date: </a:t>
+              <a:t>Revised the </a:t>
             </a:r>
             <a:r>
               <a:rPr lang="tr-TR" b="1" dirty="0">
                 <a:latin typeface="Euclid Circular B" panose="020B0504000000000000" pitchFamily="34" charset="0"/>
                 <a:ea typeface="Euclid Circular B" panose="020B0504000000000000" pitchFamily="34" charset="0"/>
               </a:rPr>
-              <a:t>November 15</a:t>
+              <a:t>application functionalities</a:t>
             </a:r>
             <a:r>
               <a:rPr lang="tr-TR" dirty="0">
                 <a:latin typeface="Euclid Circular B" panose="020B0504000000000000" pitchFamily="34" charset="0"/>
                 <a:ea typeface="Euclid Circular B" panose="020B0504000000000000" pitchFamily="34" charset="0"/>
               </a:rPr>
-              <a:t>, 2023.</a:t>
+              <a:t>, like profile management, user and tenant management, authorization code flow for login</a:t>
             </a:r>
           </a:p>
           <a:p>
@@ -9606,28 +9738,338 @@
                 <a:latin typeface="Euclid Circular B" panose="020B0504000000000000" pitchFamily="34" charset="0"/>
                 <a:ea typeface="Euclid Circular B" panose="020B0504000000000000" pitchFamily="34" charset="0"/>
               </a:rPr>
-              <a:t>Based on </a:t>
+              <a:t>Renewing the </a:t>
             </a:r>
             <a:r>
               <a:rPr lang="tr-TR" b="1" dirty="0">
                 <a:latin typeface="Euclid Circular B" panose="020B0504000000000000" pitchFamily="34" charset="0"/>
                 <a:ea typeface="Euclid Circular B" panose="020B0504000000000000" pitchFamily="34" charset="0"/>
               </a:rPr>
-              <a:t>.NET 8.0</a:t>
-            </a:r>
+              <a:t>UI design</a:t>
+            </a:r>
+          </a:p>
+          <a:p>
+            <a:r>
+              <a:rPr lang="tr-TR" dirty="0">
+                <a:latin typeface="Euclid Circular B" panose="020B0504000000000000" pitchFamily="34" charset="0"/>
+                <a:ea typeface="Euclid Circular B" panose="020B0504000000000000" pitchFamily="34" charset="0"/>
+              </a:rPr>
+              <a:t>Preparing a </a:t>
+            </a:r>
+            <a:r>
+              <a:rPr lang="tr-TR" b="1" dirty="0">
+                <a:latin typeface="Euclid Circular B" panose="020B0504000000000000" pitchFamily="34" charset="0"/>
+                <a:ea typeface="Euclid Circular B" panose="020B0504000000000000" pitchFamily="34" charset="0"/>
+              </a:rPr>
+              <a:t>development tutorial</a:t>
+            </a:r>
+          </a:p>
+          <a:p>
+            <a:r>
+              <a:rPr lang="tr-TR" dirty="0">
+                <a:latin typeface="Euclid Circular B" panose="020B0504000000000000" pitchFamily="34" charset="0"/>
+                <a:ea typeface="Euclid Circular B" panose="020B0504000000000000" pitchFamily="34" charset="0"/>
+              </a:rPr>
+              <a:t>After v7.4: New mobile framework integrations? </a:t>
+            </a:r>
+            <a:r>
+              <a:rPr lang="tr-TR" b="1" dirty="0">
+                <a:latin typeface="Euclid Circular B" panose="020B0504000000000000" pitchFamily="34" charset="0"/>
+                <a:ea typeface="Euclid Circular B" panose="020B0504000000000000" pitchFamily="34" charset="0"/>
+              </a:rPr>
+              <a:t>Write your comments!</a:t>
+            </a:r>
+            <a:endParaRPr lang="en-US" b="1" dirty="0">
+              <a:latin typeface="Euclid Circular B" panose="020B0504000000000000" pitchFamily="34" charset="0"/>
+              <a:ea typeface="Euclid Circular B" panose="020B0504000000000000" pitchFamily="34" charset="0"/>
+            </a:endParaRPr>
           </a:p>
         </p:txBody>
       </p:sp>
     </p:spTree>
     <p:extLst>
       <p:ext uri="{BB962C8B-B14F-4D97-AF65-F5344CB8AC3E}">
-        <p14:creationId xmlns:p14="http://schemas.microsoft.com/office/powerpoint/2010/main" val="4239741729"/>
+        <p14:creationId xmlns:p14="http://schemas.microsoft.com/office/powerpoint/2010/main" val="1488527465"/>
       </p:ext>
     </p:extLst>
   </p:cSld>
   <p:clrMapOvr>
     <a:masterClrMapping/>
   </p:clrMapOvr>
+  <p:timing>
+    <p:tnLst>
+      <p:par>
+        <p:cTn id="1" dur="indefinite" restart="never" nodeType="tmRoot">
+          <p:childTnLst>
+            <p:seq concurrent="1" nextAc="seek">
+              <p:cTn id="2" dur="indefinite" nodeType="mainSeq">
+                <p:childTnLst>
+                  <p:par>
+                    <p:cTn id="3" fill="hold">
+                      <p:stCondLst>
+                        <p:cond delay="indefinite"/>
+                      </p:stCondLst>
+                      <p:childTnLst>
+                        <p:par>
+                          <p:cTn id="4" fill="hold">
+                            <p:stCondLst>
+                              <p:cond delay="0"/>
+                            </p:stCondLst>
+                            <p:childTnLst>
+                              <p:par>
+                                <p:cTn id="5" presetID="10" presetClass="entr" presetSubtype="0" fill="hold" nodeType="clickEffect">
+                                  <p:stCondLst>
+                                    <p:cond delay="0"/>
+                                  </p:stCondLst>
+                                  <p:childTnLst>
+                                    <p:set>
+                                      <p:cBhvr>
+                                        <p:cTn id="6" dur="1" fill="hold">
+                                          <p:stCondLst>
+                                            <p:cond delay="0"/>
+                                          </p:stCondLst>
+                                        </p:cTn>
+                                        <p:tgtEl>
+                                          <p:spTgt spid="3">
+                                            <p:txEl>
+                                              <p:pRg st="0" end="0"/>
+                                            </p:txEl>
+                                          </p:spTgt>
+                                        </p:tgtEl>
+                                        <p:attrNameLst>
+                                          <p:attrName>style.visibility</p:attrName>
+                                        </p:attrNameLst>
+                                      </p:cBhvr>
+                                      <p:to>
+                                        <p:strVal val="visible"/>
+                                      </p:to>
+                                    </p:set>
+                                    <p:animEffect transition="in" filter="fade">
+                                      <p:cBhvr>
+                                        <p:cTn id="7" dur="500"/>
+                                        <p:tgtEl>
+                                          <p:spTgt spid="3">
+                                            <p:txEl>
+                                              <p:pRg st="0" end="0"/>
+                                            </p:txEl>
+                                          </p:spTgt>
+                                        </p:tgtEl>
+                                      </p:cBhvr>
+                                    </p:animEffect>
+                                  </p:childTnLst>
+                                </p:cTn>
+                              </p:par>
+                            </p:childTnLst>
+                          </p:cTn>
+                        </p:par>
+                      </p:childTnLst>
+                    </p:cTn>
+                  </p:par>
+                  <p:par>
+                    <p:cTn id="8" fill="hold">
+                      <p:stCondLst>
+                        <p:cond delay="indefinite"/>
+                      </p:stCondLst>
+                      <p:childTnLst>
+                        <p:par>
+                          <p:cTn id="9" fill="hold">
+                            <p:stCondLst>
+                              <p:cond delay="0"/>
+                            </p:stCondLst>
+                            <p:childTnLst>
+                              <p:par>
+                                <p:cTn id="10" presetID="10" presetClass="entr" presetSubtype="0" fill="hold" nodeType="clickEffect">
+                                  <p:stCondLst>
+                                    <p:cond delay="0"/>
+                                  </p:stCondLst>
+                                  <p:childTnLst>
+                                    <p:set>
+                                      <p:cBhvr>
+                                        <p:cTn id="11" dur="1" fill="hold">
+                                          <p:stCondLst>
+                                            <p:cond delay="0"/>
+                                          </p:stCondLst>
+                                        </p:cTn>
+                                        <p:tgtEl>
+                                          <p:spTgt spid="3">
+                                            <p:txEl>
+                                              <p:pRg st="1" end="1"/>
+                                            </p:txEl>
+                                          </p:spTgt>
+                                        </p:tgtEl>
+                                        <p:attrNameLst>
+                                          <p:attrName>style.visibility</p:attrName>
+                                        </p:attrNameLst>
+                                      </p:cBhvr>
+                                      <p:to>
+                                        <p:strVal val="visible"/>
+                                      </p:to>
+                                    </p:set>
+                                    <p:animEffect transition="in" filter="fade">
+                                      <p:cBhvr>
+                                        <p:cTn id="12" dur="500"/>
+                                        <p:tgtEl>
+                                          <p:spTgt spid="3">
+                                            <p:txEl>
+                                              <p:pRg st="1" end="1"/>
+                                            </p:txEl>
+                                          </p:spTgt>
+                                        </p:tgtEl>
+                                      </p:cBhvr>
+                                    </p:animEffect>
+                                  </p:childTnLst>
+                                </p:cTn>
+                              </p:par>
+                            </p:childTnLst>
+                          </p:cTn>
+                        </p:par>
+                      </p:childTnLst>
+                    </p:cTn>
+                  </p:par>
+                  <p:par>
+                    <p:cTn id="13" fill="hold">
+                      <p:stCondLst>
+                        <p:cond delay="indefinite"/>
+                      </p:stCondLst>
+                      <p:childTnLst>
+                        <p:par>
+                          <p:cTn id="14" fill="hold">
+                            <p:stCondLst>
+                              <p:cond delay="0"/>
+                            </p:stCondLst>
+                            <p:childTnLst>
+                              <p:par>
+                                <p:cTn id="15" presetID="10" presetClass="entr" presetSubtype="0" fill="hold" nodeType="clickEffect">
+                                  <p:stCondLst>
+                                    <p:cond delay="0"/>
+                                  </p:stCondLst>
+                                  <p:childTnLst>
+                                    <p:set>
+                                      <p:cBhvr>
+                                        <p:cTn id="16" dur="1" fill="hold">
+                                          <p:stCondLst>
+                                            <p:cond delay="0"/>
+                                          </p:stCondLst>
+                                        </p:cTn>
+                                        <p:tgtEl>
+                                          <p:spTgt spid="3">
+                                            <p:txEl>
+                                              <p:pRg st="2" end="2"/>
+                                            </p:txEl>
+                                          </p:spTgt>
+                                        </p:tgtEl>
+                                        <p:attrNameLst>
+                                          <p:attrName>style.visibility</p:attrName>
+                                        </p:attrNameLst>
+                                      </p:cBhvr>
+                                      <p:to>
+                                        <p:strVal val="visible"/>
+                                      </p:to>
+                                    </p:set>
+                                    <p:animEffect transition="in" filter="fade">
+                                      <p:cBhvr>
+                                        <p:cTn id="17" dur="500"/>
+                                        <p:tgtEl>
+                                          <p:spTgt spid="3">
+                                            <p:txEl>
+                                              <p:pRg st="2" end="2"/>
+                                            </p:txEl>
+                                          </p:spTgt>
+                                        </p:tgtEl>
+                                      </p:cBhvr>
+                                    </p:animEffect>
+                                  </p:childTnLst>
+                                </p:cTn>
+                              </p:par>
+                            </p:childTnLst>
+                          </p:cTn>
+                        </p:par>
+                      </p:childTnLst>
+                    </p:cTn>
+                  </p:par>
+                  <p:par>
+                    <p:cTn id="18" fill="hold">
+                      <p:stCondLst>
+                        <p:cond delay="indefinite"/>
+                      </p:stCondLst>
+                      <p:childTnLst>
+                        <p:par>
+                          <p:cTn id="19" fill="hold">
+                            <p:stCondLst>
+                              <p:cond delay="0"/>
+                            </p:stCondLst>
+                            <p:childTnLst>
+                              <p:par>
+                                <p:cTn id="20" presetID="10" presetClass="entr" presetSubtype="0" fill="hold" nodeType="clickEffect">
+                                  <p:stCondLst>
+                                    <p:cond delay="0"/>
+                                  </p:stCondLst>
+                                  <p:childTnLst>
+                                    <p:set>
+                                      <p:cBhvr>
+                                        <p:cTn id="21" dur="1" fill="hold">
+                                          <p:stCondLst>
+                                            <p:cond delay="0"/>
+                                          </p:stCondLst>
+                                        </p:cTn>
+                                        <p:tgtEl>
+                                          <p:spTgt spid="3">
+                                            <p:txEl>
+                                              <p:pRg st="3" end="3"/>
+                                            </p:txEl>
+                                          </p:spTgt>
+                                        </p:tgtEl>
+                                        <p:attrNameLst>
+                                          <p:attrName>style.visibility</p:attrName>
+                                        </p:attrNameLst>
+                                      </p:cBhvr>
+                                      <p:to>
+                                        <p:strVal val="visible"/>
+                                      </p:to>
+                                    </p:set>
+                                    <p:animEffect transition="in" filter="fade">
+                                      <p:cBhvr>
+                                        <p:cTn id="22" dur="500"/>
+                                        <p:tgtEl>
+                                          <p:spTgt spid="3">
+                                            <p:txEl>
+                                              <p:pRg st="3" end="3"/>
+                                            </p:txEl>
+                                          </p:spTgt>
+                                        </p:tgtEl>
+                                      </p:cBhvr>
+                                    </p:animEffect>
+                                  </p:childTnLst>
+                                </p:cTn>
+                              </p:par>
+                            </p:childTnLst>
+                          </p:cTn>
+                        </p:par>
+                      </p:childTnLst>
+                    </p:cTn>
+                  </p:par>
+                </p:childTnLst>
+              </p:cTn>
+              <p:prevCondLst>
+                <p:cond evt="onPrev" delay="0">
+                  <p:tgtEl>
+                    <p:sldTgt/>
+                  </p:tgtEl>
+                </p:cond>
+              </p:prevCondLst>
+              <p:nextCondLst>
+                <p:cond evt="onNext" delay="0">
+                  <p:tgtEl>
+                    <p:sldTgt/>
+                  </p:tgtEl>
+                </p:cond>
+              </p:nextCondLst>
+            </p:seq>
+          </p:childTnLst>
+        </p:cTn>
+      </p:par>
+    </p:tnLst>
+  </p:timing>
 </p:sld>
 </file>
 
@@ -9667,7 +10109,7 @@
           <p:cNvPr id="2" name="Title 1">
             <a:extLst>
               <a:ext uri="{FF2B5EF4-FFF2-40B4-BE49-F238E27FC236}">
-                <a16:creationId xmlns:a16="http://schemas.microsoft.com/office/drawing/2014/main" id="{9255DFBE-19DA-408D-84E6-F4043FC30BD3}"/>
+                <a16:creationId xmlns:a16="http://schemas.microsoft.com/office/drawing/2014/main" id="{55E11F08-6CA0-48F1-AD67-97430DDA07F0}"/>
               </a:ext>
             </a:extLst>
           </p:cNvPr>
@@ -9675,32 +10117,25 @@
             <a:spLocks noGrp="1"/>
           </p:cNvSpPr>
           <p:nvPr>
-            <p:ph type="ctrTitle"/>
+            <p:ph type="title"/>
           </p:nvPr>
         </p:nvSpPr>
-        <p:spPr>
-          <a:xfrm>
-            <a:off x="1524000" y="1122362"/>
-            <a:ext cx="9144000" cy="2741971"/>
-          </a:xfrm>
-        </p:spPr>
+        <p:spPr/>
         <p:txBody>
-          <a:bodyPr>
-            <a:normAutofit/>
-          </a:bodyPr>
+          <a:bodyPr/>
           <a:lstStyle/>
           <a:p>
             <a:r>
-              <a:rPr lang="tr-TR" sz="4000" dirty="0">
+              <a:rPr lang="tr-TR" b="1" dirty="0">
                 <a:solidFill>
                   <a:srgbClr val="292D33"/>
                 </a:solidFill>
                 <a:latin typeface="Euclid Circular B" panose="020B0504000000000000" pitchFamily="34" charset="0"/>
                 <a:ea typeface="Euclid Circular B" panose="020B0504000000000000" pitchFamily="34" charset="0"/>
               </a:rPr>
-              <a:t>ABP Community News</a:t>
-            </a:r>
-            <a:endParaRPr lang="en-US" sz="4000" dirty="0">
+              <a:t>ABP v8.0 RC</a:t>
+            </a:r>
+            <a:endParaRPr lang="en-US" b="1" dirty="0">
               <a:solidFill>
                 <a:srgbClr val="292D33"/>
               </a:solidFill>
@@ -9710,10 +10145,71 @@
           </a:p>
         </p:txBody>
       </p:sp>
+      <p:sp>
+        <p:nvSpPr>
+          <p:cNvPr id="3" name="Content Placeholder 2">
+            <a:extLst>
+              <a:ext uri="{FF2B5EF4-FFF2-40B4-BE49-F238E27FC236}">
+                <a16:creationId xmlns:a16="http://schemas.microsoft.com/office/drawing/2014/main" id="{891C7693-D3DF-4635-96F4-97F3B4136FDF}"/>
+              </a:ext>
+            </a:extLst>
+          </p:cNvPr>
+          <p:cNvSpPr>
+            <a:spLocks noGrp="1"/>
+          </p:cNvSpPr>
+          <p:nvPr>
+            <p:ph idx="1"/>
+          </p:nvPr>
+        </p:nvSpPr>
+        <p:spPr/>
+        <p:txBody>
+          <a:bodyPr/>
+          <a:lstStyle/>
+          <a:p>
+            <a:r>
+              <a:rPr lang="tr-TR" dirty="0">
+                <a:latin typeface="Euclid Circular B" panose="020B0504000000000000" pitchFamily="34" charset="0"/>
+                <a:ea typeface="Euclid Circular B" panose="020B0504000000000000" pitchFamily="34" charset="0"/>
+              </a:rPr>
+              <a:t>Planned Release Date: </a:t>
+            </a:r>
+            <a:r>
+              <a:rPr lang="tr-TR" b="1" dirty="0">
+                <a:latin typeface="Euclid Circular B" panose="020B0504000000000000" pitchFamily="34" charset="0"/>
+                <a:ea typeface="Euclid Circular B" panose="020B0504000000000000" pitchFamily="34" charset="0"/>
+              </a:rPr>
+              <a:t>November 15</a:t>
+            </a:r>
+            <a:r>
+              <a:rPr lang="tr-TR" dirty="0">
+                <a:latin typeface="Euclid Circular B" panose="020B0504000000000000" pitchFamily="34" charset="0"/>
+                <a:ea typeface="Euclid Circular B" panose="020B0504000000000000" pitchFamily="34" charset="0"/>
+              </a:rPr>
+              <a:t>, 2023.</a:t>
+            </a:r>
+          </a:p>
+          <a:p>
+            <a:r>
+              <a:rPr lang="tr-TR" dirty="0">
+                <a:latin typeface="Euclid Circular B" panose="020B0504000000000000" pitchFamily="34" charset="0"/>
+                <a:ea typeface="Euclid Circular B" panose="020B0504000000000000" pitchFamily="34" charset="0"/>
+              </a:rPr>
+              <a:t>Based on </a:t>
+            </a:r>
+            <a:r>
+              <a:rPr lang="tr-TR" b="1" dirty="0">
+                <a:latin typeface="Euclid Circular B" panose="020B0504000000000000" pitchFamily="34" charset="0"/>
+                <a:ea typeface="Euclid Circular B" panose="020B0504000000000000" pitchFamily="34" charset="0"/>
+              </a:rPr>
+              <a:t>.NET 8.0</a:t>
+            </a:r>
+          </a:p>
+        </p:txBody>
+      </p:sp>
     </p:spTree>
     <p:extLst>
       <p:ext uri="{BB962C8B-B14F-4D97-AF65-F5344CB8AC3E}">
-        <p14:creationId xmlns:p14="http://schemas.microsoft.com/office/powerpoint/2010/main" val="4271090635"/>
+        <p14:creationId xmlns:p14="http://schemas.microsoft.com/office/powerpoint/2010/main" val="4239741729"/>
       </p:ext>
     </p:extLst>
   </p:cSld>
@@ -9759,7 +10255,7 @@
           <p:cNvPr id="2" name="Title 1">
             <a:extLst>
               <a:ext uri="{FF2B5EF4-FFF2-40B4-BE49-F238E27FC236}">
-                <a16:creationId xmlns:a16="http://schemas.microsoft.com/office/drawing/2014/main" id="{55E11F08-6CA0-48F1-AD67-97430DDA07F0}"/>
+                <a16:creationId xmlns:a16="http://schemas.microsoft.com/office/drawing/2014/main" id="{9255DFBE-19DA-408D-84E6-F4043FC30BD3}"/>
               </a:ext>
             </a:extLst>
           </p:cNvPr>
@@ -9767,61 +10263,32 @@
             <a:spLocks noGrp="1"/>
           </p:cNvSpPr>
           <p:nvPr>
-            <p:ph type="title"/>
+            <p:ph type="ctrTitle"/>
           </p:nvPr>
         </p:nvSpPr>
         <p:spPr>
           <a:xfrm>
-            <a:off x="461913" y="365126"/>
-            <a:ext cx="10891887" cy="1014222"/>
+            <a:off x="1524000" y="1122362"/>
+            <a:ext cx="9144000" cy="2741971"/>
           </a:xfrm>
         </p:spPr>
         <p:txBody>
           <a:bodyPr>
-            <a:normAutofit fontScale="90000"/>
+            <a:normAutofit/>
           </a:bodyPr>
           <a:lstStyle/>
           <a:p>
             <a:r>
-              <a:rPr lang="tr-TR" dirty="0">
+              <a:rPr lang="tr-TR" sz="4000" dirty="0">
                 <a:solidFill>
                   <a:srgbClr val="292D33"/>
                 </a:solidFill>
                 <a:latin typeface="Euclid Circular B" panose="020B0504000000000000" pitchFamily="34" charset="0"/>
                 <a:ea typeface="Euclid Circular B" panose="020B0504000000000000" pitchFamily="34" charset="0"/>
               </a:rPr>
-              <a:t>Video Series: </a:t>
-            </a:r>
-            <a:r>
-              <a:rPr lang="tr-TR" b="1" dirty="0">
-                <a:solidFill>
-                  <a:srgbClr val="292D33"/>
-                </a:solidFill>
-                <a:latin typeface="Euclid Circular B" panose="020B0504000000000000" pitchFamily="34" charset="0"/>
-                <a:ea typeface="Euclid Circular B" panose="020B0504000000000000" pitchFamily="34" charset="0"/>
-              </a:rPr>
-              <a:t>ABP Framework Essentials</a:t>
-            </a:r>
-            <a:br>
-              <a:rPr lang="tr-TR" b="1" dirty="0">
-                <a:solidFill>
-                  <a:srgbClr val="292D33"/>
-                </a:solidFill>
-                <a:latin typeface="Euclid Circular B" panose="020B0504000000000000" pitchFamily="34" charset="0"/>
-                <a:ea typeface="Euclid Circular B" panose="020B0504000000000000" pitchFamily="34" charset="0"/>
-              </a:rPr>
-            </a:br>
-            <a:r>
-              <a:rPr lang="tr-TR" sz="2700" dirty="0">
-                <a:solidFill>
-                  <a:srgbClr val="292D33"/>
-                </a:solidFill>
-                <a:latin typeface="Euclid Circular B" panose="020B0504000000000000" pitchFamily="34" charset="0"/>
-                <a:ea typeface="Euclid Circular B" panose="020B0504000000000000" pitchFamily="34" charset="0"/>
-              </a:rPr>
-              <a:t>7 videos / 100 minutes of content</a:t>
-            </a:r>
-            <a:endParaRPr lang="en-US" dirty="0">
+              <a:t>ABP Community News</a:t>
+            </a:r>
+            <a:endParaRPr lang="en-US" sz="4000" dirty="0">
               <a:solidFill>
                 <a:srgbClr val="292D33"/>
               </a:solidFill>
@@ -9831,82 +10298,10 @@
           </a:p>
         </p:txBody>
       </p:sp>
-      <p:sp>
-        <p:nvSpPr>
-          <p:cNvPr id="9" name="TextBox 8">
-            <a:extLst>
-              <a:ext uri="{FF2B5EF4-FFF2-40B4-BE49-F238E27FC236}">
-                <a16:creationId xmlns:a16="http://schemas.microsoft.com/office/drawing/2014/main" id="{BBB315E3-EE0C-4522-4953-B8EDE42968C3}"/>
-              </a:ext>
-            </a:extLst>
-          </p:cNvPr>
-          <p:cNvSpPr txBox="1"/>
-          <p:nvPr/>
-        </p:nvSpPr>
-        <p:spPr>
-          <a:xfrm>
-            <a:off x="461913" y="6231265"/>
-            <a:ext cx="9978150" cy="523220"/>
-          </a:xfrm>
-          <a:prstGeom prst="rect">
-            <a:avLst/>
-          </a:prstGeom>
-          <a:noFill/>
-        </p:spPr>
-        <p:txBody>
-          <a:bodyPr wrap="square">
-            <a:spAutoFit/>
-          </a:bodyPr>
-          <a:lstStyle/>
-          <a:p>
-            <a:r>
-              <a:rPr lang="en-US" sz="2800" b="1" dirty="0">
-                <a:hlinkClick r:id="rId3"/>
-              </a:rPr>
-              <a:t>https://www.youtube.com/@Volosoft</a:t>
-            </a:r>
-            <a:r>
-              <a:rPr lang="tr-TR" sz="2800" b="1" dirty="0"/>
-              <a:t> </a:t>
-            </a:r>
-            <a:endParaRPr lang="en-US" sz="2800" b="1" dirty="0"/>
-          </a:p>
-        </p:txBody>
-      </p:sp>
-      <p:pic>
-        <p:nvPicPr>
-          <p:cNvPr id="4" name="Picture 3">
-            <a:extLst>
-              <a:ext uri="{FF2B5EF4-FFF2-40B4-BE49-F238E27FC236}">
-                <a16:creationId xmlns:a16="http://schemas.microsoft.com/office/drawing/2014/main" id="{DA782A15-AAC7-D5C2-C365-057467E85A09}"/>
-              </a:ext>
-            </a:extLst>
-          </p:cNvPr>
-          <p:cNvPicPr>
-            <a:picLocks noChangeAspect="1"/>
-          </p:cNvPicPr>
-          <p:nvPr/>
-        </p:nvPicPr>
-        <p:blipFill>
-          <a:blip r:embed="rId4"/>
-          <a:stretch>
-            <a:fillRect/>
-          </a:stretch>
-        </p:blipFill>
-        <p:spPr>
-          <a:xfrm>
-            <a:off x="461912" y="1379348"/>
-            <a:ext cx="11267081" cy="4634953"/>
-          </a:xfrm>
-          <a:prstGeom prst="rect">
-            <a:avLst/>
-          </a:prstGeom>
-        </p:spPr>
-      </p:pic>
     </p:spTree>
     <p:extLst>
       <p:ext uri="{BB962C8B-B14F-4D97-AF65-F5344CB8AC3E}">
-        <p14:creationId xmlns:p14="http://schemas.microsoft.com/office/powerpoint/2010/main" val="923482390"/>
+        <p14:creationId xmlns:p14="http://schemas.microsoft.com/office/powerpoint/2010/main" val="4271090635"/>
       </p:ext>
     </p:extLst>
   </p:cSld>
@@ -9963,11 +10358,28 @@
             <p:ph type="title"/>
           </p:nvPr>
         </p:nvSpPr>
-        <p:spPr/>
+        <p:spPr>
+          <a:xfrm>
+            <a:off x="461913" y="365126"/>
+            <a:ext cx="10891887" cy="1014222"/>
+          </a:xfrm>
+        </p:spPr>
         <p:txBody>
-          <a:bodyPr/>
+          <a:bodyPr>
+            <a:normAutofit fontScale="90000"/>
+          </a:bodyPr>
           <a:lstStyle/>
           <a:p>
+            <a:r>
+              <a:rPr lang="tr-TR" dirty="0">
+                <a:solidFill>
+                  <a:srgbClr val="292D33"/>
+                </a:solidFill>
+                <a:latin typeface="Euclid Circular B" panose="020B0504000000000000" pitchFamily="34" charset="0"/>
+                <a:ea typeface="Euclid Circular B" panose="020B0504000000000000" pitchFamily="34" charset="0"/>
+              </a:rPr>
+              <a:t>Video Series: </a:t>
+            </a:r>
             <a:r>
               <a:rPr lang="tr-TR" b="1" dirty="0">
                 <a:solidFill>
@@ -9976,7 +10388,7 @@
                 <a:latin typeface="Euclid Circular B" panose="020B0504000000000000" pitchFamily="34" charset="0"/>
                 <a:ea typeface="Euclid Circular B" panose="020B0504000000000000" pitchFamily="34" charset="0"/>
               </a:rPr>
-              <a:t>Latest Posts</a:t>
+              <a:t>ABP Framework Essentials</a:t>
             </a:r>
             <a:br>
               <a:rPr lang="tr-TR" b="1" dirty="0">
@@ -9988,38 +10400,16 @@
               </a:rPr>
             </a:br>
             <a:r>
-              <a:rPr lang="tr-TR" sz="2800" dirty="0">
+              <a:rPr lang="tr-TR" sz="2700" dirty="0">
                 <a:solidFill>
                   <a:srgbClr val="292D33"/>
                 </a:solidFill>
                 <a:latin typeface="Euclid Circular B" panose="020B0504000000000000" pitchFamily="34" charset="0"/>
                 <a:ea typeface="Euclid Circular B" panose="020B0504000000000000" pitchFamily="34" charset="0"/>
-                <a:hlinkClick r:id="rId3"/>
-              </a:rPr>
-              <a:t>https://</a:t>
-            </a:r>
-            <a:r>
-              <a:rPr lang="tr-TR" sz="2800" b="1" dirty="0">
-                <a:solidFill>
-                  <a:srgbClr val="292D33"/>
-                </a:solidFill>
-                <a:latin typeface="Euclid Circular B" panose="020B0504000000000000" pitchFamily="34" charset="0"/>
-                <a:ea typeface="Euclid Circular B" panose="020B0504000000000000" pitchFamily="34" charset="0"/>
-                <a:hlinkClick r:id="rId3"/>
-              </a:rPr>
-              <a:t>community.abp.io</a:t>
-            </a:r>
-            <a:r>
-              <a:rPr lang="tr-TR" sz="2800" b="1" dirty="0">
-                <a:solidFill>
-                  <a:srgbClr val="292D33"/>
-                </a:solidFill>
-                <a:latin typeface="Euclid Circular B" panose="020B0504000000000000" pitchFamily="34" charset="0"/>
-                <a:ea typeface="Euclid Circular B" panose="020B0504000000000000" pitchFamily="34" charset="0"/>
-              </a:rPr>
-              <a:t> </a:t>
-            </a:r>
-            <a:endParaRPr lang="en-US" b="1" dirty="0">
+              </a:rPr>
+              <a:t>7 videos / 100 minutes of content</a:t>
+            </a:r>
+            <a:endParaRPr lang="en-US" dirty="0">
               <a:solidFill>
                 <a:srgbClr val="292D33"/>
               </a:solidFill>
@@ -10029,12 +10419,54 @@
           </a:p>
         </p:txBody>
       </p:sp>
+      <p:sp>
+        <p:nvSpPr>
+          <p:cNvPr id="9" name="TextBox 8">
+            <a:extLst>
+              <a:ext uri="{FF2B5EF4-FFF2-40B4-BE49-F238E27FC236}">
+                <a16:creationId xmlns:a16="http://schemas.microsoft.com/office/drawing/2014/main" id="{BBB315E3-EE0C-4522-4953-B8EDE42968C3}"/>
+              </a:ext>
+            </a:extLst>
+          </p:cNvPr>
+          <p:cNvSpPr txBox="1"/>
+          <p:nvPr/>
+        </p:nvSpPr>
+        <p:spPr>
+          <a:xfrm>
+            <a:off x="461913" y="6231265"/>
+            <a:ext cx="9978150" cy="523220"/>
+          </a:xfrm>
+          <a:prstGeom prst="rect">
+            <a:avLst/>
+          </a:prstGeom>
+          <a:noFill/>
+        </p:spPr>
+        <p:txBody>
+          <a:bodyPr wrap="square">
+            <a:spAutoFit/>
+          </a:bodyPr>
+          <a:lstStyle/>
+          <a:p>
+            <a:r>
+              <a:rPr lang="en-US" sz="2800" b="1" dirty="0">
+                <a:hlinkClick r:id="rId3"/>
+              </a:rPr>
+              <a:t>https://www.youtube.com/@Volosoft</a:t>
+            </a:r>
+            <a:r>
+              <a:rPr lang="tr-TR" sz="2800" b="1" dirty="0"/>
+              <a:t> </a:t>
+            </a:r>
+            <a:endParaRPr lang="en-US" sz="2800" b="1" dirty="0"/>
+          </a:p>
+        </p:txBody>
+      </p:sp>
       <p:pic>
         <p:nvPicPr>
-          <p:cNvPr id="7" name="Picture 6">
+          <p:cNvPr id="4" name="Picture 3">
             <a:extLst>
               <a:ext uri="{FF2B5EF4-FFF2-40B4-BE49-F238E27FC236}">
-                <a16:creationId xmlns:a16="http://schemas.microsoft.com/office/drawing/2014/main" id="{BE4B8B42-27E0-C626-629E-5347DCBA867F}"/>
+                <a16:creationId xmlns:a16="http://schemas.microsoft.com/office/drawing/2014/main" id="{DA782A15-AAC7-D5C2-C365-057467E85A09}"/>
               </a:ext>
             </a:extLst>
           </p:cNvPr>
@@ -10051,98 +10483,8 @@
         </p:blipFill>
         <p:spPr>
           <a:xfrm>
-            <a:off x="1688990" y="2438110"/>
-            <a:ext cx="4258586" cy="1200822"/>
-          </a:xfrm>
-          <a:prstGeom prst="rect">
-            <a:avLst/>
-          </a:prstGeom>
-        </p:spPr>
-      </p:pic>
-      <p:pic>
-        <p:nvPicPr>
-          <p:cNvPr id="9" name="Picture 8">
-            <a:extLst>
-              <a:ext uri="{FF2B5EF4-FFF2-40B4-BE49-F238E27FC236}">
-                <a16:creationId xmlns:a16="http://schemas.microsoft.com/office/drawing/2014/main" id="{D82EFCB4-494D-F311-9912-18816C8CC493}"/>
-              </a:ext>
-            </a:extLst>
-          </p:cNvPr>
-          <p:cNvPicPr>
-            <a:picLocks noChangeAspect="1"/>
-          </p:cNvPicPr>
-          <p:nvPr/>
-        </p:nvPicPr>
-        <p:blipFill>
-          <a:blip r:embed="rId5"/>
-          <a:stretch>
-            <a:fillRect/>
-          </a:stretch>
-        </p:blipFill>
-        <p:spPr>
-          <a:xfrm>
-            <a:off x="6238544" y="2438110"/>
-            <a:ext cx="4258586" cy="1012787"/>
-          </a:xfrm>
-          <a:prstGeom prst="rect">
-            <a:avLst/>
-          </a:prstGeom>
-        </p:spPr>
-      </p:pic>
-      <p:pic>
-        <p:nvPicPr>
-          <p:cNvPr id="11" name="Picture 10">
-            <a:extLst>
-              <a:ext uri="{FF2B5EF4-FFF2-40B4-BE49-F238E27FC236}">
-                <a16:creationId xmlns:a16="http://schemas.microsoft.com/office/drawing/2014/main" id="{8C69ADAE-2CAD-D4FF-6AD9-E222B093EEA9}"/>
-              </a:ext>
-            </a:extLst>
-          </p:cNvPr>
-          <p:cNvPicPr>
-            <a:picLocks noChangeAspect="1"/>
-          </p:cNvPicPr>
-          <p:nvPr/>
-        </p:nvPicPr>
-        <p:blipFill>
-          <a:blip r:embed="rId6"/>
-          <a:stretch>
-            <a:fillRect/>
-          </a:stretch>
-        </p:blipFill>
-        <p:spPr>
-          <a:xfrm>
-            <a:off x="1688990" y="3908285"/>
-            <a:ext cx="4258586" cy="953321"/>
-          </a:xfrm>
-          <a:prstGeom prst="rect">
-            <a:avLst/>
-          </a:prstGeom>
-        </p:spPr>
-      </p:pic>
-      <p:pic>
-        <p:nvPicPr>
-          <p:cNvPr id="15" name="Picture 14">
-            <a:extLst>
-              <a:ext uri="{FF2B5EF4-FFF2-40B4-BE49-F238E27FC236}">
-                <a16:creationId xmlns:a16="http://schemas.microsoft.com/office/drawing/2014/main" id="{80B4F6CA-27D8-5043-CCA9-A01430D83025}"/>
-              </a:ext>
-            </a:extLst>
-          </p:cNvPr>
-          <p:cNvPicPr>
-            <a:picLocks noChangeAspect="1"/>
-          </p:cNvPicPr>
-          <p:nvPr/>
-        </p:nvPicPr>
-        <p:blipFill>
-          <a:blip r:embed="rId7"/>
-          <a:stretch>
-            <a:fillRect/>
-          </a:stretch>
-        </p:blipFill>
-        <p:spPr>
-          <a:xfrm>
-            <a:off x="6238544" y="3638932"/>
-            <a:ext cx="4258586" cy="1213202"/>
+            <a:off x="461912" y="1379348"/>
+            <a:ext cx="11267081" cy="4634953"/>
           </a:xfrm>
           <a:prstGeom prst="rect">
             <a:avLst/>
@@ -10152,219 +10494,13 @@
     </p:spTree>
     <p:extLst>
       <p:ext uri="{BB962C8B-B14F-4D97-AF65-F5344CB8AC3E}">
-        <p14:creationId xmlns:p14="http://schemas.microsoft.com/office/powerpoint/2010/main" val="565921230"/>
+        <p14:creationId xmlns:p14="http://schemas.microsoft.com/office/powerpoint/2010/main" val="923482390"/>
       </p:ext>
     </p:extLst>
   </p:cSld>
   <p:clrMapOvr>
     <a:masterClrMapping/>
   </p:clrMapOvr>
-  <p:timing>
-    <p:tnLst>
-      <p:par>
-        <p:cTn id="1" dur="indefinite" restart="never" nodeType="tmRoot">
-          <p:childTnLst>
-            <p:seq concurrent="1" nextAc="seek">
-              <p:cTn id="2" dur="indefinite" nodeType="mainSeq">
-                <p:childTnLst>
-                  <p:par>
-                    <p:cTn id="3" fill="hold">
-                      <p:stCondLst>
-                        <p:cond delay="indefinite"/>
-                      </p:stCondLst>
-                      <p:childTnLst>
-                        <p:par>
-                          <p:cTn id="4" fill="hold">
-                            <p:stCondLst>
-                              <p:cond delay="0"/>
-                            </p:stCondLst>
-                            <p:childTnLst>
-                              <p:par>
-                                <p:cTn id="5" presetID="10" presetClass="entr" presetSubtype="0" fill="hold" nodeType="clickEffect">
-                                  <p:stCondLst>
-                                    <p:cond delay="0"/>
-                                  </p:stCondLst>
-                                  <p:childTnLst>
-                                    <p:set>
-                                      <p:cBhvr>
-                                        <p:cTn id="6" dur="1" fill="hold">
-                                          <p:stCondLst>
-                                            <p:cond delay="0"/>
-                                          </p:stCondLst>
-                                        </p:cTn>
-                                        <p:tgtEl>
-                                          <p:spTgt spid="7"/>
-                                        </p:tgtEl>
-                                        <p:attrNameLst>
-                                          <p:attrName>style.visibility</p:attrName>
-                                        </p:attrNameLst>
-                                      </p:cBhvr>
-                                      <p:to>
-                                        <p:strVal val="visible"/>
-                                      </p:to>
-                                    </p:set>
-                                    <p:animEffect transition="in" filter="fade">
-                                      <p:cBhvr>
-                                        <p:cTn id="7" dur="500"/>
-                                        <p:tgtEl>
-                                          <p:spTgt spid="7"/>
-                                        </p:tgtEl>
-                                      </p:cBhvr>
-                                    </p:animEffect>
-                                  </p:childTnLst>
-                                </p:cTn>
-                              </p:par>
-                              <p:par>
-                                <p:cTn id="8" presetID="10" presetClass="entr" presetSubtype="0" fill="hold" nodeType="withEffect">
-                                  <p:stCondLst>
-                                    <p:cond delay="0"/>
-                                  </p:stCondLst>
-                                  <p:childTnLst>
-                                    <p:set>
-                                      <p:cBhvr>
-                                        <p:cTn id="9" dur="1" fill="hold">
-                                          <p:stCondLst>
-                                            <p:cond delay="0"/>
-                                          </p:stCondLst>
-                                        </p:cTn>
-                                        <p:tgtEl>
-                                          <p:spTgt spid="11"/>
-                                        </p:tgtEl>
-                                        <p:attrNameLst>
-                                          <p:attrName>style.visibility</p:attrName>
-                                        </p:attrNameLst>
-                                      </p:cBhvr>
-                                      <p:to>
-                                        <p:strVal val="visible"/>
-                                      </p:to>
-                                    </p:set>
-                                    <p:animEffect transition="in" filter="fade">
-                                      <p:cBhvr>
-                                        <p:cTn id="10" dur="500"/>
-                                        <p:tgtEl>
-                                          <p:spTgt spid="11"/>
-                                        </p:tgtEl>
-                                      </p:cBhvr>
-                                    </p:animEffect>
-                                  </p:childTnLst>
-                                </p:cTn>
-                              </p:par>
-                            </p:childTnLst>
-                          </p:cTn>
-                        </p:par>
-                      </p:childTnLst>
-                    </p:cTn>
-                  </p:par>
-                  <p:par>
-                    <p:cTn id="11" fill="hold">
-                      <p:stCondLst>
-                        <p:cond delay="indefinite"/>
-                      </p:stCondLst>
-                      <p:childTnLst>
-                        <p:par>
-                          <p:cTn id="12" fill="hold">
-                            <p:stCondLst>
-                              <p:cond delay="0"/>
-                            </p:stCondLst>
-                            <p:childTnLst>
-                              <p:par>
-                                <p:cTn id="13" presetID="10" presetClass="entr" presetSubtype="0" fill="hold" nodeType="clickEffect">
-                                  <p:stCondLst>
-                                    <p:cond delay="0"/>
-                                  </p:stCondLst>
-                                  <p:childTnLst>
-                                    <p:set>
-                                      <p:cBhvr>
-                                        <p:cTn id="14" dur="1" fill="hold">
-                                          <p:stCondLst>
-                                            <p:cond delay="0"/>
-                                          </p:stCondLst>
-                                        </p:cTn>
-                                        <p:tgtEl>
-                                          <p:spTgt spid="9"/>
-                                        </p:tgtEl>
-                                        <p:attrNameLst>
-                                          <p:attrName>style.visibility</p:attrName>
-                                        </p:attrNameLst>
-                                      </p:cBhvr>
-                                      <p:to>
-                                        <p:strVal val="visible"/>
-                                      </p:to>
-                                    </p:set>
-                                    <p:animEffect transition="in" filter="fade">
-                                      <p:cBhvr>
-                                        <p:cTn id="15" dur="500"/>
-                                        <p:tgtEl>
-                                          <p:spTgt spid="9"/>
-                                        </p:tgtEl>
-                                      </p:cBhvr>
-                                    </p:animEffect>
-                                  </p:childTnLst>
-                                </p:cTn>
-                              </p:par>
-                              <p:par>
-                                <p:cTn id="16" presetID="10" presetClass="entr" presetSubtype="0" fill="hold" nodeType="withEffect">
-                                  <p:stCondLst>
-                                    <p:cond delay="0"/>
-                                  </p:stCondLst>
-                                  <p:childTnLst>
-                                    <p:set>
-                                      <p:cBhvr>
-                                        <p:cTn id="17" dur="1" fill="hold">
-                                          <p:stCondLst>
-                                            <p:cond delay="0"/>
-                                          </p:stCondLst>
-                                        </p:cTn>
-                                        <p:tgtEl>
-                                          <p:spTgt spid="15"/>
-                                        </p:tgtEl>
-                                        <p:attrNameLst>
-                                          <p:attrName>style.visibility</p:attrName>
-                                        </p:attrNameLst>
-                                      </p:cBhvr>
-                                      <p:to>
-                                        <p:strVal val="visible"/>
-                                      </p:to>
-                                    </p:set>
-                                    <p:animEffect transition="in" filter="fade">
-                                      <p:cBhvr>
-                                        <p:cTn id="18" dur="500"/>
-                                        <p:tgtEl>
-                                          <p:spTgt spid="15"/>
-                                        </p:tgtEl>
-                                      </p:cBhvr>
-                                    </p:animEffect>
-                                  </p:childTnLst>
-                                </p:cTn>
-                              </p:par>
-                            </p:childTnLst>
-                          </p:cTn>
-                        </p:par>
-                      </p:childTnLst>
-                    </p:cTn>
-                  </p:par>
-                </p:childTnLst>
-              </p:cTn>
-              <p:prevCondLst>
-                <p:cond evt="onPrev" delay="0">
-                  <p:tgtEl>
-                    <p:sldTgt/>
-                  </p:tgtEl>
-                </p:cond>
-              </p:prevCondLst>
-              <p:nextCondLst>
-                <p:cond evt="onNext" delay="0">
-                  <p:tgtEl>
-                    <p:sldTgt/>
-                  </p:tgtEl>
-                </p:cond>
-              </p:nextCondLst>
-            </p:seq>
-          </p:childTnLst>
-        </p:cTn>
-      </p:par>
-    </p:tnLst>
-  </p:timing>
 </p:sld>
 </file>
 

--- a/2023-07-27 ABP Community Talks 2023.5/ABP Mobile Options.pptx
+++ b/2023-07-27 ABP Community Talks 2023.5/ABP Mobile Options.pptx
@@ -21,6 +21,7 @@
     <p:sldId id="268" r:id="rId15"/>
     <p:sldId id="265" r:id="rId16"/>
     <p:sldId id="270" r:id="rId17"/>
+    <p:sldId id="276" r:id="rId18"/>
   </p:sldIdLst>
   <p:sldSz cx="12192000" cy="6858000"/>
   <p:notesSz cx="6858000" cy="9144000"/>
@@ -274,7 +275,7 @@
           <a:p>
             <a:fld id="{2A14C9FE-EBC3-45D3-899C-58AAF4F8AF71}" type="datetimeFigureOut">
               <a:rPr lang="en-US" smtClean="0"/>
-              <a:t>7/20/2023</a:t>
+              <a:t>7/27/2023</a:t>
             </a:fld>
             <a:endParaRPr lang="en-US"/>
           </a:p>
@@ -472,7 +473,7 @@
           <a:p>
             <a:fld id="{2A14C9FE-EBC3-45D3-899C-58AAF4F8AF71}" type="datetimeFigureOut">
               <a:rPr lang="en-US" smtClean="0"/>
-              <a:t>7/20/2023</a:t>
+              <a:t>7/27/2023</a:t>
             </a:fld>
             <a:endParaRPr lang="en-US"/>
           </a:p>
@@ -680,7 +681,7 @@
           <a:p>
             <a:fld id="{2A14C9FE-EBC3-45D3-899C-58AAF4F8AF71}" type="datetimeFigureOut">
               <a:rPr lang="en-US" smtClean="0"/>
-              <a:t>7/20/2023</a:t>
+              <a:t>7/27/2023</a:t>
             </a:fld>
             <a:endParaRPr lang="en-US"/>
           </a:p>
@@ -878,7 +879,7 @@
           <a:p>
             <a:fld id="{2A14C9FE-EBC3-45D3-899C-58AAF4F8AF71}" type="datetimeFigureOut">
               <a:rPr lang="en-US" smtClean="0"/>
-              <a:t>7/20/2023</a:t>
+              <a:t>7/27/2023</a:t>
             </a:fld>
             <a:endParaRPr lang="en-US"/>
           </a:p>
@@ -1153,7 +1154,7 @@
           <a:p>
             <a:fld id="{2A14C9FE-EBC3-45D3-899C-58AAF4F8AF71}" type="datetimeFigureOut">
               <a:rPr lang="en-US" smtClean="0"/>
-              <a:t>7/20/2023</a:t>
+              <a:t>7/27/2023</a:t>
             </a:fld>
             <a:endParaRPr lang="en-US"/>
           </a:p>
@@ -1418,7 +1419,7 @@
           <a:p>
             <a:fld id="{2A14C9FE-EBC3-45D3-899C-58AAF4F8AF71}" type="datetimeFigureOut">
               <a:rPr lang="en-US" smtClean="0"/>
-              <a:t>7/20/2023</a:t>
+              <a:t>7/27/2023</a:t>
             </a:fld>
             <a:endParaRPr lang="en-US"/>
           </a:p>
@@ -1830,7 +1831,7 @@
           <a:p>
             <a:fld id="{2A14C9FE-EBC3-45D3-899C-58AAF4F8AF71}" type="datetimeFigureOut">
               <a:rPr lang="en-US" smtClean="0"/>
-              <a:t>7/20/2023</a:t>
+              <a:t>7/27/2023</a:t>
             </a:fld>
             <a:endParaRPr lang="en-US"/>
           </a:p>
@@ -1971,7 +1972,7 @@
           <a:p>
             <a:fld id="{2A14C9FE-EBC3-45D3-899C-58AAF4F8AF71}" type="datetimeFigureOut">
               <a:rPr lang="en-US" smtClean="0"/>
-              <a:t>7/20/2023</a:t>
+              <a:t>7/27/2023</a:t>
             </a:fld>
             <a:endParaRPr lang="en-US"/>
           </a:p>
@@ -2084,7 +2085,7 @@
           <a:p>
             <a:fld id="{2A14C9FE-EBC3-45D3-899C-58AAF4F8AF71}" type="datetimeFigureOut">
               <a:rPr lang="en-US" smtClean="0"/>
-              <a:t>7/20/2023</a:t>
+              <a:t>7/27/2023</a:t>
             </a:fld>
             <a:endParaRPr lang="en-US"/>
           </a:p>
@@ -2395,7 +2396,7 @@
           <a:p>
             <a:fld id="{2A14C9FE-EBC3-45D3-899C-58AAF4F8AF71}" type="datetimeFigureOut">
               <a:rPr lang="en-US" smtClean="0"/>
-              <a:t>7/20/2023</a:t>
+              <a:t>7/27/2023</a:t>
             </a:fld>
             <a:endParaRPr lang="en-US"/>
           </a:p>
@@ -2683,7 +2684,7 @@
           <a:p>
             <a:fld id="{2A14C9FE-EBC3-45D3-899C-58AAF4F8AF71}" type="datetimeFigureOut">
               <a:rPr lang="en-US" smtClean="0"/>
-              <a:t>7/20/2023</a:t>
+              <a:t>7/27/2023</a:t>
             </a:fld>
             <a:endParaRPr lang="en-US"/>
           </a:p>
@@ -2924,7 +2925,7 @@
           <a:p>
             <a:fld id="{2A14C9FE-EBC3-45D3-899C-58AAF4F8AF71}" type="datetimeFigureOut">
               <a:rPr lang="en-US" smtClean="0"/>
-              <a:t>7/20/2023</a:t>
+              <a:t>7/27/2023</a:t>
             </a:fld>
             <a:endParaRPr lang="en-US"/>
           </a:p>
@@ -7442,6 +7443,1011 @@
 </p:sld>
 </file>
 
+<file path=ppt/slides/slide17.xml><?xml version="1.0" encoding="utf-8"?>
+<p:sld xmlns:a="http://schemas.openxmlformats.org/drawingml/2006/main" xmlns:r="http://schemas.openxmlformats.org/officeDocument/2006/relationships" xmlns:p="http://schemas.openxmlformats.org/presentationml/2006/main">
+  <p:cSld>
+    <p:bg>
+      <p:bgPr>
+        <a:blipFill dpi="0" rotWithShape="1">
+          <a:blip r:embed="rId2">
+            <a:lum/>
+          </a:blip>
+          <a:srcRect/>
+          <a:stretch>
+            <a:fillRect/>
+          </a:stretch>
+        </a:blipFill>
+        <a:effectLst/>
+      </p:bgPr>
+    </p:bg>
+    <p:spTree>
+      <p:nvGrpSpPr>
+        <p:cNvPr id="1" name=""/>
+        <p:cNvGrpSpPr/>
+        <p:nvPr/>
+      </p:nvGrpSpPr>
+      <p:grpSpPr>
+        <a:xfrm>
+          <a:off x="0" y="0"/>
+          <a:ext cx="0" cy="0"/>
+          <a:chOff x="0" y="0"/>
+          <a:chExt cx="0" cy="0"/>
+        </a:xfrm>
+      </p:grpSpPr>
+      <p:sp>
+        <p:nvSpPr>
+          <p:cNvPr id="2" name="Title 1">
+            <a:extLst>
+              <a:ext uri="{FF2B5EF4-FFF2-40B4-BE49-F238E27FC236}">
+                <a16:creationId xmlns:a16="http://schemas.microsoft.com/office/drawing/2014/main" id="{55E11F08-6CA0-48F1-AD67-97430DDA07F0}"/>
+              </a:ext>
+            </a:extLst>
+          </p:cNvPr>
+          <p:cNvSpPr>
+            <a:spLocks noGrp="1"/>
+          </p:cNvSpPr>
+          <p:nvPr>
+            <p:ph type="title"/>
+          </p:nvPr>
+        </p:nvSpPr>
+        <p:spPr/>
+        <p:txBody>
+          <a:bodyPr/>
+          <a:lstStyle/>
+          <a:p>
+            <a:r>
+              <a:rPr lang="tr-TR" b="1" dirty="0">
+                <a:solidFill>
+                  <a:srgbClr val="292D33"/>
+                </a:solidFill>
+                <a:latin typeface="Euclid Circular B" panose="020B0504000000000000" pitchFamily="34" charset="0"/>
+                <a:ea typeface="Euclid Circular B" panose="020B0504000000000000" pitchFamily="34" charset="0"/>
+              </a:rPr>
+              <a:t>Pre-Built Functionalities</a:t>
+            </a:r>
+            <a:endParaRPr lang="en-US" b="1" dirty="0">
+              <a:solidFill>
+                <a:srgbClr val="292D33"/>
+              </a:solidFill>
+              <a:latin typeface="Euclid Circular B" panose="020B0504000000000000" pitchFamily="34" charset="0"/>
+              <a:ea typeface="Euclid Circular B" panose="020B0504000000000000" pitchFamily="34" charset="0"/>
+            </a:endParaRPr>
+          </a:p>
+        </p:txBody>
+      </p:sp>
+      <p:sp>
+        <p:nvSpPr>
+          <p:cNvPr id="3" name="Content Placeholder 2">
+            <a:extLst>
+              <a:ext uri="{FF2B5EF4-FFF2-40B4-BE49-F238E27FC236}">
+                <a16:creationId xmlns:a16="http://schemas.microsoft.com/office/drawing/2014/main" id="{891C7693-D3DF-4635-96F4-97F3B4136FDF}"/>
+              </a:ext>
+            </a:extLst>
+          </p:cNvPr>
+          <p:cNvSpPr>
+            <a:spLocks noGrp="1"/>
+          </p:cNvSpPr>
+          <p:nvPr>
+            <p:ph idx="1"/>
+          </p:nvPr>
+        </p:nvSpPr>
+        <p:spPr/>
+        <p:txBody>
+          <a:bodyPr>
+            <a:normAutofit fontScale="92500" lnSpcReduction="10000"/>
+          </a:bodyPr>
+          <a:lstStyle/>
+          <a:p>
+            <a:r>
+              <a:rPr lang="en-US" dirty="0">
+                <a:latin typeface="Euclid Circular B" panose="020B0504000000000000" pitchFamily="34" charset="0"/>
+                <a:ea typeface="Euclid Circular B" panose="020B0504000000000000" pitchFamily="34" charset="0"/>
+              </a:rPr>
+              <a:t>Integrated to backend</a:t>
+            </a:r>
+            <a:endParaRPr lang="tr-TR" dirty="0">
+              <a:latin typeface="Euclid Circular B" panose="020B0504000000000000" pitchFamily="34" charset="0"/>
+              <a:ea typeface="Euclid Circular B" panose="020B0504000000000000" pitchFamily="34" charset="0"/>
+            </a:endParaRPr>
+          </a:p>
+          <a:p>
+            <a:r>
+              <a:rPr lang="en-US" dirty="0">
+                <a:latin typeface="Euclid Circular B" panose="020B0504000000000000" pitchFamily="34" charset="0"/>
+                <a:ea typeface="Euclid Circular B" panose="020B0504000000000000" pitchFamily="34" charset="0"/>
+              </a:rPr>
+              <a:t>Login / Logout</a:t>
+            </a:r>
+            <a:r>
+              <a:rPr lang="tr-TR" dirty="0">
+                <a:latin typeface="Euclid Circular B" panose="020B0504000000000000" pitchFamily="34" charset="0"/>
+                <a:ea typeface="Euclid Circular B" panose="020B0504000000000000" pitchFamily="34" charset="0"/>
+              </a:rPr>
+              <a:t> (authorization code flow)</a:t>
+            </a:r>
+          </a:p>
+          <a:p>
+            <a:r>
+              <a:rPr lang="en-US" dirty="0">
+                <a:latin typeface="Euclid Circular B" panose="020B0504000000000000" pitchFamily="34" charset="0"/>
+                <a:ea typeface="Euclid Circular B" panose="020B0504000000000000" pitchFamily="34" charset="0"/>
+              </a:rPr>
+              <a:t>A </a:t>
+            </a:r>
+            <a:r>
+              <a:rPr lang="tr-TR" dirty="0">
+                <a:latin typeface="Euclid Circular B" panose="020B0504000000000000" pitchFamily="34" charset="0"/>
+                <a:ea typeface="Euclid Circular B" panose="020B0504000000000000" pitchFamily="34" charset="0"/>
+              </a:rPr>
+              <a:t>simple w</a:t>
+            </a:r>
+            <a:r>
+              <a:rPr lang="en-US" dirty="0" err="1">
+                <a:latin typeface="Euclid Circular B" panose="020B0504000000000000" pitchFamily="34" charset="0"/>
+                <a:ea typeface="Euclid Circular B" panose="020B0504000000000000" pitchFamily="34" charset="0"/>
+              </a:rPr>
+              <a:t>elcome</a:t>
+            </a:r>
+            <a:r>
+              <a:rPr lang="tr-TR" dirty="0">
+                <a:latin typeface="Euclid Circular B" panose="020B0504000000000000" pitchFamily="34" charset="0"/>
+                <a:ea typeface="Euclid Circular B" panose="020B0504000000000000" pitchFamily="34" charset="0"/>
+              </a:rPr>
+              <a:t> (home)</a:t>
+            </a:r>
+            <a:r>
+              <a:rPr lang="en-US" dirty="0">
+                <a:latin typeface="Euclid Circular B" panose="020B0504000000000000" pitchFamily="34" charset="0"/>
+                <a:ea typeface="Euclid Circular B" panose="020B0504000000000000" pitchFamily="34" charset="0"/>
+              </a:rPr>
+              <a:t> screen</a:t>
+            </a:r>
+            <a:endParaRPr lang="tr-TR" dirty="0">
+              <a:latin typeface="Euclid Circular B" panose="020B0504000000000000" pitchFamily="34" charset="0"/>
+              <a:ea typeface="Euclid Circular B" panose="020B0504000000000000" pitchFamily="34" charset="0"/>
+            </a:endParaRPr>
+          </a:p>
+          <a:p>
+            <a:r>
+              <a:rPr lang="en-US" dirty="0">
+                <a:latin typeface="Euclid Circular B" panose="020B0504000000000000" pitchFamily="34" charset="0"/>
+                <a:ea typeface="Euclid Circular B" panose="020B0504000000000000" pitchFamily="34" charset="0"/>
+              </a:rPr>
+              <a:t>Administration</a:t>
+            </a:r>
+            <a:endParaRPr lang="tr-TR" dirty="0">
+              <a:latin typeface="Euclid Circular B" panose="020B0504000000000000" pitchFamily="34" charset="0"/>
+              <a:ea typeface="Euclid Circular B" panose="020B0504000000000000" pitchFamily="34" charset="0"/>
+            </a:endParaRPr>
+          </a:p>
+          <a:p>
+            <a:pPr lvl="1"/>
+            <a:r>
+              <a:rPr lang="en-US" dirty="0">
+                <a:latin typeface="Euclid Circular B" panose="020B0504000000000000" pitchFamily="34" charset="0"/>
+                <a:ea typeface="Euclid Circular B" panose="020B0504000000000000" pitchFamily="34" charset="0"/>
+              </a:rPr>
+              <a:t>User management</a:t>
+            </a:r>
+            <a:r>
+              <a:rPr lang="tr-TR" dirty="0">
+                <a:latin typeface="Euclid Circular B" panose="020B0504000000000000" pitchFamily="34" charset="0"/>
+                <a:ea typeface="Euclid Circular B" panose="020B0504000000000000" pitchFamily="34" charset="0"/>
+              </a:rPr>
+              <a:t> (CRUD)</a:t>
+            </a:r>
+          </a:p>
+          <a:p>
+            <a:pPr lvl="1"/>
+            <a:r>
+              <a:rPr lang="en-US" dirty="0">
+                <a:latin typeface="Euclid Circular B" panose="020B0504000000000000" pitchFamily="34" charset="0"/>
+                <a:ea typeface="Euclid Circular B" panose="020B0504000000000000" pitchFamily="34" charset="0"/>
+              </a:rPr>
+              <a:t>Tenant management</a:t>
+            </a:r>
+            <a:r>
+              <a:rPr lang="tr-TR" dirty="0">
+                <a:latin typeface="Euclid Circular B" panose="020B0504000000000000" pitchFamily="34" charset="0"/>
+                <a:ea typeface="Euclid Circular B" panose="020B0504000000000000" pitchFamily="34" charset="0"/>
+              </a:rPr>
+              <a:t> (CRUD)</a:t>
+            </a:r>
+          </a:p>
+          <a:p>
+            <a:r>
+              <a:rPr lang="en-US" dirty="0">
+                <a:latin typeface="Euclid Circular B" panose="020B0504000000000000" pitchFamily="34" charset="0"/>
+                <a:ea typeface="Euclid Circular B" panose="020B0504000000000000" pitchFamily="34" charset="0"/>
+              </a:rPr>
+              <a:t>Settings</a:t>
+            </a:r>
+            <a:endParaRPr lang="tr-TR" dirty="0">
+              <a:latin typeface="Euclid Circular B" panose="020B0504000000000000" pitchFamily="34" charset="0"/>
+              <a:ea typeface="Euclid Circular B" panose="020B0504000000000000" pitchFamily="34" charset="0"/>
+            </a:endParaRPr>
+          </a:p>
+          <a:p>
+            <a:pPr lvl="1"/>
+            <a:r>
+              <a:rPr lang="en-US" dirty="0">
+                <a:latin typeface="Euclid Circular B" panose="020B0504000000000000" pitchFamily="34" charset="0"/>
+                <a:ea typeface="Euclid Circular B" panose="020B0504000000000000" pitchFamily="34" charset="0"/>
+              </a:rPr>
+              <a:t>Change password</a:t>
+            </a:r>
+          </a:p>
+          <a:p>
+            <a:pPr lvl="1"/>
+            <a:r>
+              <a:rPr lang="en-US" dirty="0">
+                <a:latin typeface="Euclid Circular B" panose="020B0504000000000000" pitchFamily="34" charset="0"/>
+                <a:ea typeface="Euclid Circular B" panose="020B0504000000000000" pitchFamily="34" charset="0"/>
+              </a:rPr>
+              <a:t>Change profile picture</a:t>
+            </a:r>
+            <a:r>
+              <a:rPr lang="tr-TR" dirty="0">
+                <a:latin typeface="Euclid Circular B" panose="020B0504000000000000" pitchFamily="34" charset="0"/>
+                <a:ea typeface="Euclid Circular B" panose="020B0504000000000000" pitchFamily="34" charset="0"/>
+              </a:rPr>
+              <a:t> (camera, gallery, etc)</a:t>
+            </a:r>
+            <a:endParaRPr lang="en-US" dirty="0">
+              <a:latin typeface="Euclid Circular B" panose="020B0504000000000000" pitchFamily="34" charset="0"/>
+              <a:ea typeface="Euclid Circular B" panose="020B0504000000000000" pitchFamily="34" charset="0"/>
+            </a:endParaRPr>
+          </a:p>
+          <a:p>
+            <a:pPr lvl="1"/>
+            <a:r>
+              <a:rPr lang="en-US" dirty="0">
+                <a:latin typeface="Euclid Circular B" panose="020B0504000000000000" pitchFamily="34" charset="0"/>
+                <a:ea typeface="Euclid Circular B" panose="020B0504000000000000" pitchFamily="34" charset="0"/>
+              </a:rPr>
+              <a:t>Change UI Theme</a:t>
+            </a:r>
+            <a:r>
+              <a:rPr lang="tr-TR" dirty="0">
+                <a:latin typeface="Euclid Circular B" panose="020B0504000000000000" pitchFamily="34" charset="0"/>
+                <a:ea typeface="Euclid Circular B" panose="020B0504000000000000" pitchFamily="34" charset="0"/>
+              </a:rPr>
+              <a:t> (light / dark)</a:t>
+            </a:r>
+          </a:p>
+          <a:p>
+            <a:pPr lvl="1"/>
+            <a:r>
+              <a:rPr lang="tr-TR" dirty="0">
+                <a:latin typeface="Euclid Circular B" panose="020B0504000000000000" pitchFamily="34" charset="0"/>
+                <a:ea typeface="Euclid Circular B" panose="020B0504000000000000" pitchFamily="34" charset="0"/>
+              </a:rPr>
+              <a:t>S</a:t>
+            </a:r>
+            <a:r>
+              <a:rPr lang="en-US" dirty="0">
+                <a:latin typeface="Euclid Circular B" panose="020B0504000000000000" pitchFamily="34" charset="0"/>
+                <a:ea typeface="Euclid Circular B" panose="020B0504000000000000" pitchFamily="34" charset="0"/>
+              </a:rPr>
+              <a:t>witch language</a:t>
+            </a:r>
+          </a:p>
+        </p:txBody>
+      </p:sp>
+    </p:spTree>
+    <p:extLst>
+      <p:ext uri="{BB962C8B-B14F-4D97-AF65-F5344CB8AC3E}">
+        <p14:creationId xmlns:p14="http://schemas.microsoft.com/office/powerpoint/2010/main" val="1111831467"/>
+      </p:ext>
+    </p:extLst>
+  </p:cSld>
+  <p:clrMapOvr>
+    <a:masterClrMapping/>
+  </p:clrMapOvr>
+  <p:timing>
+    <p:tnLst>
+      <p:par>
+        <p:cTn id="1" dur="indefinite" restart="never" nodeType="tmRoot">
+          <p:childTnLst>
+            <p:seq concurrent="1" nextAc="seek">
+              <p:cTn id="2" dur="indefinite" nodeType="mainSeq">
+                <p:childTnLst>
+                  <p:par>
+                    <p:cTn id="3" fill="hold">
+                      <p:stCondLst>
+                        <p:cond delay="indefinite"/>
+                      </p:stCondLst>
+                      <p:childTnLst>
+                        <p:par>
+                          <p:cTn id="4" fill="hold">
+                            <p:stCondLst>
+                              <p:cond delay="0"/>
+                            </p:stCondLst>
+                            <p:childTnLst>
+                              <p:par>
+                                <p:cTn id="5" presetID="10" presetClass="entr" presetSubtype="0" fill="hold" nodeType="clickEffect">
+                                  <p:stCondLst>
+                                    <p:cond delay="0"/>
+                                  </p:stCondLst>
+                                  <p:childTnLst>
+                                    <p:set>
+                                      <p:cBhvr>
+                                        <p:cTn id="6" dur="1" fill="hold">
+                                          <p:stCondLst>
+                                            <p:cond delay="0"/>
+                                          </p:stCondLst>
+                                        </p:cTn>
+                                        <p:tgtEl>
+                                          <p:spTgt spid="3">
+                                            <p:txEl>
+                                              <p:pRg st="0" end="0"/>
+                                            </p:txEl>
+                                          </p:spTgt>
+                                        </p:tgtEl>
+                                        <p:attrNameLst>
+                                          <p:attrName>style.visibility</p:attrName>
+                                        </p:attrNameLst>
+                                      </p:cBhvr>
+                                      <p:to>
+                                        <p:strVal val="visible"/>
+                                      </p:to>
+                                    </p:set>
+                                    <p:animEffect transition="in" filter="fade">
+                                      <p:cBhvr>
+                                        <p:cTn id="7" dur="500"/>
+                                        <p:tgtEl>
+                                          <p:spTgt spid="3">
+                                            <p:txEl>
+                                              <p:pRg st="0" end="0"/>
+                                            </p:txEl>
+                                          </p:spTgt>
+                                        </p:tgtEl>
+                                      </p:cBhvr>
+                                    </p:animEffect>
+                                  </p:childTnLst>
+                                </p:cTn>
+                              </p:par>
+                            </p:childTnLst>
+                          </p:cTn>
+                        </p:par>
+                      </p:childTnLst>
+                    </p:cTn>
+                  </p:par>
+                  <p:par>
+                    <p:cTn id="8" fill="hold">
+                      <p:stCondLst>
+                        <p:cond delay="indefinite"/>
+                      </p:stCondLst>
+                      <p:childTnLst>
+                        <p:par>
+                          <p:cTn id="9" fill="hold">
+                            <p:stCondLst>
+                              <p:cond delay="0"/>
+                            </p:stCondLst>
+                            <p:childTnLst>
+                              <p:par>
+                                <p:cTn id="10" presetID="10" presetClass="entr" presetSubtype="0" fill="hold" nodeType="clickEffect">
+                                  <p:stCondLst>
+                                    <p:cond delay="0"/>
+                                  </p:stCondLst>
+                                  <p:childTnLst>
+                                    <p:set>
+                                      <p:cBhvr>
+                                        <p:cTn id="11" dur="1" fill="hold">
+                                          <p:stCondLst>
+                                            <p:cond delay="0"/>
+                                          </p:stCondLst>
+                                        </p:cTn>
+                                        <p:tgtEl>
+                                          <p:spTgt spid="3">
+                                            <p:txEl>
+                                              <p:pRg st="1" end="1"/>
+                                            </p:txEl>
+                                          </p:spTgt>
+                                        </p:tgtEl>
+                                        <p:attrNameLst>
+                                          <p:attrName>style.visibility</p:attrName>
+                                        </p:attrNameLst>
+                                      </p:cBhvr>
+                                      <p:to>
+                                        <p:strVal val="visible"/>
+                                      </p:to>
+                                    </p:set>
+                                    <p:animEffect transition="in" filter="fade">
+                                      <p:cBhvr>
+                                        <p:cTn id="12" dur="500"/>
+                                        <p:tgtEl>
+                                          <p:spTgt spid="3">
+                                            <p:txEl>
+                                              <p:pRg st="1" end="1"/>
+                                            </p:txEl>
+                                          </p:spTgt>
+                                        </p:tgtEl>
+                                      </p:cBhvr>
+                                    </p:animEffect>
+                                  </p:childTnLst>
+                                </p:cTn>
+                              </p:par>
+                            </p:childTnLst>
+                          </p:cTn>
+                        </p:par>
+                      </p:childTnLst>
+                    </p:cTn>
+                  </p:par>
+                  <p:par>
+                    <p:cTn id="13" fill="hold">
+                      <p:stCondLst>
+                        <p:cond delay="indefinite"/>
+                      </p:stCondLst>
+                      <p:childTnLst>
+                        <p:par>
+                          <p:cTn id="14" fill="hold">
+                            <p:stCondLst>
+                              <p:cond delay="0"/>
+                            </p:stCondLst>
+                            <p:childTnLst>
+                              <p:par>
+                                <p:cTn id="15" presetID="10" presetClass="entr" presetSubtype="0" fill="hold" nodeType="clickEffect">
+                                  <p:stCondLst>
+                                    <p:cond delay="0"/>
+                                  </p:stCondLst>
+                                  <p:childTnLst>
+                                    <p:set>
+                                      <p:cBhvr>
+                                        <p:cTn id="16" dur="1" fill="hold">
+                                          <p:stCondLst>
+                                            <p:cond delay="0"/>
+                                          </p:stCondLst>
+                                        </p:cTn>
+                                        <p:tgtEl>
+                                          <p:spTgt spid="3">
+                                            <p:txEl>
+                                              <p:pRg st="2" end="2"/>
+                                            </p:txEl>
+                                          </p:spTgt>
+                                        </p:tgtEl>
+                                        <p:attrNameLst>
+                                          <p:attrName>style.visibility</p:attrName>
+                                        </p:attrNameLst>
+                                      </p:cBhvr>
+                                      <p:to>
+                                        <p:strVal val="visible"/>
+                                      </p:to>
+                                    </p:set>
+                                    <p:animEffect transition="in" filter="fade">
+                                      <p:cBhvr>
+                                        <p:cTn id="17" dur="500"/>
+                                        <p:tgtEl>
+                                          <p:spTgt spid="3">
+                                            <p:txEl>
+                                              <p:pRg st="2" end="2"/>
+                                            </p:txEl>
+                                          </p:spTgt>
+                                        </p:tgtEl>
+                                      </p:cBhvr>
+                                    </p:animEffect>
+                                  </p:childTnLst>
+                                </p:cTn>
+                              </p:par>
+                            </p:childTnLst>
+                          </p:cTn>
+                        </p:par>
+                      </p:childTnLst>
+                    </p:cTn>
+                  </p:par>
+                  <p:par>
+                    <p:cTn id="18" fill="hold">
+                      <p:stCondLst>
+                        <p:cond delay="indefinite"/>
+                      </p:stCondLst>
+                      <p:childTnLst>
+                        <p:par>
+                          <p:cTn id="19" fill="hold">
+                            <p:stCondLst>
+                              <p:cond delay="0"/>
+                            </p:stCondLst>
+                            <p:childTnLst>
+                              <p:par>
+                                <p:cTn id="20" presetID="10" presetClass="entr" presetSubtype="0" fill="hold" nodeType="clickEffect">
+                                  <p:stCondLst>
+                                    <p:cond delay="0"/>
+                                  </p:stCondLst>
+                                  <p:childTnLst>
+                                    <p:set>
+                                      <p:cBhvr>
+                                        <p:cTn id="21" dur="1" fill="hold">
+                                          <p:stCondLst>
+                                            <p:cond delay="0"/>
+                                          </p:stCondLst>
+                                        </p:cTn>
+                                        <p:tgtEl>
+                                          <p:spTgt spid="3">
+                                            <p:txEl>
+                                              <p:pRg st="3" end="3"/>
+                                            </p:txEl>
+                                          </p:spTgt>
+                                        </p:tgtEl>
+                                        <p:attrNameLst>
+                                          <p:attrName>style.visibility</p:attrName>
+                                        </p:attrNameLst>
+                                      </p:cBhvr>
+                                      <p:to>
+                                        <p:strVal val="visible"/>
+                                      </p:to>
+                                    </p:set>
+                                    <p:animEffect transition="in" filter="fade">
+                                      <p:cBhvr>
+                                        <p:cTn id="22" dur="500"/>
+                                        <p:tgtEl>
+                                          <p:spTgt spid="3">
+                                            <p:txEl>
+                                              <p:pRg st="3" end="3"/>
+                                            </p:txEl>
+                                          </p:spTgt>
+                                        </p:tgtEl>
+                                      </p:cBhvr>
+                                    </p:animEffect>
+                                  </p:childTnLst>
+                                </p:cTn>
+                              </p:par>
+                            </p:childTnLst>
+                          </p:cTn>
+                        </p:par>
+                      </p:childTnLst>
+                    </p:cTn>
+                  </p:par>
+                  <p:par>
+                    <p:cTn id="23" fill="hold">
+                      <p:stCondLst>
+                        <p:cond delay="indefinite"/>
+                      </p:stCondLst>
+                      <p:childTnLst>
+                        <p:par>
+                          <p:cTn id="24" fill="hold">
+                            <p:stCondLst>
+                              <p:cond delay="0"/>
+                            </p:stCondLst>
+                            <p:childTnLst>
+                              <p:par>
+                                <p:cTn id="25" presetID="10" presetClass="entr" presetSubtype="0" fill="hold" nodeType="clickEffect">
+                                  <p:stCondLst>
+                                    <p:cond delay="0"/>
+                                  </p:stCondLst>
+                                  <p:childTnLst>
+                                    <p:set>
+                                      <p:cBhvr>
+                                        <p:cTn id="26" dur="1" fill="hold">
+                                          <p:stCondLst>
+                                            <p:cond delay="0"/>
+                                          </p:stCondLst>
+                                        </p:cTn>
+                                        <p:tgtEl>
+                                          <p:spTgt spid="3">
+                                            <p:txEl>
+                                              <p:pRg st="4" end="4"/>
+                                            </p:txEl>
+                                          </p:spTgt>
+                                        </p:tgtEl>
+                                        <p:attrNameLst>
+                                          <p:attrName>style.visibility</p:attrName>
+                                        </p:attrNameLst>
+                                      </p:cBhvr>
+                                      <p:to>
+                                        <p:strVal val="visible"/>
+                                      </p:to>
+                                    </p:set>
+                                    <p:animEffect transition="in" filter="fade">
+                                      <p:cBhvr>
+                                        <p:cTn id="27" dur="500"/>
+                                        <p:tgtEl>
+                                          <p:spTgt spid="3">
+                                            <p:txEl>
+                                              <p:pRg st="4" end="4"/>
+                                            </p:txEl>
+                                          </p:spTgt>
+                                        </p:tgtEl>
+                                      </p:cBhvr>
+                                    </p:animEffect>
+                                  </p:childTnLst>
+                                </p:cTn>
+                              </p:par>
+                            </p:childTnLst>
+                          </p:cTn>
+                        </p:par>
+                      </p:childTnLst>
+                    </p:cTn>
+                  </p:par>
+                  <p:par>
+                    <p:cTn id="28" fill="hold">
+                      <p:stCondLst>
+                        <p:cond delay="indefinite"/>
+                      </p:stCondLst>
+                      <p:childTnLst>
+                        <p:par>
+                          <p:cTn id="29" fill="hold">
+                            <p:stCondLst>
+                              <p:cond delay="0"/>
+                            </p:stCondLst>
+                            <p:childTnLst>
+                              <p:par>
+                                <p:cTn id="30" presetID="10" presetClass="entr" presetSubtype="0" fill="hold" nodeType="clickEffect">
+                                  <p:stCondLst>
+                                    <p:cond delay="0"/>
+                                  </p:stCondLst>
+                                  <p:childTnLst>
+                                    <p:set>
+                                      <p:cBhvr>
+                                        <p:cTn id="31" dur="1" fill="hold">
+                                          <p:stCondLst>
+                                            <p:cond delay="0"/>
+                                          </p:stCondLst>
+                                        </p:cTn>
+                                        <p:tgtEl>
+                                          <p:spTgt spid="3">
+                                            <p:txEl>
+                                              <p:pRg st="5" end="5"/>
+                                            </p:txEl>
+                                          </p:spTgt>
+                                        </p:tgtEl>
+                                        <p:attrNameLst>
+                                          <p:attrName>style.visibility</p:attrName>
+                                        </p:attrNameLst>
+                                      </p:cBhvr>
+                                      <p:to>
+                                        <p:strVal val="visible"/>
+                                      </p:to>
+                                    </p:set>
+                                    <p:animEffect transition="in" filter="fade">
+                                      <p:cBhvr>
+                                        <p:cTn id="32" dur="500"/>
+                                        <p:tgtEl>
+                                          <p:spTgt spid="3">
+                                            <p:txEl>
+                                              <p:pRg st="5" end="5"/>
+                                            </p:txEl>
+                                          </p:spTgt>
+                                        </p:tgtEl>
+                                      </p:cBhvr>
+                                    </p:animEffect>
+                                  </p:childTnLst>
+                                </p:cTn>
+                              </p:par>
+                            </p:childTnLst>
+                          </p:cTn>
+                        </p:par>
+                      </p:childTnLst>
+                    </p:cTn>
+                  </p:par>
+                  <p:par>
+                    <p:cTn id="33" fill="hold">
+                      <p:stCondLst>
+                        <p:cond delay="indefinite"/>
+                      </p:stCondLst>
+                      <p:childTnLst>
+                        <p:par>
+                          <p:cTn id="34" fill="hold">
+                            <p:stCondLst>
+                              <p:cond delay="0"/>
+                            </p:stCondLst>
+                            <p:childTnLst>
+                              <p:par>
+                                <p:cTn id="35" presetID="10" presetClass="entr" presetSubtype="0" fill="hold" nodeType="clickEffect">
+                                  <p:stCondLst>
+                                    <p:cond delay="0"/>
+                                  </p:stCondLst>
+                                  <p:childTnLst>
+                                    <p:set>
+                                      <p:cBhvr>
+                                        <p:cTn id="36" dur="1" fill="hold">
+                                          <p:stCondLst>
+                                            <p:cond delay="0"/>
+                                          </p:stCondLst>
+                                        </p:cTn>
+                                        <p:tgtEl>
+                                          <p:spTgt spid="3">
+                                            <p:txEl>
+                                              <p:pRg st="6" end="6"/>
+                                            </p:txEl>
+                                          </p:spTgt>
+                                        </p:tgtEl>
+                                        <p:attrNameLst>
+                                          <p:attrName>style.visibility</p:attrName>
+                                        </p:attrNameLst>
+                                      </p:cBhvr>
+                                      <p:to>
+                                        <p:strVal val="visible"/>
+                                      </p:to>
+                                    </p:set>
+                                    <p:animEffect transition="in" filter="fade">
+                                      <p:cBhvr>
+                                        <p:cTn id="37" dur="500"/>
+                                        <p:tgtEl>
+                                          <p:spTgt spid="3">
+                                            <p:txEl>
+                                              <p:pRg st="6" end="6"/>
+                                            </p:txEl>
+                                          </p:spTgt>
+                                        </p:tgtEl>
+                                      </p:cBhvr>
+                                    </p:animEffect>
+                                  </p:childTnLst>
+                                </p:cTn>
+                              </p:par>
+                            </p:childTnLst>
+                          </p:cTn>
+                        </p:par>
+                      </p:childTnLst>
+                    </p:cTn>
+                  </p:par>
+                  <p:par>
+                    <p:cTn id="38" fill="hold">
+                      <p:stCondLst>
+                        <p:cond delay="indefinite"/>
+                      </p:stCondLst>
+                      <p:childTnLst>
+                        <p:par>
+                          <p:cTn id="39" fill="hold">
+                            <p:stCondLst>
+                              <p:cond delay="0"/>
+                            </p:stCondLst>
+                            <p:childTnLst>
+                              <p:par>
+                                <p:cTn id="40" presetID="10" presetClass="entr" presetSubtype="0" fill="hold" nodeType="clickEffect">
+                                  <p:stCondLst>
+                                    <p:cond delay="0"/>
+                                  </p:stCondLst>
+                                  <p:childTnLst>
+                                    <p:set>
+                                      <p:cBhvr>
+                                        <p:cTn id="41" dur="1" fill="hold">
+                                          <p:stCondLst>
+                                            <p:cond delay="0"/>
+                                          </p:stCondLst>
+                                        </p:cTn>
+                                        <p:tgtEl>
+                                          <p:spTgt spid="3">
+                                            <p:txEl>
+                                              <p:pRg st="9" end="9"/>
+                                            </p:txEl>
+                                          </p:spTgt>
+                                        </p:tgtEl>
+                                        <p:attrNameLst>
+                                          <p:attrName>style.visibility</p:attrName>
+                                        </p:attrNameLst>
+                                      </p:cBhvr>
+                                      <p:to>
+                                        <p:strVal val="visible"/>
+                                      </p:to>
+                                    </p:set>
+                                    <p:animEffect transition="in" filter="fade">
+                                      <p:cBhvr>
+                                        <p:cTn id="42" dur="500"/>
+                                        <p:tgtEl>
+                                          <p:spTgt spid="3">
+                                            <p:txEl>
+                                              <p:pRg st="9" end="9"/>
+                                            </p:txEl>
+                                          </p:spTgt>
+                                        </p:tgtEl>
+                                      </p:cBhvr>
+                                    </p:animEffect>
+                                  </p:childTnLst>
+                                </p:cTn>
+                              </p:par>
+                            </p:childTnLst>
+                          </p:cTn>
+                        </p:par>
+                      </p:childTnLst>
+                    </p:cTn>
+                  </p:par>
+                  <p:par>
+                    <p:cTn id="43" fill="hold">
+                      <p:stCondLst>
+                        <p:cond delay="indefinite"/>
+                      </p:stCondLst>
+                      <p:childTnLst>
+                        <p:par>
+                          <p:cTn id="44" fill="hold">
+                            <p:stCondLst>
+                              <p:cond delay="0"/>
+                            </p:stCondLst>
+                            <p:childTnLst>
+                              <p:par>
+                                <p:cTn id="45" presetID="10" presetClass="entr" presetSubtype="0" fill="hold" nodeType="clickEffect">
+                                  <p:stCondLst>
+                                    <p:cond delay="0"/>
+                                  </p:stCondLst>
+                                  <p:childTnLst>
+                                    <p:set>
+                                      <p:cBhvr>
+                                        <p:cTn id="46" dur="1" fill="hold">
+                                          <p:stCondLst>
+                                            <p:cond delay="0"/>
+                                          </p:stCondLst>
+                                        </p:cTn>
+                                        <p:tgtEl>
+                                          <p:spTgt spid="3">
+                                            <p:txEl>
+                                              <p:pRg st="10" end="10"/>
+                                            </p:txEl>
+                                          </p:spTgt>
+                                        </p:tgtEl>
+                                        <p:attrNameLst>
+                                          <p:attrName>style.visibility</p:attrName>
+                                        </p:attrNameLst>
+                                      </p:cBhvr>
+                                      <p:to>
+                                        <p:strVal val="visible"/>
+                                      </p:to>
+                                    </p:set>
+                                    <p:animEffect transition="in" filter="fade">
+                                      <p:cBhvr>
+                                        <p:cTn id="47" dur="500"/>
+                                        <p:tgtEl>
+                                          <p:spTgt spid="3">
+                                            <p:txEl>
+                                              <p:pRg st="10" end="10"/>
+                                            </p:txEl>
+                                          </p:spTgt>
+                                        </p:tgtEl>
+                                      </p:cBhvr>
+                                    </p:animEffect>
+                                  </p:childTnLst>
+                                </p:cTn>
+                              </p:par>
+                            </p:childTnLst>
+                          </p:cTn>
+                        </p:par>
+                      </p:childTnLst>
+                    </p:cTn>
+                  </p:par>
+                  <p:par>
+                    <p:cTn id="48" fill="hold">
+                      <p:stCondLst>
+                        <p:cond delay="indefinite"/>
+                      </p:stCondLst>
+                      <p:childTnLst>
+                        <p:par>
+                          <p:cTn id="49" fill="hold">
+                            <p:stCondLst>
+                              <p:cond delay="0"/>
+                            </p:stCondLst>
+                            <p:childTnLst>
+                              <p:par>
+                                <p:cTn id="50" presetID="10" presetClass="entr" presetSubtype="0" fill="hold" nodeType="clickEffect">
+                                  <p:stCondLst>
+                                    <p:cond delay="0"/>
+                                  </p:stCondLst>
+                                  <p:childTnLst>
+                                    <p:set>
+                                      <p:cBhvr>
+                                        <p:cTn id="51" dur="1" fill="hold">
+                                          <p:stCondLst>
+                                            <p:cond delay="0"/>
+                                          </p:stCondLst>
+                                        </p:cTn>
+                                        <p:tgtEl>
+                                          <p:spTgt spid="3">
+                                            <p:txEl>
+                                              <p:pRg st="8" end="8"/>
+                                            </p:txEl>
+                                          </p:spTgt>
+                                        </p:tgtEl>
+                                        <p:attrNameLst>
+                                          <p:attrName>style.visibility</p:attrName>
+                                        </p:attrNameLst>
+                                      </p:cBhvr>
+                                      <p:to>
+                                        <p:strVal val="visible"/>
+                                      </p:to>
+                                    </p:set>
+                                    <p:animEffect transition="in" filter="fade">
+                                      <p:cBhvr>
+                                        <p:cTn id="52" dur="500"/>
+                                        <p:tgtEl>
+                                          <p:spTgt spid="3">
+                                            <p:txEl>
+                                              <p:pRg st="8" end="8"/>
+                                            </p:txEl>
+                                          </p:spTgt>
+                                        </p:tgtEl>
+                                      </p:cBhvr>
+                                    </p:animEffect>
+                                  </p:childTnLst>
+                                </p:cTn>
+                              </p:par>
+                            </p:childTnLst>
+                          </p:cTn>
+                        </p:par>
+                      </p:childTnLst>
+                    </p:cTn>
+                  </p:par>
+                  <p:par>
+                    <p:cTn id="53" fill="hold">
+                      <p:stCondLst>
+                        <p:cond delay="indefinite"/>
+                      </p:stCondLst>
+                      <p:childTnLst>
+                        <p:par>
+                          <p:cTn id="54" fill="hold">
+                            <p:stCondLst>
+                              <p:cond delay="0"/>
+                            </p:stCondLst>
+                            <p:childTnLst>
+                              <p:par>
+                                <p:cTn id="55" presetID="10" presetClass="entr" presetSubtype="0" fill="hold" nodeType="clickEffect">
+                                  <p:stCondLst>
+                                    <p:cond delay="0"/>
+                                  </p:stCondLst>
+                                  <p:childTnLst>
+                                    <p:set>
+                                      <p:cBhvr>
+                                        <p:cTn id="56" dur="1" fill="hold">
+                                          <p:stCondLst>
+                                            <p:cond delay="0"/>
+                                          </p:stCondLst>
+                                        </p:cTn>
+                                        <p:tgtEl>
+                                          <p:spTgt spid="3">
+                                            <p:txEl>
+                                              <p:pRg st="7" end="7"/>
+                                            </p:txEl>
+                                          </p:spTgt>
+                                        </p:tgtEl>
+                                        <p:attrNameLst>
+                                          <p:attrName>style.visibility</p:attrName>
+                                        </p:attrNameLst>
+                                      </p:cBhvr>
+                                      <p:to>
+                                        <p:strVal val="visible"/>
+                                      </p:to>
+                                    </p:set>
+                                    <p:animEffect transition="in" filter="fade">
+                                      <p:cBhvr>
+                                        <p:cTn id="57" dur="500"/>
+                                        <p:tgtEl>
+                                          <p:spTgt spid="3">
+                                            <p:txEl>
+                                              <p:pRg st="7" end="7"/>
+                                            </p:txEl>
+                                          </p:spTgt>
+                                        </p:tgtEl>
+                                      </p:cBhvr>
+                                    </p:animEffect>
+                                  </p:childTnLst>
+                                </p:cTn>
+                              </p:par>
+                            </p:childTnLst>
+                          </p:cTn>
+                        </p:par>
+                      </p:childTnLst>
+                    </p:cTn>
+                  </p:par>
+                </p:childTnLst>
+              </p:cTn>
+              <p:prevCondLst>
+                <p:cond evt="onPrev" delay="0">
+                  <p:tgtEl>
+                    <p:sldTgt/>
+                  </p:tgtEl>
+                </p:cond>
+              </p:prevCondLst>
+              <p:nextCondLst>
+                <p:cond evt="onNext" delay="0">
+                  <p:tgtEl>
+                    <p:sldTgt/>
+                  </p:tgtEl>
+                </p:cond>
+              </p:nextCondLst>
+            </p:seq>
+          </p:childTnLst>
+        </p:cTn>
+      </p:par>
+    </p:tnLst>
+  </p:timing>
+</p:sld>
+</file>
+
 <file path=ppt/slides/slide2.xml><?xml version="1.0" encoding="utf-8"?>
 <p:sld xmlns:a="http://schemas.openxmlformats.org/drawingml/2006/main" xmlns:r="http://schemas.openxmlformats.org/officeDocument/2006/relationships" xmlns:p="http://schemas.openxmlformats.org/presentationml/2006/main">
   <p:cSld>

--- a/2023-07-27 ABP Community Talks 2023.5/ABP Mobile Options.pptx
+++ b/2023-07-27 ABP Community Talks 2023.5/ABP Mobile Options.pptx
@@ -7531,19 +7531,31 @@
             <p:ph idx="1"/>
           </p:nvPr>
         </p:nvSpPr>
-        <p:spPr/>
+        <p:spPr>
+          <a:xfrm>
+            <a:off x="838200" y="1825625"/>
+            <a:ext cx="10515600" cy="4667250"/>
+          </a:xfrm>
+        </p:spPr>
         <p:txBody>
           <a:bodyPr>
-            <a:normAutofit fontScale="92500" lnSpcReduction="10000"/>
+            <a:normAutofit fontScale="85000" lnSpcReduction="20000"/>
           </a:bodyPr>
           <a:lstStyle/>
           <a:p>
             <a:r>
+              <a:rPr lang="en-US" b="1" dirty="0">
+                <a:latin typeface="Euclid Circular B" panose="020B0504000000000000" pitchFamily="34" charset="0"/>
+                <a:ea typeface="Euclid Circular B" panose="020B0504000000000000" pitchFamily="34" charset="0"/>
+              </a:rPr>
+              <a:t>Integrated </a:t>
+            </a:r>
+            <a:r>
               <a:rPr lang="en-US" dirty="0">
                 <a:latin typeface="Euclid Circular B" panose="020B0504000000000000" pitchFamily="34" charset="0"/>
                 <a:ea typeface="Euclid Circular B" panose="020B0504000000000000" pitchFamily="34" charset="0"/>
               </a:rPr>
-              <a:t>Integrated to backend</a:t>
+              <a:t>to backend</a:t>
             </a:r>
             <a:endParaRPr lang="tr-TR" dirty="0">
               <a:latin typeface="Euclid Circular B" panose="020B0504000000000000" pitchFamily="34" charset="0"/>
@@ -7552,18 +7564,39 @@
           </a:p>
           <a:p>
             <a:r>
+              <a:rPr lang="en-US" b="1" dirty="0">
+                <a:latin typeface="Euclid Circular B" panose="020B0504000000000000" pitchFamily="34" charset="0"/>
+                <a:ea typeface="Euclid Circular B" panose="020B0504000000000000" pitchFamily="34" charset="0"/>
+              </a:rPr>
+              <a:t>Login </a:t>
+            </a:r>
+            <a:r>
               <a:rPr lang="en-US" dirty="0">
                 <a:latin typeface="Euclid Circular B" panose="020B0504000000000000" pitchFamily="34" charset="0"/>
                 <a:ea typeface="Euclid Circular B" panose="020B0504000000000000" pitchFamily="34" charset="0"/>
               </a:rPr>
-              <a:t>Login / Logout</a:t>
+              <a:t>/ </a:t>
+            </a:r>
+            <a:r>
+              <a:rPr lang="en-US" b="1" dirty="0">
+                <a:latin typeface="Euclid Circular B" panose="020B0504000000000000" pitchFamily="34" charset="0"/>
+                <a:ea typeface="Euclid Circular B" panose="020B0504000000000000" pitchFamily="34" charset="0"/>
+              </a:rPr>
+              <a:t>Logout</a:t>
+            </a:r>
+            <a:r>
+              <a:rPr lang="tr-TR" b="1" dirty="0">
+                <a:latin typeface="Euclid Circular B" panose="020B0504000000000000" pitchFamily="34" charset="0"/>
+                <a:ea typeface="Euclid Circular B" panose="020B0504000000000000" pitchFamily="34" charset="0"/>
+              </a:rPr>
+              <a:t> </a:t>
             </a:r>
             <a:r>
               <a:rPr lang="tr-TR" dirty="0">
                 <a:latin typeface="Euclid Circular B" panose="020B0504000000000000" pitchFamily="34" charset="0"/>
                 <a:ea typeface="Euclid Circular B" panose="020B0504000000000000" pitchFamily="34" charset="0"/>
               </a:rPr>
-              <a:t> (authorization code flow)</a:t>
+              <a:t>(authorization code flow)</a:t>
             </a:r>
           </a:p>
           <a:p>
@@ -7579,21 +7612,35 @@
                 <a:latin typeface="Euclid Circular B" panose="020B0504000000000000" pitchFamily="34" charset="0"/>
                 <a:ea typeface="Euclid Circular B" panose="020B0504000000000000" pitchFamily="34" charset="0"/>
               </a:rPr>
-              <a:t>simple w</a:t>
-            </a:r>
-            <a:r>
-              <a:rPr lang="en-US" dirty="0" err="1">
+              <a:t>simple </a:t>
+            </a:r>
+            <a:r>
+              <a:rPr lang="tr-TR" b="1" dirty="0">
+                <a:latin typeface="Euclid Circular B" panose="020B0504000000000000" pitchFamily="34" charset="0"/>
+                <a:ea typeface="Euclid Circular B" panose="020B0504000000000000" pitchFamily="34" charset="0"/>
+              </a:rPr>
+              <a:t>W</a:t>
+            </a:r>
+            <a:r>
+              <a:rPr lang="en-US" b="1" dirty="0" err="1">
                 <a:latin typeface="Euclid Circular B" panose="020B0504000000000000" pitchFamily="34" charset="0"/>
                 <a:ea typeface="Euclid Circular B" panose="020B0504000000000000" pitchFamily="34" charset="0"/>
               </a:rPr>
               <a:t>elcome</a:t>
             </a:r>
             <a:r>
+              <a:rPr lang="tr-TR" b="1" dirty="0">
+                <a:latin typeface="Euclid Circular B" panose="020B0504000000000000" pitchFamily="34" charset="0"/>
+                <a:ea typeface="Euclid Circular B" panose="020B0504000000000000" pitchFamily="34" charset="0"/>
+              </a:rPr>
+              <a:t> </a:t>
+            </a:r>
+            <a:r>
               <a:rPr lang="tr-TR" dirty="0">
                 <a:latin typeface="Euclid Circular B" panose="020B0504000000000000" pitchFamily="34" charset="0"/>
                 <a:ea typeface="Euclid Circular B" panose="020B0504000000000000" pitchFamily="34" charset="0"/>
               </a:rPr>
-              <a:t> (home)</a:t>
+              <a:t>(home)</a:t>
             </a:r>
             <a:r>
               <a:rPr lang="en-US" dirty="0">
@@ -7623,11 +7670,18 @@
           <a:p>
             <a:pPr lvl="1"/>
             <a:r>
+              <a:rPr lang="en-US" b="1" dirty="0">
+                <a:latin typeface="Euclid Circular B" panose="020B0504000000000000" pitchFamily="34" charset="0"/>
+                <a:ea typeface="Euclid Circular B" panose="020B0504000000000000" pitchFamily="34" charset="0"/>
+              </a:rPr>
+              <a:t>User </a:t>
+            </a:r>
+            <a:r>
               <a:rPr lang="en-US" dirty="0">
                 <a:latin typeface="Euclid Circular B" panose="020B0504000000000000" pitchFamily="34" charset="0"/>
                 <a:ea typeface="Euclid Circular B" panose="020B0504000000000000" pitchFamily="34" charset="0"/>
               </a:rPr>
-              <a:t>User management</a:t>
+              <a:t>management</a:t>
             </a:r>
             <a:r>
               <a:rPr lang="tr-TR" dirty="0">
@@ -7640,11 +7694,18 @@
           <a:p>
             <a:pPr lvl="1"/>
             <a:r>
+              <a:rPr lang="en-US" b="1" dirty="0">
+                <a:latin typeface="Euclid Circular B" panose="020B0504000000000000" pitchFamily="34" charset="0"/>
+                <a:ea typeface="Euclid Circular B" panose="020B0504000000000000" pitchFamily="34" charset="0"/>
+              </a:rPr>
+              <a:t>Tenant </a:t>
+            </a:r>
+            <a:r>
               <a:rPr lang="en-US" dirty="0">
                 <a:latin typeface="Euclid Circular B" panose="020B0504000000000000" pitchFamily="34" charset="0"/>
                 <a:ea typeface="Euclid Circular B" panose="020B0504000000000000" pitchFamily="34" charset="0"/>
               </a:rPr>
-              <a:t>Tenant management</a:t>
+              <a:t>management</a:t>
             </a:r>
             <a:r>
               <a:rPr lang="tr-TR" dirty="0">
@@ -7674,7 +7735,14 @@
                 <a:latin typeface="Euclid Circular B" panose="020B0504000000000000" pitchFamily="34" charset="0"/>
                 <a:ea typeface="Euclid Circular B" panose="020B0504000000000000" pitchFamily="34" charset="0"/>
               </a:rPr>
-              <a:t>Change password</a:t>
+              <a:t>Change </a:t>
+            </a:r>
+            <a:r>
+              <a:rPr lang="en-US" b="1" dirty="0">
+                <a:latin typeface="Euclid Circular B" panose="020B0504000000000000" pitchFamily="34" charset="0"/>
+                <a:ea typeface="Euclid Circular B" panose="020B0504000000000000" pitchFamily="34" charset="0"/>
+              </a:rPr>
+              <a:t>password</a:t>
             </a:r>
           </a:p>
           <a:p>
@@ -7684,14 +7752,28 @@
                 <a:latin typeface="Euclid Circular B" panose="020B0504000000000000" pitchFamily="34" charset="0"/>
                 <a:ea typeface="Euclid Circular B" panose="020B0504000000000000" pitchFamily="34" charset="0"/>
               </a:rPr>
-              <a:t>Change profile picture</a:t>
+              <a:t>Change </a:t>
+            </a:r>
+            <a:r>
+              <a:rPr lang="en-US" b="1" dirty="0">
+                <a:latin typeface="Euclid Circular B" panose="020B0504000000000000" pitchFamily="34" charset="0"/>
+                <a:ea typeface="Euclid Circular B" panose="020B0504000000000000" pitchFamily="34" charset="0"/>
+              </a:rPr>
+              <a:t>profile picture</a:t>
+            </a:r>
+            <a:r>
+              <a:rPr lang="tr-TR" b="1" dirty="0">
+                <a:latin typeface="Euclid Circular B" panose="020B0504000000000000" pitchFamily="34" charset="0"/>
+                <a:ea typeface="Euclid Circular B" panose="020B0504000000000000" pitchFamily="34" charset="0"/>
+              </a:rPr>
+              <a:t> </a:t>
             </a:r>
             <a:r>
               <a:rPr lang="tr-TR" dirty="0">
                 <a:latin typeface="Euclid Circular B" panose="020B0504000000000000" pitchFamily="34" charset="0"/>
                 <a:ea typeface="Euclid Circular B" panose="020B0504000000000000" pitchFamily="34" charset="0"/>
               </a:rPr>
-              <a:t> (camera, gallery, etc)</a:t>
+              <a:t>(camera, gallery, etc)</a:t>
             </a:r>
             <a:endParaRPr lang="en-US" dirty="0">
               <a:latin typeface="Euclid Circular B" panose="020B0504000000000000" pitchFamily="34" charset="0"/>
@@ -7705,14 +7787,28 @@
                 <a:latin typeface="Euclid Circular B" panose="020B0504000000000000" pitchFamily="34" charset="0"/>
                 <a:ea typeface="Euclid Circular B" panose="020B0504000000000000" pitchFamily="34" charset="0"/>
               </a:rPr>
-              <a:t>Change UI Theme</a:t>
+              <a:t>Change </a:t>
+            </a:r>
+            <a:r>
+              <a:rPr lang="en-US" b="1" dirty="0">
+                <a:latin typeface="Euclid Circular B" panose="020B0504000000000000" pitchFamily="34" charset="0"/>
+                <a:ea typeface="Euclid Circular B" panose="020B0504000000000000" pitchFamily="34" charset="0"/>
+              </a:rPr>
+              <a:t>UI Theme</a:t>
+            </a:r>
+            <a:r>
+              <a:rPr lang="tr-TR" b="1" dirty="0">
+                <a:latin typeface="Euclid Circular B" panose="020B0504000000000000" pitchFamily="34" charset="0"/>
+                <a:ea typeface="Euclid Circular B" panose="020B0504000000000000" pitchFamily="34" charset="0"/>
+              </a:rPr>
+              <a:t> </a:t>
             </a:r>
             <a:r>
               <a:rPr lang="tr-TR" dirty="0">
                 <a:latin typeface="Euclid Circular B" panose="020B0504000000000000" pitchFamily="34" charset="0"/>
                 <a:ea typeface="Euclid Circular B" panose="020B0504000000000000" pitchFamily="34" charset="0"/>
               </a:rPr>
-              <a:t> (light / dark)</a:t>
+              <a:t>(light / dark)</a:t>
             </a:r>
           </a:p>
           <a:p>
@@ -7729,8 +7825,60 @@
                 <a:latin typeface="Euclid Circular B" panose="020B0504000000000000" pitchFamily="34" charset="0"/>
                 <a:ea typeface="Euclid Circular B" panose="020B0504000000000000" pitchFamily="34" charset="0"/>
               </a:rPr>
-              <a:t>witch language</a:t>
-            </a:r>
+              <a:t>witch </a:t>
+            </a:r>
+            <a:r>
+              <a:rPr lang="en-US" b="1" dirty="0">
+                <a:latin typeface="Euclid Circular B" panose="020B0504000000000000" pitchFamily="34" charset="0"/>
+                <a:ea typeface="Euclid Circular B" panose="020B0504000000000000" pitchFamily="34" charset="0"/>
+              </a:rPr>
+              <a:t>language</a:t>
+            </a:r>
+            <a:endParaRPr lang="tr-TR" b="1" dirty="0">
+              <a:latin typeface="Euclid Circular B" panose="020B0504000000000000" pitchFamily="34" charset="0"/>
+              <a:ea typeface="Euclid Circular B" panose="020B0504000000000000" pitchFamily="34" charset="0"/>
+            </a:endParaRPr>
+          </a:p>
+          <a:p>
+            <a:pPr marL="0" indent="0">
+              <a:buNone/>
+            </a:pPr>
+            <a:endParaRPr lang="tr-TR" dirty="0">
+              <a:latin typeface="Euclid Circular B" panose="020B0504000000000000" pitchFamily="34" charset="0"/>
+              <a:ea typeface="Euclid Circular B" panose="020B0504000000000000" pitchFamily="34" charset="0"/>
+            </a:endParaRPr>
+          </a:p>
+          <a:p>
+            <a:pPr marL="0" indent="0">
+              <a:buNone/>
+            </a:pPr>
+            <a:r>
+              <a:rPr lang="tr-TR" sz="3300" b="1" i="1" dirty="0">
+                <a:solidFill>
+                  <a:srgbClr val="FF0000"/>
+                </a:solidFill>
+                <a:latin typeface="Euclid Circular B" panose="020B0504000000000000" pitchFamily="34" charset="0"/>
+                <a:ea typeface="Euclid Circular B" panose="020B0504000000000000" pitchFamily="34" charset="0"/>
+              </a:rPr>
+              <a:t>Full source code </a:t>
+            </a:r>
+            <a:r>
+              <a:rPr lang="tr-TR" sz="3300" i="1" dirty="0">
+                <a:solidFill>
+                  <a:srgbClr val="FF0000"/>
+                </a:solidFill>
+                <a:latin typeface="Euclid Circular B" panose="020B0504000000000000" pitchFamily="34" charset="0"/>
+                <a:ea typeface="Euclid Circular B" panose="020B0504000000000000" pitchFamily="34" charset="0"/>
+              </a:rPr>
+              <a:t>included in with startup template. No closed library!</a:t>
+            </a:r>
+            <a:endParaRPr lang="en-US" sz="3300" i="1" dirty="0">
+              <a:solidFill>
+                <a:srgbClr val="FF0000"/>
+              </a:solidFill>
+              <a:latin typeface="Euclid Circular B" panose="020B0504000000000000" pitchFamily="34" charset="0"/>
+              <a:ea typeface="Euclid Circular B" panose="020B0504000000000000" pitchFamily="34" charset="0"/>
+            </a:endParaRPr>
           </a:p>
         </p:txBody>
       </p:sp>
@@ -8207,7 +8355,7 @@
                                         <p:tgtEl>
                                           <p:spTgt spid="3">
                                             <p:txEl>
-                                              <p:pRg st="9" end="9"/>
+                                              <p:pRg st="7" end="7"/>
                                             </p:txEl>
                                           </p:spTgt>
                                         </p:tgtEl>
@@ -8225,7 +8373,7 @@
                                         <p:tgtEl>
                                           <p:spTgt spid="3">
                                             <p:txEl>
-                                              <p:pRg st="9" end="9"/>
+                                              <p:pRg st="7" end="7"/>
                                             </p:txEl>
                                           </p:spTgt>
                                         </p:tgtEl>
@@ -8268,7 +8416,7 @@
                                         <p:tgtEl>
                                           <p:spTgt spid="3">
                                             <p:txEl>
-                                              <p:pRg st="10" end="10"/>
+                                              <p:pRg st="8" end="8"/>
                                             </p:txEl>
                                           </p:spTgt>
                                         </p:tgtEl>
@@ -8286,7 +8434,7 @@
                                         <p:tgtEl>
                                           <p:spTgt spid="3">
                                             <p:txEl>
-                                              <p:pRg st="10" end="10"/>
+                                              <p:pRg st="8" end="8"/>
                                             </p:txEl>
                                           </p:spTgt>
                                         </p:tgtEl>
@@ -8329,7 +8477,7 @@
                                         <p:tgtEl>
                                           <p:spTgt spid="3">
                                             <p:txEl>
-                                              <p:pRg st="8" end="8"/>
+                                              <p:pRg st="9" end="9"/>
                                             </p:txEl>
                                           </p:spTgt>
                                         </p:tgtEl>
@@ -8347,7 +8495,7 @@
                                         <p:tgtEl>
                                           <p:spTgt spid="3">
                                             <p:txEl>
-                                              <p:pRg st="8" end="8"/>
+                                              <p:pRg st="9" end="9"/>
                                             </p:txEl>
                                           </p:spTgt>
                                         </p:tgtEl>
@@ -8390,7 +8538,7 @@
                                         <p:tgtEl>
                                           <p:spTgt spid="3">
                                             <p:txEl>
-                                              <p:pRg st="7" end="7"/>
+                                              <p:pRg st="10" end="10"/>
                                             </p:txEl>
                                           </p:spTgt>
                                         </p:tgtEl>
@@ -8408,7 +8556,68 @@
                                         <p:tgtEl>
                                           <p:spTgt spid="3">
                                             <p:txEl>
-                                              <p:pRg st="7" end="7"/>
+                                              <p:pRg st="10" end="10"/>
+                                            </p:txEl>
+                                          </p:spTgt>
+                                        </p:tgtEl>
+                                      </p:cBhvr>
+                                    </p:animEffect>
+                                  </p:childTnLst>
+                                </p:cTn>
+                              </p:par>
+                            </p:childTnLst>
+                          </p:cTn>
+                        </p:par>
+                      </p:childTnLst>
+                    </p:cTn>
+                  </p:par>
+                  <p:par>
+                    <p:cTn id="58" fill="hold">
+                      <p:stCondLst>
+                        <p:cond delay="indefinite"/>
+                      </p:stCondLst>
+                      <p:childTnLst>
+                        <p:par>
+                          <p:cTn id="59" fill="hold">
+                            <p:stCondLst>
+                              <p:cond delay="0"/>
+                            </p:stCondLst>
+                            <p:childTnLst>
+                              <p:par>
+                                <p:cTn id="60" presetID="10" presetClass="entr" presetSubtype="0" fill="hold" nodeType="clickEffect">
+                                  <p:stCondLst>
+                                    <p:cond delay="0"/>
+                                  </p:stCondLst>
+                                  <p:childTnLst>
+                                    <p:set>
+                                      <p:cBhvr>
+                                        <p:cTn id="61" dur="1" fill="hold">
+                                          <p:stCondLst>
+                                            <p:cond delay="0"/>
+                                          </p:stCondLst>
+                                        </p:cTn>
+                                        <p:tgtEl>
+                                          <p:spTgt spid="3">
+                                            <p:txEl>
+                                              <p:pRg st="12" end="12"/>
+                                            </p:txEl>
+                                          </p:spTgt>
+                                        </p:tgtEl>
+                                        <p:attrNameLst>
+                                          <p:attrName>style.visibility</p:attrName>
+                                        </p:attrNameLst>
+                                      </p:cBhvr>
+                                      <p:to>
+                                        <p:strVal val="visible"/>
+                                      </p:to>
+                                    </p:set>
+                                    <p:animEffect transition="in" filter="fade">
+                                      <p:cBhvr>
+                                        <p:cTn id="62" dur="500"/>
+                                        <p:tgtEl>
+                                          <p:spTgt spid="3">
+                                            <p:txEl>
+                                              <p:pRg st="12" end="12"/>
                                             </p:txEl>
                                           </p:spTgt>
                                         </p:tgtEl>

--- a/2023-07-27 ABP Community Talks 2023.5/ABP Mobile Options.pptx
+++ b/2023-07-27 ABP Community Talks 2023.5/ABP Mobile Options.pptx
@@ -8746,11 +8746,46 @@
           <a:lstStyle/>
           <a:p>
             <a:r>
+              <a:rPr lang="tr-TR" sz="3600" dirty="0">
+                <a:latin typeface="Euclid Circular B" panose="020B0504000000000000" pitchFamily="34" charset="0"/>
+                <a:ea typeface="Euclid Circular B" panose="020B0504000000000000" pitchFamily="34" charset="0"/>
+              </a:rPr>
+              <a:t>The </a:t>
+            </a:r>
+            <a:r>
               <a:rPr lang="en-US" sz="3600" dirty="0">
                 <a:latin typeface="Euclid Circular B" panose="020B0504000000000000" pitchFamily="34" charset="0"/>
                 <a:ea typeface="Euclid Circular B" panose="020B0504000000000000" pitchFamily="34" charset="0"/>
               </a:rPr>
-              <a:t>Last &amp; Next ABP Releases</a:t>
+              <a:t>Lat</a:t>
+            </a:r>
+            <a:r>
+              <a:rPr lang="tr-TR" sz="3600" dirty="0">
+                <a:latin typeface="Euclid Circular B" panose="020B0504000000000000" pitchFamily="34" charset="0"/>
+                <a:ea typeface="Euclid Circular B" panose="020B0504000000000000" pitchFamily="34" charset="0"/>
+              </a:rPr>
+              <a:t>est</a:t>
+            </a:r>
+            <a:r>
+              <a:rPr lang="en-US" sz="3600" dirty="0">
+                <a:latin typeface="Euclid Circular B" panose="020B0504000000000000" pitchFamily="34" charset="0"/>
+                <a:ea typeface="Euclid Circular B" panose="020B0504000000000000" pitchFamily="34" charset="0"/>
+              </a:rPr>
+              <a:t> &amp; </a:t>
+            </a:r>
+            <a:r>
+              <a:rPr lang="tr-TR" sz="3600" dirty="0">
+                <a:latin typeface="Euclid Circular B" panose="020B0504000000000000" pitchFamily="34" charset="0"/>
+                <a:ea typeface="Euclid Circular B" panose="020B0504000000000000" pitchFamily="34" charset="0"/>
+              </a:rPr>
+              <a:t>the </a:t>
+            </a:r>
+            <a:r>
+              <a:rPr lang="en-US" sz="3600" dirty="0">
+                <a:latin typeface="Euclid Circular B" panose="020B0504000000000000" pitchFamily="34" charset="0"/>
+                <a:ea typeface="Euclid Circular B" panose="020B0504000000000000" pitchFamily="34" charset="0"/>
+              </a:rPr>
+              <a:t>Next ABP Releases</a:t>
             </a:r>
           </a:p>
           <a:p>
@@ -8859,7 +8894,7 @@
                 <a:latin typeface="Euclid Circular B" panose="020B0504000000000000" pitchFamily="34" charset="0"/>
                 <a:ea typeface="Euclid Circular B" panose="020B0504000000000000" pitchFamily="34" charset="0"/>
               </a:rPr>
-              <a:t>Last &amp; Next ABP Releases</a:t>
+              <a:t>The Latest &amp; the Next ABP Releases</a:t>
             </a:r>
             <a:endParaRPr lang="en-US" sz="4000" dirty="0">
               <a:solidFill>
@@ -8978,11 +9013,18 @@
           <a:lstStyle/>
           <a:p>
             <a:r>
+              <a:rPr lang="tr-TR" b="1" dirty="0">
+                <a:latin typeface="Euclid Circular B" panose="020B0504000000000000" pitchFamily="34" charset="0"/>
+                <a:ea typeface="Euclid Circular B" panose="020B0504000000000000" pitchFamily="34" charset="0"/>
+              </a:rPr>
+              <a:t>7.3.0</a:t>
+            </a:r>
+            <a:r>
               <a:rPr lang="tr-TR" dirty="0">
                 <a:latin typeface="Euclid Circular B" panose="020B0504000000000000" pitchFamily="34" charset="0"/>
                 <a:ea typeface="Euclid Circular B" panose="020B0504000000000000" pitchFamily="34" charset="0"/>
               </a:rPr>
-              <a:t>Released at </a:t>
+              <a:t> was released at </a:t>
             </a:r>
             <a:r>
               <a:rPr lang="tr-TR" b="1" dirty="0">
@@ -8996,7 +9038,21 @@
                 <a:latin typeface="Euclid Circular B" panose="020B0504000000000000" pitchFamily="34" charset="0"/>
                 <a:ea typeface="Euclid Circular B" panose="020B0504000000000000" pitchFamily="34" charset="0"/>
               </a:rPr>
-              <a:t>, 2023.</a:t>
+              <a:t>, 2023. </a:t>
+            </a:r>
+            <a:r>
+              <a:rPr lang="tr-TR" b="1" dirty="0">
+                <a:latin typeface="Euclid Circular B" panose="020B0504000000000000" pitchFamily="34" charset="0"/>
+                <a:ea typeface="Euclid Circular B" panose="020B0504000000000000" pitchFamily="34" charset="0"/>
+              </a:rPr>
+              <a:t>7.3.1</a:t>
+            </a:r>
+            <a:r>
+              <a:rPr lang="tr-TR" dirty="0">
+                <a:latin typeface="Euclid Circular B" panose="020B0504000000000000" pitchFamily="34" charset="0"/>
+                <a:ea typeface="Euclid Circular B" panose="020B0504000000000000" pitchFamily="34" charset="0"/>
+              </a:rPr>
+              <a:t> has been released today!</a:t>
             </a:r>
           </a:p>
           <a:p>

--- a/2023-07-27 ABP Community Talks 2023.5/ABP Mobile Options.pptx
+++ b/2023-07-27 ABP Community Talks 2023.5/ABP Mobile Options.pptx
@@ -8803,8 +8803,19 @@
                 <a:latin typeface="Euclid Circular B" panose="020B0504000000000000" pitchFamily="34" charset="0"/>
                 <a:ea typeface="Euclid Circular B" panose="020B0504000000000000" pitchFamily="34" charset="0"/>
               </a:rPr>
-              <a:t>ABP Mobile Development</a:t>
-            </a:r>
+              <a:t>Mobile Development</a:t>
+            </a:r>
+            <a:r>
+              <a:rPr lang="tr-TR" sz="3600" dirty="0">
+                <a:latin typeface="Euclid Circular B" panose="020B0504000000000000" pitchFamily="34" charset="0"/>
+                <a:ea typeface="Euclid Circular B" panose="020B0504000000000000" pitchFamily="34" charset="0"/>
+              </a:rPr>
+              <a:t> with ABP</a:t>
+            </a:r>
+            <a:endParaRPr lang="en-US" sz="3600" dirty="0">
+              <a:latin typeface="Euclid Circular B" panose="020B0504000000000000" pitchFamily="34" charset="0"/>
+              <a:ea typeface="Euclid Circular B" panose="020B0504000000000000" pitchFamily="34" charset="0"/>
+            </a:endParaRPr>
           </a:p>
           <a:p>
             <a:endParaRPr lang="en-US" sz="3600" dirty="0">
@@ -9038,7 +9049,7 @@
                 <a:latin typeface="Euclid Circular B" panose="020B0504000000000000" pitchFamily="34" charset="0"/>
                 <a:ea typeface="Euclid Circular B" panose="020B0504000000000000" pitchFamily="34" charset="0"/>
               </a:rPr>
-              <a:t>, 2023. </a:t>
+              <a:t> &amp; </a:t>
             </a:r>
             <a:r>
               <a:rPr lang="tr-TR" b="1" dirty="0">
@@ -9196,7 +9207,7 @@
                 <a:latin typeface="Euclid Circular B" panose="020B0504000000000000" pitchFamily="34" charset="0"/>
                 <a:ea typeface="Euclid Circular B" panose="020B0504000000000000" pitchFamily="34" charset="0"/>
               </a:rPr>
-              <a:t>Many enhancements &amp; bug fixes (700+ commits)</a:t>
+              <a:t>Many enhancements &amp; bug fixes (800+ commits)</a:t>
             </a:r>
             <a:endParaRPr lang="en-US" dirty="0">
               <a:latin typeface="Euclid Circular B" panose="020B0504000000000000" pitchFamily="34" charset="0"/>
